--- a/Présentation.pptx
+++ b/Présentation.pptx
@@ -141,7 +141,7 @@
           <a:lstStyle/>
           <a:p>
             <a:pPr>
-              <a:defRPr sz="1862" b="0" i="0" u="none" strike="noStrike" kern="1200" spc="0" baseline="0">
+              <a:defRPr sz="1400" b="0" i="0" u="none" strike="noStrike" kern="1200" spc="0" baseline="0">
                 <a:solidFill>
                   <a:schemeClr val="tx1">
                     <a:lumMod val="65000"/>
@@ -173,7 +173,7 @@
         <a:lstStyle/>
         <a:p>
           <a:pPr>
-            <a:defRPr sz="1862" b="0" i="0" u="none" strike="noStrike" kern="1200" spc="0" baseline="0">
+            <a:defRPr sz="1400" b="0" i="0" u="none" strike="noStrike" kern="1200" spc="0" baseline="0">
               <a:solidFill>
                 <a:schemeClr val="tx1">
                   <a:lumMod val="65000"/>
@@ -210,9 +210,9 @@
             </c:strRef>
           </c:tx>
           <c:spPr>
-            <a:ln w="28575" cap="rnd">
+            <a:ln w="19050" cap="rnd">
               <a:solidFill>
-                <a:schemeClr val="accent2"/>
+                <a:schemeClr val="accent1"/>
               </a:solidFill>
               <a:round/>
             </a:ln>
@@ -594,361 +594,361 @@
                 <c:formatCode>General</c:formatCode>
                 <c:ptCount val="119"/>
                 <c:pt idx="0">
-                  <c:v>17.642979053000001</c:v>
+                  <c:v>16.882772496000001</c:v>
                 </c:pt>
                 <c:pt idx="1">
-                  <c:v>8.8426374719999998</c:v>
+                  <c:v>8.4881204769999989</c:v>
                 </c:pt>
                 <c:pt idx="2">
-                  <c:v>5.9631110569999999</c:v>
+                  <c:v>5.6811768374999998</c:v>
                 </c:pt>
                 <c:pt idx="3">
-                  <c:v>4.5183972360000002</c:v>
+                  <c:v>4.3296190445000002</c:v>
                 </c:pt>
                 <c:pt idx="4">
-                  <c:v>3.6495831129999998</c:v>
+                  <c:v>3.5314448155</c:v>
                 </c:pt>
                 <c:pt idx="5">
-                  <c:v>2.9654176090000002</c:v>
+                  <c:v>2.9317557399999998</c:v>
                 </c:pt>
                 <c:pt idx="6">
-                  <c:v>2.671653509</c:v>
+                  <c:v>2.5892002290000002</c:v>
                 </c:pt>
                 <c:pt idx="7">
-                  <c:v>2.5486903810000001</c:v>
+                  <c:v>2.3453123979999999</c:v>
                 </c:pt>
                 <c:pt idx="8">
-                  <c:v>1.990096211</c:v>
+                  <c:v>2.0171404420000001</c:v>
                 </c:pt>
                 <c:pt idx="9">
-                  <c:v>1.8180712880000001</c:v>
+                  <c:v>2.0019120739999998</c:v>
                 </c:pt>
                 <c:pt idx="10">
-                  <c:v>1.776446118</c:v>
+                  <c:v>1.96082884</c:v>
                 </c:pt>
                 <c:pt idx="11">
-                  <c:v>1.744702534</c:v>
+                  <c:v>1.953848907</c:v>
                 </c:pt>
                 <c:pt idx="12">
-                  <c:v>1.7197767980000001</c:v>
+                  <c:v>1.9416186470000001</c:v>
                 </c:pt>
                 <c:pt idx="13">
-                  <c:v>2.0778706809999998</c:v>
+                  <c:v>1.8009017105</c:v>
                 </c:pt>
                 <c:pt idx="14">
-                  <c:v>1.654442022</c:v>
+                  <c:v>1.72175027</c:v>
                 </c:pt>
                 <c:pt idx="15">
-                  <c:v>1.85466928</c:v>
+                  <c:v>1.596190094</c:v>
                 </c:pt>
                 <c:pt idx="16">
-                  <c:v>1.683630153</c:v>
+                  <c:v>1.5919876259999999</c:v>
                 </c:pt>
                 <c:pt idx="17">
-                  <c:v>1.4790505949999999</c:v>
+                  <c:v>1.5342329619999999</c:v>
                 </c:pt>
                 <c:pt idx="18">
-                  <c:v>1.5104301499999999</c:v>
+                  <c:v>1.5342329619999999</c:v>
                 </c:pt>
                 <c:pt idx="19">
-                  <c:v>1.436814941</c:v>
+                  <c:v>1.4803467344999999</c:v>
                 </c:pt>
                 <c:pt idx="20">
-                  <c:v>1.439719639</c:v>
+                  <c:v>1.4773475810000001</c:v>
                 </c:pt>
                 <c:pt idx="21">
-                  <c:v>1.520500596</c:v>
+                  <c:v>1.4593401515</c:v>
                 </c:pt>
                 <c:pt idx="22">
-                  <c:v>1.408464774</c:v>
+                  <c:v>1.4593401515</c:v>
                 </c:pt>
                 <c:pt idx="23">
-                  <c:v>1.0629908690000001</c:v>
+                  <c:v>1.4593401515</c:v>
                 </c:pt>
                 <c:pt idx="24">
-                  <c:v>1.4794891649999999</c:v>
+                  <c:v>1.4593401515</c:v>
                 </c:pt>
                 <c:pt idx="25">
-                  <c:v>1.5345559310000001</c:v>
+                  <c:v>1.4593401515</c:v>
                 </c:pt>
                 <c:pt idx="26">
-                  <c:v>1.0889692120000001</c:v>
+                  <c:v>1.4372095069999999</c:v>
                 </c:pt>
                 <c:pt idx="27">
-                  <c:v>1.5701273739999999</c:v>
+                  <c:v>1.2796211740000001</c:v>
                 </c:pt>
                 <c:pt idx="28">
-                  <c:v>1.4647293130000001</c:v>
+                  <c:v>1.2796211740000001</c:v>
                 </c:pt>
                 <c:pt idx="29">
-                  <c:v>1.4878684950000001</c:v>
+                  <c:v>1.2926718364999998</c:v>
                 </c:pt>
                 <c:pt idx="30">
-                  <c:v>1.054857647</c:v>
+                  <c:v>1.2926718364999998</c:v>
                 </c:pt>
                 <c:pt idx="31">
-                  <c:v>1.531981163</c:v>
+                  <c:v>1.4773475810000001</c:v>
                 </c:pt>
                 <c:pt idx="32">
-                  <c:v>1.476514731</c:v>
+                  <c:v>1.4908635855000001</c:v>
                 </c:pt>
                 <c:pt idx="33">
-                  <c:v>1.4939238669999999</c:v>
+                  <c:v>1.4908635855000001</c:v>
                 </c:pt>
                 <c:pt idx="34">
-                  <c:v>1.584632469</c:v>
+                  <c:v>1.4908635855000001</c:v>
                 </c:pt>
                 <c:pt idx="35">
-                  <c:v>1.0674392349999999</c:v>
+                  <c:v>1.4908635855000001</c:v>
                 </c:pt>
                 <c:pt idx="36">
-                  <c:v>1.121759849</c:v>
+                  <c:v>1.4943856874999999</c:v>
                 </c:pt>
                 <c:pt idx="37">
-                  <c:v>1.08142947</c:v>
+                  <c:v>1.4908635855000001</c:v>
                 </c:pt>
                 <c:pt idx="38">
-                  <c:v>1.5227740679999999</c:v>
+                  <c:v>1.4943856874999999</c:v>
                 </c:pt>
                 <c:pt idx="39">
-                  <c:v>1.542998978</c:v>
+                  <c:v>1.5032016925</c:v>
                 </c:pt>
                 <c:pt idx="40">
-                  <c:v>1.492329214</c:v>
+                  <c:v>1.5032016925</c:v>
                 </c:pt>
                 <c:pt idx="41">
-                  <c:v>1.5459993240000001</c:v>
+                  <c:v>1.4943856874999999</c:v>
                 </c:pt>
                 <c:pt idx="42">
-                  <c:v>1.096093813</c:v>
+                  <c:v>1.4943856874999999</c:v>
                 </c:pt>
                 <c:pt idx="43">
-                  <c:v>1.0560344340000001</c:v>
+                  <c:v>1.4908635855000001</c:v>
                 </c:pt>
                 <c:pt idx="44">
-                  <c:v>1.5241517979999999</c:v>
+                  <c:v>1.4800460690000001</c:v>
                 </c:pt>
                 <c:pt idx="45">
-                  <c:v>1.55579432</c:v>
+                  <c:v>1.481954215</c:v>
                 </c:pt>
                 <c:pt idx="46">
-                  <c:v>1.0520663189999999</c:v>
+                  <c:v>1.4908635855000001</c:v>
                 </c:pt>
                 <c:pt idx="47">
-                  <c:v>1.535270591</c:v>
+                  <c:v>1.5032016925</c:v>
                 </c:pt>
                 <c:pt idx="48">
-                  <c:v>1.4230085130000001</c:v>
+                  <c:v>1.5059942385</c:v>
                 </c:pt>
                 <c:pt idx="49">
-                  <c:v>1.0998896650000001</c:v>
+                  <c:v>1.5072766774999999</c:v>
                 </c:pt>
                 <c:pt idx="50">
-                  <c:v>1.079314409</c:v>
+                  <c:v>1.5032016925</c:v>
                 </c:pt>
                 <c:pt idx="51">
-                  <c:v>1.5403637969999999</c:v>
+                  <c:v>1.481954215</c:v>
                 </c:pt>
                 <c:pt idx="52">
-                  <c:v>1.4806649709999999</c:v>
+                  <c:v>1.5032016925</c:v>
                 </c:pt>
                 <c:pt idx="53">
-                  <c:v>1.603732911</c:v>
+                  <c:v>1.5032016925</c:v>
                 </c:pt>
                 <c:pt idx="54">
-                  <c:v>1.4928654400000001</c:v>
+                  <c:v>1.481954215</c:v>
                 </c:pt>
                 <c:pt idx="55">
-                  <c:v>1.444354938</c:v>
+                  <c:v>1.481954215</c:v>
                 </c:pt>
                 <c:pt idx="56">
-                  <c:v>1.591727106</c:v>
+                  <c:v>1.5032016925</c:v>
                 </c:pt>
                 <c:pt idx="57">
-                  <c:v>1.5636272920000001</c:v>
+                  <c:v>1.481954215</c:v>
                 </c:pt>
                 <c:pt idx="58">
-                  <c:v>1.5320106309999999</c:v>
+                  <c:v>1.481954215</c:v>
                 </c:pt>
                 <c:pt idx="59">
-                  <c:v>1.5738986880000001</c:v>
+                  <c:v>1.481954215</c:v>
                 </c:pt>
                 <c:pt idx="60">
-                  <c:v>1.0913364059999999</c:v>
+                  <c:v>1.481954215</c:v>
                 </c:pt>
                 <c:pt idx="61">
-                  <c:v>1.5390925790000001</c:v>
+                  <c:v>1.4800460690000001</c:v>
                 </c:pt>
                 <c:pt idx="62">
-                  <c:v>1.0865165560000001</c:v>
+                  <c:v>1.3493183040000001</c:v>
                 </c:pt>
                 <c:pt idx="63">
-                  <c:v>1.12096649</c:v>
+                  <c:v>1.481954215</c:v>
                 </c:pt>
                 <c:pt idx="64">
-                  <c:v>1.5497315199999999</c:v>
+                  <c:v>1.5086553985</c:v>
                 </c:pt>
                 <c:pt idx="65">
-                  <c:v>1.624711609</c:v>
+                  <c:v>1.378284732</c:v>
                 </c:pt>
                 <c:pt idx="66">
-                  <c:v>1.0676425899999999</c:v>
+                  <c:v>1.3493183040000001</c:v>
                 </c:pt>
                 <c:pt idx="67">
-                  <c:v>1.574406263</c:v>
+                  <c:v>1.3493183040000001</c:v>
                 </c:pt>
                 <c:pt idx="68">
-                  <c:v>1.0668455939999999</c:v>
+                  <c:v>1.3493183040000001</c:v>
                 </c:pt>
                 <c:pt idx="69">
-                  <c:v>1.5865535239999999</c:v>
+                  <c:v>1.378284732</c:v>
                 </c:pt>
                 <c:pt idx="70">
-                  <c:v>1.0959981169999999</c:v>
+                  <c:v>1.378284732</c:v>
                 </c:pt>
                 <c:pt idx="71">
-                  <c:v>1.1131457170000001</c:v>
+                  <c:v>1.3493183040000001</c:v>
                 </c:pt>
                 <c:pt idx="72">
-                  <c:v>1.5292406169999999</c:v>
+                  <c:v>1.378284732</c:v>
                 </c:pt>
                 <c:pt idx="73">
-                  <c:v>1.627764714</c:v>
+                  <c:v>1.540000477</c:v>
                 </c:pt>
                 <c:pt idx="74">
-                  <c:v>1.087776074</c:v>
+                  <c:v>1.540000477</c:v>
                 </c:pt>
                 <c:pt idx="75">
-                  <c:v>0.95449930599999999</c:v>
+                  <c:v>1.540000477</c:v>
                 </c:pt>
                 <c:pt idx="76">
-                  <c:v>1.5956817240000001</c:v>
+                  <c:v>1.540000477</c:v>
                 </c:pt>
                 <c:pt idx="77">
-                  <c:v>1.5858822699999999</c:v>
+                  <c:v>1.540000477</c:v>
                 </c:pt>
                 <c:pt idx="78">
-                  <c:v>1.595376683</c:v>
+                  <c:v>1.540000477</c:v>
                 </c:pt>
                 <c:pt idx="79">
-                  <c:v>1.0324444740000001</c:v>
+                  <c:v>1.540000477</c:v>
                 </c:pt>
                 <c:pt idx="80">
-                  <c:v>1.0859735189999999</c:v>
+                  <c:v>1.5412242935</c:v>
                 </c:pt>
                 <c:pt idx="81">
-                  <c:v>1.6320859619999999</c:v>
+                  <c:v>1.5495571635000001</c:v>
                 </c:pt>
                 <c:pt idx="82">
-                  <c:v>1.634654209</c:v>
+                  <c:v>1.5665390299999999</c:v>
                 </c:pt>
                 <c:pt idx="83">
-                  <c:v>1.5271794839999999</c:v>
+                  <c:v>1.5495571635000001</c:v>
                 </c:pt>
                 <c:pt idx="84">
-                  <c:v>1.590729598</c:v>
+                  <c:v>1.5495571635000001</c:v>
                 </c:pt>
                 <c:pt idx="85">
-                  <c:v>1.549283886</c:v>
+                  <c:v>1.5665390299999999</c:v>
                 </c:pt>
                 <c:pt idx="86">
-                  <c:v>1.5716195989999999</c:v>
+                  <c:v>1.5665390299999999</c:v>
                 </c:pt>
                 <c:pt idx="87">
-                  <c:v>1.4173154539999999</c:v>
+                  <c:v>1.5495571635000001</c:v>
                 </c:pt>
                 <c:pt idx="88">
-                  <c:v>1.4762569649999999</c:v>
+                  <c:v>1.5438461640000001</c:v>
                 </c:pt>
                 <c:pt idx="89">
-                  <c:v>1.559879464</c:v>
+                  <c:v>1.5438461640000001</c:v>
                 </c:pt>
                 <c:pt idx="90">
-                  <c:v>1.558363277</c:v>
+                  <c:v>1.5665390299999999</c:v>
                 </c:pt>
                 <c:pt idx="91">
-                  <c:v>1.5737264280000001</c:v>
+                  <c:v>1.5665390299999999</c:v>
                 </c:pt>
                 <c:pt idx="92">
-                  <c:v>1.091339091</c:v>
+                  <c:v>1.5438461640000001</c:v>
                 </c:pt>
                 <c:pt idx="93">
-                  <c:v>1.582039639</c:v>
+                  <c:v>1.5665390299999999</c:v>
                 </c:pt>
                 <c:pt idx="94">
-                  <c:v>1.594075691</c:v>
+                  <c:v>1.5438461640000001</c:v>
                 </c:pt>
                 <c:pt idx="95">
-                  <c:v>1.6179952689999999</c:v>
+                  <c:v>1.5665390299999999</c:v>
                 </c:pt>
                 <c:pt idx="96">
-                  <c:v>1.5389071700000001</c:v>
+                  <c:v>1.5438461640000001</c:v>
                 </c:pt>
                 <c:pt idx="97">
-                  <c:v>1.0756419340000001</c:v>
+                  <c:v>1.5665390299999999</c:v>
                 </c:pt>
                 <c:pt idx="98">
-                  <c:v>1.532929607</c:v>
+                  <c:v>1.5665390299999999</c:v>
                 </c:pt>
                 <c:pt idx="99">
-                  <c:v>1.578284255</c:v>
+                  <c:v>1.5438461640000001</c:v>
                 </c:pt>
                 <c:pt idx="100">
-                  <c:v>1.598007019</c:v>
+                  <c:v>1.5438461640000001</c:v>
                 </c:pt>
                 <c:pt idx="101">
-                  <c:v>1.0822638950000001</c:v>
+                  <c:v>1.5438461640000001</c:v>
                 </c:pt>
                 <c:pt idx="102">
-                  <c:v>1.5311670610000001</c:v>
+                  <c:v>1.5963046715</c:v>
                 </c:pt>
                 <c:pt idx="103">
-                  <c:v>1.365077015</c:v>
+                  <c:v>1.5963046715</c:v>
                 </c:pt>
                 <c:pt idx="104">
-                  <c:v>1.5199396890000001</c:v>
+                  <c:v>1.5963046715</c:v>
                 </c:pt>
                 <c:pt idx="105">
-                  <c:v>1.5425717649999999</c:v>
+                  <c:v>1.5967641340000001</c:v>
                 </c:pt>
                 <c:pt idx="106">
-                  <c:v>1.56559629</c:v>
+                  <c:v>1.5967641340000001</c:v>
                 </c:pt>
                 <c:pt idx="107">
-                  <c:v>1.5147348169999999</c:v>
+                  <c:v>1.5967641340000001</c:v>
                 </c:pt>
                 <c:pt idx="108">
-                  <c:v>1.5436703780000001</c:v>
+                  <c:v>1.5967641340000001</c:v>
                 </c:pt>
                 <c:pt idx="109">
-                  <c:v>1.5258524449999999</c:v>
+                  <c:v>1.5736308290000001</c:v>
                 </c:pt>
                 <c:pt idx="110">
-                  <c:v>1.612108426</c:v>
+                  <c:v>1.5708591090000001</c:v>
                 </c:pt>
                 <c:pt idx="111">
-                  <c:v>1.553534234</c:v>
+                  <c:v>1.5736308290000001</c:v>
                 </c:pt>
                 <c:pt idx="112">
-                  <c:v>1.561050869</c:v>
+                  <c:v>1.5708591090000001</c:v>
                 </c:pt>
                 <c:pt idx="113">
-                  <c:v>1.5908373039999999</c:v>
+                  <c:v>1.5736308290000001</c:v>
                 </c:pt>
                 <c:pt idx="114">
-                  <c:v>1.5842355850000001</c:v>
+                  <c:v>1.5708591090000001</c:v>
                 </c:pt>
                 <c:pt idx="115">
-                  <c:v>1.557874293</c:v>
+                  <c:v>1.5736308290000001</c:v>
                 </c:pt>
                 <c:pt idx="116">
-                  <c:v>1.1220640079999999</c:v>
+                  <c:v>1.5708591090000001</c:v>
                 </c:pt>
                 <c:pt idx="117">
-                  <c:v>1.5737014760000001</c:v>
+                  <c:v>1.5736308290000001</c:v>
                 </c:pt>
                 <c:pt idx="118">
-                  <c:v>1.580478193</c:v>
+                  <c:v>1.5865502679999999</c:v>
                 </c:pt>
               </c:numCache>
             </c:numRef>
@@ -956,7 +956,7 @@
           <c:smooth val="1"/>
           <c:extLst>
             <c:ext xmlns:c16="http://schemas.microsoft.com/office/drawing/2014/chart" uri="{C3380CC4-5D6E-409C-BE32-E72D297353CC}">
-              <c16:uniqueId val="{00000000-7943-4FF1-A8EB-E0638EFFE85B}"/>
+              <c16:uniqueId val="{00000000-4F27-4046-BCC7-21545A147DBF}"/>
             </c:ext>
           </c:extLst>
         </c:ser>
@@ -989,9 +989,9 @@
             </c:strRef>
           </c:tx>
           <c:spPr>
-            <a:ln w="28575" cap="rnd">
+            <a:ln w="19050" cap="rnd">
               <a:solidFill>
-                <a:schemeClr val="accent4"/>
+                <a:schemeClr val="accent2"/>
               </a:solidFill>
               <a:round/>
             </a:ln>
@@ -1376,358 +1376,358 @@
                   <c:v>1</c:v>
                 </c:pt>
                 <c:pt idx="1">
-                  <c:v>1.9952168240376327</c:v>
+                  <c:v>1.9889883210007133</c:v>
                 </c:pt>
                 <c:pt idx="2">
-                  <c:v>2.9586869814019634</c:v>
+                  <c:v>2.9717033950714447</c:v>
                 </c:pt>
                 <c:pt idx="3">
-                  <c:v>3.9046985316897005</c:v>
+                  <c:v>3.8993667393085119</c:v>
                 </c:pt>
                 <c:pt idx="4">
-                  <c:v>4.8342450375098505</c:v>
+                  <c:v>4.7806983764546391</c:v>
                 </c:pt>
                 <c:pt idx="5">
-                  <c:v>5.9495765451226204</c:v>
+                  <c:v>5.7585876837065566</c:v>
                 </c:pt>
                 <c:pt idx="6">
-                  <c:v>6.6037676643195278</c:v>
+                  <c:v>6.5204584438494582</c:v>
                 </c:pt>
                 <c:pt idx="7">
-                  <c:v>6.9223704787859051</c:v>
+                  <c:v>7.1985175665284666</c:v>
                 </c:pt>
                 <c:pt idx="8">
-                  <c:v>8.4908936895481428</c:v>
+                  <c:v>8.3696564425929054</c:v>
                 </c:pt>
                 <c:pt idx="9">
-                  <c:v>8.8653900024937045</c:v>
+                  <c:v>8.4333236785303498</c:v>
                 </c:pt>
                 <c:pt idx="10">
-                  <c:v>9.5127359056704712</c:v>
+                  <c:v>8.6100184532169575</c:v>
                 </c:pt>
                 <c:pt idx="11">
-                  <c:v>9.7042284147220972</c:v>
+                  <c:v>8.6407768970848071</c:v>
                 </c:pt>
                 <c:pt idx="12">
-                  <c:v>9.9316150792477913</c:v>
+                  <c:v>8.695205169195102</c:v>
                 </c:pt>
                 <c:pt idx="13">
-                  <c:v>10.112313537225596</c:v>
+                  <c:v>9.3746218339215694</c:v>
                 </c:pt>
                 <c:pt idx="14">
-                  <c:v>10.258877241231394</c:v>
+                  <c:v>9.8055872504669335</c:v>
                 </c:pt>
                 <c:pt idx="15">
-                  <c:v>10.479129885837819</c:v>
+                  <c:v>10.576918475726364</c:v>
                 </c:pt>
                 <c:pt idx="16">
-                  <c:v>10.664005639600468</c:v>
+                  <c:v>10.604839020275151</c:v>
                 </c:pt>
                 <c:pt idx="17">
-                  <c:v>11.236654646720401</c:v>
+                  <c:v>11.004047569146152</c:v>
                 </c:pt>
                 <c:pt idx="18">
-                  <c:v>11.497123497807523</c:v>
+                  <c:v>11.004047569146152</c:v>
                 </c:pt>
                 <c:pt idx="19">
-                  <c:v>11.603401603007331</c:v>
+                  <c:v>11.404606841452118</c:v>
                 </c:pt>
                 <c:pt idx="20">
-                  <c:v>11.603401603007331</c:v>
+                  <c:v>11.42775925796165</c:v>
                 </c:pt>
                 <c:pt idx="21">
-                  <c:v>11.680764617284687</c:v>
+                  <c:v>11.42775925796165</c:v>
                 </c:pt>
                 <c:pt idx="22">
-                  <c:v>11.809824745908555</c:v>
+                  <c:v>11.42775925796165</c:v>
                 </c:pt>
                 <c:pt idx="23">
-                  <c:v>11.809824745908555</c:v>
+                  <c:v>11.42775925796165</c:v>
                 </c:pt>
                 <c:pt idx="24">
-                  <c:v>11.857888726247948</c:v>
+                  <c:v>11.42775925796165</c:v>
                 </c:pt>
                 <c:pt idx="25">
-                  <c:v>11.925047827572298</c:v>
+                  <c:v>11.42775925796165</c:v>
                 </c:pt>
                 <c:pt idx="26">
-                  <c:v>11.928583858214804</c:v>
+                  <c:v>11.42775925796165</c:v>
                 </c:pt>
                 <c:pt idx="27">
-                  <c:v>11.928583858214804</c:v>
+                  <c:v>11.42775925796165</c:v>
                 </c:pt>
                 <c:pt idx="28">
-                  <c:v>11.928583858214804</c:v>
+                  <c:v>11.42775925796165</c:v>
                 </c:pt>
                 <c:pt idx="29">
-                  <c:v>11.925047827572298</c:v>
+                  <c:v>11.42775925796165</c:v>
                 </c:pt>
                 <c:pt idx="30">
-                  <c:v>11.925047827572298</c:v>
+                  <c:v>11.42775925796165</c:v>
                 </c:pt>
                 <c:pt idx="31">
-                  <c:v>11.925047827572298</c:v>
+                  <c:v>11.42775925796165</c:v>
                 </c:pt>
                 <c:pt idx="32">
-                  <c:v>11.925047827572298</c:v>
+                  <c:v>11.324156455493492</c:v>
                 </c:pt>
                 <c:pt idx="33">
-                  <c:v>11.925047827572298</c:v>
+                  <c:v>11.324156455493492</c:v>
                 </c:pt>
                 <c:pt idx="34">
-                  <c:v>11.857888726247948</c:v>
+                  <c:v>11.324156455493492</c:v>
                 </c:pt>
                 <c:pt idx="35">
-                  <c:v>11.857888726247948</c:v>
+                  <c:v>11.324156455493492</c:v>
                 </c:pt>
                 <c:pt idx="36">
-                  <c:v>11.822444328962927</c:v>
+                  <c:v>11.324156455493492</c:v>
                 </c:pt>
                 <c:pt idx="37">
-                  <c:v>11.857888726247948</c:v>
+                  <c:v>11.324156455493492</c:v>
                 </c:pt>
                 <c:pt idx="38">
-                  <c:v>11.857888726247948</c:v>
+                  <c:v>11.324156455493492</c:v>
                 </c:pt>
                 <c:pt idx="39">
-                  <c:v>11.949070796639415</c:v>
+                  <c:v>11.324156455493492</c:v>
                 </c:pt>
                 <c:pt idx="40">
-                  <c:v>11.857888726247948</c:v>
+                  <c:v>11.324156455493492</c:v>
                 </c:pt>
                 <c:pt idx="41">
-                  <c:v>11.915578066984608</c:v>
+                  <c:v>11.324156455493492</c:v>
                 </c:pt>
                 <c:pt idx="42">
-                  <c:v>11.822444328962927</c:v>
+                  <c:v>11.297466669560833</c:v>
                 </c:pt>
                 <c:pt idx="43">
-                  <c:v>11.822444328962927</c:v>
+                  <c:v>11.297466669560833</c:v>
                 </c:pt>
                 <c:pt idx="44">
-                  <c:v>11.822444328962927</c:v>
+                  <c:v>11.297466669560833</c:v>
                 </c:pt>
                 <c:pt idx="45">
-                  <c:v>11.822444328962927</c:v>
+                  <c:v>11.297466669560833</c:v>
                 </c:pt>
                 <c:pt idx="46">
-                  <c:v>11.822444328962927</c:v>
+                  <c:v>11.297466669560833</c:v>
                 </c:pt>
                 <c:pt idx="47">
-                  <c:v>11.818197796179138</c:v>
+                  <c:v>11.297466669560833</c:v>
                 </c:pt>
                 <c:pt idx="48">
-                  <c:v>11.586077950599828</c:v>
+                  <c:v>11.297466669560833</c:v>
                 </c:pt>
                 <c:pt idx="49">
-                  <c:v>11.586077950599828</c:v>
+                  <c:v>11.297466669560833</c:v>
                 </c:pt>
                 <c:pt idx="50">
-                  <c:v>11.575604920816426</c:v>
+                  <c:v>11.324156455493492</c:v>
                 </c:pt>
                 <c:pt idx="51">
-                  <c:v>11.818197796179138</c:v>
+                  <c:v>11.324156455493492</c:v>
                 </c:pt>
                 <c:pt idx="52">
-                  <c:v>11.818197796179138</c:v>
+                  <c:v>11.392236227756875</c:v>
                 </c:pt>
                 <c:pt idx="53">
-                  <c:v>11.818197796179138</c:v>
+                  <c:v>11.392236227756875</c:v>
                 </c:pt>
                 <c:pt idx="54">
-                  <c:v>11.575604920816426</c:v>
+                  <c:v>11.392236227756875</c:v>
                 </c:pt>
                 <c:pt idx="55">
-                  <c:v>11.575604920816426</c:v>
+                  <c:v>11.392236227756875</c:v>
                 </c:pt>
                 <c:pt idx="56">
-                  <c:v>11.51622495039984</c:v>
+                  <c:v>11.392236227756875</c:v>
                 </c:pt>
                 <c:pt idx="57">
-                  <c:v>11.818197796179138</c:v>
+                  <c:v>11.392236227756875</c:v>
                 </c:pt>
                 <c:pt idx="58">
-                  <c:v>11.51622495039984</c:v>
+                  <c:v>11.392236227756875</c:v>
                 </c:pt>
                 <c:pt idx="59">
-                  <c:v>11.818197796179138</c:v>
+                  <c:v>11.392236227756875</c:v>
                 </c:pt>
                 <c:pt idx="60">
-                  <c:v>11.818197796179138</c:v>
+                  <c:v>11.392236227756875</c:v>
                 </c:pt>
                 <c:pt idx="61">
-                  <c:v>11.537085045263353</c:v>
+                  <c:v>11.392236227756875</c:v>
                 </c:pt>
                 <c:pt idx="62">
-                  <c:v>11.51622495039984</c:v>
+                  <c:v>11.392236227756875</c:v>
                 </c:pt>
                 <c:pt idx="63">
-                  <c:v>11.537085045263353</c:v>
+                  <c:v>11.392236227756875</c:v>
                 </c:pt>
                 <c:pt idx="64">
-                  <c:v>11.537085045263353</c:v>
+                  <c:v>11.392236227756875</c:v>
                 </c:pt>
                 <c:pt idx="65">
-                  <c:v>11.537085045263353</c:v>
+                  <c:v>11.392236227756875</c:v>
                 </c:pt>
                 <c:pt idx="66">
-                  <c:v>11.51622495039984</c:v>
+                  <c:v>11.392236227756875</c:v>
                 </c:pt>
                 <c:pt idx="67">
-                  <c:v>11.463234436789524</c:v>
+                  <c:v>11.392236227756875</c:v>
                 </c:pt>
                 <c:pt idx="68">
-                  <c:v>11.51622495039984</c:v>
+                  <c:v>11.392236227756875</c:v>
                 </c:pt>
                 <c:pt idx="69">
-                  <c:v>11.537085045263353</c:v>
+                  <c:v>11.392236227756875</c:v>
                 </c:pt>
                 <c:pt idx="70">
-                  <c:v>11.537085045263353</c:v>
+                  <c:v>11.392236227756875</c:v>
                 </c:pt>
                 <c:pt idx="71">
-                  <c:v>11.537085045263353</c:v>
+                  <c:v>11.392236227756875</c:v>
                 </c:pt>
                 <c:pt idx="72">
-                  <c:v>11.537085045263353</c:v>
+                  <c:v>11.190608877803317</c:v>
                 </c:pt>
                 <c:pt idx="73">
-                  <c:v>11.537085045263353</c:v>
+                  <c:v>10.962835887485248</c:v>
                 </c:pt>
                 <c:pt idx="74">
-                  <c:v>11.387828410551222</c:v>
+                  <c:v>10.962835887485248</c:v>
                 </c:pt>
                 <c:pt idx="75">
-                  <c:v>11.384539080033683</c:v>
+                  <c:v>10.962835887485248</c:v>
                 </c:pt>
                 <c:pt idx="76">
-                  <c:v>11.387828410551222</c:v>
+                  <c:v>10.962835887485248</c:v>
                 </c:pt>
                 <c:pt idx="77">
-                  <c:v>11.537085045263353</c:v>
+                  <c:v>10.962835887485248</c:v>
                 </c:pt>
                 <c:pt idx="78">
-                  <c:v>11.387828410551222</c:v>
+                  <c:v>10.962835887485248</c:v>
                 </c:pt>
                 <c:pt idx="79">
-                  <c:v>11.387828410551222</c:v>
+                  <c:v>10.962835887485248</c:v>
                 </c:pt>
                 <c:pt idx="80">
-                  <c:v>11.321480243659515</c:v>
+                  <c:v>10.954130795369533</c:v>
                 </c:pt>
                 <c:pt idx="81">
-                  <c:v>11.387828410551222</c:v>
+                  <c:v>10.935527703264093</c:v>
                 </c:pt>
                 <c:pt idx="82">
-                  <c:v>11.321480243659515</c:v>
+                  <c:v>10.935527703264093</c:v>
                 </c:pt>
                 <c:pt idx="83">
-                  <c:v>11.310475879820931</c:v>
+                  <c:v>10.935527703264093</c:v>
                 </c:pt>
                 <c:pt idx="84">
-                  <c:v>11.225985641961953</c:v>
+                  <c:v>10.935527703264093</c:v>
                 </c:pt>
                 <c:pt idx="85">
-                  <c:v>11.310475879820931</c:v>
+                  <c:v>10.935527703264093</c:v>
                 </c:pt>
                 <c:pt idx="86">
-                  <c:v>11.310475879820931</c:v>
+                  <c:v>10.895224063800729</c:v>
                 </c:pt>
                 <c:pt idx="87">
-                  <c:v>11.310475879820931</c:v>
+                  <c:v>10.895224063800729</c:v>
                 </c:pt>
                 <c:pt idx="88">
-                  <c:v>11.310475879820931</c:v>
+                  <c:v>10.895224063800729</c:v>
                 </c:pt>
                 <c:pt idx="89">
-                  <c:v>11.310475879820931</c:v>
+                  <c:v>10.895224063800729</c:v>
                 </c:pt>
                 <c:pt idx="90">
-                  <c:v>11.321480243659515</c:v>
+                  <c:v>10.895224063800729</c:v>
                 </c:pt>
                 <c:pt idx="91">
-                  <c:v>11.321480243659515</c:v>
+                  <c:v>10.895224063800729</c:v>
                 </c:pt>
                 <c:pt idx="92">
-                  <c:v>11.321480243659515</c:v>
+                  <c:v>10.895224063800729</c:v>
                 </c:pt>
                 <c:pt idx="93">
-                  <c:v>11.387828410551222</c:v>
+                  <c:v>10.777115777319638</c:v>
                 </c:pt>
                 <c:pt idx="94">
-                  <c:v>11.437379740319571</c:v>
+                  <c:v>10.777115777319638</c:v>
                 </c:pt>
                 <c:pt idx="95">
-                  <c:v>11.387828410551222</c:v>
+                  <c:v>10.777115777319638</c:v>
                 </c:pt>
                 <c:pt idx="96">
-                  <c:v>11.437379740319571</c:v>
+                  <c:v>10.777115777319638</c:v>
                 </c:pt>
                 <c:pt idx="97">
-                  <c:v>11.437379740319571</c:v>
+                  <c:v>10.777115777319638</c:v>
                 </c:pt>
                 <c:pt idx="98">
-                  <c:v>11.464615538180903</c:v>
+                  <c:v>10.777115777319638</c:v>
                 </c:pt>
                 <c:pt idx="99">
-                  <c:v>11.437379740319571</c:v>
+                  <c:v>10.777115777319638</c:v>
                 </c:pt>
                 <c:pt idx="100">
-                  <c:v>11.429239884656257</c:v>
+                  <c:v>10.777115777319638</c:v>
                 </c:pt>
                 <c:pt idx="101">
-                  <c:v>11.429239884656257</c:v>
+                  <c:v>10.777115777319638</c:v>
                 </c:pt>
                 <c:pt idx="102">
-                  <c:v>11.429239884656257</c:v>
+                  <c:v>10.747477223942431</c:v>
                 </c:pt>
                 <c:pt idx="103">
-                  <c:v>11.429239884656257</c:v>
+                  <c:v>10.747477223942431</c:v>
                 </c:pt>
                 <c:pt idx="104">
-                  <c:v>11.356672203851803</c:v>
+                  <c:v>10.747477223942431</c:v>
                 </c:pt>
                 <c:pt idx="105">
-                  <c:v>11.429239884656257</c:v>
+                  <c:v>10.747477223942431</c:v>
                 </c:pt>
                 <c:pt idx="106">
-                  <c:v>11.429239884656257</c:v>
+                  <c:v>10.728547118467771</c:v>
                 </c:pt>
                 <c:pt idx="107">
-                  <c:v>11.429239884656257</c:v>
+                  <c:v>10.728547118467771</c:v>
                 </c:pt>
                 <c:pt idx="108">
-                  <c:v>11.356672203851803</c:v>
+                  <c:v>10.728547118467771</c:v>
                 </c:pt>
                 <c:pt idx="109">
-                  <c:v>11.356672203851803</c:v>
+                  <c:v>10.728547118467771</c:v>
                 </c:pt>
                 <c:pt idx="110">
-                  <c:v>11.356672203851803</c:v>
+                  <c:v>10.728547118467771</c:v>
                 </c:pt>
                 <c:pt idx="111">
-                  <c:v>11.325033818373688</c:v>
+                  <c:v>10.728547118467771</c:v>
                 </c:pt>
                 <c:pt idx="112">
-                  <c:v>11.301988553583772</c:v>
+                  <c:v>10.728547118467771</c:v>
                 </c:pt>
                 <c:pt idx="113">
-                  <c:v>11.301988553583772</c:v>
+                  <c:v>10.728547118467771</c:v>
                 </c:pt>
                 <c:pt idx="114">
-                  <c:v>11.21113459068777</c:v>
+                  <c:v>10.728547118467771</c:v>
                 </c:pt>
                 <c:pt idx="115">
-                  <c:v>11.256561572135771</c:v>
+                  <c:v>10.728547118467771</c:v>
                 </c:pt>
                 <c:pt idx="116">
-                  <c:v>11.21113459068777</c:v>
+                  <c:v>10.728547118467771</c:v>
                 </c:pt>
                 <c:pt idx="117">
-                  <c:v>11.187099242808092</c:v>
+                  <c:v>10.728547118467771</c:v>
                 </c:pt>
                 <c:pt idx="118">
-                  <c:v>11.21113459068777</c:v>
+                  <c:v>10.728547118467771</c:v>
                 </c:pt>
               </c:numCache>
             </c:numRef>
@@ -1735,7 +1735,7 @@
           <c:smooth val="1"/>
           <c:extLst>
             <c:ext xmlns:c16="http://schemas.microsoft.com/office/drawing/2014/chart" uri="{C3380CC4-5D6E-409C-BE32-E72D297353CC}">
-              <c16:uniqueId val="{00000001-7943-4FF1-A8EB-E0638EFFE85B}"/>
+              <c16:uniqueId val="{00000001-4F27-4046-BCC7-21545A147DBF}"/>
             </c:ext>
           </c:extLst>
         </c:ser>
@@ -1772,6 +1772,20 @@
             <a:effectLst/>
           </c:spPr>
         </c:majorGridlines>
+        <c:minorGridlines>
+          <c:spPr>
+            <a:ln w="9525" cap="flat" cmpd="sng" algn="ctr">
+              <a:solidFill>
+                <a:schemeClr val="tx1">
+                  <a:lumMod val="5000"/>
+                  <a:lumOff val="95000"/>
+                </a:schemeClr>
+              </a:solidFill>
+              <a:round/>
+            </a:ln>
+            <a:effectLst/>
+          </c:spPr>
+        </c:minorGridlines>
         <c:title>
           <c:tx>
             <c:rich>
@@ -1779,7 +1793,7 @@
               <a:lstStyle/>
               <a:p>
                 <a:pPr>
-                  <a:defRPr sz="1330" b="0" i="0" u="none" strike="noStrike" kern="1200" baseline="0">
+                  <a:defRPr sz="1000" b="0" i="0" u="none" strike="noStrike" kern="1200" baseline="0">
                     <a:solidFill>
                       <a:schemeClr val="tx1">
                         <a:lumMod val="65000"/>
@@ -1811,7 +1825,7 @@
             <a:lstStyle/>
             <a:p>
               <a:pPr>
-                <a:defRPr sz="1330" b="0" i="0" u="none" strike="noStrike" kern="1200" baseline="0">
+                <a:defRPr sz="1000" b="0" i="0" u="none" strike="noStrike" kern="1200" baseline="0">
                   <a:solidFill>
                     <a:schemeClr val="tx1">
                       <a:lumMod val="65000"/>
@@ -1833,8 +1847,14 @@
         <c:tickLblPos val="nextTo"/>
         <c:spPr>
           <a:noFill/>
-          <a:ln>
-            <a:noFill/>
+          <a:ln w="9525" cap="flat" cmpd="sng" algn="ctr">
+            <a:solidFill>
+              <a:schemeClr val="tx1">
+                <a:lumMod val="25000"/>
+                <a:lumOff val="75000"/>
+              </a:schemeClr>
+            </a:solidFill>
+            <a:round/>
           </a:ln>
           <a:effectLst/>
         </c:spPr>
@@ -1843,7 +1863,7 @@
           <a:lstStyle/>
           <a:p>
             <a:pPr>
-              <a:defRPr sz="1197" b="0" i="0" u="none" strike="noStrike" kern="1200" baseline="0">
+              <a:defRPr sz="900" b="0" i="0" u="none" strike="noStrike" kern="1200" baseline="0">
                 <a:solidFill>
                   <a:schemeClr val="tx1">
                     <a:lumMod val="65000"/>
@@ -1885,6 +1905,20 @@
             <a:effectLst/>
           </c:spPr>
         </c:majorGridlines>
+        <c:minorGridlines>
+          <c:spPr>
+            <a:ln w="9525" cap="flat" cmpd="sng" algn="ctr">
+              <a:solidFill>
+                <a:schemeClr val="tx1">
+                  <a:lumMod val="5000"/>
+                  <a:lumOff val="95000"/>
+                </a:schemeClr>
+              </a:solidFill>
+              <a:round/>
+            </a:ln>
+            <a:effectLst/>
+          </c:spPr>
+        </c:minorGridlines>
         <c:title>
           <c:tx>
             <c:rich>
@@ -1892,7 +1926,7 @@
               <a:lstStyle/>
               <a:p>
                 <a:pPr>
-                  <a:defRPr sz="1330" b="0" i="0" u="none" strike="noStrike" kern="1200" baseline="0">
+                  <a:defRPr sz="1000" b="0" i="0" u="none" strike="noStrike" kern="1200" baseline="0">
                     <a:solidFill>
                       <a:schemeClr val="tx1">
                         <a:lumMod val="65000"/>
@@ -1924,7 +1958,7 @@
             <a:lstStyle/>
             <a:p>
               <a:pPr>
-                <a:defRPr sz="1330" b="0" i="0" u="none" strike="noStrike" kern="1200" baseline="0">
+                <a:defRPr sz="1000" b="0" i="0" u="none" strike="noStrike" kern="1200" baseline="0">
                   <a:solidFill>
                     <a:schemeClr val="tx1">
                       <a:lumMod val="65000"/>
@@ -1946,8 +1980,14 @@
         <c:tickLblPos val="nextTo"/>
         <c:spPr>
           <a:noFill/>
-          <a:ln>
-            <a:noFill/>
+          <a:ln w="9525" cap="flat" cmpd="sng" algn="ctr">
+            <a:solidFill>
+              <a:schemeClr val="tx1">
+                <a:lumMod val="25000"/>
+                <a:lumOff val="75000"/>
+              </a:schemeClr>
+            </a:solidFill>
+            <a:round/>
           </a:ln>
           <a:effectLst/>
         </c:spPr>
@@ -1956,7 +1996,7 @@
           <a:lstStyle/>
           <a:p>
             <a:pPr>
-              <a:defRPr sz="1197" b="0" i="0" u="none" strike="noStrike" kern="1200" baseline="0">
+              <a:defRPr sz="900" b="0" i="0" u="none" strike="noStrike" kern="1200" baseline="0">
                 <a:solidFill>
                   <a:schemeClr val="tx1">
                     <a:lumMod val="65000"/>
@@ -1974,6 +2014,7 @@
         <c:crossAx val="589381528"/>
         <c:crosses val="autoZero"/>
         <c:crossBetween val="midCat"/>
+        <c:majorUnit val="5"/>
       </c:valAx>
       <c:valAx>
         <c:axId val="391515016"/>
@@ -1989,7 +2030,7 @@
               <a:lstStyle/>
               <a:p>
                 <a:pPr>
-                  <a:defRPr sz="1330" b="0" i="0" u="none" strike="noStrike" kern="1200" baseline="0">
+                  <a:defRPr sz="1000" b="0" i="0" u="none" strike="noStrike" kern="1200" baseline="0">
                     <a:solidFill>
                       <a:schemeClr val="tx1">
                         <a:lumMod val="65000"/>
@@ -2021,7 +2062,7 @@
             <a:lstStyle/>
             <a:p>
               <a:pPr>
-                <a:defRPr sz="1330" b="0" i="0" u="none" strike="noStrike" kern="1200" baseline="0">
+                <a:defRPr sz="1000" b="0" i="0" u="none" strike="noStrike" kern="1200" baseline="0">
                   <a:solidFill>
                     <a:schemeClr val="tx1">
                       <a:lumMod val="65000"/>
@@ -2038,13 +2079,19 @@
           </c:txPr>
         </c:title>
         <c:numFmt formatCode="General" sourceLinked="1"/>
-        <c:majorTickMark val="none"/>
+        <c:majorTickMark val="out"/>
         <c:minorTickMark val="none"/>
         <c:tickLblPos val="nextTo"/>
         <c:spPr>
           <a:noFill/>
-          <a:ln>
-            <a:noFill/>
+          <a:ln w="9525" cap="flat" cmpd="sng" algn="ctr">
+            <a:solidFill>
+              <a:schemeClr val="tx1">
+                <a:lumMod val="25000"/>
+                <a:lumOff val="75000"/>
+              </a:schemeClr>
+            </a:solidFill>
+            <a:round/>
           </a:ln>
           <a:effectLst/>
         </c:spPr>
@@ -2053,7 +2100,7 @@
           <a:lstStyle/>
           <a:p>
             <a:pPr>
-              <a:defRPr sz="1197" b="0" i="0" u="none" strike="noStrike" kern="1200" baseline="0">
+              <a:defRPr sz="900" b="0" i="0" u="none" strike="noStrike" kern="1200" baseline="0">
                 <a:solidFill>
                   <a:schemeClr val="tx1">
                     <a:lumMod val="65000"/>
@@ -2082,7 +2129,7 @@
         <c:delete val="1"/>
         <c:axPos val="b"/>
         <c:numFmt formatCode="General" sourceLinked="1"/>
-        <c:majorTickMark val="none"/>
+        <c:majorTickMark val="out"/>
         <c:minorTickMark val="none"/>
         <c:tickLblPos val="nextTo"/>
         <c:crossAx val="391515016"/>
@@ -2112,7 +2159,7 @@
         <a:lstStyle/>
         <a:p>
           <a:pPr>
-            <a:defRPr sz="1197" b="0" i="0" u="none" strike="noStrike" kern="1200" baseline="0">
+            <a:defRPr sz="900" b="0" i="0" u="none" strike="noStrike" kern="1200" baseline="0">
               <a:solidFill>
                 <a:schemeClr val="tx1">
                   <a:lumMod val="65000"/>
@@ -2176,7 +2223,7 @@
           <a:lstStyle/>
           <a:p>
             <a:pPr>
-              <a:defRPr sz="1862" b="0" i="0" u="none" strike="noStrike" kern="1200" spc="0" baseline="0">
+              <a:defRPr sz="1400" b="0" i="0" u="none" strike="noStrike" kern="1200" spc="0" baseline="0">
                 <a:solidFill>
                   <a:schemeClr val="tx1">
                     <a:lumMod val="65000"/>
@@ -2208,7 +2255,7 @@
         <a:lstStyle/>
         <a:p>
           <a:pPr>
-            <a:defRPr sz="1862" b="0" i="0" u="none" strike="noStrike" kern="1200" spc="0" baseline="0">
+            <a:defRPr sz="1400" b="0" i="0" u="none" strike="noStrike" kern="1200" spc="0" baseline="0">
               <a:solidFill>
                 <a:schemeClr val="tx1">
                   <a:lumMod val="65000"/>
@@ -2235,7 +2282,7 @@
           <c:order val="0"/>
           <c:tx>
             <c:strRef>
-              <c:f>Data!$E$1</c:f>
+              <c:f>Data!$D$1</c:f>
               <c:strCache>
                 <c:ptCount val="1"/>
                 <c:pt idx="0">
@@ -2245,9 +2292,9 @@
             </c:strRef>
           </c:tx>
           <c:spPr>
-            <a:ln w="28575" cap="rnd">
+            <a:ln w="19050" cap="rnd">
               <a:solidFill>
-                <a:schemeClr val="accent2"/>
+                <a:schemeClr val="accent1"/>
               </a:solidFill>
               <a:round/>
             </a:ln>
@@ -2624,366 +2671,366 @@
           </c:xVal>
           <c:yVal>
             <c:numRef>
-              <c:f>Data!$E$2:$E$120</c:f>
+              <c:f>Data!$D$2:$D$120</c:f>
               <c:numCache>
                 <c:formatCode>General</c:formatCode>
                 <c:ptCount val="119"/>
                 <c:pt idx="0">
-                  <c:v>323.81729331299999</c:v>
+                  <c:v>300.50826065850003</c:v>
                 </c:pt>
                 <c:pt idx="1">
-                  <c:v>162.934595395</c:v>
+                  <c:v>151.164007731</c:v>
                 </c:pt>
                 <c:pt idx="2">
-                  <c:v>111.367189169</c:v>
+                  <c:v>103.11944396999999</c:v>
                 </c:pt>
                 <c:pt idx="3">
-                  <c:v>82.585906559999998</c:v>
+                  <c:v>76.616317589499999</c:v>
                 </c:pt>
                 <c:pt idx="4">
-                  <c:v>68.682507201999996</c:v>
+                  <c:v>63.169826529999995</c:v>
                 </c:pt>
                 <c:pt idx="5">
-                  <c:v>59.989342114999999</c:v>
+                  <c:v>54.431947010999998</c:v>
                 </c:pt>
                 <c:pt idx="6">
-                  <c:v>52.737536695999999</c:v>
+                  <c:v>47.942036490500001</c:v>
                 </c:pt>
                 <c:pt idx="7">
-                  <c:v>47.708707240000003</c:v>
+                  <c:v>43.915567938999999</c:v>
                 </c:pt>
                 <c:pt idx="8">
-                  <c:v>41.907269556000003</c:v>
+                  <c:v>40.515100193500004</c:v>
                 </c:pt>
                 <c:pt idx="9">
-                  <c:v>35.392892207999999</c:v>
+                  <c:v>35.175210186500003</c:v>
                 </c:pt>
                 <c:pt idx="10">
-                  <c:v>37.473825060000003</c:v>
+                  <c:v>32.502404115499999</c:v>
                 </c:pt>
                 <c:pt idx="11">
-                  <c:v>32.325583504000001</c:v>
+                  <c:v>32.022716532499999</c:v>
                 </c:pt>
                 <c:pt idx="12">
-                  <c:v>33.793015439999998</c:v>
+                  <c:v>31.961212771</c:v>
                 </c:pt>
                 <c:pt idx="13">
-                  <c:v>28.781763632000001</c:v>
+                  <c:v>28.506106183</c:v>
                 </c:pt>
                 <c:pt idx="14">
-                  <c:v>29.470759049000002</c:v>
+                  <c:v>26.020204775</c:v>
                 </c:pt>
                 <c:pt idx="15">
-                  <c:v>27.211449420000001</c:v>
+                  <c:v>26.010249202499999</c:v>
                 </c:pt>
                 <c:pt idx="16">
-                  <c:v>27.108905385</c:v>
+                  <c:v>26.0077036725</c:v>
                 </c:pt>
                 <c:pt idx="17">
-                  <c:v>24.087750826000001</c:v>
+                  <c:v>25.855403992500001</c:v>
                 </c:pt>
                 <c:pt idx="18">
-                  <c:v>27.184788944000001</c:v>
+                  <c:v>25.772394832499998</c:v>
                 </c:pt>
                 <c:pt idx="19">
-                  <c:v>27.219548612000001</c:v>
+                  <c:v>25.752937422999999</c:v>
                 </c:pt>
                 <c:pt idx="20">
-                  <c:v>27.561464427000001</c:v>
+                  <c:v>25.752937422999999</c:v>
                 </c:pt>
                 <c:pt idx="21">
-                  <c:v>27.294959037999998</c:v>
+                  <c:v>25.645633959999998</c:v>
                 </c:pt>
                 <c:pt idx="22">
-                  <c:v>23.856407762</c:v>
+                  <c:v>25.595673571500001</c:v>
                 </c:pt>
                 <c:pt idx="23">
-                  <c:v>27.650841572000001</c:v>
+                  <c:v>25.595673571500001</c:v>
                 </c:pt>
                 <c:pt idx="24">
-                  <c:v>24.035302003000002</c:v>
+                  <c:v>25.645633959999998</c:v>
                 </c:pt>
                 <c:pt idx="25">
-                  <c:v>27.335991570000001</c:v>
+                  <c:v>25.645633959999998</c:v>
                 </c:pt>
                 <c:pt idx="26">
-                  <c:v>24.329638315</c:v>
+                  <c:v>25.752937422999999</c:v>
                 </c:pt>
                 <c:pt idx="27">
-                  <c:v>24.280144685</c:v>
+                  <c:v>25.752937422999999</c:v>
                 </c:pt>
                 <c:pt idx="28">
-                  <c:v>27.498320256</c:v>
+                  <c:v>25.703174675500001</c:v>
                 </c:pt>
                 <c:pt idx="29">
-                  <c:v>27.060963343000001</c:v>
+                  <c:v>25.4094279535</c:v>
                 </c:pt>
                 <c:pt idx="30">
-                  <c:v>27.682325713000001</c:v>
+                  <c:v>25.344972677500003</c:v>
                 </c:pt>
                 <c:pt idx="31">
-                  <c:v>26.490182777000001</c:v>
+                  <c:v>25.4094279535</c:v>
                 </c:pt>
                 <c:pt idx="32">
-                  <c:v>27.700997813000001</c:v>
+                  <c:v>25.660000526000001</c:v>
                 </c:pt>
                 <c:pt idx="33">
-                  <c:v>26.868720308</c:v>
+                  <c:v>25.4094279535</c:v>
                 </c:pt>
                 <c:pt idx="34">
-                  <c:v>27.221712828000001</c:v>
+                  <c:v>25.4094279535</c:v>
                 </c:pt>
                 <c:pt idx="35">
-                  <c:v>27.078244649999998</c:v>
+                  <c:v>25.4094279535</c:v>
                 </c:pt>
                 <c:pt idx="36">
-                  <c:v>24.034944353</c:v>
+                  <c:v>25.660000526000001</c:v>
                 </c:pt>
                 <c:pt idx="37">
-                  <c:v>26.837558058999999</c:v>
+                  <c:v>25.703174675500001</c:v>
                 </c:pt>
                 <c:pt idx="38">
-                  <c:v>23.508792476</c:v>
+                  <c:v>25.703174675500001</c:v>
                 </c:pt>
                 <c:pt idx="39">
-                  <c:v>25.820941601000001</c:v>
+                  <c:v>25.703174675500001</c:v>
                 </c:pt>
                 <c:pt idx="40">
-                  <c:v>27.422752589000002</c:v>
+                  <c:v>25.703174675500001</c:v>
                 </c:pt>
                 <c:pt idx="41">
-                  <c:v>26.981032978000002</c:v>
+                  <c:v>25.758147024499998</c:v>
                 </c:pt>
                 <c:pt idx="42">
-                  <c:v>23.242681838999999</c:v>
+                  <c:v>25.758147024499998</c:v>
                 </c:pt>
                 <c:pt idx="43">
-                  <c:v>21.846545078999998</c:v>
+                  <c:v>25.703174675500001</c:v>
                 </c:pt>
                 <c:pt idx="44">
-                  <c:v>27.055361570999999</c:v>
+                  <c:v>25.660000526000001</c:v>
                 </c:pt>
                 <c:pt idx="45">
-                  <c:v>27.100846402999998</c:v>
+                  <c:v>25.641455299</c:v>
                 </c:pt>
                 <c:pt idx="46">
-                  <c:v>27.241249626999998</c:v>
+                  <c:v>25.660000526000001</c:v>
                 </c:pt>
                 <c:pt idx="47">
-                  <c:v>26.786893713000001</c:v>
+                  <c:v>25.660000526000001</c:v>
                 </c:pt>
                 <c:pt idx="48">
-                  <c:v>26.941819066000001</c:v>
+                  <c:v>25.660000526000001</c:v>
                 </c:pt>
                 <c:pt idx="49">
-                  <c:v>23.091988765</c:v>
+                  <c:v>25.660000526000001</c:v>
                 </c:pt>
                 <c:pt idx="50">
-                  <c:v>26.677815362</c:v>
+                  <c:v>25.645591656000001</c:v>
                 </c:pt>
                 <c:pt idx="51">
-                  <c:v>27.094189427</c:v>
+                  <c:v>25.645591656000001</c:v>
                 </c:pt>
                 <c:pt idx="52">
-                  <c:v>24.083252995999999</c:v>
+                  <c:v>25.758147024499998</c:v>
                 </c:pt>
                 <c:pt idx="53">
-                  <c:v>23.143610872</c:v>
+                  <c:v>25.758147024499998</c:v>
                 </c:pt>
                 <c:pt idx="54">
-                  <c:v>26.939623962999999</c:v>
+                  <c:v>25.758147024499998</c:v>
                 </c:pt>
                 <c:pt idx="55">
-                  <c:v>27.133846683000002</c:v>
+                  <c:v>25.645591656000001</c:v>
                 </c:pt>
                 <c:pt idx="56">
-                  <c:v>27.136640692</c:v>
+                  <c:v>25.641455299</c:v>
                 </c:pt>
                 <c:pt idx="57">
-                  <c:v>24.300853298</c:v>
+                  <c:v>25.630700910000002</c:v>
                 </c:pt>
                 <c:pt idx="58">
-                  <c:v>26.064098649999998</c:v>
+                  <c:v>25.415092520999998</c:v>
                 </c:pt>
                 <c:pt idx="59">
-                  <c:v>26.379415546000001</c:v>
+                  <c:v>25.630700910000002</c:v>
                 </c:pt>
                 <c:pt idx="60">
-                  <c:v>27.130077857</c:v>
+                  <c:v>25.415092520999998</c:v>
                 </c:pt>
                 <c:pt idx="61">
-                  <c:v>27.269068884999999</c:v>
+                  <c:v>25.415092520999998</c:v>
                 </c:pt>
                 <c:pt idx="62">
-                  <c:v>23.126835303</c:v>
+                  <c:v>25.630700910000002</c:v>
                 </c:pt>
                 <c:pt idx="63">
-                  <c:v>26.952976531000001</c:v>
+                  <c:v>25.630700910000002</c:v>
                 </c:pt>
                 <c:pt idx="64">
-                  <c:v>23.830696296999999</c:v>
+                  <c:v>25.645591656000001</c:v>
                 </c:pt>
                 <c:pt idx="65">
-                  <c:v>22.209588133</c:v>
+                  <c:v>25.645591656000001</c:v>
                 </c:pt>
                 <c:pt idx="66">
-                  <c:v>26.437624392</c:v>
+                  <c:v>25.630700910000002</c:v>
                 </c:pt>
                 <c:pt idx="67">
-                  <c:v>27.433712927999998</c:v>
+                  <c:v>25.630700910000002</c:v>
                 </c:pt>
                 <c:pt idx="68">
-                  <c:v>27.548544127</c:v>
+                  <c:v>25.645591656000001</c:v>
                 </c:pt>
                 <c:pt idx="69">
-                  <c:v>26.856371446000001</c:v>
+                  <c:v>25.630700910000002</c:v>
                 </c:pt>
                 <c:pt idx="70">
-                  <c:v>26.996026139000001</c:v>
+                  <c:v>24.410560435000001</c:v>
                 </c:pt>
                 <c:pt idx="71">
-                  <c:v>26.815124948000001</c:v>
+                  <c:v>24.410560435000001</c:v>
                 </c:pt>
                 <c:pt idx="72">
-                  <c:v>23.221947784000001</c:v>
+                  <c:v>24.410560435000001</c:v>
                 </c:pt>
                 <c:pt idx="73">
-                  <c:v>27.467409655000001</c:v>
+                  <c:v>24.284436863499998</c:v>
                 </c:pt>
                 <c:pt idx="74">
-                  <c:v>27.289069600000001</c:v>
+                  <c:v>24.410560435000001</c:v>
                 </c:pt>
                 <c:pt idx="75">
-                  <c:v>23.068989108</c:v>
+                  <c:v>24.410560435000001</c:v>
                 </c:pt>
                 <c:pt idx="76">
-                  <c:v>23.706517918999999</c:v>
+                  <c:v>24.410560435000001</c:v>
                 </c:pt>
                 <c:pt idx="77">
-                  <c:v>26.698825500000002</c:v>
+                  <c:v>24.575614462499999</c:v>
                 </c:pt>
                 <c:pt idx="78">
-                  <c:v>22.119592110999999</c:v>
+                  <c:v>24.410560435000001</c:v>
                 </c:pt>
                 <c:pt idx="79">
-                  <c:v>23.817524904999999</c:v>
+                  <c:v>24.575614462499999</c:v>
                 </c:pt>
                 <c:pt idx="80">
-                  <c:v>26.677811287000001</c:v>
+                  <c:v>24.575614462499999</c:v>
                 </c:pt>
                 <c:pt idx="81">
-                  <c:v>23.219076318999999</c:v>
+                  <c:v>24.575614462499999</c:v>
                 </c:pt>
                 <c:pt idx="82">
-                  <c:v>20.031806041999999</c:v>
+                  <c:v>24.575614462499999</c:v>
                 </c:pt>
                 <c:pt idx="83">
-                  <c:v>26.70451693</c:v>
+                  <c:v>24.575614462499999</c:v>
                 </c:pt>
                 <c:pt idx="84">
-                  <c:v>22.793210786</c:v>
+                  <c:v>24.575614462499999</c:v>
                 </c:pt>
                 <c:pt idx="85">
-                  <c:v>24.242227391</c:v>
+                  <c:v>24.931816794</c:v>
                 </c:pt>
                 <c:pt idx="86">
-                  <c:v>26.307680804</c:v>
+                  <c:v>24.931816794</c:v>
                 </c:pt>
                 <c:pt idx="87">
-                  <c:v>22.323056634</c:v>
+                  <c:v>24.575614462499999</c:v>
                 </c:pt>
                 <c:pt idx="88">
-                  <c:v>26.962381347000001</c:v>
+                  <c:v>24.931816794</c:v>
                 </c:pt>
                 <c:pt idx="89">
-                  <c:v>27.013401209000001</c:v>
+                  <c:v>24.931816794</c:v>
                 </c:pt>
                 <c:pt idx="90">
-                  <c:v>27.215435241000002</c:v>
+                  <c:v>24.575614462499999</c:v>
                 </c:pt>
                 <c:pt idx="91">
-                  <c:v>19.994675206</c:v>
+                  <c:v>24.931816794</c:v>
                 </c:pt>
                 <c:pt idx="92">
-                  <c:v>28.234522291000001</c:v>
+                  <c:v>25.001336575499998</c:v>
                 </c:pt>
                 <c:pt idx="93">
-                  <c:v>24.907998649</c:v>
+                  <c:v>24.931816794</c:v>
                 </c:pt>
                 <c:pt idx="94">
-                  <c:v>26.757456449999999</c:v>
+                  <c:v>25.001336575499998</c:v>
                 </c:pt>
                 <c:pt idx="95">
-                  <c:v>23.095168858000001</c:v>
+                  <c:v>25.601473281000001</c:v>
                 </c:pt>
                 <c:pt idx="96">
-                  <c:v>23.30514385</c:v>
+                  <c:v>25.633842663499998</c:v>
                 </c:pt>
                 <c:pt idx="97">
-                  <c:v>25.150818268999998</c:v>
+                  <c:v>25.6847106775</c:v>
                 </c:pt>
                 <c:pt idx="98">
-                  <c:v>26.982892502999999</c:v>
+                  <c:v>25.633842663499998</c:v>
                 </c:pt>
                 <c:pt idx="99">
-                  <c:v>23.222189336</c:v>
+                  <c:v>25.633842663499998</c:v>
                 </c:pt>
                 <c:pt idx="100">
-                  <c:v>26.410768965999999</c:v>
+                  <c:v>25.633842663499998</c:v>
                 </c:pt>
                 <c:pt idx="101">
-                  <c:v>27.083335777999999</c:v>
+                  <c:v>25.633842663499998</c:v>
                 </c:pt>
                 <c:pt idx="102">
-                  <c:v>24.038786827999999</c:v>
+                  <c:v>25.485130754499998</c:v>
                 </c:pt>
                 <c:pt idx="103">
-                  <c:v>26.358944753999999</c:v>
+                  <c:v>25.633842663499998</c:v>
                 </c:pt>
                 <c:pt idx="104">
-                  <c:v>26.377840857999999</c:v>
+                  <c:v>25.485130754499998</c:v>
                 </c:pt>
                 <c:pt idx="105">
-                  <c:v>26.680185114</c:v>
+                  <c:v>25.485130754499998</c:v>
                 </c:pt>
                 <c:pt idx="106">
-                  <c:v>27.397978903999999</c:v>
+                  <c:v>25.485130754499998</c:v>
                 </c:pt>
                 <c:pt idx="107">
-                  <c:v>23.970645315999999</c:v>
+                  <c:v>25.485130754499998</c:v>
                 </c:pt>
                 <c:pt idx="108">
-                  <c:v>27.258092778000002</c:v>
+                  <c:v>25.485130754499998</c:v>
                 </c:pt>
                 <c:pt idx="109">
-                  <c:v>26.693629068</c:v>
+                  <c:v>25.633842663499998</c:v>
                 </c:pt>
                 <c:pt idx="110">
-                  <c:v>25.993446990999999</c:v>
+                  <c:v>25.584920715999999</c:v>
                 </c:pt>
                 <c:pt idx="111">
-                  <c:v>24.549348597000002</c:v>
+                  <c:v>25.485130754499998</c:v>
                 </c:pt>
                 <c:pt idx="112">
-                  <c:v>27.084563974999998</c:v>
+                  <c:v>25.584920715999999</c:v>
                 </c:pt>
                 <c:pt idx="113">
-                  <c:v>21.758534019999999</c:v>
+                  <c:v>25.485130754499998</c:v>
                 </c:pt>
                 <c:pt idx="114">
-                  <c:v>23.894231995999998</c:v>
+                  <c:v>25.179172133750001</c:v>
                 </c:pt>
                 <c:pt idx="115">
-                  <c:v>23.105453045000001</c:v>
+                  <c:v>24.873213513</c:v>
                 </c:pt>
                 <c:pt idx="116">
-                  <c:v>24.815104562999998</c:v>
+                  <c:v>24.786447620750003</c:v>
                 </c:pt>
                 <c:pt idx="117">
-                  <c:v>24.076198520999998</c:v>
+                  <c:v>24.873213513</c:v>
                 </c:pt>
                 <c:pt idx="118">
-                  <c:v>27.130765492999998</c:v>
+                  <c:v>24.786447620750003</c:v>
                 </c:pt>
               </c:numCache>
             </c:numRef>
@@ -2991,7 +3038,7 @@
           <c:smooth val="1"/>
           <c:extLst>
             <c:ext xmlns:c16="http://schemas.microsoft.com/office/drawing/2014/chart" uri="{C3380CC4-5D6E-409C-BE32-E72D297353CC}">
-              <c16:uniqueId val="{00000000-8E8C-4D4C-AD5B-548F4D7FDA30}"/>
+              <c16:uniqueId val="{00000000-D753-4DAA-BC73-3A85D1BC982D}"/>
             </c:ext>
           </c:extLst>
         </c:ser>
@@ -3014,7 +3061,7 @@
           <c:order val="1"/>
           <c:tx>
             <c:strRef>
-              <c:f>Data!$F$1</c:f>
+              <c:f>Data!$E$1</c:f>
               <c:strCache>
                 <c:ptCount val="1"/>
                 <c:pt idx="0">
@@ -3024,9 +3071,9 @@
             </c:strRef>
           </c:tx>
           <c:spPr>
-            <a:ln w="28575" cap="rnd">
+            <a:ln w="19050" cap="rnd">
               <a:solidFill>
-                <a:schemeClr val="accent4"/>
+                <a:schemeClr val="accent2"/>
               </a:solidFill>
               <a:round/>
             </a:ln>
@@ -3403,7 +3450,7 @@
           </c:xVal>
           <c:yVal>
             <c:numRef>
-              <c:f>Data!$F$2:$F$120</c:f>
+              <c:f>Data!$E$2:$E$120</c:f>
               <c:numCache>
                 <c:formatCode>General</c:formatCode>
                 <c:ptCount val="119"/>
@@ -3411,358 +3458,358 @@
                   <c:v>1</c:v>
                 </c:pt>
                 <c:pt idx="1">
-                  <c:v>1.9874066187599655</c:v>
+                  <c:v>1.9879617189910825</c:v>
                 </c:pt>
                 <c:pt idx="2">
-                  <c:v>2.9076543614799006</c:v>
+                  <c:v>2.9141765033753027</c:v>
                 </c:pt>
                 <c:pt idx="3">
-                  <c:v>3.9209752220585177</c:v>
+                  <c:v>3.9222488121731871</c:v>
                 </c:pt>
                 <c:pt idx="4">
-                  <c:v>4.7146982034396467</c:v>
+                  <c:v>4.7571487396088639</c:v>
                 </c:pt>
                 <c:pt idx="5">
-                  <c:v>5.3979137276124805</c:v>
+                  <c:v>5.5208067533900849</c:v>
                 </c:pt>
                 <c:pt idx="6">
-                  <c:v>6.1401672053742447</c:v>
+                  <c:v>6.2681580228250739</c:v>
                 </c:pt>
                 <c:pt idx="7">
-                  <c:v>6.7873835206648536</c:v>
+                  <c:v>6.8428640402855487</c:v>
                 </c:pt>
                 <c:pt idx="8">
-                  <c:v>7.7269957394930779</c:v>
+                  <c:v>7.4171915958068331</c:v>
                 </c:pt>
                 <c:pt idx="9">
-                  <c:v>8.6411593370714197</c:v>
+                  <c:v>8.5431830844846797</c:v>
                 </c:pt>
                 <c:pt idx="10">
-                  <c:v>9.1492181935842538</c:v>
+                  <c:v>9.245724088304943</c:v>
                 </c:pt>
                 <c:pt idx="11">
-                  <c:v>9.5823734312181283</c:v>
+                  <c:v>9.384221365277142</c:v>
                 </c:pt>
                 <c:pt idx="12">
-                  <c:v>10.017368851916642</c:v>
+                  <c:v>9.4022796572715208</c:v>
                 </c:pt>
                 <c:pt idx="13">
-                  <c:v>10.987748662143391</c:v>
+                  <c:v>10.541890875215786</c:v>
                 </c:pt>
                 <c:pt idx="14">
-                  <c:v>11.250780093023035</c:v>
+                  <c:v>11.549035192345062</c:v>
                 </c:pt>
                 <c:pt idx="15">
-                  <c:v>11.710938072890565</c:v>
+                  <c:v>11.553455651997998</c:v>
                 </c:pt>
                 <c:pt idx="16">
-                  <c:v>11.74891465475903</c:v>
+                  <c:v>11.554586458021326</c:v>
                 </c:pt>
                 <c:pt idx="17">
-                  <c:v>11.775893592712981</c:v>
+                  <c:v>11.622648044705466</c:v>
                 </c:pt>
                 <c:pt idx="18">
-                  <c:v>11.845822109060594</c:v>
+                  <c:v>11.660082914745173</c:v>
                 </c:pt>
                 <c:pt idx="19">
-                  <c:v>11.845822109060594</c:v>
+                  <c:v>11.668892589709612</c:v>
                 </c:pt>
                 <c:pt idx="20">
-                  <c:v>11.863629942150933</c:v>
+                  <c:v>11.668892589709612</c:v>
                 </c:pt>
                 <c:pt idx="21">
-                  <c:v>11.863629942150933</c:v>
+                  <c:v>11.668892589709612</c:v>
                 </c:pt>
                 <c:pt idx="22">
-                  <c:v>11.896497547730899</c:v>
+                  <c:v>11.668892589709612</c:v>
                 </c:pt>
                 <c:pt idx="23">
-                  <c:v>11.896497547730899</c:v>
+                  <c:v>11.691484201947294</c:v>
                 </c:pt>
                 <c:pt idx="24">
-                  <c:v>11.900038410853602</c:v>
+                  <c:v>11.711155670242874</c:v>
                 </c:pt>
                 <c:pt idx="25">
-                  <c:v>11.911708933258804</c:v>
+                  <c:v>11.711155670242874</c:v>
                 </c:pt>
                 <c:pt idx="26">
-                  <c:v>11.945052325579173</c:v>
+                  <c:v>11.711155670242874</c:v>
                 </c:pt>
                 <c:pt idx="27">
-                  <c:v>11.958577725347496</c:v>
+                  <c:v>11.711155670242874</c:v>
                 </c:pt>
                 <c:pt idx="28">
-                  <c:v>11.966214550775167</c:v>
+                  <c:v>11.711155670242874</c:v>
                 </c:pt>
                 <c:pt idx="29">
-                  <c:v>11.958577725347496</c:v>
+                  <c:v>11.711155670242874</c:v>
                 </c:pt>
                 <c:pt idx="30">
-                  <c:v>11.966214550775167</c:v>
+                  <c:v>11.711155670242874</c:v>
                 </c:pt>
                 <c:pt idx="31">
-                  <c:v>12.001664042182394</c:v>
+                  <c:v>11.711155670242874</c:v>
                 </c:pt>
                 <c:pt idx="32">
-                  <c:v>12.05183163176496</c:v>
+                  <c:v>11.711155670242874</c:v>
                 </c:pt>
                 <c:pt idx="33">
-                  <c:v>12.05183163176496</c:v>
+                  <c:v>11.711155670242874</c:v>
                 </c:pt>
                 <c:pt idx="34">
-                  <c:v>12.001664042182394</c:v>
+                  <c:v>11.711155670242874</c:v>
                 </c:pt>
                 <c:pt idx="35">
-                  <c:v>12.001664042182394</c:v>
+                  <c:v>11.711155670242874</c:v>
                 </c:pt>
                 <c:pt idx="36">
-                  <c:v>12.001664042182394</c:v>
+                  <c:v>11.711155670242874</c:v>
                 </c:pt>
                 <c:pt idx="37">
-                  <c:v>12.019132506225256</c:v>
+                  <c:v>11.711155670242874</c:v>
                 </c:pt>
                 <c:pt idx="38">
-                  <c:v>12.019132506225256</c:v>
+                  <c:v>11.711155670242874</c:v>
                 </c:pt>
                 <c:pt idx="39">
-                  <c:v>12.019132506225256</c:v>
+                  <c:v>11.711155670242874</c:v>
                 </c:pt>
                 <c:pt idx="40">
-                  <c:v>12.019132506225256</c:v>
+                  <c:v>11.711155670242874</c:v>
                 </c:pt>
                 <c:pt idx="41">
-                  <c:v>12.05183163176496</c:v>
+                  <c:v>11.711155670242874</c:v>
                 </c:pt>
                 <c:pt idx="42">
-                  <c:v>12.065825534540672</c:v>
+                  <c:v>11.711155670242874</c:v>
                 </c:pt>
                 <c:pt idx="43">
-                  <c:v>12.05183163176496</c:v>
+                  <c:v>11.711155670242874</c:v>
                 </c:pt>
                 <c:pt idx="44">
-                  <c:v>12.05183163176496</c:v>
+                  <c:v>11.711155670242874</c:v>
                 </c:pt>
                 <c:pt idx="45">
-                  <c:v>12.020111852999291</c:v>
+                  <c:v>11.711155670242874</c:v>
                 </c:pt>
                 <c:pt idx="46">
-                  <c:v>12.065825534540672</c:v>
+                  <c:v>11.711155670242874</c:v>
                 </c:pt>
                 <c:pt idx="47">
-                  <c:v>12.088646663642361</c:v>
+                  <c:v>11.711155670242874</c:v>
                 </c:pt>
                 <c:pt idx="48">
-                  <c:v>12.088646663642361</c:v>
+                  <c:v>11.711155670242874</c:v>
                 </c:pt>
                 <c:pt idx="49">
-                  <c:v>12.088646663642361</c:v>
+                  <c:v>11.711155670242874</c:v>
                 </c:pt>
                 <c:pt idx="50">
-                  <c:v>12.020111852999291</c:v>
+                  <c:v>11.711155670242874</c:v>
                 </c:pt>
                 <c:pt idx="51">
-                  <c:v>12.020111852999291</c:v>
+                  <c:v>11.711155670242874</c:v>
                 </c:pt>
                 <c:pt idx="52">
-                  <c:v>12.020111852999291</c:v>
+                  <c:v>11.717735534800719</c:v>
                 </c:pt>
                 <c:pt idx="53">
-                  <c:v>12.088646663642361</c:v>
+                  <c:v>11.717735534800719</c:v>
                 </c:pt>
                 <c:pt idx="54">
-                  <c:v>12.088646663642361</c:v>
+                  <c:v>11.717735534800719</c:v>
                 </c:pt>
                 <c:pt idx="55">
-                  <c:v>12.088646663642361</c:v>
+                  <c:v>11.717735534800719</c:v>
                 </c:pt>
                 <c:pt idx="56">
-                  <c:v>12.088646663642361</c:v>
+                  <c:v>11.717735534800719</c:v>
                 </c:pt>
                 <c:pt idx="57">
-                  <c:v>12.088646663642361</c:v>
+                  <c:v>11.717735534800719</c:v>
                 </c:pt>
                 <c:pt idx="58">
-                  <c:v>12.088646663642361</c:v>
+                  <c:v>11.717735534800719</c:v>
                 </c:pt>
                 <c:pt idx="59">
-                  <c:v>12.057373199655737</c:v>
+                  <c:v>11.719625783885194</c:v>
                 </c:pt>
                 <c:pt idx="60">
-                  <c:v>12.075919614059147</c:v>
+                  <c:v>11.724543223133418</c:v>
                 </c:pt>
                 <c:pt idx="61">
-                  <c:v>12.075919614059147</c:v>
+                  <c:v>11.724543223133418</c:v>
                 </c:pt>
                 <c:pt idx="62">
-                  <c:v>12.057373199655737</c:v>
+                  <c:v>11.724543223133418</c:v>
                 </c:pt>
                 <c:pt idx="63">
-                  <c:v>12.057373199655737</c:v>
+                  <c:v>11.724543223133418</c:v>
                 </c:pt>
                 <c:pt idx="64">
-                  <c:v>12.057373199655737</c:v>
+                  <c:v>11.724543223133418</c:v>
                 </c:pt>
                 <c:pt idx="65">
-                  <c:v>12.057373199655737</c:v>
+                  <c:v>11.724543223133418</c:v>
                 </c:pt>
                 <c:pt idx="66">
-                  <c:v>12.075919614059147</c:v>
+                  <c:v>11.724543223133418</c:v>
                 </c:pt>
                 <c:pt idx="67">
-                  <c:v>12.128522032289396</c:v>
+                  <c:v>11.824008132576967</c:v>
                 </c:pt>
                 <c:pt idx="68">
-                  <c:v>12.248350627561937</c:v>
+                  <c:v>11.824008132576967</c:v>
                 </c:pt>
                 <c:pt idx="69">
-                  <c:v>12.1380757150342</c:v>
+                  <c:v>11.824008132576967</c:v>
                 </c:pt>
                 <c:pt idx="70">
-                  <c:v>12.1380757150342</c:v>
+                  <c:v>12.22790425513252</c:v>
                 </c:pt>
                 <c:pt idx="71">
-                  <c:v>12.1380757150342</c:v>
+                  <c:v>12.22790425513252</c:v>
                 </c:pt>
                 <c:pt idx="72">
-                  <c:v>12.1380757150342</c:v>
+                  <c:v>12.22790425513252</c:v>
                 </c:pt>
                 <c:pt idx="73">
-                  <c:v>12.248350627561937</c:v>
+                  <c:v>12.22790425513252</c:v>
                 </c:pt>
                 <c:pt idx="74">
-                  <c:v>12.248350627561937</c:v>
+                  <c:v>12.22790425513252</c:v>
                 </c:pt>
                 <c:pt idx="75">
-                  <c:v>12.308849865008419</c:v>
+                  <c:v>12.22790425513252</c:v>
                 </c:pt>
                 <c:pt idx="76">
-                  <c:v>12.308849865008419</c:v>
+                  <c:v>12.22790425513252</c:v>
                 </c:pt>
                 <c:pt idx="77">
-                  <c:v>12.248350627561937</c:v>
+                  <c:v>12.22790425513252</c:v>
                 </c:pt>
                 <c:pt idx="78">
-                  <c:v>12.1380757150342</c:v>
+                  <c:v>12.22790425513252</c:v>
                 </c:pt>
                 <c:pt idx="79">
-                  <c:v>12.1380757150342</c:v>
+                  <c:v>12.22790425513252</c:v>
                 </c:pt>
                 <c:pt idx="80">
-                  <c:v>12.308849865008419</c:v>
+                  <c:v>12.22790425513252</c:v>
                 </c:pt>
                 <c:pt idx="81">
-                  <c:v>12.308849865008419</c:v>
+                  <c:v>12.22790425513252</c:v>
                 </c:pt>
                 <c:pt idx="82">
-                  <c:v>13.000534401667014</c:v>
+                  <c:v>12.22790425513252</c:v>
                 </c:pt>
                 <c:pt idx="83">
-                  <c:v>13.000534401667014</c:v>
+                  <c:v>12.22790425513252</c:v>
                 </c:pt>
                 <c:pt idx="84">
-                  <c:v>13.000534401667014</c:v>
+                  <c:v>12.22790425513252</c:v>
                 </c:pt>
                 <c:pt idx="85">
-                  <c:v>13.357571814263988</c:v>
+                  <c:v>12.22790425513252</c:v>
                 </c:pt>
                 <c:pt idx="86">
-                  <c:v>13.357571814263988</c:v>
+                  <c:v>12.22790425513252</c:v>
                 </c:pt>
                 <c:pt idx="87">
-                  <c:v>13.000534401667014</c:v>
+                  <c:v>12.053203468542224</c:v>
                 </c:pt>
                 <c:pt idx="88">
-                  <c:v>13.000534401667014</c:v>
+                  <c:v>12.053203468542224</c:v>
                 </c:pt>
                 <c:pt idx="89">
-                  <c:v>13.000534401667014</c:v>
+                  <c:v>12.053203468542224</c:v>
                 </c:pt>
                 <c:pt idx="90">
-                  <c:v>12.875020202111104</c:v>
+                  <c:v>12.053203468542224</c:v>
                 </c:pt>
                 <c:pt idx="91">
-                  <c:v>12.875020202111104</c:v>
+                  <c:v>12.053203468542224</c:v>
                 </c:pt>
                 <c:pt idx="92">
-                  <c:v>12.875020202111104</c:v>
+                  <c:v>12.053203468542224</c:v>
                 </c:pt>
                 <c:pt idx="93">
-                  <c:v>12.308849865008419</c:v>
+                  <c:v>12.019687817529819</c:v>
                 </c:pt>
                 <c:pt idx="94">
-                  <c:v>12.284911112151422</c:v>
+                  <c:v>12.019687817529819</c:v>
                 </c:pt>
                 <c:pt idx="95">
-                  <c:v>12.284911112151422</c:v>
+                  <c:v>11.791513394744433</c:v>
                 </c:pt>
                 <c:pt idx="96">
-                  <c:v>12.284911112151422</c:v>
+                  <c:v>11.791513394744433</c:v>
                 </c:pt>
                 <c:pt idx="97">
-                  <c:v>12.276110658799093</c:v>
+                  <c:v>11.791513394744433</c:v>
                 </c:pt>
                 <c:pt idx="98">
-                  <c:v>12.260805193891454</c:v>
+                  <c:v>11.791513394744433</c:v>
                 </c:pt>
                 <c:pt idx="99">
-                  <c:v>12.260805193891454</c:v>
+                  <c:v>11.791513394744433</c:v>
                 </c:pt>
                 <c:pt idx="100">
-                  <c:v>12.276110658799093</c:v>
+                  <c:v>11.791513394744433</c:v>
                 </c:pt>
                 <c:pt idx="101">
-                  <c:v>12.276110658799093</c:v>
+                  <c:v>11.791513394744433</c:v>
                 </c:pt>
                 <c:pt idx="102">
-                  <c:v>12.284911112151422</c:v>
+                  <c:v>11.791513394744433</c:v>
                 </c:pt>
                 <c:pt idx="103">
-                  <c:v>12.284911112151422</c:v>
+                  <c:v>11.791513394744433</c:v>
                 </c:pt>
                 <c:pt idx="104">
-                  <c:v>12.457651092797306</c:v>
+                  <c:v>11.791513394744433</c:v>
                 </c:pt>
                 <c:pt idx="105">
-                  <c:v>12.457651092797306</c:v>
+                  <c:v>11.791513394744433</c:v>
                 </c:pt>
                 <c:pt idx="106">
-                  <c:v>12.875020202111104</c:v>
+                  <c:v>11.791513394744433</c:v>
                 </c:pt>
                 <c:pt idx="107">
-                  <c:v>12.457651092797306</c:v>
+                  <c:v>11.791513394744433</c:v>
                 </c:pt>
                 <c:pt idx="108">
-                  <c:v>12.284911112151422</c:v>
+                  <c:v>11.791513394744433</c:v>
                 </c:pt>
                 <c:pt idx="109">
-                  <c:v>12.284911112151422</c:v>
+                  <c:v>11.791513394744433</c:v>
                 </c:pt>
                 <c:pt idx="110">
-                  <c:v>12.457651092797306</c:v>
+                  <c:v>11.791513394744433</c:v>
                 </c:pt>
                 <c:pt idx="111">
-                  <c:v>12.457651092797306</c:v>
+                  <c:v>11.791513394744433</c:v>
                 </c:pt>
                 <c:pt idx="112">
-                  <c:v>13.049201243174307</c:v>
+                  <c:v>11.791513394744433</c:v>
                 </c:pt>
                 <c:pt idx="113">
-                  <c:v>13.049201243174307</c:v>
+                  <c:v>11.791513394744433</c:v>
                 </c:pt>
                 <c:pt idx="114">
-                  <c:v>13.190463772736168</c:v>
+                  <c:v>11.934795118053174</c:v>
                 </c:pt>
                 <c:pt idx="115">
-                  <c:v>13.320074536061236</c:v>
+                  <c:v>12.008198449137534</c:v>
                 </c:pt>
                 <c:pt idx="116">
-                  <c:v>13.449685299386305</c:v>
+                  <c:v>12.081601780221893</c:v>
                 </c:pt>
                 <c:pt idx="117">
-                  <c:v>13.500898338932473</c:v>
+                  <c:v>12.081601780221893</c:v>
                 </c:pt>
                 <c:pt idx="118">
-                  <c:v>13.449685299386305</c:v>
+                  <c:v>12.081601780221893</c:v>
                 </c:pt>
               </c:numCache>
             </c:numRef>
@@ -3770,7 +3817,7 @@
           <c:smooth val="1"/>
           <c:extLst>
             <c:ext xmlns:c16="http://schemas.microsoft.com/office/drawing/2014/chart" uri="{C3380CC4-5D6E-409C-BE32-E72D297353CC}">
-              <c16:uniqueId val="{00000001-8E8C-4D4C-AD5B-548F4D7FDA30}"/>
+              <c16:uniqueId val="{00000001-D753-4DAA-BC73-3A85D1BC982D}"/>
             </c:ext>
           </c:extLst>
         </c:ser>
@@ -3807,6 +3854,20 @@
             <a:effectLst/>
           </c:spPr>
         </c:majorGridlines>
+        <c:minorGridlines>
+          <c:spPr>
+            <a:ln w="9525" cap="flat" cmpd="sng" algn="ctr">
+              <a:solidFill>
+                <a:schemeClr val="tx1">
+                  <a:lumMod val="5000"/>
+                  <a:lumOff val="95000"/>
+                </a:schemeClr>
+              </a:solidFill>
+              <a:round/>
+            </a:ln>
+            <a:effectLst/>
+          </c:spPr>
+        </c:minorGridlines>
         <c:title>
           <c:tx>
             <c:rich>
@@ -3814,7 +3875,7 @@
               <a:lstStyle/>
               <a:p>
                 <a:pPr>
-                  <a:defRPr sz="1330" b="0" i="0" u="none" strike="noStrike" kern="1200" baseline="0">
+                  <a:defRPr sz="1000" b="0" i="0" u="none" strike="noStrike" kern="1200" baseline="0">
                     <a:solidFill>
                       <a:schemeClr val="tx1">
                         <a:lumMod val="65000"/>
@@ -3846,7 +3907,7 @@
             <a:lstStyle/>
             <a:p>
               <a:pPr>
-                <a:defRPr sz="1330" b="0" i="0" u="none" strike="noStrike" kern="1200" baseline="0">
+                <a:defRPr sz="1000" b="0" i="0" u="none" strike="noStrike" kern="1200" baseline="0">
                   <a:solidFill>
                     <a:schemeClr val="tx1">
                       <a:lumMod val="65000"/>
@@ -3868,8 +3929,14 @@
         <c:tickLblPos val="nextTo"/>
         <c:spPr>
           <a:noFill/>
-          <a:ln>
-            <a:noFill/>
+          <a:ln w="9525" cap="flat" cmpd="sng" algn="ctr">
+            <a:solidFill>
+              <a:schemeClr val="tx1">
+                <a:lumMod val="25000"/>
+                <a:lumOff val="75000"/>
+              </a:schemeClr>
+            </a:solidFill>
+            <a:round/>
           </a:ln>
           <a:effectLst/>
         </c:spPr>
@@ -3878,7 +3945,7 @@
           <a:lstStyle/>
           <a:p>
             <a:pPr>
-              <a:defRPr sz="1197" b="0" i="0" u="none" strike="noStrike" kern="1200" baseline="0">
+              <a:defRPr sz="900" b="0" i="0" u="none" strike="noStrike" kern="1200" baseline="0">
                 <a:solidFill>
                   <a:schemeClr val="tx1">
                     <a:lumMod val="65000"/>
@@ -3920,6 +3987,20 @@
             <a:effectLst/>
           </c:spPr>
         </c:majorGridlines>
+        <c:minorGridlines>
+          <c:spPr>
+            <a:ln w="9525" cap="flat" cmpd="sng" algn="ctr">
+              <a:solidFill>
+                <a:schemeClr val="tx1">
+                  <a:lumMod val="5000"/>
+                  <a:lumOff val="95000"/>
+                </a:schemeClr>
+              </a:solidFill>
+              <a:round/>
+            </a:ln>
+            <a:effectLst/>
+          </c:spPr>
+        </c:minorGridlines>
         <c:title>
           <c:tx>
             <c:rich>
@@ -3927,7 +4008,7 @@
               <a:lstStyle/>
               <a:p>
                 <a:pPr>
-                  <a:defRPr sz="1330" b="0" i="0" u="none" strike="noStrike" kern="1200" baseline="0">
+                  <a:defRPr sz="1000" b="0" i="0" u="none" strike="noStrike" kern="1200" baseline="0">
                     <a:solidFill>
                       <a:schemeClr val="tx1">
                         <a:lumMod val="65000"/>
@@ -3959,7 +4040,7 @@
             <a:lstStyle/>
             <a:p>
               <a:pPr>
-                <a:defRPr sz="1330" b="0" i="0" u="none" strike="noStrike" kern="1200" baseline="0">
+                <a:defRPr sz="1000" b="0" i="0" u="none" strike="noStrike" kern="1200" baseline="0">
                   <a:solidFill>
                     <a:schemeClr val="tx1">
                       <a:lumMod val="65000"/>
@@ -3981,8 +4062,14 @@
         <c:tickLblPos val="nextTo"/>
         <c:spPr>
           <a:noFill/>
-          <a:ln>
-            <a:noFill/>
+          <a:ln w="9525" cap="flat" cmpd="sng" algn="ctr">
+            <a:solidFill>
+              <a:schemeClr val="tx1">
+                <a:lumMod val="25000"/>
+                <a:lumOff val="75000"/>
+              </a:schemeClr>
+            </a:solidFill>
+            <a:round/>
           </a:ln>
           <a:effectLst/>
         </c:spPr>
@@ -3991,7 +4078,7 @@
           <a:lstStyle/>
           <a:p>
             <a:pPr>
-              <a:defRPr sz="1197" b="0" i="0" u="none" strike="noStrike" kern="1200" baseline="0">
+              <a:defRPr sz="900" b="0" i="0" u="none" strike="noStrike" kern="1200" baseline="0">
                 <a:solidFill>
                   <a:schemeClr val="tx1">
                     <a:lumMod val="65000"/>
@@ -4009,6 +4096,7 @@
         <c:crossAx val="589381528"/>
         <c:crosses val="autoZero"/>
         <c:crossBetween val="midCat"/>
+        <c:majorUnit val="30"/>
       </c:valAx>
       <c:valAx>
         <c:axId val="588090824"/>
@@ -4024,7 +4112,7 @@
               <a:lstStyle/>
               <a:p>
                 <a:pPr>
-                  <a:defRPr sz="1330" b="0" i="0" u="none" strike="noStrike" kern="1200" baseline="0">
+                  <a:defRPr sz="1000" b="0" i="0" u="none" strike="noStrike" kern="1200" baseline="0">
                     <a:solidFill>
                       <a:schemeClr val="tx1">
                         <a:lumMod val="65000"/>
@@ -4056,7 +4144,7 @@
             <a:lstStyle/>
             <a:p>
               <a:pPr>
-                <a:defRPr sz="1330" b="0" i="0" u="none" strike="noStrike" kern="1200" baseline="0">
+                <a:defRPr sz="1000" b="0" i="0" u="none" strike="noStrike" kern="1200" baseline="0">
                   <a:solidFill>
                     <a:schemeClr val="tx1">
                       <a:lumMod val="65000"/>
@@ -4073,13 +4161,19 @@
           </c:txPr>
         </c:title>
         <c:numFmt formatCode="General" sourceLinked="1"/>
-        <c:majorTickMark val="none"/>
+        <c:majorTickMark val="out"/>
         <c:minorTickMark val="none"/>
         <c:tickLblPos val="nextTo"/>
         <c:spPr>
           <a:noFill/>
-          <a:ln>
-            <a:noFill/>
+          <a:ln w="9525" cap="flat" cmpd="sng" algn="ctr">
+            <a:solidFill>
+              <a:schemeClr val="tx1">
+                <a:lumMod val="25000"/>
+                <a:lumOff val="75000"/>
+              </a:schemeClr>
+            </a:solidFill>
+            <a:round/>
           </a:ln>
           <a:effectLst/>
         </c:spPr>
@@ -4088,7 +4182,7 @@
           <a:lstStyle/>
           <a:p>
             <a:pPr>
-              <a:defRPr sz="1197" b="0" i="0" u="none" strike="noStrike" kern="1200" baseline="0">
+              <a:defRPr sz="900" b="0" i="0" u="none" strike="noStrike" kern="1200" baseline="0">
                 <a:solidFill>
                   <a:schemeClr val="tx1">
                     <a:lumMod val="65000"/>
@@ -4117,7 +4211,7 @@
         <c:delete val="1"/>
         <c:axPos val="b"/>
         <c:numFmt formatCode="General" sourceLinked="1"/>
-        <c:majorTickMark val="none"/>
+        <c:majorTickMark val="out"/>
         <c:minorTickMark val="none"/>
         <c:tickLblPos val="nextTo"/>
         <c:crossAx val="588090824"/>
@@ -4147,7 +4241,7 @@
         <a:lstStyle/>
         <a:p>
           <a:pPr>
-            <a:defRPr sz="1197" b="0" i="0" u="none" strike="noStrike" kern="1200" baseline="0">
+            <a:defRPr sz="900" b="0" i="0" u="none" strike="noStrike" kern="1200" baseline="0">
               <a:solidFill>
                 <a:schemeClr val="tx1">
                   <a:lumMod val="65000"/>
@@ -4211,7 +4305,7 @@
           <a:lstStyle/>
           <a:p>
             <a:pPr>
-              <a:defRPr sz="1862" b="0" i="0" u="none" strike="noStrike" kern="1200" spc="0" baseline="0">
+              <a:defRPr sz="1400" b="0" i="0" u="none" strike="noStrike" kern="1200" spc="0" baseline="0">
                 <a:solidFill>
                   <a:schemeClr val="tx1">
                     <a:lumMod val="65000"/>
@@ -4243,7 +4337,7 @@
         <a:lstStyle/>
         <a:p>
           <a:pPr>
-            <a:defRPr sz="1862" b="0" i="0" u="none" strike="noStrike" kern="1200" spc="0" baseline="0">
+            <a:defRPr sz="1400" b="0" i="0" u="none" strike="noStrike" kern="1200" spc="0" baseline="0">
               <a:solidFill>
                 <a:schemeClr val="tx1">
                   <a:lumMod val="65000"/>
@@ -4270,7 +4364,7 @@
           <c:order val="0"/>
           <c:tx>
             <c:strRef>
-              <c:f>Data!$H$1</c:f>
+              <c:f>Data!$F$1</c:f>
               <c:strCache>
                 <c:ptCount val="1"/>
                 <c:pt idx="0">
@@ -4280,9 +4374,9 @@
             </c:strRef>
           </c:tx>
           <c:spPr>
-            <a:ln w="28575" cap="rnd">
+            <a:ln w="19050" cap="rnd">
               <a:solidFill>
-                <a:schemeClr val="accent2"/>
+                <a:schemeClr val="accent1"/>
               </a:solidFill>
               <a:round/>
             </a:ln>
@@ -4659,366 +4753,366 @@
           </c:xVal>
           <c:yVal>
             <c:numRef>
-              <c:f>Data!$H$2:$H$120</c:f>
+              <c:f>Data!$F$2:$F$120</c:f>
               <c:numCache>
                 <c:formatCode>General</c:formatCode>
                 <c:ptCount val="119"/>
                 <c:pt idx="0">
-                  <c:v>58.426114087000002</c:v>
+                  <c:v>58.395824638000001</c:v>
                 </c:pt>
                 <c:pt idx="1">
-                  <c:v>29.947787744999999</c:v>
+                  <c:v>29.9106564995</c:v>
                 </c:pt>
                 <c:pt idx="2">
-                  <c:v>20.456971683999999</c:v>
+                  <c:v>20.420020286</c:v>
                 </c:pt>
                 <c:pt idx="3">
-                  <c:v>15.767535938</c:v>
+                  <c:v>15.738564095000001</c:v>
                 </c:pt>
                 <c:pt idx="4">
-                  <c:v>12.763211282</c:v>
+                  <c:v>12.738766917500001</c:v>
                 </c:pt>
                 <c:pt idx="5">
-                  <c:v>11.003124568</c:v>
+                  <c:v>10.954375807</c:v>
                 </c:pt>
                 <c:pt idx="6">
-                  <c:v>9.7713136889999994</c:v>
+                  <c:v>9.7448415369999992</c:v>
                 </c:pt>
                 <c:pt idx="7">
-                  <c:v>8.7785107819999997</c:v>
+                  <c:v>8.7411766689999997</c:v>
                 </c:pt>
                 <c:pt idx="8">
-                  <c:v>8.0655357829999996</c:v>
+                  <c:v>7.8986933524999996</c:v>
                 </c:pt>
                 <c:pt idx="9">
-                  <c:v>7.8304772619999996</c:v>
+                  <c:v>7.8209074414999993</c:v>
                 </c:pt>
                 <c:pt idx="10">
-                  <c:v>6.9735322320000002</c:v>
+                  <c:v>6.8640385804999999</c:v>
                 </c:pt>
                 <c:pt idx="11">
-                  <c:v>6.3221373869999997</c:v>
+                  <c:v>6.3083203855000001</c:v>
                 </c:pt>
                 <c:pt idx="12">
-                  <c:v>5.8289912619999997</c:v>
+                  <c:v>5.9568710839999994</c:v>
                 </c:pt>
                 <c:pt idx="13">
-                  <c:v>6.1467649739999999</c:v>
+                  <c:v>5.794273585</c:v>
                 </c:pt>
                 <c:pt idx="14">
-                  <c:v>5.6769629430000004</c:v>
+                  <c:v>5.651991701</c:v>
                 </c:pt>
                 <c:pt idx="15">
-                  <c:v>5.3074599500000001</c:v>
+                  <c:v>5.622892491</c:v>
                 </c:pt>
                 <c:pt idx="16">
-                  <c:v>4.8628741670000002</c:v>
+                  <c:v>5.0502243140000003</c:v>
                 </c:pt>
                 <c:pt idx="17">
-                  <c:v>4.807521629</c:v>
+                  <c:v>4.8666401424999997</c:v>
                 </c:pt>
                 <c:pt idx="18">
-                  <c:v>4.4870008139999999</c:v>
+                  <c:v>4.7877627739999999</c:v>
                 </c:pt>
                 <c:pt idx="19">
-                  <c:v>4.9206222310000003</c:v>
+                  <c:v>4.6517179844999994</c:v>
                 </c:pt>
                 <c:pt idx="20">
-                  <c:v>4.4664137190000002</c:v>
+                  <c:v>4.61852734</c:v>
                 </c:pt>
                 <c:pt idx="21">
-                  <c:v>4.3030945279999999</c:v>
+                  <c:v>4.5080201049999999</c:v>
                 </c:pt>
                 <c:pt idx="22">
-                  <c:v>4.5293291179999997</c:v>
+                  <c:v>4.4793351539999993</c:v>
                 </c:pt>
                 <c:pt idx="23">
-                  <c:v>4.5574660859999998</c:v>
+                  <c:v>4.4793351539999993</c:v>
                 </c:pt>
                 <c:pt idx="24">
-                  <c:v>4.5411275580000003</c:v>
+                  <c:v>4.2865983820000002</c:v>
                 </c:pt>
                 <c:pt idx="25">
-                  <c:v>4.0517435580000001</c:v>
+                  <c:v>4.2617025934999999</c:v>
                 </c:pt>
                 <c:pt idx="26">
-                  <c:v>3.8558968440000001</c:v>
+                  <c:v>4.2422321355000001</c:v>
                 </c:pt>
                 <c:pt idx="27">
-                  <c:v>4.0674406230000004</c:v>
+                  <c:v>4.205140578</c:v>
                 </c:pt>
                 <c:pt idx="28">
-                  <c:v>3.8795153020000002</c:v>
+                  <c:v>4.2001336145000003</c:v>
                 </c:pt>
                 <c:pt idx="29">
-                  <c:v>3.9749132600000001</c:v>
+                  <c:v>4.2001336145000003</c:v>
                 </c:pt>
                 <c:pt idx="30">
-                  <c:v>4.177613655</c:v>
+                  <c:v>4.1978706480000003</c:v>
                 </c:pt>
                 <c:pt idx="31">
-                  <c:v>4.0007024869999999</c:v>
+                  <c:v>4.1634811750000003</c:v>
                 </c:pt>
                 <c:pt idx="32">
-                  <c:v>4.5425902220000003</c:v>
+                  <c:v>4.1634811750000003</c:v>
                 </c:pt>
                 <c:pt idx="33">
-                  <c:v>3.839748411</c:v>
+                  <c:v>4.1154720395000002</c:v>
                 </c:pt>
                 <c:pt idx="34">
-                  <c:v>4.2770088780000002</c:v>
+                  <c:v>4.0994339659999994</c:v>
                 </c:pt>
                 <c:pt idx="35">
-                  <c:v>3.6216858969999999</c:v>
+                  <c:v>4.069987255</c:v>
                 </c:pt>
                 <c:pt idx="36">
-                  <c:v>3.590901729</c:v>
+                  <c:v>4.0182504354999997</c:v>
                 </c:pt>
                 <c:pt idx="37">
-                  <c:v>3.576769241</c:v>
+                  <c:v>4.0182504354999997</c:v>
                 </c:pt>
                 <c:pt idx="38">
-                  <c:v>4.2580804749999999</c:v>
+                  <c:v>4.069987255</c:v>
                 </c:pt>
                 <c:pt idx="39">
-                  <c:v>4.2122760829999999</c:v>
+                  <c:v>4.0182504354999997</c:v>
                 </c:pt>
                 <c:pt idx="40">
-                  <c:v>4.0464091309999999</c:v>
+                  <c:v>4.0124961445</c:v>
                 </c:pt>
                 <c:pt idx="41">
-                  <c:v>4.5286424519999997</c:v>
+                  <c:v>4.0124961445</c:v>
                 </c:pt>
                 <c:pt idx="42">
-                  <c:v>3.9577039809999999</c:v>
+                  <c:v>4.0124961445</c:v>
                 </c:pt>
                 <c:pt idx="43">
-                  <c:v>3.4727183410000002</c:v>
+                  <c:v>4.0124961445</c:v>
                 </c:pt>
                 <c:pt idx="44">
-                  <c:v>4.0939399300000003</c:v>
+                  <c:v>4.0124961445</c:v>
                 </c:pt>
                 <c:pt idx="45">
-                  <c:v>3.5068865210000002</c:v>
+                  <c:v>4.0182504354999997</c:v>
                 </c:pt>
                 <c:pt idx="46">
-                  <c:v>3.9170255479999998</c:v>
+                  <c:v>4.0182504354999997</c:v>
                 </c:pt>
                 <c:pt idx="47">
-                  <c:v>4.2458438310000002</c:v>
+                  <c:v>4.0498217079999996</c:v>
                 </c:pt>
                 <c:pt idx="48">
-                  <c:v>3.4917609600000001</c:v>
+                  <c:v>4.0498217079999996</c:v>
                 </c:pt>
                 <c:pt idx="49">
-                  <c:v>3.971925476</c:v>
+                  <c:v>4.0560999884999998</c:v>
                 </c:pt>
                 <c:pt idx="50">
-                  <c:v>3.407864558</c:v>
+                  <c:v>4.0560999884999998</c:v>
                 </c:pt>
                 <c:pt idx="51">
-                  <c:v>4.1714325030000001</c:v>
+                  <c:v>4.0498217079999996</c:v>
                 </c:pt>
                 <c:pt idx="52">
-                  <c:v>4.0724161130000001</c:v>
+                  <c:v>4.0560999884999998</c:v>
                 </c:pt>
                 <c:pt idx="53">
-                  <c:v>4.0768100120000001</c:v>
+                  <c:v>4.069987255</c:v>
                 </c:pt>
                 <c:pt idx="54">
-                  <c:v>4.0178353680000001</c:v>
+                  <c:v>4.0743842499999996</c:v>
                 </c:pt>
                 <c:pt idx="55">
-                  <c:v>4.321539317</c:v>
+                  <c:v>4.0841778610000006</c:v>
                 </c:pt>
                 <c:pt idx="56">
-                  <c:v>4.0527505560000003</c:v>
+                  <c:v>4.1362505094999999</c:v>
                 </c:pt>
                 <c:pt idx="57">
-                  <c:v>4.1244789920000002</c:v>
+                  <c:v>4.1411549115000001</c:v>
                 </c:pt>
                 <c:pt idx="58">
-                  <c:v>4.1559272370000002</c:v>
+                  <c:v>4.1825563275000004</c:v>
                 </c:pt>
                 <c:pt idx="59">
-                  <c:v>4.1873207360000002</c:v>
+                  <c:v>4.2033893105000004</c:v>
                 </c:pt>
                 <c:pt idx="60">
-                  <c:v>3.6323733009999999</c:v>
+                  <c:v>4.2746523679999999</c:v>
                 </c:pt>
                 <c:pt idx="61">
-                  <c:v>4.3785863699999998</c:v>
+                  <c:v>4.3617733044999998</c:v>
                 </c:pt>
                 <c:pt idx="62">
-                  <c:v>4.380235184</c:v>
+                  <c:v>4.3786978990000005</c:v>
                 </c:pt>
                 <c:pt idx="63">
-                  <c:v>4.8009016329999996</c:v>
+                  <c:v>4.4255286915000003</c:v>
                 </c:pt>
                 <c:pt idx="64">
-                  <c:v>4.5415456670000003</c:v>
+                  <c:v>4.4255286915000003</c:v>
                 </c:pt>
                 <c:pt idx="65">
-                  <c:v>4.5141790610000001</c:v>
+                  <c:v>4.4773717610000006</c:v>
                 </c:pt>
                 <c:pt idx="66">
-                  <c:v>4.7483782540000004</c:v>
+                  <c:v>4.4873364030000005</c:v>
                 </c:pt>
                 <c:pt idx="67">
-                  <c:v>4.593796631</c:v>
+                  <c:v>4.5017010544999998</c:v>
                 </c:pt>
                 <c:pt idx="68">
-                  <c:v>4.4155378169999997</c:v>
+                  <c:v>4.5020828125000003</c:v>
                 </c:pt>
                 <c:pt idx="69">
-                  <c:v>4.5337441820000004</c:v>
+                  <c:v>4.5055147880000002</c:v>
                 </c:pt>
                 <c:pt idx="70">
-                  <c:v>4.6817854490000004</c:v>
+                  <c:v>4.5686603945000002</c:v>
                 </c:pt>
                 <c:pt idx="71">
-                  <c:v>4.6533808780000001</c:v>
+                  <c:v>4.5745747234999996</c:v>
                 </c:pt>
                 <c:pt idx="72">
-                  <c:v>4.967755167</c:v>
+                  <c:v>4.642413125</c:v>
                 </c:pt>
                 <c:pt idx="73">
-                  <c:v>4.1162578349999999</c:v>
+                  <c:v>4.6890733880000006</c:v>
                 </c:pt>
                 <c:pt idx="74">
-                  <c:v>5.2043552780000004</c:v>
+                  <c:v>4.7564321745000004</c:v>
                 </c:pt>
                 <c:pt idx="75">
-                  <c:v>4.5855059330000003</c:v>
+                  <c:v>4.8324414415000003</c:v>
                 </c:pt>
                 <c:pt idx="76">
-                  <c:v>5.4033160459999996</c:v>
+                  <c:v>4.8439164335000005</c:v>
                 </c:pt>
                 <c:pt idx="77">
-                  <c:v>4.7404810680000002</c:v>
+                  <c:v>4.9044235164999996</c:v>
                 </c:pt>
                 <c:pt idx="78">
-                  <c:v>4.7858969739999999</c:v>
+                  <c:v>4.9377212065</c:v>
                 </c:pt>
                 <c:pt idx="79">
-                  <c:v>4.9680756500000003</c:v>
+                  <c:v>4.9377212065</c:v>
                 </c:pt>
                 <c:pt idx="80">
-                  <c:v>4.8671684070000003</c:v>
+                  <c:v>5.0005092025</c:v>
                 </c:pt>
                 <c:pt idx="81">
-                  <c:v>4.8729347519999999</c:v>
+                  <c:v>5.144337063</c:v>
                 </c:pt>
                 <c:pt idx="82">
-                  <c:v>6.363946694</c:v>
+                  <c:v>5.1685590994999995</c:v>
                 </c:pt>
                 <c:pt idx="83">
-                  <c:v>5.9226053690000002</c:v>
+                  <c:v>5.1795905790000001</c:v>
                 </c:pt>
                 <c:pt idx="84">
-                  <c:v>6.6041247710000004</c:v>
+                  <c:v>5.1815809975000002</c:v>
                 </c:pt>
                 <c:pt idx="85">
-                  <c:v>4.8429622209999996</c:v>
+                  <c:v>5.2756734825000002</c:v>
                 </c:pt>
                 <c:pt idx="86">
-                  <c:v>5.6860468600000003</c:v>
+                  <c:v>5.2925098595</c:v>
                 </c:pt>
                 <c:pt idx="87">
-                  <c:v>5.0848757730000003</c:v>
+                  <c:v>5.2925098595</c:v>
                 </c:pt>
                 <c:pt idx="88">
-                  <c:v>5.0226399170000002</c:v>
+                  <c:v>5.2925098595</c:v>
                 </c:pt>
                 <c:pt idx="89">
-                  <c:v>6.7247203009999996</c:v>
+                  <c:v>5.3555401400000004</c:v>
                 </c:pt>
                 <c:pt idx="90">
-                  <c:v>6.4229447019999997</c:v>
+                  <c:v>5.4291345290000006</c:v>
                 </c:pt>
                 <c:pt idx="91">
-                  <c:v>6.8064776409999999</c:v>
+                  <c:v>5.4391113349999998</c:v>
                 </c:pt>
                 <c:pt idx="92">
-                  <c:v>5.6167940500000002</c:v>
+                  <c:v>5.4391113349999998</c:v>
                 </c:pt>
                 <c:pt idx="93">
-                  <c:v>5.7019213569999998</c:v>
+                  <c:v>5.4530926609999995</c:v>
                 </c:pt>
                 <c:pt idx="94">
-                  <c:v>5.39100965</c:v>
+                  <c:v>5.4530926609999995</c:v>
                 </c:pt>
                 <c:pt idx="95">
-                  <c:v>5.2009222599999996</c:v>
+                  <c:v>5.4892531049999995</c:v>
                 </c:pt>
                 <c:pt idx="96">
-                  <c:v>5.1407939059999999</c:v>
+                  <c:v>5.4892531049999995</c:v>
                 </c:pt>
                 <c:pt idx="97">
-                  <c:v>4.5865366539999997</c:v>
+                  <c:v>5.4892531049999995</c:v>
                 </c:pt>
                 <c:pt idx="98">
-                  <c:v>5.2508758350000004</c:v>
+                  <c:v>5.4892531049999995</c:v>
                 </c:pt>
                 <c:pt idx="99">
-                  <c:v>6.4338517189999997</c:v>
+                  <c:v>5.4892531049999995</c:v>
                 </c:pt>
                 <c:pt idx="100">
-                  <c:v>5.3421622390000003</c:v>
+                  <c:v>5.4892531049999995</c:v>
                 </c:pt>
                 <c:pt idx="101">
-                  <c:v>5.394606316</c:v>
+                  <c:v>5.4892531049999995</c:v>
                 </c:pt>
                 <c:pt idx="102">
-                  <c:v>7.3846681910000003</c:v>
+                  <c:v>5.5124629514999999</c:v>
                 </c:pt>
                 <c:pt idx="103">
-                  <c:v>5.2624620640000002</c:v>
+                  <c:v>5.5352364850000004</c:v>
                 </c:pt>
                 <c:pt idx="104">
-                  <c:v>6.8773770460000003</c:v>
+                  <c:v>5.5380508349999999</c:v>
                 </c:pt>
                 <c:pt idx="105">
-                  <c:v>5.5885025830000004</c:v>
+                  <c:v>5.8754055570000006</c:v>
                 </c:pt>
                 <c:pt idx="106">
-                  <c:v>4.9431895109999999</c:v>
+                  <c:v>5.9581332919999994</c:v>
                 </c:pt>
                 <c:pt idx="107">
-                  <c:v>5.9461363169999997</c:v>
+                  <c:v>5.9581332919999994</c:v>
                 </c:pt>
                 <c:pt idx="108">
-                  <c:v>7.9349763979999999</c:v>
+                  <c:v>5.9581332919999994</c:v>
                 </c:pt>
                 <c:pt idx="109">
-                  <c:v>8.0328457370000006</c:v>
+                  <c:v>5.892245795</c:v>
                 </c:pt>
                 <c:pt idx="110">
-                  <c:v>6.7779043239999996</c:v>
+                  <c:v>6.1263840490000003</c:v>
                 </c:pt>
                 <c:pt idx="111">
-                  <c:v>7.5442517440000003</c:v>
+                  <c:v>6.3605223029999998</c:v>
                 </c:pt>
                 <c:pt idx="112">
-                  <c:v>7.9014953669999999</c:v>
+                  <c:v>6.1432547712499996</c:v>
                 </c:pt>
                 <c:pt idx="113">
-                  <c:v>8.0494376320000001</c:v>
+                  <c:v>6.3942637475000002</c:v>
                 </c:pt>
                 <c:pt idx="114">
-                  <c:v>6.1958521119999999</c:v>
+                  <c:v>6.1432547712499996</c:v>
                 </c:pt>
                 <c:pt idx="115">
-                  <c:v>8.1282980049999995</c:v>
+                  <c:v>6.3942637475000002</c:v>
                 </c:pt>
                 <c:pt idx="116">
-                  <c:v>6.4367435229999996</c:v>
+                  <c:v>6.5425793627499997</c:v>
                 </c:pt>
                 <c:pt idx="117">
-                  <c:v>5.897176119</c:v>
+                  <c:v>6.6908949779999993</c:v>
                 </c:pt>
                 <c:pt idx="118">
-                  <c:v>5.9928379319999996</c:v>
+                  <c:v>6.563496819</c:v>
                 </c:pt>
               </c:numCache>
             </c:numRef>
@@ -5026,7 +5120,7 @@
           <c:smooth val="1"/>
           <c:extLst>
             <c:ext xmlns:c16="http://schemas.microsoft.com/office/drawing/2014/chart" uri="{C3380CC4-5D6E-409C-BE32-E72D297353CC}">
-              <c16:uniqueId val="{00000000-F1D2-4E93-AA65-09A5E9B06DB6}"/>
+              <c16:uniqueId val="{00000000-C404-4FE1-B257-E0AB7B4E154F}"/>
             </c:ext>
           </c:extLst>
         </c:ser>
@@ -5035,7 +5129,7 @@
           <c:order val="2"/>
           <c:tx>
             <c:strRef>
-              <c:f>Data!$K$1</c:f>
+              <c:f>Data!$H$1</c:f>
               <c:strCache>
                 <c:ptCount val="1"/>
                 <c:pt idx="0">
@@ -5045,9 +5139,9 @@
             </c:strRef>
           </c:tx>
           <c:spPr>
-            <a:ln w="28575" cap="rnd">
+            <a:ln w="19050" cap="rnd">
               <a:solidFill>
-                <a:schemeClr val="accent6"/>
+                <a:schemeClr val="accent3"/>
               </a:solidFill>
               <a:round/>
             </a:ln>
@@ -5058,366 +5152,366 @@
           </c:marker>
           <c:yVal>
             <c:numRef>
-              <c:f>Data!$K$2:$K$120</c:f>
+              <c:f>Data!$H$2:$H$120</c:f>
               <c:numCache>
                 <c:formatCode>General</c:formatCode>
                 <c:ptCount val="119"/>
                 <c:pt idx="0">
-                  <c:v>58.410256431000001</c:v>
+                  <c:v>58.385511790500004</c:v>
                 </c:pt>
                 <c:pt idx="1">
-                  <c:v>29.960310413999999</c:v>
+                  <c:v>29.912851028999999</c:v>
                 </c:pt>
                 <c:pt idx="2">
-                  <c:v>20.463868264999999</c:v>
+                  <c:v>20.423686566999997</c:v>
                 </c:pt>
                 <c:pt idx="3">
-                  <c:v>15.759631175999999</c:v>
+                  <c:v>15.728909888499999</c:v>
                 </c:pt>
                 <c:pt idx="4">
-                  <c:v>12.772206942</c:v>
+                  <c:v>12.968024492000001</c:v>
                 </c:pt>
                 <c:pt idx="5">
-                  <c:v>11.026797211</c:v>
+                  <c:v>10.9609962645</c:v>
                 </c:pt>
                 <c:pt idx="6">
-                  <c:v>9.7478866350000004</c:v>
+                  <c:v>9.7156545694999998</c:v>
                 </c:pt>
                 <c:pt idx="7">
-                  <c:v>9.7390758260000005</c:v>
+                  <c:v>9.2301731159999996</c:v>
                 </c:pt>
                 <c:pt idx="8">
-                  <c:v>7.8649428260000001</c:v>
+                  <c:v>8.3437654845000004</c:v>
                 </c:pt>
                 <c:pt idx="9">
-                  <c:v>7.301539988</c:v>
+                  <c:v>7.2731343724999995</c:v>
                 </c:pt>
                 <c:pt idx="10">
-                  <c:v>7.3013743069999997</c:v>
+                  <c:v>7.2451590709999998</c:v>
                 </c:pt>
                 <c:pt idx="11">
-                  <c:v>6.733228295</c:v>
+                  <c:v>6.6735044119999998</c:v>
                 </c:pt>
                 <c:pt idx="12">
-                  <c:v>6.4930601890000004</c:v>
+                  <c:v>6.3390523099999996</c:v>
                 </c:pt>
                 <c:pt idx="13">
-                  <c:v>6.1659209769999999</c:v>
+                  <c:v>5.9408278125000002</c:v>
                 </c:pt>
                 <c:pt idx="14">
-                  <c:v>5.3998015700000002</c:v>
+                  <c:v>5.5318352834999995</c:v>
                 </c:pt>
                 <c:pt idx="15">
-                  <c:v>5.4188285660000002</c:v>
+                  <c:v>5.3504200864999998</c:v>
                 </c:pt>
                 <c:pt idx="16">
-                  <c:v>5.3112718069999998</c:v>
+                  <c:v>5.2394008334999995</c:v>
                 </c:pt>
                 <c:pt idx="17">
-                  <c:v>5.3250444180000001</c:v>
+                  <c:v>5.0555137779999999</c:v>
                 </c:pt>
                 <c:pt idx="18">
-                  <c:v>4.4897332030000001</c:v>
+                  <c:v>4.8839899600000001</c:v>
                 </c:pt>
                 <c:pt idx="19">
-                  <c:v>5.2624630520000002</c:v>
+                  <c:v>4.8104173525</c:v>
                 </c:pt>
                 <c:pt idx="20">
-                  <c:v>4.8405362680000001</c:v>
+                  <c:v>4.7942024100000005</c:v>
                 </c:pt>
                 <c:pt idx="21">
-                  <c:v>5.0798134189999997</c:v>
+                  <c:v>4.6757459565000001</c:v>
                 </c:pt>
                 <c:pt idx="22">
-                  <c:v>4.5348332060000001</c:v>
+                  <c:v>4.6302906984999996</c:v>
                 </c:pt>
                 <c:pt idx="23">
-                  <c:v>4.0126432889999997</c:v>
+                  <c:v>4.5351338495000002</c:v>
                 </c:pt>
                 <c:pt idx="24">
-                  <c:v>3.99297879</c:v>
+                  <c:v>4.50563132</c:v>
                 </c:pt>
                 <c:pt idx="25">
-                  <c:v>4.2832540139999997</c:v>
+                  <c:v>4.4744571835000002</c:v>
                 </c:pt>
                 <c:pt idx="26">
-                  <c:v>4.7008333430000002</c:v>
+                  <c:v>4.4488375799999993</c:v>
                 </c:pt>
                 <c:pt idx="27">
-                  <c:v>4.5137048200000001</c:v>
+                  <c:v>4.3765657835000003</c:v>
                 </c:pt>
                 <c:pt idx="28">
-                  <c:v>4.5471949739999999</c:v>
+                  <c:v>4.3716971344999997</c:v>
                 </c:pt>
                 <c:pt idx="29">
-                  <c:v>4.219283903</c:v>
+                  <c:v>4.3521008395000003</c:v>
                 </c:pt>
                 <c:pt idx="30">
-                  <c:v>3.6945806189999999</c:v>
+                  <c:v>4.3072295340000002</c:v>
                 </c:pt>
                 <c:pt idx="31">
-                  <c:v>3.9156319279999998</c:v>
+                  <c:v>4.2205148115000002</c:v>
                 </c:pt>
                 <c:pt idx="32">
-                  <c:v>4.3443482470000001</c:v>
+                  <c:v>4.2205148115000002</c:v>
                 </c:pt>
                 <c:pt idx="33">
-                  <c:v>4.2096488289999998</c:v>
+                  <c:v>4.2205148115000002</c:v>
                 </c:pt>
                 <c:pt idx="34">
-                  <c:v>4.5669181009999997</c:v>
+                  <c:v>4.2205148115000002</c:v>
                 </c:pt>
                 <c:pt idx="35">
-                  <c:v>3.6489337919999998</c:v>
+                  <c:v>4.1817677194999998</c:v>
                 </c:pt>
                 <c:pt idx="36">
-                  <c:v>4.3287750770000004</c:v>
+                  <c:v>4.1715387425000001</c:v>
                 </c:pt>
                 <c:pt idx="37">
-                  <c:v>3.9207845680000002</c:v>
+                  <c:v>4.1403961119999995</c:v>
                 </c:pt>
                 <c:pt idx="38">
-                  <c:v>4.3896213380000004</c:v>
+                  <c:v>4.1403961119999995</c:v>
                 </c:pt>
                 <c:pt idx="39">
-                  <c:v>3.166175221</c:v>
+                  <c:v>4.1403834034999996</c:v>
                 </c:pt>
                 <c:pt idx="40">
-                  <c:v>3.5835867850000001</c:v>
+                  <c:v>4.1403834034999996</c:v>
                 </c:pt>
                 <c:pt idx="41">
-                  <c:v>4.3614841479999997</c:v>
+                  <c:v>4.1403834034999996</c:v>
                 </c:pt>
                 <c:pt idx="42">
-                  <c:v>4.2587474360000002</c:v>
+                  <c:v>4.1403834034999996</c:v>
                 </c:pt>
                 <c:pt idx="43">
-                  <c:v>4.2756316999999999</c:v>
+                  <c:v>4.1228711365000006</c:v>
                 </c:pt>
                 <c:pt idx="44">
-                  <c:v>4.2161009939999996</c:v>
+                  <c:v>4.1228711365000006</c:v>
                 </c:pt>
                 <c:pt idx="45">
-                  <c:v>4.2640295740000003</c:v>
+                  <c:v>4.1403834034999996</c:v>
                 </c:pt>
                 <c:pt idx="46">
-                  <c:v>4.1723159130000003</c:v>
+                  <c:v>4.1403834034999996</c:v>
                 </c:pt>
                 <c:pt idx="47">
-                  <c:v>4.7015124000000004</c:v>
+                  <c:v>4.1403834034999996</c:v>
                 </c:pt>
                 <c:pt idx="48">
-                  <c:v>3.6382032930000001</c:v>
+                  <c:v>4.1228711365000006</c:v>
                 </c:pt>
                 <c:pt idx="49">
-                  <c:v>3.4800334249999998</c:v>
+                  <c:v>4.1228711365000006</c:v>
                 </c:pt>
                 <c:pt idx="50">
-                  <c:v>4.53921625</c:v>
+                  <c:v>4.1403834034999996</c:v>
                 </c:pt>
                 <c:pt idx="51">
-                  <c:v>3.4680582389999999</c:v>
+                  <c:v>4.1403834034999996</c:v>
                 </c:pt>
                 <c:pt idx="52">
-                  <c:v>3.430937991</c:v>
+                  <c:v>4.1403834034999996</c:v>
                 </c:pt>
                 <c:pt idx="53">
-                  <c:v>4.4354591269999997</c:v>
+                  <c:v>4.1536575200000003</c:v>
                 </c:pt>
                 <c:pt idx="54">
-                  <c:v>4.4181477539999996</c:v>
+                  <c:v>4.1709042414999997</c:v>
                 </c:pt>
                 <c:pt idx="55">
-                  <c:v>4.3274012300000004</c:v>
+                  <c:v>4.2005254389999997</c:v>
                 </c:pt>
                 <c:pt idx="56">
-                  <c:v>4.1586949410000003</c:v>
+                  <c:v>4.2410001194999998</c:v>
                 </c:pt>
                 <c:pt idx="57">
-                  <c:v>3.508022811</c:v>
+                  <c:v>4.2410001194999998</c:v>
                 </c:pt>
                 <c:pt idx="58">
-                  <c:v>3.780232437</c:v>
+                  <c:v>4.2506184544999996</c:v>
                 </c:pt>
                 <c:pt idx="59">
-                  <c:v>4.3688126030000003</c:v>
+                  <c:v>4.2511140335000004</c:v>
                 </c:pt>
                 <c:pt idx="60">
-                  <c:v>4.1448364819999997</c:v>
+                  <c:v>4.2826976504999994</c:v>
                 </c:pt>
                 <c:pt idx="61">
-                  <c:v>3.9952205589999998</c:v>
+                  <c:v>4.2826976504999994</c:v>
                 </c:pt>
                 <c:pt idx="62">
-                  <c:v>4.8837866500000002</c:v>
+                  <c:v>4.3109515135000001</c:v>
                 </c:pt>
                 <c:pt idx="63">
-                  <c:v>4.4817208959999997</c:v>
+                  <c:v>4.4582867069999992</c:v>
                 </c:pt>
                 <c:pt idx="64">
-                  <c:v>4.6776860779999998</c:v>
+                  <c:v>4.499753353</c:v>
                 </c:pt>
                 <c:pt idx="65">
-                  <c:v>4.4624997110000004</c:v>
+                  <c:v>4.5275711379999999</c:v>
                 </c:pt>
                 <c:pt idx="66">
-                  <c:v>4.914998411</c:v>
+                  <c:v>4.5275711379999999</c:v>
                 </c:pt>
                 <c:pt idx="67">
-                  <c:v>4.4338196989999998</c:v>
+                  <c:v>4.5351129080000003</c:v>
                 </c:pt>
                 <c:pt idx="68">
-                  <c:v>4.7056472869999997</c:v>
+                  <c:v>4.5530028554999999</c:v>
                 </c:pt>
                 <c:pt idx="69">
-                  <c:v>4.9418100020000004</c:v>
+                  <c:v>4.5530028554999999</c:v>
                 </c:pt>
                 <c:pt idx="70">
-                  <c:v>4.5602675479999997</c:v>
+                  <c:v>4.6741753885000001</c:v>
                 </c:pt>
                 <c:pt idx="71">
-                  <c:v>4.9459142089999997</c:v>
+                  <c:v>4.6801288175</c:v>
                 </c:pt>
                 <c:pt idx="72">
-                  <c:v>4.9633403969999996</c:v>
+                  <c:v>4.7014335174999999</c:v>
                 </c:pt>
                 <c:pt idx="73">
-                  <c:v>4.9496503680000004</c:v>
+                  <c:v>4.7547376860000004</c:v>
                 </c:pt>
                 <c:pt idx="74">
-                  <c:v>5.002256837</c:v>
+                  <c:v>4.773357259</c:v>
                 </c:pt>
                 <c:pt idx="75">
-                  <c:v>4.4420126849999999</c:v>
+                  <c:v>4.7966696774999997</c:v>
                 </c:pt>
                 <c:pt idx="76">
-                  <c:v>5.4468194240000001</c:v>
+                  <c:v>4.8198930784999998</c:v>
                 </c:pt>
                 <c:pt idx="77">
-                  <c:v>5.5164570350000002</c:v>
+                  <c:v>4.8501709794999996</c:v>
                 </c:pt>
                 <c:pt idx="78">
-                  <c:v>3.8475006540000001</c:v>
+                  <c:v>4.8711710339999996</c:v>
                 </c:pt>
                 <c:pt idx="79">
-                  <c:v>5.537741402</c:v>
+                  <c:v>4.8920933079999998</c:v>
                 </c:pt>
                 <c:pt idx="80">
-                  <c:v>4.900659332</c:v>
+                  <c:v>4.9316050209999993</c:v>
                 </c:pt>
                 <c:pt idx="81">
-                  <c:v>4.97349058</c:v>
+                  <c:v>4.9316050209999993</c:v>
                 </c:pt>
                 <c:pt idx="82">
-                  <c:v>5.3782047549999996</c:v>
+                  <c:v>5.0850965200000005</c:v>
                 </c:pt>
                 <c:pt idx="83">
-                  <c:v>7.0370903140000003</c:v>
+                  <c:v>5.1353840999999996</c:v>
                 </c:pt>
                 <c:pt idx="84">
-                  <c:v>4.6803213799999996</c:v>
+                  <c:v>5.1928946304999997</c:v>
                 </c:pt>
                 <c:pt idx="85">
-                  <c:v>6.2976383440000001</c:v>
+                  <c:v>5.1928946304999997</c:v>
                 </c:pt>
                 <c:pt idx="86">
-                  <c:v>5.1800152580000001</c:v>
+                  <c:v>5.2003920655</c:v>
                 </c:pt>
                 <c:pt idx="87">
-                  <c:v>5.1667868769999998</c:v>
+                  <c:v>5.2664546625000002</c:v>
                 </c:pt>
                 <c:pt idx="88">
-                  <c:v>6.7038917260000002</c:v>
+                  <c:v>5.2893011120000004</c:v>
                 </c:pt>
                 <c:pt idx="89">
-                  <c:v>5.5091888129999997</c:v>
+                  <c:v>5.2893011120000004</c:v>
                 </c:pt>
                 <c:pt idx="90">
-                  <c:v>5.0417248539999999</c:v>
+                  <c:v>5.2902855019999997</c:v>
                 </c:pt>
                 <c:pt idx="91">
-                  <c:v>7.1238499380000002</c:v>
+                  <c:v>5.2902855019999997</c:v>
                 </c:pt>
                 <c:pt idx="92">
-                  <c:v>6.8655888110000003</c:v>
+                  <c:v>5.3158122599999995</c:v>
                 </c:pt>
                 <c:pt idx="93">
-                  <c:v>6.4057308449999999</c:v>
+                  <c:v>5.3158122599999995</c:v>
                 </c:pt>
                 <c:pt idx="94">
-                  <c:v>4.5157714699999998</c:v>
+                  <c:v>5.3158122599999995</c:v>
                 </c:pt>
                 <c:pt idx="95">
-                  <c:v>5.5739370499999996</c:v>
+                  <c:v>5.3158122599999995</c:v>
                 </c:pt>
                 <c:pt idx="96">
-                  <c:v>7.213287147</c:v>
+                  <c:v>5.4720118785</c:v>
                 </c:pt>
                 <c:pt idx="97">
-                  <c:v>5.7255686849999998</c:v>
+                  <c:v>5.6566074494999992</c:v>
                 </c:pt>
                 <c:pt idx="98">
-                  <c:v>4.7388802830000003</c:v>
+                  <c:v>5.6566074494999992</c:v>
                 </c:pt>
                 <c:pt idx="99">
-                  <c:v>4.9368294840000004</c:v>
+                  <c:v>5.6681710914999996</c:v>
                 </c:pt>
                 <c:pt idx="100">
-                  <c:v>5.3662917620000004</c:v>
+                  <c:v>5.7184565984999995</c:v>
                 </c:pt>
                 <c:pt idx="101">
-                  <c:v>5.4246195559999997</c:v>
+                  <c:v>5.7184565984999995</c:v>
                 </c:pt>
                 <c:pt idx="102">
-                  <c:v>7.3978575869999998</c:v>
+                  <c:v>5.7184565984999995</c:v>
                 </c:pt>
                 <c:pt idx="103">
-                  <c:v>5.1190837880000002</c:v>
+                  <c:v>5.7184565984999995</c:v>
                 </c:pt>
                 <c:pt idx="104">
-                  <c:v>5.8539806370000003</c:v>
+                  <c:v>5.9063686275</c:v>
                 </c:pt>
                 <c:pt idx="105">
-                  <c:v>6.0810282109999996</c:v>
+                  <c:v>5.9063686275</c:v>
                 </c:pt>
                 <c:pt idx="106">
-                  <c:v>5.5565867669999998</c:v>
+                  <c:v>5.7184565984999995</c:v>
                 </c:pt>
                 <c:pt idx="107">
-                  <c:v>7.7551355300000004</c:v>
+                  <c:v>5.9063686275</c:v>
                 </c:pt>
                 <c:pt idx="108">
-                  <c:v>7.7422945690000002</c:v>
+                  <c:v>5.9327874415000004</c:v>
                 </c:pt>
                 <c:pt idx="109">
-                  <c:v>6.438447558</c:v>
+                  <c:v>5.9536722370000001</c:v>
                 </c:pt>
                 <c:pt idx="110">
-                  <c:v>7.0876371599999999</c:v>
+                  <c:v>5.9714631960000002</c:v>
                 </c:pt>
                 <c:pt idx="111">
-                  <c:v>6.6593967149999997</c:v>
+                  <c:v>5.9892541549999994</c:v>
                 </c:pt>
                 <c:pt idx="112">
-                  <c:v>5.7166918430000004</c:v>
+                  <c:v>5.9714631960000002</c:v>
                 </c:pt>
                 <c:pt idx="113">
-                  <c:v>6.934016926</c:v>
+                  <c:v>5.9892541549999994</c:v>
                 </c:pt>
                 <c:pt idx="114">
-                  <c:v>6.5223878470000001</c:v>
+                  <c:v>5.9935899787499993</c:v>
                 </c:pt>
                 <c:pt idx="115">
-                  <c:v>5.4342894450000001</c:v>
+                  <c:v>5.9979258024999993</c:v>
                 </c:pt>
                 <c:pt idx="116">
-                  <c:v>5.9686772699999997</c:v>
+                  <c:v>6.1490857112499997</c:v>
                 </c:pt>
                 <c:pt idx="117">
-                  <c:v>6.3139097590000004</c:v>
+                  <c:v>5.9979258024999993</c:v>
                 </c:pt>
                 <c:pt idx="118">
-                  <c:v>7.6476705369999998</c:v>
+                  <c:v>5.9935899787499993</c:v>
                 </c:pt>
               </c:numCache>
             </c:numRef>
@@ -5425,7 +5519,7 @@
           <c:smooth val="1"/>
           <c:extLst>
             <c:ext xmlns:c16="http://schemas.microsoft.com/office/drawing/2014/chart" uri="{C3380CC4-5D6E-409C-BE32-E72D297353CC}">
-              <c16:uniqueId val="{00000001-F1D2-4E93-AA65-09A5E9B06DB6}"/>
+              <c16:uniqueId val="{00000001-C404-4FE1-B257-E0AB7B4E154F}"/>
             </c:ext>
           </c:extLst>
         </c:ser>
@@ -5448,7 +5542,7 @@
           <c:order val="1"/>
           <c:tx>
             <c:strRef>
-              <c:f>Data!$I$1</c:f>
+              <c:f>Data!$G$1</c:f>
               <c:strCache>
                 <c:ptCount val="1"/>
                 <c:pt idx="0">
@@ -5458,9 +5552,9 @@
             </c:strRef>
           </c:tx>
           <c:spPr>
-            <a:ln w="28575" cap="rnd">
+            <a:ln w="19050" cap="rnd">
               <a:solidFill>
-                <a:schemeClr val="accent4"/>
+                <a:schemeClr val="accent2"/>
               </a:solidFill>
               <a:round/>
             </a:ln>
@@ -5837,7 +5931,7 @@
           </c:xVal>
           <c:yVal>
             <c:numRef>
-              <c:f>Data!$I$2:$I$120</c:f>
+              <c:f>Data!$G$2:$G$120</c:f>
               <c:numCache>
                 <c:formatCode>General</c:formatCode>
                 <c:ptCount val="119"/>
@@ -5845,358 +5939,358 @@
                   <c:v>1</c:v>
                 </c:pt>
                 <c:pt idx="1">
-                  <c:v>1.9509325558364379</c:v>
+                  <c:v>1.9523417895884756</c:v>
                 </c:pt>
                 <c:pt idx="2">
-                  <c:v>2.856049027662134</c:v>
+                  <c:v>2.8597339189734439</c:v>
                 </c:pt>
                 <c:pt idx="3">
-                  <c:v>3.7054689024803289</c:v>
+                  <c:v>3.7103654619007984</c:v>
                 </c:pt>
                 <c:pt idx="4">
-                  <c:v>4.5776970071316256</c:v>
+                  <c:v>4.5841033921248835</c:v>
                 </c:pt>
                 <c:pt idx="5">
-                  <c:v>5.3099566151344515</c:v>
+                  <c:v>5.3308217343323427</c:v>
                 </c:pt>
                 <c:pt idx="6">
-                  <c:v>5.9793509804902554</c:v>
+                  <c:v>5.9924858107007726</c:v>
                 </c:pt>
                 <c:pt idx="7">
-                  <c:v>6.6555837929595656</c:v>
+                  <c:v>6.680545062668382</c:v>
                 </c:pt>
                 <c:pt idx="8">
-                  <c:v>7.2439222463245008</c:v>
+                  <c:v>7.3930993433891512</c:v>
                 </c:pt>
                 <c:pt idx="9">
-                  <c:v>7.4613733150764885</c:v>
+                  <c:v>7.4666303206882167</c:v>
                 </c:pt>
                 <c:pt idx="10">
-                  <c:v>8.3782668729765764</c:v>
+                  <c:v>8.5075023913613048</c:v>
                 </c:pt>
                 <c:pt idx="11">
-                  <c:v>9.2415128793530599</c:v>
+                  <c:v>9.256952892282678</c:v>
                 </c:pt>
                 <c:pt idx="12">
-                  <c:v>9.5051810723420704</c:v>
+                  <c:v>9.8031036452760691</c:v>
                 </c:pt>
                 <c:pt idx="13">
-                  <c:v>10.023366215675759</c:v>
+                  <c:v>10.078195960434616</c:v>
                 </c:pt>
                 <c:pt idx="14">
-                  <c:v>10.291790641163605</c:v>
+                  <c:v>10.331902049266651</c:v>
                 </c:pt>
                 <c:pt idx="15">
-                  <c:v>11.008300512375982</c:v>
+                  <c:v>10.385371004597427</c:v>
                 </c:pt>
                 <c:pt idx="16">
-                  <c:v>11.873724773853708</c:v>
+                  <c:v>11.563016018143545</c:v>
                 </c:pt>
                 <c:pt idx="17">
-                  <c:v>12.014728755164189</c:v>
+                  <c:v>11.999207446639353</c:v>
                 </c:pt>
                 <c:pt idx="18">
-                  <c:v>12.153063178033598</c:v>
+                  <c:v>12.196891824949889</c:v>
                 </c:pt>
                 <c:pt idx="19">
-                  <c:v>12.819868098739814</c:v>
+                  <c:v>12.553603815317452</c:v>
                 </c:pt>
                 <c:pt idx="20">
-                  <c:v>12.865992716736629</c:v>
+                  <c:v>12.643819195839166</c:v>
                 </c:pt>
                 <c:pt idx="21">
-                  <c:v>12.865992716736629</c:v>
+                  <c:v>12.953763132784431</c:v>
                 </c:pt>
                 <c:pt idx="22">
-                  <c:v>12.899507314407529</c:v>
+                  <c:v>13.03671697480666</c:v>
                 </c:pt>
                 <c:pt idx="23">
-                  <c:v>13.021195339368619</c:v>
+                  <c:v>13.03671697480666</c:v>
                 </c:pt>
                 <c:pt idx="24">
-                  <c:v>13.08121409319001</c:v>
+                  <c:v>13.62288216297843</c:v>
                 </c:pt>
                 <c:pt idx="25">
-                  <c:v>13.577697098407782</c:v>
+                  <c:v>13.702463594495311</c:v>
                 </c:pt>
                 <c:pt idx="26">
-                  <c:v>13.6605080217465</c:v>
+                  <c:v>13.765353420745166</c:v>
                 </c:pt>
                 <c:pt idx="27">
-                  <c:v>13.721232942879034</c:v>
+                  <c:v>13.88677109714452</c:v>
                 </c:pt>
                 <c:pt idx="28">
-                  <c:v>13.870437961746489</c:v>
+                  <c:v>13.903325464790401</c:v>
                 </c:pt>
                 <c:pt idx="29">
-                  <c:v>13.985523533769664</c:v>
+                  <c:v>13.903325464790401</c:v>
                 </c:pt>
                 <c:pt idx="30">
-                  <c:v>13.985523533769664</c:v>
+                  <c:v>13.910820397913318</c:v>
                 </c:pt>
                 <c:pt idx="31">
-                  <c:v>14.364343453871237</c:v>
+                  <c:v>14.025720829156864</c:v>
                 </c:pt>
                 <c:pt idx="32">
-                  <c:v>14.419993084616635</c:v>
+                  <c:v>14.025720829156864</c:v>
                 </c:pt>
                 <c:pt idx="33">
-                  <c:v>14.419993084616635</c:v>
+                  <c:v>14.189338204104205</c:v>
                 </c:pt>
                 <c:pt idx="34">
-                  <c:v>14.439003124867158</c:v>
+                  <c:v>14.244850660438717</c:v>
                 </c:pt>
                 <c:pt idx="35">
-                  <c:v>14.603963748079627</c:v>
+                  <c:v>14.347913391193162</c:v>
                 </c:pt>
                 <c:pt idx="36">
-                  <c:v>14.603963748079627</c:v>
+                  <c:v>14.347913391193162</c:v>
                 </c:pt>
                 <c:pt idx="37">
-                  <c:v>14.698714227288573</c:v>
+                  <c:v>14.419356912094463</c:v>
                 </c:pt>
                 <c:pt idx="38">
-                  <c:v>14.698714227288573</c:v>
+                  <c:v>14.419356912094463</c:v>
                 </c:pt>
                 <c:pt idx="39">
-                  <c:v>14.709770976327352</c:v>
+                  <c:v>14.419356912094463</c:v>
                 </c:pt>
                 <c:pt idx="40">
-                  <c:v>14.698714227288573</c:v>
+                  <c:v>14.419356912094463</c:v>
                 </c:pt>
                 <c:pt idx="41">
-                  <c:v>14.603963748079627</c:v>
+                  <c:v>14.419356912094463</c:v>
                 </c:pt>
                 <c:pt idx="42">
-                  <c:v>14.603963748079627</c:v>
+                  <c:v>14.419356912094463</c:v>
                 </c:pt>
                 <c:pt idx="43">
-                  <c:v>14.541689426185568</c:v>
+                  <c:v>14.419356912094463</c:v>
                 </c:pt>
                 <c:pt idx="44">
-                  <c:v>14.541689426185568</c:v>
+                  <c:v>14.419356912094463</c:v>
                 </c:pt>
                 <c:pt idx="45">
-                  <c:v>14.439003124867158</c:v>
+                  <c:v>14.419356912094463</c:v>
                 </c:pt>
                 <c:pt idx="46">
-                  <c:v>14.439003124867158</c:v>
+                  <c:v>14.419356912094463</c:v>
                 </c:pt>
                 <c:pt idx="47">
-                  <c:v>14.416410109549313</c:v>
+                  <c:v>14.419356912094463</c:v>
                 </c:pt>
                 <c:pt idx="48">
-                  <c:v>14.346793762182523</c:v>
+                  <c:v>14.419356912094463</c:v>
                 </c:pt>
                 <c:pt idx="49">
-                  <c:v>14.346793762182523</c:v>
+                  <c:v>14.397037746496865</c:v>
                 </c:pt>
                 <c:pt idx="50">
-                  <c:v>14.346793762182523</c:v>
+                  <c:v>14.397037746496865</c:v>
                 </c:pt>
                 <c:pt idx="51">
-                  <c:v>14.346793762182523</c:v>
+                  <c:v>14.397037746496865</c:v>
                 </c:pt>
                 <c:pt idx="52">
-                  <c:v>14.331331093434335</c:v>
+                  <c:v>14.397037746496865</c:v>
                 </c:pt>
                 <c:pt idx="53">
-                  <c:v>14.331331093434335</c:v>
+                  <c:v>14.347913391193162</c:v>
                 </c:pt>
                 <c:pt idx="54">
-                  <c:v>14.271365746932197</c:v>
+                  <c:v>14.332429406480257</c:v>
                 </c:pt>
                 <c:pt idx="55">
-                  <c:v>14.16569564309227</c:v>
+                  <c:v>14.298061109342072</c:v>
                 </c:pt>
                 <c:pt idx="56">
-                  <c:v>14.058502652990505</c:v>
+                  <c:v>14.11805801023861</c:v>
                 </c:pt>
                 <c:pt idx="57">
-                  <c:v>14.006247025447795</c:v>
+                  <c:v>14.101337884229979</c:v>
                 </c:pt>
                 <c:pt idx="58">
-                  <c:v>13.95310217932157</c:v>
+                  <c:v>13.961754502635564</c:v>
                 </c:pt>
                 <c:pt idx="59">
-                  <c:v>13.95310217932157</c:v>
+                  <c:v>13.892556773679789</c:v>
                 </c:pt>
                 <c:pt idx="60">
-                  <c:v>13.519746044462519</c:v>
+                  <c:v>13.660952894123156</c:v>
                 </c:pt>
                 <c:pt idx="61">
-                  <c:v>13.343602055519121</c:v>
+                  <c:v>13.388092539736897</c:v>
                 </c:pt>
                 <c:pt idx="62">
-                  <c:v>13.343602055519121</c:v>
+                  <c:v>13.336344727352929</c:v>
                 </c:pt>
                 <c:pt idx="63">
-                  <c:v>13.338579238945266</c:v>
+                  <c:v>13.195219985842453</c:v>
                 </c:pt>
                 <c:pt idx="64">
-                  <c:v>13.231936064969728</c:v>
+                  <c:v>13.195219985842453</c:v>
                 </c:pt>
                 <c:pt idx="65">
-                  <c:v>12.942799409923539</c:v>
+                  <c:v>13.042433765865704</c:v>
                 </c:pt>
                 <c:pt idx="66">
-                  <c:v>12.886945478521929</c:v>
+                  <c:v>13.013471554965118</c:v>
                 </c:pt>
                 <c:pt idx="67">
-                  <c:v>12.864808232919174</c:v>
+                  <c:v>12.97194636672425</c:v>
                 </c:pt>
                 <c:pt idx="68">
-                  <c:v>12.741476064076439</c:v>
+                  <c:v>12.970846399329753</c:v>
                 </c:pt>
                 <c:pt idx="69">
-                  <c:v>12.718480764413274</c:v>
+                  <c:v>12.960966146095357</c:v>
                 </c:pt>
                 <c:pt idx="70">
-                  <c:v>12.555626891240257</c:v>
+                  <c:v>12.78182653022318</c:v>
                 </c:pt>
                 <c:pt idx="71">
-                  <c:v>12.479451423704059</c:v>
+                  <c:v>12.765301294132419</c:v>
                 </c:pt>
                 <c:pt idx="72">
-                  <c:v>12.324933534994553</c:v>
+                  <c:v>12.578765195094523</c:v>
                 </c:pt>
                 <c:pt idx="73">
-                  <c:v>12.30443552759982</c:v>
+                  <c:v>12.453595797294012</c:v>
                 </c:pt>
                 <c:pt idx="74">
-                  <c:v>12.207975726265603</c:v>
+                  <c:v>12.277232702080655</c:v>
                 </c:pt>
                 <c:pt idx="75">
-                  <c:v>12.207975726265603</c:v>
+                  <c:v>12.084124628290128</c:v>
                 </c:pt>
                 <c:pt idx="76">
-                  <c:v>12.064127577467636</c:v>
+                  <c:v>12.055497950819468</c:v>
                 </c:pt>
                 <c:pt idx="77">
-                  <c:v>12.004128314724245</c:v>
+                  <c:v>11.906766298126245</c:v>
                 </c:pt>
                 <c:pt idx="78">
-                  <c:v>11.98992333378159</c:v>
+                  <c:v>11.826472616786855</c:v>
                 </c:pt>
                 <c:pt idx="79">
-                  <c:v>11.761069562186821</c:v>
+                  <c:v>11.826472616786855</c:v>
                 </c:pt>
                 <c:pt idx="80">
-                  <c:v>11.7603108734868</c:v>
+                  <c:v>11.677975636722168</c:v>
                 </c:pt>
                 <c:pt idx="81">
-                  <c:v>11.632550820385637</c:v>
+                  <c:v>11.351477153004739</c:v>
                 </c:pt>
                 <c:pt idx="82">
-                  <c:v>11.49017531504599</c:v>
+                  <c:v>11.29827936835416</c:v>
                 </c:pt>
                 <c:pt idx="83">
-                  <c:v>11.226388470053253</c:v>
+                  <c:v>11.274216320254837</c:v>
                 </c:pt>
                 <c:pt idx="84">
-                  <c:v>11.226388470053253</c:v>
+                  <c:v>11.269885516828689</c:v>
                 </c:pt>
                 <c:pt idx="85">
-                  <c:v>11.226388470053253</c:v>
+                  <c:v>11.068885296200664</c:v>
                 </c:pt>
                 <c:pt idx="86">
-                  <c:v>11.233798769951237</c:v>
+                  <c:v>11.033673283230659</c:v>
                 </c:pt>
                 <c:pt idx="87">
-                  <c:v>11.126927378011406</c:v>
+                  <c:v>11.033673283230659</c:v>
                 </c:pt>
                 <c:pt idx="88">
-                  <c:v>11.126927378011406</c:v>
+                  <c:v>11.033673283230659</c:v>
                 </c:pt>
                 <c:pt idx="89">
-                  <c:v>10.936791410126995</c:v>
+                  <c:v>10.903816069241524</c:v>
                 </c:pt>
                 <c:pt idx="90">
-                  <c:v>10.83769421317953</c:v>
+                  <c:v>10.756009880778549</c:v>
                 </c:pt>
                 <c:pt idx="91">
-                  <c:v>10.830468557772697</c:v>
+                  <c:v>10.736280440194372</c:v>
                 </c:pt>
                 <c:pt idx="92">
-                  <c:v>10.830468557772697</c:v>
+                  <c:v>10.736280440194372</c:v>
                 </c:pt>
                 <c:pt idx="93">
-                  <c:v>10.40203959178457</c:v>
+                  <c:v>10.708753411736682</c:v>
                 </c:pt>
                 <c:pt idx="94">
-                  <c:v>10.454699307955925</c:v>
+                  <c:v>10.708753411736682</c:v>
                 </c:pt>
                 <c:pt idx="95">
-                  <c:v>10.830468557772697</c:v>
+                  <c:v>10.638209519763073</c:v>
                 </c:pt>
                 <c:pt idx="96">
-                  <c:v>10.830468557772697</c:v>
+                  <c:v>10.638209519763073</c:v>
                 </c:pt>
                 <c:pt idx="97">
-                  <c:v>10.454699307955925</c:v>
+                  <c:v>10.638209519763073</c:v>
                 </c:pt>
                 <c:pt idx="98">
-                  <c:v>10.454699307955925</c:v>
+                  <c:v>10.638209519763073</c:v>
                 </c:pt>
                 <c:pt idx="99">
-                  <c:v>10.40203959178457</c:v>
+                  <c:v>10.638209519763073</c:v>
                 </c:pt>
                 <c:pt idx="100">
-                  <c:v>10.246741480443747</c:v>
+                  <c:v>10.638209519763073</c:v>
                 </c:pt>
                 <c:pt idx="101">
-                  <c:v>10.246741480443747</c:v>
+                  <c:v>10.638209519763073</c:v>
                 </c:pt>
                 <c:pt idx="102">
-                  <c:v>10.246741480443747</c:v>
+                  <c:v>10.593418069523691</c:v>
                 </c:pt>
                 <c:pt idx="103">
-                  <c:v>10.246741480443747</c:v>
+                  <c:v>10.549833741746626</c:v>
                 </c:pt>
                 <c:pt idx="104">
-                  <c:v>9.8258955012450322</c:v>
+                  <c:v>10.544472482799087</c:v>
                 </c:pt>
                 <c:pt idx="105">
-                  <c:v>9.429875508784578</c:v>
+                  <c:v>9.9390287311191301</c:v>
                 </c:pt>
                 <c:pt idx="106">
-                  <c:v>9.429875508784578</c:v>
+                  <c:v>9.9106226504592048</c:v>
                 </c:pt>
                 <c:pt idx="107">
-                  <c:v>9.429875508784578</c:v>
+                  <c:v>9.8010268948511481</c:v>
                 </c:pt>
                 <c:pt idx="108">
-                  <c:v>9.0810476583506112</c:v>
+                  <c:v>9.8010268948511481</c:v>
                 </c:pt>
                 <c:pt idx="109">
-                  <c:v>9.0769678608802327</c:v>
+                  <c:v>9.8010268948511481</c:v>
                 </c:pt>
                 <c:pt idx="110">
-                  <c:v>8.6200853972101612</c:v>
+                  <c:v>9.5318582986210032</c:v>
                 </c:pt>
                 <c:pt idx="111">
-                  <c:v>8.6200853972101612</c:v>
+                  <c:v>9.5056817293803846</c:v>
                 </c:pt>
                 <c:pt idx="112">
-                  <c:v>8.6200853972101612</c:v>
+                  <c:v>9.5056817293803846</c:v>
                 </c:pt>
                 <c:pt idx="113">
-                  <c:v>7.7444544627592427</c:v>
+                  <c:v>9.180979463032001</c:v>
                 </c:pt>
                 <c:pt idx="114">
-                  <c:v>8.6200853972101612</c:v>
+                  <c:v>9.1325329926891641</c:v>
                 </c:pt>
                 <c:pt idx="115">
-                  <c:v>8.4107111618197372</c:v>
+                  <c:v>9.1325329926891641</c:v>
                 </c:pt>
                 <c:pt idx="116">
-                  <c:v>9.0769678608802327</c:v>
+                  <c:v>9.1325329926891641</c:v>
                 </c:pt>
                 <c:pt idx="117">
-                  <c:v>9.2534216848324053</c:v>
+                  <c:v>9.0290189828084877</c:v>
                 </c:pt>
                 <c:pt idx="118">
-                  <c:v>9.429875508784578</c:v>
+                  <c:v>8.9255049729278131</c:v>
                 </c:pt>
               </c:numCache>
             </c:numRef>
@@ -6204,7 +6298,7 @@
           <c:smooth val="1"/>
           <c:extLst>
             <c:ext xmlns:c16="http://schemas.microsoft.com/office/drawing/2014/chart" uri="{C3380CC4-5D6E-409C-BE32-E72D297353CC}">
-              <c16:uniqueId val="{00000002-F1D2-4E93-AA65-09A5E9B06DB6}"/>
+              <c16:uniqueId val="{00000002-C404-4FE1-B257-E0AB7B4E154F}"/>
             </c:ext>
           </c:extLst>
         </c:ser>
@@ -6213,7 +6307,7 @@
           <c:order val="3"/>
           <c:tx>
             <c:strRef>
-              <c:f>Data!$L$1</c:f>
+              <c:f>Data!$I$1</c:f>
               <c:strCache>
                 <c:ptCount val="1"/>
                 <c:pt idx="0">
@@ -6223,11 +6317,9 @@
             </c:strRef>
           </c:tx>
           <c:spPr>
-            <a:ln w="28575" cap="rnd">
+            <a:ln w="19050" cap="rnd">
               <a:solidFill>
-                <a:schemeClr val="accent2">
-                  <a:lumMod val="60000"/>
-                </a:schemeClr>
+                <a:schemeClr val="accent4"/>
               </a:solidFill>
               <a:round/>
             </a:ln>
@@ -6238,7 +6330,7 @@
           </c:marker>
           <c:yVal>
             <c:numRef>
-              <c:f>Data!$L$2:$L$120</c:f>
+              <c:f>Data!$I$2:$I$120</c:f>
               <c:numCache>
                 <c:formatCode>General</c:formatCode>
                 <c:ptCount val="119"/>
@@ -6246,358 +6338,358 @@
                   <c:v>1</c:v>
                 </c:pt>
                 <c:pt idx="1">
-                  <c:v>1.9495878254888097</c:v>
+                  <c:v>1.9518537946749457</c:v>
                 </c:pt>
                 <c:pt idx="2">
-                  <c:v>2.8543115932240881</c:v>
+                  <c:v>2.858715619188831</c:v>
                 </c:pt>
                 <c:pt idx="3">
-                  <c:v>3.7063212824391294</c:v>
+                  <c:v>3.7119871754868314</c:v>
                 </c:pt>
                 <c:pt idx="4">
-                  <c:v>4.5732312901166896</c:v>
+                  <c:v>4.5022672363487697</c:v>
                 </c:pt>
                 <c:pt idx="5">
-                  <c:v>5.2971189469895839</c:v>
+                  <c:v>5.3266610426277099</c:v>
                 </c:pt>
                 <c:pt idx="6">
-                  <c:v>5.9920943501001229</c:v>
+                  <c:v>6.0094264748550765</c:v>
                 </c:pt>
                 <c:pt idx="7">
-                  <c:v>5.997515316090321</c:v>
+                  <c:v>6.3255056060965877</c:v>
                 </c:pt>
                 <c:pt idx="8">
-                  <c:v>7.4266600181640028</c:v>
+                  <c:v>6.9975015356029928</c:v>
                 </c:pt>
                 <c:pt idx="9">
-                  <c:v>7.9997173920839453</c:v>
+                  <c:v>8.0275585188220724</c:v>
                 </c:pt>
                 <c:pt idx="10">
-                  <c:v>7.9998989197144308</c:v>
+                  <c:v>8.0585548527427218</c:v>
                 </c:pt>
                 <c:pt idx="11">
-                  <c:v>8.6749258857559646</c:v>
+                  <c:v>8.748853403844878</c:v>
                 </c:pt>
                 <c:pt idx="12">
-                  <c:v>8.995797779597634</c:v>
+                  <c:v>9.2104480189247742</c:v>
                 </c:pt>
                 <c:pt idx="13">
-                  <c:v>9.4730789850990345</c:v>
+                  <c:v>9.8278411078759067</c:v>
                 </c:pt>
                 <c:pt idx="14">
-                  <c:v>10.779129791536571</c:v>
+                  <c:v>10.554455944241242</c:v>
                 </c:pt>
                 <c:pt idx="15">
-                  <c:v>10.81711164267838</c:v>
+                  <c:v>10.912322929150248</c:v>
                 </c:pt>
                 <c:pt idx="16">
-                  <c:v>10.968970743898122</c:v>
+                  <c:v>11.143547448630226</c:v>
                 </c:pt>
                 <c:pt idx="17">
-                  <c:v>10.997414282962906</c:v>
+                  <c:v>11.548877988341228</c:v>
                 </c:pt>
                 <c:pt idx="18">
-                  <c:v>11.099414067867169</c:v>
+                  <c:v>11.954470068259518</c:v>
                 </c:pt>
                 <c:pt idx="19">
-                  <c:v>11.498504297919373</c:v>
+                  <c:v>12.13730691374559</c:v>
                 </c:pt>
                 <c:pt idx="20">
-                  <c:v>12.06689779749007</c:v>
+                  <c:v>12.178357690679981</c:v>
                 </c:pt>
                 <c:pt idx="21">
-                  <c:v>12.425511003911376</c:v>
+                  <c:v>12.486887083618226</c:v>
                 </c:pt>
                 <c:pt idx="22">
-                  <c:v>12.845338008371929</c:v>
+                  <c:v>12.609470029476597</c:v>
                 </c:pt>
                 <c:pt idx="23">
-                  <c:v>12.845338008371929</c:v>
+                  <c:v>12.874043794084937</c:v>
                 </c:pt>
                 <c:pt idx="24">
-                  <c:v>12.880353869182636</c:v>
+                  <c:v>12.958342048834126</c:v>
                 </c:pt>
                 <c:pt idx="25">
-                  <c:v>12.940646045835138</c:v>
+                  <c:v>13.048624536134195</c:v>
                 </c:pt>
                 <c:pt idx="26">
-                  <c:v>13.009738839708957</c:v>
+                  <c:v>13.123767892308628</c:v>
                 </c:pt>
                 <c:pt idx="27">
-                  <c:v>13.306445347655632</c:v>
+                  <c:v>13.340485366544245</c:v>
                 </c:pt>
                 <c:pt idx="28">
-                  <c:v>13.445113768523354</c:v>
+                  <c:v>13.355342329124472</c:v>
                 </c:pt>
                 <c:pt idx="29">
-                  <c:v>13.493483812857388</c:v>
+                  <c:v>13.415477706901603</c:v>
                 </c:pt>
                 <c:pt idx="30">
-                  <c:v>13.493483812857388</c:v>
+                  <c:v>13.555235756446686</c:v>
                 </c:pt>
                 <c:pt idx="31">
-                  <c:v>13.636888272347045</c:v>
+                  <c:v>13.83374171117987</c:v>
                 </c:pt>
                 <c:pt idx="32">
-                  <c:v>13.661199216714573</c:v>
+                  <c:v>13.83374171117987</c:v>
                 </c:pt>
                 <c:pt idx="33">
-                  <c:v>13.715360515922363</c:v>
+                  <c:v>13.83374171117987</c:v>
                 </c:pt>
                 <c:pt idx="34">
-                  <c:v>13.715360515922363</c:v>
+                  <c:v>13.83374171117987</c:v>
                 </c:pt>
                 <c:pt idx="35">
-                  <c:v>13.715360515922363</c:v>
+                  <c:v>13.961921299034028</c:v>
                 </c:pt>
                 <c:pt idx="36">
-                  <c:v>13.698370383535243</c:v>
+                  <c:v>13.996157148359506</c:v>
                 </c:pt>
                 <c:pt idx="37">
-                  <c:v>13.715360515922363</c:v>
+                  <c:v>14.10143141166683</c:v>
                 </c:pt>
                 <c:pt idx="38">
-                  <c:v>13.843642137820845</c:v>
+                  <c:v>14.10143141166683</c:v>
                 </c:pt>
                 <c:pt idx="39">
-                  <c:v>13.843642137820845</c:v>
+                  <c:v>14.101474694624862</c:v>
                 </c:pt>
                 <c:pt idx="40">
-                  <c:v>13.854093275783613</c:v>
+                  <c:v>14.101474694624862</c:v>
                 </c:pt>
                 <c:pt idx="41">
-                  <c:v>13.875327563813757</c:v>
+                  <c:v>14.101474694624862</c:v>
                 </c:pt>
                 <c:pt idx="42">
-                  <c:v>13.854093275783613</c:v>
+                  <c:v>14.101474694624862</c:v>
                 </c:pt>
                 <c:pt idx="43">
-                  <c:v>13.715360515922363</c:v>
+                  <c:v>14.101474694624862</c:v>
                 </c:pt>
                 <c:pt idx="44">
-                  <c:v>13.715360515922363</c:v>
+                  <c:v>14.101474694624862</c:v>
                 </c:pt>
                 <c:pt idx="45">
-                  <c:v>13.715360515922363</c:v>
+                  <c:v>14.101474694624862</c:v>
                 </c:pt>
                 <c:pt idx="46">
-                  <c:v>13.854093275783613</c:v>
+                  <c:v>14.101474694624862</c:v>
                 </c:pt>
                 <c:pt idx="47">
-                  <c:v>13.854093275783613</c:v>
+                  <c:v>14.101474694624862</c:v>
                 </c:pt>
                 <c:pt idx="48">
-                  <c:v>13.854093275783613</c:v>
+                  <c:v>14.101474694624862</c:v>
                 </c:pt>
                 <c:pt idx="49">
-                  <c:v>13.854093275783613</c:v>
+                  <c:v>14.101474694624862</c:v>
                 </c:pt>
                 <c:pt idx="50">
-                  <c:v>13.999480779728771</c:v>
+                  <c:v>14.101474694624862</c:v>
                 </c:pt>
                 <c:pt idx="51">
-                  <c:v>13.854093275783613</c:v>
+                  <c:v>14.101474694624862</c:v>
                 </c:pt>
                 <c:pt idx="52">
-                  <c:v>13.715360515922363</c:v>
+                  <c:v>14.101474694624862</c:v>
                 </c:pt>
                 <c:pt idx="53">
-                  <c:v>13.715360515922363</c:v>
+                  <c:v>14.056409684566386</c:v>
                 </c:pt>
                 <c:pt idx="54">
-                  <c:v>13.698370383535243</c:v>
+                  <c:v>13.998286321122198</c:v>
                 </c:pt>
                 <c:pt idx="55">
-                  <c:v>13.698370383535243</c:v>
+                  <c:v>13.899573431556121</c:v>
                 </c:pt>
                 <c:pt idx="56">
-                  <c:v>13.497767673139936</c:v>
+                  <c:v>13.76692057188234</c:v>
                 </c:pt>
                 <c:pt idx="57">
-                  <c:v>13.369824192250894</c:v>
+                  <c:v>13.76692057188234</c:v>
                 </c:pt>
                 <c:pt idx="58">
-                  <c:v>13.22053034059757</c:v>
+                  <c:v>13.735768668836661</c:v>
                 </c:pt>
                 <c:pt idx="59">
-                  <c:v>13.22053034059757</c:v>
+                  <c:v>13.734167404215787</c:v>
                 </c:pt>
                 <c:pt idx="60">
-                  <c:v>13.173800559407908</c:v>
+                  <c:v>13.632882018576206</c:v>
                 </c:pt>
                 <c:pt idx="61">
-                  <c:v>13.168931278261333</c:v>
+                  <c:v>13.632882018576206</c:v>
                 </c:pt>
                 <c:pt idx="62">
-                  <c:v>13.168931278261333</c:v>
+                  <c:v>13.54353246786987</c:v>
                 </c:pt>
                 <c:pt idx="63">
-                  <c:v>13.089133941458757</c:v>
+                  <c:v>13.095952689365703</c:v>
                 </c:pt>
                 <c:pt idx="64">
-                  <c:v>13.089133941458757</c:v>
+                  <c:v>12.975269355946853</c:v>
                 </c:pt>
                 <c:pt idx="65">
-                  <c:v>13.032997320991585</c:v>
+                  <c:v>12.895548189286123</c:v>
                 </c:pt>
                 <c:pt idx="66">
-                  <c:v>12.808515249640788</c:v>
+                  <c:v>12.895548189286123</c:v>
                 </c:pt>
                 <c:pt idx="67">
-                  <c:v>12.808515249640788</c:v>
+                  <c:v>12.874103241731243</c:v>
                 </c:pt>
                 <c:pt idx="68">
-                  <c:v>12.486997942361707</c:v>
+                  <c:v>12.823517498999733</c:v>
                 </c:pt>
                 <c:pt idx="69">
-                  <c:v>12.412799529698368</c:v>
+                  <c:v>12.823517498999733</c:v>
                 </c:pt>
                 <c:pt idx="70">
-                  <c:v>11.960034419398726</c:v>
+                  <c:v>12.491082798079733</c:v>
                 </c:pt>
                 <c:pt idx="71">
-                  <c:v>11.918856723950711</c:v>
+                  <c:v>12.475193326342669</c:v>
                 </c:pt>
                 <c:pt idx="72">
-                  <c:v>11.884084499452751</c:v>
+                  <c:v>12.418661579106336</c:v>
                 </c:pt>
                 <c:pt idx="73">
-                  <c:v>11.884084499452751</c:v>
+                  <c:v>12.27943908712612</c:v>
                 </c:pt>
                 <c:pt idx="74">
-                  <c:v>11.819607877955805</c:v>
+                  <c:v>12.231540323200436</c:v>
                 </c:pt>
                 <c:pt idx="75">
-                  <c:v>11.809799758497995</c:v>
+                  <c:v>12.17209349736383</c:v>
                 </c:pt>
                 <c:pt idx="76">
-                  <c:v>11.800885332957723</c:v>
+                  <c:v>12.113445431173377</c:v>
                 </c:pt>
                 <c:pt idx="77">
-                  <c:v>11.76833578980499</c:v>
+                  <c:v>12.037825478168797</c:v>
                 </c:pt>
                 <c:pt idx="78">
-                  <c:v>11.744318299482936</c:v>
+                  <c:v>11.985929334646313</c:v>
                 </c:pt>
                 <c:pt idx="79">
-                  <c:v>11.676780768024367</c:v>
+                  <c:v>11.93466847719823</c:v>
                 </c:pt>
                 <c:pt idx="80">
-                  <c:v>11.58537169767575</c:v>
+                  <c:v>11.83904865492674</c:v>
                 </c:pt>
                 <c:pt idx="81">
-                  <c:v>11.304947895376488</c:v>
+                  <c:v>11.83904865492674</c:v>
                 </c:pt>
                 <c:pt idx="82">
-                  <c:v>11.276078065753063</c:v>
+                  <c:v>11.48169195232896</c:v>
                 </c:pt>
                 <c:pt idx="83">
-                  <c:v>11.276078065753063</c:v>
+                  <c:v>11.369258979187167</c:v>
                 </c:pt>
                 <c:pt idx="84">
-                  <c:v>10.860549029245727</c:v>
+                  <c:v>11.243346138313292</c:v>
                 </c:pt>
                 <c:pt idx="85">
-                  <c:v>10.7237365302823</c:v>
+                  <c:v>11.243346138313292</c:v>
                 </c:pt>
                 <c:pt idx="86">
-                  <c:v>10.6023333767704</c:v>
+                  <c:v>11.2271365418458</c:v>
                 </c:pt>
                 <c:pt idx="87">
-                  <c:v>10.6023333767704</c:v>
+                  <c:v>11.086302936629524</c:v>
                 </c:pt>
                 <c:pt idx="88">
-                  <c:v>10.6023333767704</c:v>
+                  <c:v>11.038417090310665</c:v>
                 </c:pt>
                 <c:pt idx="89">
-                  <c:v>10.860549029245727</c:v>
+                  <c:v>11.038417090310665</c:v>
                 </c:pt>
                 <c:pt idx="90">
-                  <c:v>10.767622655932483</c:v>
+                  <c:v>11.036363116589319</c:v>
                 </c:pt>
                 <c:pt idx="91">
-                  <c:v>10.767622655932483</c:v>
+                  <c:v>11.036363116589319</c:v>
                 </c:pt>
                 <c:pt idx="92">
-                  <c:v>10.767622655932483</c:v>
+                  <c:v>10.98336602852487</c:v>
                 </c:pt>
                 <c:pt idx="93">
-                  <c:v>10.6023333767704</c:v>
+                  <c:v>10.98336602852487</c:v>
                 </c:pt>
                 <c:pt idx="94">
-                  <c:v>10.479174039290596</c:v>
+                  <c:v>10.98336602852487</c:v>
                 </c:pt>
                 <c:pt idx="95">
-                  <c:v>10.511894960030595</c:v>
+                  <c:v>10.98336602852487</c:v>
                 </c:pt>
                 <c:pt idx="96">
-                  <c:v>10.479174039290596</c:v>
+                  <c:v>10.669843758910986</c:v>
                 </c:pt>
                 <c:pt idx="97">
-                  <c:v>10.479174039290596</c:v>
+                  <c:v>10.321648145419891</c:v>
                 </c:pt>
                 <c:pt idx="98">
-                  <c:v>10.201651511757213</c:v>
+                  <c:v>10.321648145419891</c:v>
                 </c:pt>
                 <c:pt idx="99">
-                  <c:v>9.9778697698142036</c:v>
+                  <c:v>10.300590939828021</c:v>
                 </c:pt>
                 <c:pt idx="100">
-                  <c:v>9.9778697698142036</c:v>
+                  <c:v>10.21001222704305</c:v>
                 </c:pt>
                 <c:pt idx="101">
-                  <c:v>9.9778697698142036</c:v>
+                  <c:v>10.21001222704305</c:v>
                 </c:pt>
                 <c:pt idx="102">
-                  <c:v>9.6053256791904733</c:v>
+                  <c:v>10.21001222704305</c:v>
                 </c:pt>
                 <c:pt idx="103">
-                  <c:v>9.6053256791904733</c:v>
+                  <c:v>10.21001222704305</c:v>
                 </c:pt>
                 <c:pt idx="104">
-                  <c:v>9.9778697698142036</c:v>
+                  <c:v>10.21001222704305</c:v>
                 </c:pt>
                 <c:pt idx="105">
-                  <c:v>9.9778697698142036</c:v>
+                  <c:v>9.8851791130437707</c:v>
                 </c:pt>
                 <c:pt idx="106">
-                  <c:v>9.7861307939338467</c:v>
+                  <c:v>9.8851791130437707</c:v>
                 </c:pt>
                 <c:pt idx="107">
-                  <c:v>9.6053256791904733</c:v>
+                  <c:v>9.8851791130437707</c:v>
                 </c:pt>
                 <c:pt idx="108">
-                  <c:v>9.6053256791904733</c:v>
+                  <c:v>9.8411602246343524</c:v>
                 </c:pt>
                 <c:pt idx="109">
-                  <c:v>9.2510439110632845</c:v>
+                  <c:v>9.806638569663674</c:v>
                 </c:pt>
                 <c:pt idx="110">
-                  <c:v>9.2510439110632845</c:v>
+                  <c:v>9.7774213579026465</c:v>
                 </c:pt>
                 <c:pt idx="111">
-                  <c:v>9.0721025378894602</c:v>
+                  <c:v>9.7774213579026465</c:v>
                 </c:pt>
                 <c:pt idx="112">
-                  <c:v>8.9553485320358632</c:v>
+                  <c:v>9.7483777244213492</c:v>
                 </c:pt>
                 <c:pt idx="113">
-                  <c:v>8.9553485320358632</c:v>
+                  <c:v>9.7483777244213492</c:v>
                 </c:pt>
                 <c:pt idx="114">
-                  <c:v>8.9553485320358632</c:v>
+                  <c:v>9.7413256491523743</c:v>
                 </c:pt>
                 <c:pt idx="115">
-                  <c:v>9.1031962215495739</c:v>
+                  <c:v>9.7413256491523743</c:v>
                 </c:pt>
                 <c:pt idx="116">
-                  <c:v>9.2510439110632845</c:v>
+                  <c:v>9.7413256491523743</c:v>
                 </c:pt>
                 <c:pt idx="117">
-                  <c:v>9.1031962215495739</c:v>
+                  <c:v>9.7378047093727869</c:v>
                 </c:pt>
                 <c:pt idx="118">
-                  <c:v>9.2510439110632845</c:v>
+                  <c:v>9.7342837695931994</c:v>
                 </c:pt>
               </c:numCache>
             </c:numRef>
@@ -6605,7 +6697,7 @@
           <c:smooth val="1"/>
           <c:extLst>
             <c:ext xmlns:c16="http://schemas.microsoft.com/office/drawing/2014/chart" uri="{C3380CC4-5D6E-409C-BE32-E72D297353CC}">
-              <c16:uniqueId val="{00000003-F1D2-4E93-AA65-09A5E9B06DB6}"/>
+              <c16:uniqueId val="{00000003-C404-4FE1-B257-E0AB7B4E154F}"/>
             </c:ext>
           </c:extLst>
         </c:ser>
@@ -6642,6 +6734,20 @@
             <a:effectLst/>
           </c:spPr>
         </c:majorGridlines>
+        <c:minorGridlines>
+          <c:spPr>
+            <a:ln w="9525" cap="flat" cmpd="sng" algn="ctr">
+              <a:solidFill>
+                <a:schemeClr val="tx1">
+                  <a:lumMod val="5000"/>
+                  <a:lumOff val="95000"/>
+                </a:schemeClr>
+              </a:solidFill>
+              <a:round/>
+            </a:ln>
+            <a:effectLst/>
+          </c:spPr>
+        </c:minorGridlines>
         <c:title>
           <c:tx>
             <c:rich>
@@ -6649,7 +6755,7 @@
               <a:lstStyle/>
               <a:p>
                 <a:pPr>
-                  <a:defRPr sz="1330" b="0" i="0" u="none" strike="noStrike" kern="1200" baseline="0">
+                  <a:defRPr sz="1000" b="0" i="0" u="none" strike="noStrike" kern="1200" baseline="0">
                     <a:solidFill>
                       <a:schemeClr val="tx1">
                         <a:lumMod val="65000"/>
@@ -6681,7 +6787,7 @@
             <a:lstStyle/>
             <a:p>
               <a:pPr>
-                <a:defRPr sz="1330" b="0" i="0" u="none" strike="noStrike" kern="1200" baseline="0">
+                <a:defRPr sz="1000" b="0" i="0" u="none" strike="noStrike" kern="1200" baseline="0">
                   <a:solidFill>
                     <a:schemeClr val="tx1">
                       <a:lumMod val="65000"/>
@@ -6703,8 +6809,14 @@
         <c:tickLblPos val="nextTo"/>
         <c:spPr>
           <a:noFill/>
-          <a:ln>
-            <a:noFill/>
+          <a:ln w="9525" cap="flat" cmpd="sng" algn="ctr">
+            <a:solidFill>
+              <a:schemeClr val="tx1">
+                <a:lumMod val="25000"/>
+                <a:lumOff val="75000"/>
+              </a:schemeClr>
+            </a:solidFill>
+            <a:round/>
           </a:ln>
           <a:effectLst/>
         </c:spPr>
@@ -6713,7 +6825,7 @@
           <a:lstStyle/>
           <a:p>
             <a:pPr>
-              <a:defRPr sz="1197" b="0" i="0" u="none" strike="noStrike" kern="1200" baseline="0">
+              <a:defRPr sz="900" b="0" i="0" u="none" strike="noStrike" kern="1200" baseline="0">
                 <a:solidFill>
                   <a:schemeClr val="tx1">
                     <a:lumMod val="65000"/>
@@ -6738,6 +6850,7 @@
         <c:axId val="589382512"/>
         <c:scaling>
           <c:orientation val="minMax"/>
+          <c:max val="60"/>
         </c:scaling>
         <c:delete val="0"/>
         <c:axPos val="l"/>
@@ -6755,6 +6868,20 @@
             <a:effectLst/>
           </c:spPr>
         </c:majorGridlines>
+        <c:minorGridlines>
+          <c:spPr>
+            <a:ln w="9525" cap="flat" cmpd="sng" algn="ctr">
+              <a:solidFill>
+                <a:schemeClr val="tx1">
+                  <a:lumMod val="5000"/>
+                  <a:lumOff val="95000"/>
+                </a:schemeClr>
+              </a:solidFill>
+              <a:round/>
+            </a:ln>
+            <a:effectLst/>
+          </c:spPr>
+        </c:minorGridlines>
         <c:title>
           <c:tx>
             <c:rich>
@@ -6762,7 +6889,7 @@
               <a:lstStyle/>
               <a:p>
                 <a:pPr>
-                  <a:defRPr sz="1330" b="0" i="0" u="none" strike="noStrike" kern="1200" baseline="0">
+                  <a:defRPr sz="1000" b="0" i="0" u="none" strike="noStrike" kern="1200" baseline="0">
                     <a:solidFill>
                       <a:schemeClr val="tx1">
                         <a:lumMod val="65000"/>
@@ -6794,7 +6921,7 @@
             <a:lstStyle/>
             <a:p>
               <a:pPr>
-                <a:defRPr sz="1330" b="0" i="0" u="none" strike="noStrike" kern="1200" baseline="0">
+                <a:defRPr sz="1000" b="0" i="0" u="none" strike="noStrike" kern="1200" baseline="0">
                   <a:solidFill>
                     <a:schemeClr val="tx1">
                       <a:lumMod val="65000"/>
@@ -6816,8 +6943,14 @@
         <c:tickLblPos val="nextTo"/>
         <c:spPr>
           <a:noFill/>
-          <a:ln>
-            <a:noFill/>
+          <a:ln w="9525" cap="flat" cmpd="sng" algn="ctr">
+            <a:solidFill>
+              <a:schemeClr val="tx1">
+                <a:lumMod val="25000"/>
+                <a:lumOff val="75000"/>
+              </a:schemeClr>
+            </a:solidFill>
+            <a:round/>
           </a:ln>
           <a:effectLst/>
         </c:spPr>
@@ -6826,7 +6959,7 @@
           <a:lstStyle/>
           <a:p>
             <a:pPr>
-              <a:defRPr sz="1197" b="0" i="0" u="none" strike="noStrike" kern="1200" baseline="0">
+              <a:defRPr sz="900" b="0" i="0" u="none" strike="noStrike" kern="1200" baseline="0">
                 <a:solidFill>
                   <a:schemeClr val="tx1">
                     <a:lumMod val="65000"/>
@@ -6844,6 +6977,8 @@
         <c:crossAx val="589381528"/>
         <c:crosses val="autoZero"/>
         <c:crossBetween val="midCat"/>
+        <c:majorUnit val="5"/>
+        <c:minorUnit val="1"/>
       </c:valAx>
       <c:valAx>
         <c:axId val="589379232"/>
@@ -6859,7 +6994,7 @@
               <a:lstStyle/>
               <a:p>
                 <a:pPr>
-                  <a:defRPr sz="1330" b="0" i="0" u="none" strike="noStrike" kern="1200" baseline="0">
+                  <a:defRPr sz="1000" b="0" i="0" u="none" strike="noStrike" kern="1200" baseline="0">
                     <a:solidFill>
                       <a:schemeClr val="tx1">
                         <a:lumMod val="65000"/>
@@ -6891,7 +7026,7 @@
             <a:lstStyle/>
             <a:p>
               <a:pPr>
-                <a:defRPr sz="1330" b="0" i="0" u="none" strike="noStrike" kern="1200" baseline="0">
+                <a:defRPr sz="1000" b="0" i="0" u="none" strike="noStrike" kern="1200" baseline="0">
                   <a:solidFill>
                     <a:schemeClr val="tx1">
                       <a:lumMod val="65000"/>
@@ -6908,13 +7043,19 @@
           </c:txPr>
         </c:title>
         <c:numFmt formatCode="General" sourceLinked="1"/>
-        <c:majorTickMark val="none"/>
+        <c:majorTickMark val="out"/>
         <c:minorTickMark val="none"/>
         <c:tickLblPos val="nextTo"/>
         <c:spPr>
           <a:noFill/>
-          <a:ln>
-            <a:noFill/>
+          <a:ln w="9525" cap="flat" cmpd="sng" algn="ctr">
+            <a:solidFill>
+              <a:schemeClr val="tx1">
+                <a:lumMod val="25000"/>
+                <a:lumOff val="75000"/>
+              </a:schemeClr>
+            </a:solidFill>
+            <a:round/>
           </a:ln>
           <a:effectLst/>
         </c:spPr>
@@ -6923,7 +7064,7 @@
           <a:lstStyle/>
           <a:p>
             <a:pPr>
-              <a:defRPr sz="1197" b="0" i="0" u="none" strike="noStrike" kern="1200" baseline="0">
+              <a:defRPr sz="900" b="0" i="0" u="none" strike="noStrike" kern="1200" baseline="0">
                 <a:solidFill>
                   <a:schemeClr val="tx1">
                     <a:lumMod val="65000"/>
@@ -6952,7 +7093,7 @@
         <c:delete val="1"/>
         <c:axPos val="b"/>
         <c:numFmt formatCode="General" sourceLinked="1"/>
-        <c:majorTickMark val="none"/>
+        <c:majorTickMark val="out"/>
         <c:minorTickMark val="none"/>
         <c:tickLblPos val="nextTo"/>
         <c:crossAx val="589379232"/>
@@ -6982,7 +7123,7 @@
         <a:lstStyle/>
         <a:p>
           <a:pPr>
-            <a:defRPr sz="1197" b="0" i="0" u="none" strike="noStrike" kern="1200" baseline="0">
+            <a:defRPr sz="900" b="0" i="0" u="none" strike="noStrike" kern="1200" baseline="0">
               <a:solidFill>
                 <a:schemeClr val="tx1">
                   <a:lumMod val="65000"/>
@@ -7046,7 +7187,7 @@
           <a:lstStyle/>
           <a:p>
             <a:pPr>
-              <a:defRPr sz="1862" b="0" i="0" u="none" strike="noStrike" kern="1200" spc="0" baseline="0">
+              <a:defRPr sz="1400" b="0" i="0" u="none" strike="noStrike" kern="1200" spc="0" baseline="0">
                 <a:solidFill>
                   <a:schemeClr val="tx1">
                     <a:lumMod val="65000"/>
@@ -7078,7 +7219,7 @@
         <a:lstStyle/>
         <a:p>
           <a:pPr>
-            <a:defRPr sz="1862" b="0" i="0" u="none" strike="noStrike" kern="1200" spc="0" baseline="0">
+            <a:defRPr sz="1400" b="0" i="0" u="none" strike="noStrike" kern="1200" spc="0" baseline="0">
               <a:solidFill>
                 <a:schemeClr val="tx1">
                   <a:lumMod val="65000"/>
@@ -7105,7 +7246,7 @@
           <c:order val="0"/>
           <c:tx>
             <c:strRef>
-              <c:f>Data!$N$1</c:f>
+              <c:f>Data!$J$1</c:f>
               <c:strCache>
                 <c:ptCount val="1"/>
                 <c:pt idx="0">
@@ -7115,9 +7256,9 @@
             </c:strRef>
           </c:tx>
           <c:spPr>
-            <a:ln w="28575" cap="rnd">
+            <a:ln w="19050" cap="rnd">
               <a:solidFill>
-                <a:schemeClr val="accent2"/>
+                <a:schemeClr val="accent1"/>
               </a:solidFill>
               <a:round/>
             </a:ln>
@@ -7494,366 +7635,366 @@
           </c:xVal>
           <c:yVal>
             <c:numRef>
-              <c:f>Data!$N$2:$N$120</c:f>
+              <c:f>Data!$J$2:$J$120</c:f>
               <c:numCache>
                 <c:formatCode>General</c:formatCode>
                 <c:ptCount val="119"/>
                 <c:pt idx="0">
-                  <c:v>172.22636959100001</c:v>
+                  <c:v>172.42328950000001</c:v>
                 </c:pt>
                 <c:pt idx="1">
-                  <c:v>86.996104641000002</c:v>
+                  <c:v>88.746237129999997</c:v>
                 </c:pt>
                 <c:pt idx="2">
-                  <c:v>59.058870167999999</c:v>
+                  <c:v>60.536512606499997</c:v>
                 </c:pt>
                 <c:pt idx="3">
-                  <c:v>44.896459661000002</c:v>
+                  <c:v>47.586912783499997</c:v>
                 </c:pt>
                 <c:pt idx="4">
-                  <c:v>36.401522153999998</c:v>
+                  <c:v>38.474424579000001</c:v>
                 </c:pt>
                 <c:pt idx="5">
-                  <c:v>30.748200729000001</c:v>
+                  <c:v>33.859953722500002</c:v>
                 </c:pt>
                 <c:pt idx="6">
-                  <c:v>27.067449161999999</c:v>
+                  <c:v>29.9732270075</c:v>
                 </c:pt>
                 <c:pt idx="7">
-                  <c:v>24.835623024</c:v>
+                  <c:v>29.0365275815</c:v>
                 </c:pt>
                 <c:pt idx="8">
-                  <c:v>22.599915278000001</c:v>
+                  <c:v>25.640838585499999</c:v>
                 </c:pt>
                 <c:pt idx="9">
-                  <c:v>20.259790533</c:v>
+                  <c:v>23.788562444</c:v>
                 </c:pt>
                 <c:pt idx="10">
-                  <c:v>20.790615622000001</c:v>
+                  <c:v>22.088809265999998</c:v>
                 </c:pt>
                 <c:pt idx="11">
-                  <c:v>19.341325607999998</c:v>
+                  <c:v>20.196432791500001</c:v>
                 </c:pt>
                 <c:pt idx="12">
-                  <c:v>17.472181576000001</c:v>
+                  <c:v>18.808883113500002</c:v>
                 </c:pt>
                 <c:pt idx="13">
-                  <c:v>17.626434088</c:v>
+                  <c:v>18.587197940499998</c:v>
                 </c:pt>
                 <c:pt idx="14">
-                  <c:v>17.315047428</c:v>
+                  <c:v>18.572797612999999</c:v>
                 </c:pt>
                 <c:pt idx="15">
-                  <c:v>14.496547848000001</c:v>
+                  <c:v>17.7790183585</c:v>
                 </c:pt>
                 <c:pt idx="16">
-                  <c:v>15.662984618999999</c:v>
+                  <c:v>17.7179892825</c:v>
                 </c:pt>
                 <c:pt idx="17">
-                  <c:v>16.061609551</c:v>
+                  <c:v>17.140087043499999</c:v>
                 </c:pt>
                 <c:pt idx="18">
-                  <c:v>12.795726339</c:v>
+                  <c:v>17.139068164499999</c:v>
                 </c:pt>
                 <c:pt idx="19">
-                  <c:v>15.124964856</c:v>
+                  <c:v>16.876145019500001</c:v>
                 </c:pt>
                 <c:pt idx="20">
-                  <c:v>15.447923923999999</c:v>
+                  <c:v>16.569548848499998</c:v>
                 </c:pt>
                 <c:pt idx="21">
-                  <c:v>14.787620162</c:v>
+                  <c:v>15.81292749</c:v>
                 </c:pt>
                 <c:pt idx="22">
-                  <c:v>15.367948966</c:v>
+                  <c:v>15.797331517499998</c:v>
                 </c:pt>
                 <c:pt idx="23">
-                  <c:v>11.646927315999999</c:v>
+                  <c:v>14.6638682215</c:v>
                 </c:pt>
                 <c:pt idx="24">
-                  <c:v>15.598638936</c:v>
+                  <c:v>14.6630553265</c:v>
                 </c:pt>
                 <c:pt idx="25">
-                  <c:v>14.517060119</c:v>
+                  <c:v>14.446120474499999</c:v>
                 </c:pt>
                 <c:pt idx="26">
-                  <c:v>13.264353649</c:v>
+                  <c:v>14.276512160999999</c:v>
                 </c:pt>
                 <c:pt idx="27">
-                  <c:v>14.76764388</c:v>
+                  <c:v>14.042060076</c:v>
                 </c:pt>
                 <c:pt idx="28">
-                  <c:v>13.679079605</c:v>
+                  <c:v>13.9776269095</c:v>
                 </c:pt>
                 <c:pt idx="29">
-                  <c:v>13.820466825</c:v>
+                  <c:v>13.9776269095</c:v>
                 </c:pt>
                 <c:pt idx="30">
-                  <c:v>11.198370236000001</c:v>
+                  <c:v>13.824295096</c:v>
                 </c:pt>
                 <c:pt idx="31">
-                  <c:v>13.626842010000001</c:v>
+                  <c:v>13.824295096</c:v>
                 </c:pt>
                 <c:pt idx="32">
-                  <c:v>12.838336966</c:v>
+                  <c:v>13.824295096</c:v>
                 </c:pt>
                 <c:pt idx="33">
-                  <c:v>10.363985725999999</c:v>
+                  <c:v>13.717033449000001</c:v>
                 </c:pt>
                 <c:pt idx="34">
-                  <c:v>12.78957683</c:v>
+                  <c:v>13.588566978499999</c:v>
                 </c:pt>
                 <c:pt idx="35">
-                  <c:v>13.712633941</c:v>
+                  <c:v>13.717033449000001</c:v>
                 </c:pt>
                 <c:pt idx="36">
-                  <c:v>12.968004059</c:v>
+                  <c:v>13.717033449000001</c:v>
                 </c:pt>
                 <c:pt idx="37">
-                  <c:v>10.471361439000001</c:v>
+                  <c:v>13.717033449000001</c:v>
                 </c:pt>
                 <c:pt idx="38">
-                  <c:v>13.926257081999999</c:v>
+                  <c:v>13.588566978499999</c:v>
                 </c:pt>
                 <c:pt idx="39">
-                  <c:v>14.034502385</c:v>
+                  <c:v>13.588566978499999</c:v>
                 </c:pt>
                 <c:pt idx="40">
-                  <c:v>14.53910681</c:v>
+                  <c:v>13.717033449000001</c:v>
                 </c:pt>
                 <c:pt idx="41">
-                  <c:v>13.146836364</c:v>
+                  <c:v>13.717033449000001</c:v>
                 </c:pt>
                 <c:pt idx="42">
-                  <c:v>13.183461549</c:v>
+                  <c:v>13.717033449000001</c:v>
                 </c:pt>
                 <c:pt idx="43">
-                  <c:v>10.699941082</c:v>
+                  <c:v>13.8615072625</c:v>
                 </c:pt>
                 <c:pt idx="44">
-                  <c:v>14.468956054</c:v>
+                  <c:v>13.987771301999999</c:v>
                 </c:pt>
                 <c:pt idx="45">
-                  <c:v>14.212325774</c:v>
+                  <c:v>14.282021</c:v>
                 </c:pt>
                 <c:pt idx="46">
-                  <c:v>17.154439927999999</c:v>
+                  <c:v>14.470954429500001</c:v>
                 </c:pt>
                 <c:pt idx="47">
-                  <c:v>12.695513123</c:v>
+                  <c:v>15.299066462500001</c:v>
                 </c:pt>
                 <c:pt idx="48">
-                  <c:v>13.904612618</c:v>
+                  <c:v>15.938139463999999</c:v>
                 </c:pt>
                 <c:pt idx="49">
-                  <c:v>15.714577727</c:v>
+                  <c:v>16.2238068805</c:v>
                 </c:pt>
                 <c:pt idx="50">
-                  <c:v>14.470956528</c:v>
+                  <c:v>16.387623793500001</c:v>
                 </c:pt>
                 <c:pt idx="51">
-                  <c:v>22.000119443999999</c:v>
+                  <c:v>16.423539123499999</c:v>
                 </c:pt>
                 <c:pt idx="52">
-                  <c:v>14.630764069</c:v>
+                  <c:v>16.993648851</c:v>
                 </c:pt>
                 <c:pt idx="53">
-                  <c:v>17.62175796</c:v>
+                  <c:v>17.263029412000002</c:v>
                 </c:pt>
                 <c:pt idx="54">
-                  <c:v>18.815094123000002</c:v>
+                  <c:v>17.381563174500002</c:v>
                 </c:pt>
                 <c:pt idx="55">
-                  <c:v>18.095992999</c:v>
+                  <c:v>17.708185223000001</c:v>
                 </c:pt>
                 <c:pt idx="56">
-                  <c:v>16.160327538000001</c:v>
+                  <c:v>18.297382559500001</c:v>
                 </c:pt>
                 <c:pt idx="57">
-                  <c:v>19.985693063999999</c:v>
+                  <c:v>18.7062045785</c:v>
                 </c:pt>
                 <c:pt idx="58">
-                  <c:v>14.639143339</c:v>
+                  <c:v>18.719339005000002</c:v>
                 </c:pt>
                 <c:pt idx="59">
-                  <c:v>19.996314879</c:v>
+                  <c:v>19.314287350499999</c:v>
                 </c:pt>
                 <c:pt idx="60">
-                  <c:v>17.650534926999999</c:v>
+                  <c:v>19.648626026999999</c:v>
                 </c:pt>
                 <c:pt idx="61">
-                  <c:v>18.834648081000001</c:v>
+                  <c:v>19.921079106000001</c:v>
                 </c:pt>
                 <c:pt idx="62">
-                  <c:v>20.708758328999998</c:v>
+                  <c:v>20.014435853000002</c:v>
                 </c:pt>
                 <c:pt idx="63">
-                  <c:v>19.592587617</c:v>
+                  <c:v>20.198717621</c:v>
                 </c:pt>
                 <c:pt idx="64">
-                  <c:v>19.363240449999999</c:v>
+                  <c:v>20.473673980999997</c:v>
                 </c:pt>
                 <c:pt idx="65">
-                  <c:v>20.267390628000001</c:v>
+                  <c:v>20.7904243845</c:v>
                 </c:pt>
                 <c:pt idx="66">
-                  <c:v>22.849346345000001</c:v>
+                  <c:v>21.638141859500003</c:v>
                 </c:pt>
                 <c:pt idx="67">
-                  <c:v>21.925986293000001</c:v>
+                  <c:v>21.681473910499999</c:v>
                 </c:pt>
                 <c:pt idx="68">
-                  <c:v>20.608251125999999</c:v>
+                  <c:v>21.703107584000001</c:v>
                 </c:pt>
                 <c:pt idx="69">
-                  <c:v>20.762933836999999</c:v>
+                  <c:v>21.840671564499999</c:v>
                 </c:pt>
                 <c:pt idx="70">
-                  <c:v>21.244246206</c:v>
+                  <c:v>22.110292744500001</c:v>
                 </c:pt>
                 <c:pt idx="71">
-                  <c:v>21.245460189999999</c:v>
+                  <c:v>22.216278185</c:v>
                 </c:pt>
                 <c:pt idx="72">
-                  <c:v>25.023676305999999</c:v>
+                  <c:v>23.668896070500001</c:v>
                 </c:pt>
                 <c:pt idx="73">
-                  <c:v>22.541338317000001</c:v>
+                  <c:v>24.067621965000001</c:v>
                 </c:pt>
                 <c:pt idx="74">
-                  <c:v>24.699814868000001</c:v>
+                  <c:v>24.451814259500001</c:v>
                 </c:pt>
                 <c:pt idx="75">
-                  <c:v>25.078664691</c:v>
+                  <c:v>24.990561663999998</c:v>
                 </c:pt>
                 <c:pt idx="76">
-                  <c:v>23.776641971</c:v>
+                  <c:v>24.998720953999999</c:v>
                 </c:pt>
                 <c:pt idx="77">
-                  <c:v>36.202034947000001</c:v>
+                  <c:v>25.185000246999998</c:v>
                 </c:pt>
                 <c:pt idx="78">
-                  <c:v>22.415513165</c:v>
+                  <c:v>25.295901420500002</c:v>
                 </c:pt>
                 <c:pt idx="79">
-                  <c:v>25.048875403</c:v>
+                  <c:v>25.5543168395</c:v>
                 </c:pt>
                 <c:pt idx="80">
-                  <c:v>24.397520553</c:v>
+                  <c:v>25.634605665000002</c:v>
                 </c:pt>
                 <c:pt idx="81">
-                  <c:v>29.468514975000001</c:v>
+                  <c:v>26.441905021</c:v>
                 </c:pt>
                 <c:pt idx="82">
-                  <c:v>27.821584282</c:v>
+                  <c:v>26.802706055500003</c:v>
                 </c:pt>
                 <c:pt idx="83">
-                  <c:v>30.450772392000001</c:v>
+                  <c:v>26.927870879</c:v>
                 </c:pt>
                 <c:pt idx="84">
-                  <c:v>23.069993424</c:v>
+                  <c:v>26.927870879</c:v>
                 </c:pt>
                 <c:pt idx="85">
-                  <c:v>23.868457182</c:v>
+                  <c:v>27.7550370065</c:v>
                 </c:pt>
                 <c:pt idx="86">
-                  <c:v>28.283929177000001</c:v>
+                  <c:v>27.868704612999998</c:v>
                 </c:pt>
                 <c:pt idx="87">
-                  <c:v>25.941679806</c:v>
+                  <c:v>27.868704612999998</c:v>
                 </c:pt>
                 <c:pt idx="88">
-                  <c:v>27.846456453999998</c:v>
+                  <c:v>28.096129202</c:v>
                 </c:pt>
                 <c:pt idx="89">
-                  <c:v>26.996069762000001</c:v>
+                  <c:v>28.412550694</c:v>
                 </c:pt>
                 <c:pt idx="90">
-                  <c:v>27.235049246999999</c:v>
+                  <c:v>28.696838268999997</c:v>
                 </c:pt>
                 <c:pt idx="91">
-                  <c:v>30.282950064000001</c:v>
+                  <c:v>29.113060818499999</c:v>
                 </c:pt>
                 <c:pt idx="92">
-                  <c:v>28.536867922999999</c:v>
+                  <c:v>29.3349227205</c:v>
                 </c:pt>
                 <c:pt idx="93">
-                  <c:v>29.156556641000002</c:v>
+                  <c:v>29.392430216000001</c:v>
                 </c:pt>
                 <c:pt idx="94">
-                  <c:v>35.229566650000002</c:v>
+                  <c:v>30.007936823999998</c:v>
                 </c:pt>
                 <c:pt idx="95">
-                  <c:v>28.470906533000001</c:v>
+                  <c:v>31.975692688999999</c:v>
                 </c:pt>
                 <c:pt idx="96">
-                  <c:v>34.820028264000001</c:v>
+                  <c:v>32.156335537499999</c:v>
                 </c:pt>
                 <c:pt idx="97">
-                  <c:v>31.201886391999999</c:v>
+                  <c:v>32.166789640499999</c:v>
                 </c:pt>
                 <c:pt idx="98">
-                  <c:v>32.216212247000001</c:v>
+                  <c:v>32.312558699</c:v>
                 </c:pt>
                 <c:pt idx="99">
-                  <c:v>35.056281468999998</c:v>
+                  <c:v>32.420021882</c:v>
                 </c:pt>
                 <c:pt idx="100">
-                  <c:v>37.985873333000001</c:v>
+                  <c:v>32.7680882935</c:v>
                 </c:pt>
                 <c:pt idx="101">
-                  <c:v>37.802161482999999</c:v>
+                  <c:v>33.626565720000002</c:v>
                 </c:pt>
                 <c:pt idx="102">
-                  <c:v>33.898542786</c:v>
+                  <c:v>34.078661772000004</c:v>
                 </c:pt>
                 <c:pt idx="103">
-                  <c:v>35.464855061000002</c:v>
+                  <c:v>34.100527337999999</c:v>
                 </c:pt>
                 <c:pt idx="104">
-                  <c:v>33.821623127000002</c:v>
+                  <c:v>34.223034910999999</c:v>
                 </c:pt>
                 <c:pt idx="105">
-                  <c:v>34.903188946999997</c:v>
+                  <c:v>34.701247218999995</c:v>
                 </c:pt>
                 <c:pt idx="106">
-                  <c:v>36.437485690000003</c:v>
+                  <c:v>34.766076290500003</c:v>
                 </c:pt>
                 <c:pt idx="107">
-                  <c:v>32.268352886999999</c:v>
+                  <c:v>34.855226764999998</c:v>
                 </c:pt>
                 <c:pt idx="108">
-                  <c:v>35.474777090000003</c:v>
+                  <c:v>35.480263608499996</c:v>
                 </c:pt>
                 <c:pt idx="109">
-                  <c:v>38.021942412999998</c:v>
+                  <c:v>35.577072205500002</c:v>
                 </c:pt>
                 <c:pt idx="110">
-                  <c:v>34.005523828999998</c:v>
+                  <c:v>35.641224859499999</c:v>
                 </c:pt>
                 <c:pt idx="111">
-                  <c:v>37.323714613</c:v>
+                  <c:v>35.705377513499997</c:v>
                 </c:pt>
                 <c:pt idx="112">
-                  <c:v>38.509454531999999</c:v>
+                  <c:v>35.783062255749996</c:v>
                 </c:pt>
                 <c:pt idx="113">
-                  <c:v>36.919131153000002</c:v>
+                  <c:v>35.860746997999996</c:v>
                 </c:pt>
                 <c:pt idx="114">
-                  <c:v>37.237153040999999</c:v>
+                  <c:v>36.18652499425</c:v>
                 </c:pt>
                 <c:pt idx="115">
-                  <c:v>42.440816562999998</c:v>
+                  <c:v>36.512302990500004</c:v>
                 </c:pt>
                 <c:pt idx="116">
-                  <c:v>35.945442888000002</c:v>
+                  <c:v>36.5211217895</c:v>
                 </c:pt>
                 <c:pt idx="117">
-                  <c:v>40.550400279000002</c:v>
+                  <c:v>36.529940588499997</c:v>
                 </c:pt>
                 <c:pt idx="118">
-                  <c:v>40.822264140999998</c:v>
+                  <c:v>36.863268902499996</c:v>
                 </c:pt>
               </c:numCache>
             </c:numRef>
@@ -7861,7 +8002,7 @@
           <c:smooth val="1"/>
           <c:extLst>
             <c:ext xmlns:c16="http://schemas.microsoft.com/office/drawing/2014/chart" uri="{C3380CC4-5D6E-409C-BE32-E72D297353CC}">
-              <c16:uniqueId val="{00000000-34A5-4DDE-91BF-77BE0737D038}"/>
+              <c16:uniqueId val="{00000000-2C13-4061-B083-C154BF7FF2ED}"/>
             </c:ext>
           </c:extLst>
         </c:ser>
@@ -7884,7 +8025,7 @@
           <c:order val="1"/>
           <c:tx>
             <c:strRef>
-              <c:f>Data!$O$1</c:f>
+              <c:f>Data!$K$1</c:f>
               <c:strCache>
                 <c:ptCount val="1"/>
                 <c:pt idx="0">
@@ -7894,9 +8035,9 @@
             </c:strRef>
           </c:tx>
           <c:spPr>
-            <a:ln w="28575" cap="rnd">
+            <a:ln w="19050" cap="rnd">
               <a:solidFill>
-                <a:schemeClr val="accent4"/>
+                <a:schemeClr val="accent2"/>
               </a:solidFill>
               <a:round/>
             </a:ln>
@@ -8273,7 +8414,7 @@
           </c:xVal>
           <c:yVal>
             <c:numRef>
-              <c:f>Data!$O$2:$O$120</c:f>
+              <c:f>Data!$K$2:$K$120</c:f>
               <c:numCache>
                 <c:formatCode>General</c:formatCode>
                 <c:ptCount val="119"/>
@@ -8281,358 +8422,358 @@
                   <c:v>1</c:v>
                 </c:pt>
                 <c:pt idx="1">
-                  <c:v>1.9797020832336465</c:v>
+                  <c:v>1.9428800034352511</c:v>
                 </c:pt>
                 <c:pt idx="2">
-                  <c:v>2.9161812459513965</c:v>
+                  <c:v>2.8482527664054169</c:v>
                 </c:pt>
                 <c:pt idx="3">
-                  <c:v>3.8360790782041794</c:v>
+                  <c:v>3.6233342197349905</c:v>
                 </c:pt>
                 <c:pt idx="4">
-                  <c:v>4.7312958195094277</c:v>
+                  <c:v>4.4815040481232202</c:v>
                 </c:pt>
                 <c:pt idx="5">
-                  <c:v>5.6011852891465495</c:v>
+                  <c:v>5.0922482326201299</c:v>
                 </c:pt>
                 <c:pt idx="6">
-                  <c:v>6.3628592616990547</c:v>
+                  <c:v>5.7525767731601167</c:v>
                 </c:pt>
                 <c:pt idx="7">
-                  <c:v>6.9346506598432578</c:v>
+                  <c:v>5.938151144830961</c:v>
                 </c:pt>
                 <c:pt idx="8">
-                  <c:v>7.6206643906605533</c:v>
+                  <c:v>6.724557347258763</c:v>
                 </c:pt>
                 <c:pt idx="9">
-                  <c:v>8.2838513645914009</c:v>
+                  <c:v>7.2481592742687555</c:v>
                 </c:pt>
                 <c:pt idx="10">
-                  <c:v>8.5008958661477987</c:v>
+                  <c:v>7.8059114651055914</c:v>
                 </c:pt>
                 <c:pt idx="11">
-                  <c:v>8.9045794006882026</c:v>
+                  <c:v>8.5373140534286414</c:v>
                 </c:pt>
                 <c:pt idx="12">
-                  <c:v>9.77091388599416</c:v>
+                  <c:v>9.1671200495814595</c:v>
                 </c:pt>
                 <c:pt idx="13">
-                  <c:v>9.8571760396293175</c:v>
+                  <c:v>9.2764541515051953</c:v>
                 </c:pt>
                 <c:pt idx="14">
-                  <c:v>9.9466299648994525</c:v>
+                  <c:v>9.283646604715738</c:v>
                 </c:pt>
                 <c:pt idx="15">
-                  <c:v>10.722858692594551</c:v>
+                  <c:v>9.6981332727836396</c:v>
                 </c:pt>
                 <c:pt idx="16">
-                  <c:v>10.995756797339929</c:v>
+                  <c:v>9.7315381983158744</c:v>
                 </c:pt>
                 <c:pt idx="17">
-                  <c:v>11.041115208681436</c:v>
+                  <c:v>10.059650751037916</c:v>
                 </c:pt>
                 <c:pt idx="18">
-                  <c:v>11.148835949627378</c:v>
+                  <c:v>10.06024877461768</c:v>
                 </c:pt>
                 <c:pt idx="19">
-                  <c:v>11.206854601875179</c:v>
+                  <c:v>10.216983161780657</c:v>
                 </c:pt>
                 <c:pt idx="20">
-                  <c:v>11.386893869223018</c:v>
+                  <c:v>10.406034049358507</c:v>
                 </c:pt>
                 <c:pt idx="21">
-                  <c:v>11.646659009647344</c:v>
+                  <c:v>10.903944864670976</c:v>
                 </c:pt>
                 <c:pt idx="22">
-                  <c:v>11.662413516366566</c:v>
+                  <c:v>10.914709823554226</c:v>
                 </c:pt>
                 <c:pt idx="23">
-                  <c:v>11.863722281179319</c:v>
+                  <c:v>11.758376909524795</c:v>
                 </c:pt>
                 <c:pt idx="24">
-                  <c:v>11.880509166515877</c:v>
+                  <c:v>11.759028774063598</c:v>
                 </c:pt>
                 <c:pt idx="25">
-                  <c:v>12.461689736808149</c:v>
+                  <c:v>11.935612042302854</c:v>
                 </c:pt>
                 <c:pt idx="26">
-                  <c:v>12.559685493831561</c:v>
+                  <c:v>12.077409913257314</c:v>
                 </c:pt>
                 <c:pt idx="27">
-                  <c:v>12.559685493831561</c:v>
+                  <c:v>12.279059380660067</c:v>
                 </c:pt>
                 <c:pt idx="28">
-                  <c:v>12.559685493831561</c:v>
+                  <c:v>12.335662599694317</c:v>
                 </c:pt>
                 <c:pt idx="29">
-                  <c:v>12.559685493831561</c:v>
+                  <c:v>12.335662599694317</c:v>
                 </c:pt>
                 <c:pt idx="30">
-                  <c:v>12.559685493831561</c:v>
+                  <c:v>12.472483284148783</c:v>
                 </c:pt>
                 <c:pt idx="31">
-                  <c:v>12.590493992596368</c:v>
+                  <c:v>12.472483284148783</c:v>
                 </c:pt>
                 <c:pt idx="32">
-                  <c:v>12.638758816210858</c:v>
+                  <c:v>12.472483284148783</c:v>
                 </c:pt>
                 <c:pt idx="33">
-                  <c:v>12.638758816210858</c:v>
+                  <c:v>12.472483284148783</c:v>
                 </c:pt>
                 <c:pt idx="34">
-                  <c:v>12.638758816210858</c:v>
+                  <c:v>12.472483284148783</c:v>
                 </c:pt>
                 <c:pt idx="35">
-                  <c:v>12.590493992596368</c:v>
+                  <c:v>12.472483284148783</c:v>
                 </c:pt>
                 <c:pt idx="36">
-                  <c:v>12.638758816210858</c:v>
+                  <c:v>12.472483284148783</c:v>
                 </c:pt>
                 <c:pt idx="37">
-                  <c:v>12.638758816210858</c:v>
+                  <c:v>12.472483284148783</c:v>
                 </c:pt>
                 <c:pt idx="38">
-                  <c:v>12.590493992596368</c:v>
+                  <c:v>12.472483284148783</c:v>
                 </c:pt>
                 <c:pt idx="39">
-                  <c:v>12.590493992596368</c:v>
+                  <c:v>12.472483284148783</c:v>
                 </c:pt>
                 <c:pt idx="40">
-                  <c:v>12.559685493831561</c:v>
+                  <c:v>12.472483284148783</c:v>
                 </c:pt>
                 <c:pt idx="41">
-                  <c:v>12.559685493831561</c:v>
+                  <c:v>12.472483284148783</c:v>
                 </c:pt>
                 <c:pt idx="42">
-                  <c:v>12.386276002256047</c:v>
+                  <c:v>12.472483284148783</c:v>
                 </c:pt>
                 <c:pt idx="43">
-                  <c:v>12.36702500728688</c:v>
+                  <c:v>12.439000047741022</c:v>
                 </c:pt>
                 <c:pt idx="44">
-                  <c:v>12.271640622974607</c:v>
+                  <c:v>12.326716370845054</c:v>
                 </c:pt>
                 <c:pt idx="45">
-                  <c:v>12.118098918480364</c:v>
+                  <c:v>12.072751433428085</c:v>
                 </c:pt>
                 <c:pt idx="46">
-                  <c:v>11.903164882679103</c:v>
+                  <c:v>11.915129049712416</c:v>
                 </c:pt>
                 <c:pt idx="47">
-                  <c:v>11.901519381787752</c:v>
+                  <c:v>11.270183701903113</c:v>
                 </c:pt>
                 <c:pt idx="48">
-                  <c:v>11.845732467729221</c:v>
+                  <c:v>10.818282139484234</c:v>
                 </c:pt>
                 <c:pt idx="49">
-                  <c:v>11.771522579324289</c:v>
+                  <c:v>10.627794744477759</c:v>
                 </c:pt>
                 <c:pt idx="50">
-                  <c:v>11.76478470104008</c:v>
+                  <c:v>10.521555270776359</c:v>
                 </c:pt>
                 <c:pt idx="51">
-                  <c:v>10.959656223856992</c:v>
+                  <c:v>10.498546519323851</c:v>
                 </c:pt>
                 <c:pt idx="52">
-                  <c:v>10.657356367686265</c:v>
+                  <c:v>10.146337082271396</c:v>
                 </c:pt>
                 <c:pt idx="53">
-                  <c:v>10.039754740688846</c:v>
+                  <c:v>9.9880087894737581</c:v>
                 </c:pt>
                 <c:pt idx="54">
-                  <c:v>9.7735067058542224</c:v>
+                  <c:v>9.9198954529565739</c:v>
                 </c:pt>
                 <c:pt idx="55">
-                  <c:v>9.7575722380824601</c:v>
+                  <c:v>9.7369260219873173</c:v>
                 </c:pt>
                 <c:pt idx="56">
-                  <c:v>9.5173760069711228</c:v>
+                  <c:v>9.4233855000467184</c:v>
                 </c:pt>
                 <c:pt idx="57">
-                  <c:v>9.1536278513997207</c:v>
+                  <c:v>9.2174384587975133</c:v>
                 </c:pt>
                 <c:pt idx="58">
-                  <c:v>9.1441246393522135</c:v>
+                  <c:v>9.2109710419767037</c:v>
                 </c:pt>
                 <c:pt idx="59">
-                  <c:v>8.8945014154900921</c:v>
+                  <c:v>8.9272405639929762</c:v>
                 </c:pt>
                 <c:pt idx="60">
-                  <c:v>8.7903840451152799</c:v>
+                  <c:v>8.7753357035278672</c:v>
                 </c:pt>
                 <c:pt idx="61">
-                  <c:v>8.6174829684155103</c:v>
+                  <c:v>8.6553187496789814</c:v>
                 </c:pt>
                 <c:pt idx="62">
-                  <c:v>8.6129054594889887</c:v>
+                  <c:v>8.6149462701020951</c:v>
                 </c:pt>
                 <c:pt idx="63">
-                  <c:v>8.6129054594889887</c:v>
+                  <c:v>8.5363483333583865</c:v>
                 </c:pt>
                 <c:pt idx="64">
-                  <c:v>8.4977081042225624</c:v>
+                  <c:v>8.4217072939626014</c:v>
                 </c:pt>
                 <c:pt idx="65">
-                  <c:v>8.357156002127418</c:v>
+                  <c:v>8.2933992260661942</c:v>
                 </c:pt>
                 <c:pt idx="66">
-                  <c:v>8.3165956574913888</c:v>
+                  <c:v>7.968488727894135</c:v>
                 </c:pt>
                 <c:pt idx="67">
-                  <c:v>8.2948956512151906</c:v>
+                  <c:v>7.9525631057996522</c:v>
                 </c:pt>
                 <c:pt idx="68">
-                  <c:v>8.1069654305907175</c:v>
+                  <c:v>7.9446359850841901</c:v>
                 </c:pt>
                 <c:pt idx="69">
-                  <c:v>8.1065021915630258</c:v>
+                  <c:v>7.894596509580694</c:v>
                 </c:pt>
                 <c:pt idx="70">
-                  <c:v>7.8548972570499274</c:v>
+                  <c:v>7.798326846798119</c:v>
                 </c:pt>
                 <c:pt idx="71">
-                  <c:v>7.6833560901883553</c:v>
+                  <c:v>7.7611239859436436</c:v>
                 </c:pt>
                 <c:pt idx="72">
-                  <c:v>7.6404678004904456</c:v>
+                  <c:v>7.284804875834566</c:v>
                 </c:pt>
                 <c:pt idx="73">
-                  <c:v>7.5374746826701839</c:v>
+                  <c:v>7.164118239464794</c:v>
                 </c:pt>
                 <c:pt idx="74">
-                  <c:v>7.4653844249400949</c:v>
+                  <c:v>7.0515540348099215</c:v>
                 </c:pt>
                 <c:pt idx="75">
-                  <c:v>7.2435110812141525</c:v>
+                  <c:v>6.8995363857061021</c:v>
                 </c:pt>
                 <c:pt idx="76">
-                  <c:v>7.21564734066187</c:v>
+                  <c:v>6.8972844577638632</c:v>
                 </c:pt>
                 <c:pt idx="77">
-                  <c:v>7.0591751000624727</c:v>
+                  <c:v>6.8462691208644646</c:v>
                 </c:pt>
                 <c:pt idx="78">
-                  <c:v>6.972779776342735</c:v>
+                  <c:v>6.8162540102353022</c:v>
                 </c:pt>
                 <c:pt idx="79">
-                  <c:v>6.8825366618774879</c:v>
+                  <c:v>6.74732533774805</c:v>
                 </c:pt>
                 <c:pt idx="80">
-                  <c:v>6.8756128496839892</c:v>
+                  <c:v>6.7261923882611825</c:v>
                 </c:pt>
                 <c:pt idx="81">
-                  <c:v>6.8674457636816291</c:v>
+                  <c:v>6.5208346132043999</c:v>
                 </c:pt>
                 <c:pt idx="82">
-                  <c:v>6.6389829370712574</c:v>
+                  <c:v>6.4330552722163734</c:v>
                 </c:pt>
                 <c:pt idx="83">
-                  <c:v>6.3796830838475591</c:v>
+                  <c:v>6.4031534566836559</c:v>
                 </c:pt>
                 <c:pt idx="84">
-                  <c:v>6.3237032556484589</c:v>
+                  <c:v>6.4031534566836559</c:v>
                 </c:pt>
                 <c:pt idx="85">
-                  <c:v>6.1903868537934761</c:v>
+                  <c:v>6.2123242516167387</c:v>
                 </c:pt>
                 <c:pt idx="86">
-                  <c:v>6.1848576631466008</c:v>
+                  <c:v>6.1869861514685978</c:v>
                 </c:pt>
                 <c:pt idx="87">
-                  <c:v>6.0891953346797196</c:v>
+                  <c:v>6.1869861514685978</c:v>
                 </c:pt>
                 <c:pt idx="88">
-                  <c:v>6.0492056826984495</c:v>
+                  <c:v>6.1369054883092646</c:v>
                 </c:pt>
                 <c:pt idx="89">
-                  <c:v>6.0492056826984495</c:v>
+                  <c:v>6.068560734197348</c:v>
                 </c:pt>
                 <c:pt idx="90">
-                  <c:v>6.0352232787323477</c:v>
+                  <c:v>6.00844204102658</c:v>
                 </c:pt>
                 <c:pt idx="91">
-                  <c:v>5.9069516236637831</c:v>
+                  <c:v>5.9225407652922915</c:v>
                 </c:pt>
                 <c:pt idx="92">
-                  <c:v>5.8444197047971533</c:v>
+                  <c:v>5.8777482096281837</c:v>
                 </c:pt>
                 <c:pt idx="93">
-                  <c:v>5.6872388333044404</c:v>
+                  <c:v>5.8662481541298357</c:v>
                 </c:pt>
                 <c:pt idx="94">
-                  <c:v>5.6558949432838412</c:v>
+                  <c:v>5.7459228373907356</c:v>
                 </c:pt>
                 <c:pt idx="95">
-                  <c:v>5.5197422177384103</c:v>
+                  <c:v>5.3923238247569092</c:v>
                 </c:pt>
                 <c:pt idx="96">
-                  <c:v>5.3459534060227041</c:v>
+                  <c:v>5.362031668655896</c:v>
                 </c:pt>
                 <c:pt idx="97">
-                  <c:v>5.3373151767032123</c:v>
+                  <c:v>5.3602890256386759</c:v>
                 </c:pt>
                 <c:pt idx="98">
-                  <c:v>5.0921970522908069</c:v>
+                  <c:v>5.3361075830041313</c:v>
                 </c:pt>
                 <c:pt idx="99">
-                  <c:v>5.080642276520777</c:v>
+                  <c:v>5.3184198988999318</c:v>
                 </c:pt>
                 <c:pt idx="100">
-                  <c:v>5.0646586259649062</c:v>
+                  <c:v>5.2619270296034495</c:v>
                 </c:pt>
                 <c:pt idx="101">
-                  <c:v>4.9461869555419842</c:v>
+                  <c:v>5.1275914089986347</c:v>
                 </c:pt>
                 <c:pt idx="102">
-                  <c:v>4.9344021216090983</c:v>
+                  <c:v>5.0595674986764854</c:v>
                 </c:pt>
                 <c:pt idx="103">
-                  <c:v>4.9128533425114833</c:v>
+                  <c:v>5.0563232583168807</c:v>
                 </c:pt>
                 <c:pt idx="104">
-                  <c:v>4.8886882799905234</c:v>
+                  <c:v>5.0382232303009324</c:v>
                 </c:pt>
                 <c:pt idx="105">
-                  <c:v>4.8562547145552539</c:v>
+                  <c:v>4.9687922861052956</c:v>
                 </c:pt>
                 <c:pt idx="106">
-                  <c:v>4.8548964565459931</c:v>
+                  <c:v>4.9595268692174939</c:v>
                 </c:pt>
                 <c:pt idx="107">
-                  <c:v>4.7913269597937242</c:v>
+                  <c:v>4.9468417079168017</c:v>
                 </c:pt>
                 <c:pt idx="108">
-                  <c:v>4.7266260646042948</c:v>
+                  <c:v>4.8596958411180635</c:v>
                 </c:pt>
                 <c:pt idx="109">
-                  <c:v>4.6649626958245767</c:v>
+                  <c:v>4.8464721465569163</c:v>
                 </c:pt>
                 <c:pt idx="110">
-                  <c:v>4.7266260646042948</c:v>
+                  <c:v>4.8377487075627652</c:v>
                 </c:pt>
                 <c:pt idx="111">
-                  <c:v>4.6649626958245767</c:v>
+                  <c:v>4.8290566157662882</c:v>
                 </c:pt>
                 <c:pt idx="112">
-                  <c:v>4.6251218346732905</c:v>
+                  <c:v>4.8185727724376983</c:v>
                 </c:pt>
                 <c:pt idx="113">
-                  <c:v>4.6143952009271034</c:v>
+                  <c:v>4.8081343511783592</c:v>
                 </c:pt>
                 <c:pt idx="114">
-                  <c:v>4.6143952009271034</c:v>
+                  <c:v>4.7648479517554634</c:v>
                 </c:pt>
                 <c:pt idx="115">
-                  <c:v>4.5433545609300516</c:v>
+                  <c:v>4.7435909713540534</c:v>
                 </c:pt>
                 <c:pt idx="116">
-                  <c:v>4.4723139209329998</c:v>
+                  <c:v>4.7223339909526434</c:v>
                 </c:pt>
                 <c:pt idx="117">
-                  <c:v>4.4361696660299543</c:v>
+                  <c:v>4.7217638371315598</c:v>
                 </c:pt>
                 <c:pt idx="118">
-                  <c:v>4.2472174973866181</c:v>
+                  <c:v>4.7211936833104762</c:v>
                 </c:pt>
               </c:numCache>
             </c:numRef>
@@ -8640,7 +8781,7 @@
           <c:smooth val="1"/>
           <c:extLst>
             <c:ext xmlns:c16="http://schemas.microsoft.com/office/drawing/2014/chart" uri="{C3380CC4-5D6E-409C-BE32-E72D297353CC}">
-              <c16:uniqueId val="{00000001-34A5-4DDE-91BF-77BE0737D038}"/>
+              <c16:uniqueId val="{00000001-2C13-4061-B083-C154BF7FF2ED}"/>
             </c:ext>
           </c:extLst>
         </c:ser>
@@ -8677,6 +8818,20 @@
             <a:effectLst/>
           </c:spPr>
         </c:majorGridlines>
+        <c:minorGridlines>
+          <c:spPr>
+            <a:ln w="9525" cap="flat" cmpd="sng" algn="ctr">
+              <a:solidFill>
+                <a:schemeClr val="tx1">
+                  <a:lumMod val="5000"/>
+                  <a:lumOff val="95000"/>
+                </a:schemeClr>
+              </a:solidFill>
+              <a:round/>
+            </a:ln>
+            <a:effectLst/>
+          </c:spPr>
+        </c:minorGridlines>
         <c:title>
           <c:tx>
             <c:rich>
@@ -8684,7 +8839,7 @@
               <a:lstStyle/>
               <a:p>
                 <a:pPr>
-                  <a:defRPr sz="1330" b="0" i="0" u="none" strike="noStrike" kern="1200" baseline="0">
+                  <a:defRPr sz="1000" b="0" i="0" u="none" strike="noStrike" kern="1200" baseline="0">
                     <a:solidFill>
                       <a:schemeClr val="tx1">
                         <a:lumMod val="65000"/>
@@ -8716,7 +8871,7 @@
             <a:lstStyle/>
             <a:p>
               <a:pPr>
-                <a:defRPr sz="1330" b="0" i="0" u="none" strike="noStrike" kern="1200" baseline="0">
+                <a:defRPr sz="1000" b="0" i="0" u="none" strike="noStrike" kern="1200" baseline="0">
                   <a:solidFill>
                     <a:schemeClr val="tx1">
                       <a:lumMod val="65000"/>
@@ -8738,8 +8893,14 @@
         <c:tickLblPos val="nextTo"/>
         <c:spPr>
           <a:noFill/>
-          <a:ln>
-            <a:noFill/>
+          <a:ln w="9525" cap="flat" cmpd="sng" algn="ctr">
+            <a:solidFill>
+              <a:schemeClr val="tx1">
+                <a:lumMod val="25000"/>
+                <a:lumOff val="75000"/>
+              </a:schemeClr>
+            </a:solidFill>
+            <a:round/>
           </a:ln>
           <a:effectLst/>
         </c:spPr>
@@ -8748,7 +8909,7 @@
           <a:lstStyle/>
           <a:p>
             <a:pPr>
-              <a:defRPr sz="1197" b="0" i="0" u="none" strike="noStrike" kern="1200" baseline="0">
+              <a:defRPr sz="900" b="0" i="0" u="none" strike="noStrike" kern="1200" baseline="0">
                 <a:solidFill>
                   <a:schemeClr val="tx1">
                     <a:lumMod val="65000"/>
@@ -8773,6 +8934,7 @@
         <c:axId val="589382512"/>
         <c:scaling>
           <c:orientation val="minMax"/>
+          <c:max val="180"/>
         </c:scaling>
         <c:delete val="0"/>
         <c:axPos val="l"/>
@@ -8790,6 +8952,20 @@
             <a:effectLst/>
           </c:spPr>
         </c:majorGridlines>
+        <c:minorGridlines>
+          <c:spPr>
+            <a:ln w="9525" cap="flat" cmpd="sng" algn="ctr">
+              <a:solidFill>
+                <a:schemeClr val="tx1">
+                  <a:lumMod val="5000"/>
+                  <a:lumOff val="95000"/>
+                </a:schemeClr>
+              </a:solidFill>
+              <a:round/>
+            </a:ln>
+            <a:effectLst/>
+          </c:spPr>
+        </c:minorGridlines>
         <c:title>
           <c:tx>
             <c:rich>
@@ -8797,7 +8973,7 @@
               <a:lstStyle/>
               <a:p>
                 <a:pPr>
-                  <a:defRPr sz="1330" b="0" i="0" u="none" strike="noStrike" kern="1200" baseline="0">
+                  <a:defRPr sz="1000" b="0" i="0" u="none" strike="noStrike" kern="1200" baseline="0">
                     <a:solidFill>
                       <a:schemeClr val="tx1">
                         <a:lumMod val="65000"/>
@@ -8829,7 +9005,7 @@
             <a:lstStyle/>
             <a:p>
               <a:pPr>
-                <a:defRPr sz="1330" b="0" i="0" u="none" strike="noStrike" kern="1200" baseline="0">
+                <a:defRPr sz="1000" b="0" i="0" u="none" strike="noStrike" kern="1200" baseline="0">
                   <a:solidFill>
                     <a:schemeClr val="tx1">
                       <a:lumMod val="65000"/>
@@ -8851,8 +9027,14 @@
         <c:tickLblPos val="nextTo"/>
         <c:spPr>
           <a:noFill/>
-          <a:ln>
-            <a:noFill/>
+          <a:ln w="9525" cap="flat" cmpd="sng" algn="ctr">
+            <a:solidFill>
+              <a:schemeClr val="tx1">
+                <a:lumMod val="25000"/>
+                <a:lumOff val="75000"/>
+              </a:schemeClr>
+            </a:solidFill>
+            <a:round/>
           </a:ln>
           <a:effectLst/>
         </c:spPr>
@@ -8861,7 +9043,7 @@
           <a:lstStyle/>
           <a:p>
             <a:pPr>
-              <a:defRPr sz="1197" b="0" i="0" u="none" strike="noStrike" kern="1200" baseline="0">
+              <a:defRPr sz="900" b="0" i="0" u="none" strike="noStrike" kern="1200" baseline="0">
                 <a:solidFill>
                   <a:schemeClr val="tx1">
                     <a:lumMod val="65000"/>
@@ -8879,6 +9061,8 @@
         <c:crossAx val="589381528"/>
         <c:crosses val="autoZero"/>
         <c:crossBetween val="midCat"/>
+        <c:majorUnit val="15"/>
+        <c:minorUnit val="2.5"/>
       </c:valAx>
       <c:valAx>
         <c:axId val="585570384"/>
@@ -8894,7 +9078,7 @@
               <a:lstStyle/>
               <a:p>
                 <a:pPr>
-                  <a:defRPr sz="1330" b="0" i="0" u="none" strike="noStrike" kern="1200" baseline="0">
+                  <a:defRPr sz="1000" b="0" i="0" u="none" strike="noStrike" kern="1200" baseline="0">
                     <a:solidFill>
                       <a:schemeClr val="tx1">
                         <a:lumMod val="65000"/>
@@ -8926,7 +9110,7 @@
             <a:lstStyle/>
             <a:p>
               <a:pPr>
-                <a:defRPr sz="1330" b="0" i="0" u="none" strike="noStrike" kern="1200" baseline="0">
+                <a:defRPr sz="1000" b="0" i="0" u="none" strike="noStrike" kern="1200" baseline="0">
                   <a:solidFill>
                     <a:schemeClr val="tx1">
                       <a:lumMod val="65000"/>
@@ -8943,13 +9127,19 @@
           </c:txPr>
         </c:title>
         <c:numFmt formatCode="General" sourceLinked="1"/>
-        <c:majorTickMark val="none"/>
+        <c:majorTickMark val="out"/>
         <c:minorTickMark val="none"/>
         <c:tickLblPos val="nextTo"/>
         <c:spPr>
           <a:noFill/>
-          <a:ln>
-            <a:noFill/>
+          <a:ln w="9525" cap="flat" cmpd="sng" algn="ctr">
+            <a:solidFill>
+              <a:schemeClr val="tx1">
+                <a:lumMod val="25000"/>
+                <a:lumOff val="75000"/>
+              </a:schemeClr>
+            </a:solidFill>
+            <a:round/>
           </a:ln>
           <a:effectLst/>
         </c:spPr>
@@ -8958,7 +9148,7 @@
           <a:lstStyle/>
           <a:p>
             <a:pPr>
-              <a:defRPr sz="1197" b="0" i="0" u="none" strike="noStrike" kern="1200" baseline="0">
+              <a:defRPr sz="900" b="0" i="0" u="none" strike="noStrike" kern="1200" baseline="0">
                 <a:solidFill>
                   <a:schemeClr val="tx1">
                     <a:lumMod val="65000"/>
@@ -8987,7 +9177,7 @@
         <c:delete val="1"/>
         <c:axPos val="b"/>
         <c:numFmt formatCode="General" sourceLinked="1"/>
-        <c:majorTickMark val="none"/>
+        <c:majorTickMark val="out"/>
         <c:minorTickMark val="none"/>
         <c:tickLblPos val="nextTo"/>
         <c:crossAx val="585570384"/>
@@ -9017,7 +9207,7 @@
         <a:lstStyle/>
         <a:p>
           <a:pPr>
-            <a:defRPr sz="1197" b="0" i="0" u="none" strike="noStrike" kern="1200" baseline="0">
+            <a:defRPr sz="900" b="0" i="0" u="none" strike="noStrike" kern="1200" baseline="0">
               <a:solidFill>
                 <a:schemeClr val="tx1">
                   <a:lumMod val="65000"/>
@@ -9061,9 +9251,12 @@
 </file>
 
 <file path=ppt/charts/colors1.xml><?xml version="1.0" encoding="utf-8"?>
-<cs:colorStyle xmlns:cs="http://schemas.microsoft.com/office/drawing/2012/chartStyle" xmlns:a="http://schemas.openxmlformats.org/drawingml/2006/main" meth="cycle" id="12">
+<cs:colorStyle xmlns:cs="http://schemas.microsoft.com/office/drawing/2012/chartStyle" xmlns:a="http://schemas.openxmlformats.org/drawingml/2006/main" meth="cycle" id="10">
+  <a:schemeClr val="accent1"/>
   <a:schemeClr val="accent2"/>
+  <a:schemeClr val="accent3"/>
   <a:schemeClr val="accent4"/>
+  <a:schemeClr val="accent5"/>
   <a:schemeClr val="accent6"/>
   <cs:variation/>
   <cs:variation>
@@ -9098,9 +9291,12 @@
 </file>
 
 <file path=ppt/charts/colors2.xml><?xml version="1.0" encoding="utf-8"?>
-<cs:colorStyle xmlns:cs="http://schemas.microsoft.com/office/drawing/2012/chartStyle" xmlns:a="http://schemas.openxmlformats.org/drawingml/2006/main" meth="cycle" id="12">
+<cs:colorStyle xmlns:cs="http://schemas.microsoft.com/office/drawing/2012/chartStyle" xmlns:a="http://schemas.openxmlformats.org/drawingml/2006/main" meth="cycle" id="10">
+  <a:schemeClr val="accent1"/>
   <a:schemeClr val="accent2"/>
+  <a:schemeClr val="accent3"/>
   <a:schemeClr val="accent4"/>
+  <a:schemeClr val="accent5"/>
   <a:schemeClr val="accent6"/>
   <cs:variation/>
   <cs:variation>
@@ -9135,9 +9331,12 @@
 </file>
 
 <file path=ppt/charts/colors3.xml><?xml version="1.0" encoding="utf-8"?>
-<cs:colorStyle xmlns:cs="http://schemas.microsoft.com/office/drawing/2012/chartStyle" xmlns:a="http://schemas.openxmlformats.org/drawingml/2006/main" meth="cycle" id="12">
+<cs:colorStyle xmlns:cs="http://schemas.microsoft.com/office/drawing/2012/chartStyle" xmlns:a="http://schemas.openxmlformats.org/drawingml/2006/main" meth="cycle" id="10">
+  <a:schemeClr val="accent1"/>
   <a:schemeClr val="accent2"/>
+  <a:schemeClr val="accent3"/>
   <a:schemeClr val="accent4"/>
+  <a:schemeClr val="accent5"/>
   <a:schemeClr val="accent6"/>
   <cs:variation/>
   <cs:variation>
@@ -9172,9 +9371,12 @@
 </file>
 
 <file path=ppt/charts/colors4.xml><?xml version="1.0" encoding="utf-8"?>
-<cs:colorStyle xmlns:cs="http://schemas.microsoft.com/office/drawing/2012/chartStyle" xmlns:a="http://schemas.openxmlformats.org/drawingml/2006/main" meth="cycle" id="12">
+<cs:colorStyle xmlns:cs="http://schemas.microsoft.com/office/drawing/2012/chartStyle" xmlns:a="http://schemas.openxmlformats.org/drawingml/2006/main" meth="cycle" id="10">
+  <a:schemeClr val="accent1"/>
   <a:schemeClr val="accent2"/>
+  <a:schemeClr val="accent3"/>
   <a:schemeClr val="accent4"/>
+  <a:schemeClr val="accent5"/>
   <a:schemeClr val="accent6"/>
   <cs:variation/>
   <cs:variation>
@@ -9209,7 +9411,7 @@
 </file>
 
 <file path=ppt/charts/style1.xml><?xml version="1.0" encoding="utf-8"?>
-<cs:chartStyle xmlns:cs="http://schemas.microsoft.com/office/drawing/2012/chartStyle" xmlns:a="http://schemas.openxmlformats.org/drawingml/2006/main" id="322">
+<cs:chartStyle xmlns:cs="http://schemas.microsoft.com/office/drawing/2012/chartStyle" xmlns:a="http://schemas.openxmlformats.org/drawingml/2006/main" id="240">
   <cs:axisTitle>
     <cs:lnRef idx="0"/>
     <cs:fillRef idx="0"/>
@@ -9220,7 +9422,7 @@
         <a:lumOff val="35000"/>
       </a:schemeClr>
     </cs:fontRef>
-    <cs:defRPr sz="1330" kern="1200"/>
+    <cs:defRPr sz="1000" kern="1200"/>
   </cs:axisTitle>
   <cs:categoryAxis>
     <cs:lnRef idx="0"/>
@@ -9236,14 +9438,14 @@
       <a:ln w="9525" cap="flat" cmpd="sng" algn="ctr">
         <a:solidFill>
           <a:schemeClr val="tx1">
-            <a:lumMod val="15000"/>
-            <a:lumOff val="85000"/>
+            <a:lumMod val="25000"/>
+            <a:lumOff val="75000"/>
           </a:schemeClr>
         </a:solidFill>
         <a:round/>
       </a:ln>
     </cs:spPr>
-    <cs:defRPr sz="1197" kern="1200"/>
+    <cs:defRPr sz="900" kern="1200"/>
   </cs:categoryAxis>
   <cs:chartArea mods="allowNoFillOverride allowNoLineOverride">
     <cs:lnRef idx="0"/>
@@ -9266,7 +9468,7 @@
         <a:round/>
       </a:ln>
     </cs:spPr>
-    <cs:defRPr sz="1330" kern="1200"/>
+    <cs:defRPr sz="1000" kern="1200"/>
   </cs:chartArea>
   <cs:dataLabel>
     <cs:lnRef idx="0"/>
@@ -9278,7 +9480,7 @@
         <a:lumOff val="25000"/>
       </a:schemeClr>
     </cs:fontRef>
-    <cs:defRPr sz="1197" kern="1200"/>
+    <cs:defRPr sz="900" kern="1200"/>
   </cs:dataLabel>
   <cs:dataLabelCallout>
     <cs:lnRef idx="0"/>
@@ -9303,7 +9505,7 @@
         </a:solidFill>
       </a:ln>
     </cs:spPr>
-    <cs:defRPr sz="1197" kern="1200"/>
+    <cs:defRPr sz="900" kern="1200"/>
     <cs:bodyPr rot="0" spcFirstLastPara="1" vertOverflow="clip" horzOverflow="clip" vert="horz" wrap="square" lIns="36576" tIns="18288" rIns="36576" bIns="18288" anchor="ctr" anchorCtr="1">
       <a:spAutoFit/>
     </cs:bodyPr>
@@ -9338,7 +9540,7 @@
       <a:schemeClr val="tx1"/>
     </cs:fontRef>
     <cs:spPr>
-      <a:ln w="28575" cap="rnd">
+      <a:ln w="19050" cap="rnd">
         <a:solidFill>
           <a:schemeClr val="phClr"/>
         </a:solidFill>
@@ -9370,10 +9572,10 @@
     <cs:lnRef idx="0">
       <cs:styleClr val="auto"/>
     </cs:lnRef>
-    <cs:fillRef idx="1"/>
+    <cs:fillRef idx="0"/>
     <cs:effectRef idx="0"/>
     <cs:fontRef idx="minor">
-      <a:schemeClr val="tx1"/>
+      <a:schemeClr val="dk1"/>
     </cs:fontRef>
     <cs:spPr>
       <a:ln w="9525" cap="rnd">
@@ -9406,7 +9608,7 @@
         <a:round/>
       </a:ln>
     </cs:spPr>
-    <cs:defRPr sz="1197" kern="1200"/>
+    <cs:defRPr sz="900" kern="1200"/>
   </cs:dataTable>
   <cs:downBar>
     <cs:lnRef idx="0"/>
@@ -9534,8 +9736,8 @@
       <a:ln w="9525" cap="flat" cmpd="sng" algn="ctr">
         <a:solidFill>
           <a:schemeClr val="tx1">
-            <a:lumMod val="75000"/>
-            <a:lumOff val="25000"/>
+            <a:lumMod val="50000"/>
+            <a:lumOff val="50000"/>
           </a:schemeClr>
         </a:solidFill>
         <a:round/>
@@ -9571,7 +9773,7 @@
         <a:lumOff val="35000"/>
       </a:schemeClr>
     </cs:fontRef>
-    <cs:defRPr sz="1197" kern="1200"/>
+    <cs:defRPr sz="900" kern="1200"/>
   </cs:legend>
   <cs:plotArea mods="allowNoFillOverride allowNoLineOverride">
     <cs:lnRef idx="0"/>
@@ -9599,18 +9801,7 @@
         <a:lumOff val="35000"/>
       </a:schemeClr>
     </cs:fontRef>
-    <cs:spPr>
-      <a:ln w="9525" cap="flat" cmpd="sng" algn="ctr">
-        <a:solidFill>
-          <a:schemeClr val="tx1">
-            <a:lumMod val="15000"/>
-            <a:lumOff val="85000"/>
-          </a:schemeClr>
-        </a:solidFill>
-        <a:round/>
-      </a:ln>
-    </cs:spPr>
-    <cs:defRPr sz="1197" kern="1200"/>
+    <cs:defRPr sz="900" kern="1200"/>
   </cs:seriesAxis>
   <cs:seriesLine>
     <cs:lnRef idx="0"/>
@@ -9641,7 +9832,7 @@
         <a:lumOff val="35000"/>
       </a:schemeClr>
     </cs:fontRef>
-    <cs:defRPr sz="1862" b="0" kern="1200" spc="0" baseline="0"/>
+    <cs:defRPr sz="1400" b="0" kern="1200" spc="0" baseline="0"/>
   </cs:title>
   <cs:trendline>
     <cs:lnRef idx="0">
@@ -9671,7 +9862,7 @@
         <a:lumOff val="35000"/>
       </a:schemeClr>
     </cs:fontRef>
-    <cs:defRPr sz="1197" kern="1200"/>
+    <cs:defRPr sz="900" kern="1200"/>
   </cs:trendlineLabel>
   <cs:upBar>
     <cs:lnRef idx="0"/>
@@ -9705,7 +9896,18 @@
         <a:lumOff val="35000"/>
       </a:schemeClr>
     </cs:fontRef>
-    <cs:defRPr sz="1197" kern="1200"/>
+    <cs:spPr>
+      <a:ln w="9525" cap="flat" cmpd="sng" algn="ctr">
+        <a:solidFill>
+          <a:schemeClr val="tx1">
+            <a:lumMod val="25000"/>
+            <a:lumOff val="75000"/>
+          </a:schemeClr>
+        </a:solidFill>
+        <a:round/>
+      </a:ln>
+    </cs:spPr>
+    <cs:defRPr sz="900" kern="1200"/>
   </cs:valueAxis>
   <cs:wall>
     <cs:lnRef idx="0"/>
@@ -9725,7 +9927,7 @@
 </file>
 
 <file path=ppt/charts/style2.xml><?xml version="1.0" encoding="utf-8"?>
-<cs:chartStyle xmlns:cs="http://schemas.microsoft.com/office/drawing/2012/chartStyle" xmlns:a="http://schemas.openxmlformats.org/drawingml/2006/main" id="322">
+<cs:chartStyle xmlns:cs="http://schemas.microsoft.com/office/drawing/2012/chartStyle" xmlns:a="http://schemas.openxmlformats.org/drawingml/2006/main" id="240">
   <cs:axisTitle>
     <cs:lnRef idx="0"/>
     <cs:fillRef idx="0"/>
@@ -9736,7 +9938,7 @@
         <a:lumOff val="35000"/>
       </a:schemeClr>
     </cs:fontRef>
-    <cs:defRPr sz="1330" kern="1200"/>
+    <cs:defRPr sz="1000" kern="1200"/>
   </cs:axisTitle>
   <cs:categoryAxis>
     <cs:lnRef idx="0"/>
@@ -9752,14 +9954,14 @@
       <a:ln w="9525" cap="flat" cmpd="sng" algn="ctr">
         <a:solidFill>
           <a:schemeClr val="tx1">
-            <a:lumMod val="15000"/>
-            <a:lumOff val="85000"/>
+            <a:lumMod val="25000"/>
+            <a:lumOff val="75000"/>
           </a:schemeClr>
         </a:solidFill>
         <a:round/>
       </a:ln>
     </cs:spPr>
-    <cs:defRPr sz="1197" kern="1200"/>
+    <cs:defRPr sz="900" kern="1200"/>
   </cs:categoryAxis>
   <cs:chartArea mods="allowNoFillOverride allowNoLineOverride">
     <cs:lnRef idx="0"/>
@@ -9782,7 +9984,7 @@
         <a:round/>
       </a:ln>
     </cs:spPr>
-    <cs:defRPr sz="1330" kern="1200"/>
+    <cs:defRPr sz="1000" kern="1200"/>
   </cs:chartArea>
   <cs:dataLabel>
     <cs:lnRef idx="0"/>
@@ -9794,7 +9996,7 @@
         <a:lumOff val="25000"/>
       </a:schemeClr>
     </cs:fontRef>
-    <cs:defRPr sz="1197" kern="1200"/>
+    <cs:defRPr sz="900" kern="1200"/>
   </cs:dataLabel>
   <cs:dataLabelCallout>
     <cs:lnRef idx="0"/>
@@ -9819,7 +10021,7 @@
         </a:solidFill>
       </a:ln>
     </cs:spPr>
-    <cs:defRPr sz="1197" kern="1200"/>
+    <cs:defRPr sz="900" kern="1200"/>
     <cs:bodyPr rot="0" spcFirstLastPara="1" vertOverflow="clip" horzOverflow="clip" vert="horz" wrap="square" lIns="36576" tIns="18288" rIns="36576" bIns="18288" anchor="ctr" anchorCtr="1">
       <a:spAutoFit/>
     </cs:bodyPr>
@@ -9854,7 +10056,7 @@
       <a:schemeClr val="tx1"/>
     </cs:fontRef>
     <cs:spPr>
-      <a:ln w="28575" cap="rnd">
+      <a:ln w="19050" cap="rnd">
         <a:solidFill>
           <a:schemeClr val="phClr"/>
         </a:solidFill>
@@ -9886,10 +10088,10 @@
     <cs:lnRef idx="0">
       <cs:styleClr val="auto"/>
     </cs:lnRef>
-    <cs:fillRef idx="1"/>
+    <cs:fillRef idx="0"/>
     <cs:effectRef idx="0"/>
     <cs:fontRef idx="minor">
-      <a:schemeClr val="tx1"/>
+      <a:schemeClr val="dk1"/>
     </cs:fontRef>
     <cs:spPr>
       <a:ln w="9525" cap="rnd">
@@ -9922,7 +10124,7 @@
         <a:round/>
       </a:ln>
     </cs:spPr>
-    <cs:defRPr sz="1197" kern="1200"/>
+    <cs:defRPr sz="900" kern="1200"/>
   </cs:dataTable>
   <cs:downBar>
     <cs:lnRef idx="0"/>
@@ -10050,8 +10252,8 @@
       <a:ln w="9525" cap="flat" cmpd="sng" algn="ctr">
         <a:solidFill>
           <a:schemeClr val="tx1">
-            <a:lumMod val="75000"/>
-            <a:lumOff val="25000"/>
+            <a:lumMod val="50000"/>
+            <a:lumOff val="50000"/>
           </a:schemeClr>
         </a:solidFill>
         <a:round/>
@@ -10087,7 +10289,7 @@
         <a:lumOff val="35000"/>
       </a:schemeClr>
     </cs:fontRef>
-    <cs:defRPr sz="1197" kern="1200"/>
+    <cs:defRPr sz="900" kern="1200"/>
   </cs:legend>
   <cs:plotArea mods="allowNoFillOverride allowNoLineOverride">
     <cs:lnRef idx="0"/>
@@ -10115,18 +10317,7 @@
         <a:lumOff val="35000"/>
       </a:schemeClr>
     </cs:fontRef>
-    <cs:spPr>
-      <a:ln w="9525" cap="flat" cmpd="sng" algn="ctr">
-        <a:solidFill>
-          <a:schemeClr val="tx1">
-            <a:lumMod val="15000"/>
-            <a:lumOff val="85000"/>
-          </a:schemeClr>
-        </a:solidFill>
-        <a:round/>
-      </a:ln>
-    </cs:spPr>
-    <cs:defRPr sz="1197" kern="1200"/>
+    <cs:defRPr sz="900" kern="1200"/>
   </cs:seriesAxis>
   <cs:seriesLine>
     <cs:lnRef idx="0"/>
@@ -10157,7 +10348,7 @@
         <a:lumOff val="35000"/>
       </a:schemeClr>
     </cs:fontRef>
-    <cs:defRPr sz="1862" b="0" kern="1200" spc="0" baseline="0"/>
+    <cs:defRPr sz="1400" b="0" kern="1200" spc="0" baseline="0"/>
   </cs:title>
   <cs:trendline>
     <cs:lnRef idx="0">
@@ -10187,7 +10378,7 @@
         <a:lumOff val="35000"/>
       </a:schemeClr>
     </cs:fontRef>
-    <cs:defRPr sz="1197" kern="1200"/>
+    <cs:defRPr sz="900" kern="1200"/>
   </cs:trendlineLabel>
   <cs:upBar>
     <cs:lnRef idx="0"/>
@@ -10221,7 +10412,18 @@
         <a:lumOff val="35000"/>
       </a:schemeClr>
     </cs:fontRef>
-    <cs:defRPr sz="1197" kern="1200"/>
+    <cs:spPr>
+      <a:ln w="9525" cap="flat" cmpd="sng" algn="ctr">
+        <a:solidFill>
+          <a:schemeClr val="tx1">
+            <a:lumMod val="25000"/>
+            <a:lumOff val="75000"/>
+          </a:schemeClr>
+        </a:solidFill>
+        <a:round/>
+      </a:ln>
+    </cs:spPr>
+    <cs:defRPr sz="900" kern="1200"/>
   </cs:valueAxis>
   <cs:wall>
     <cs:lnRef idx="0"/>
@@ -10241,7 +10443,7 @@
 </file>
 
 <file path=ppt/charts/style3.xml><?xml version="1.0" encoding="utf-8"?>
-<cs:chartStyle xmlns:cs="http://schemas.microsoft.com/office/drawing/2012/chartStyle" xmlns:a="http://schemas.openxmlformats.org/drawingml/2006/main" id="322">
+<cs:chartStyle xmlns:cs="http://schemas.microsoft.com/office/drawing/2012/chartStyle" xmlns:a="http://schemas.openxmlformats.org/drawingml/2006/main" id="240">
   <cs:axisTitle>
     <cs:lnRef idx="0"/>
     <cs:fillRef idx="0"/>
@@ -10252,7 +10454,7 @@
         <a:lumOff val="35000"/>
       </a:schemeClr>
     </cs:fontRef>
-    <cs:defRPr sz="1330" kern="1200"/>
+    <cs:defRPr sz="1000" kern="1200"/>
   </cs:axisTitle>
   <cs:categoryAxis>
     <cs:lnRef idx="0"/>
@@ -10268,14 +10470,14 @@
       <a:ln w="9525" cap="flat" cmpd="sng" algn="ctr">
         <a:solidFill>
           <a:schemeClr val="tx1">
-            <a:lumMod val="15000"/>
-            <a:lumOff val="85000"/>
+            <a:lumMod val="25000"/>
+            <a:lumOff val="75000"/>
           </a:schemeClr>
         </a:solidFill>
         <a:round/>
       </a:ln>
     </cs:spPr>
-    <cs:defRPr sz="1197" kern="1200"/>
+    <cs:defRPr sz="900" kern="1200"/>
   </cs:categoryAxis>
   <cs:chartArea mods="allowNoFillOverride allowNoLineOverride">
     <cs:lnRef idx="0"/>
@@ -10298,7 +10500,7 @@
         <a:round/>
       </a:ln>
     </cs:spPr>
-    <cs:defRPr sz="1330" kern="1200"/>
+    <cs:defRPr sz="1000" kern="1200"/>
   </cs:chartArea>
   <cs:dataLabel>
     <cs:lnRef idx="0"/>
@@ -10310,7 +10512,7 @@
         <a:lumOff val="25000"/>
       </a:schemeClr>
     </cs:fontRef>
-    <cs:defRPr sz="1197" kern="1200"/>
+    <cs:defRPr sz="900" kern="1200"/>
   </cs:dataLabel>
   <cs:dataLabelCallout>
     <cs:lnRef idx="0"/>
@@ -10335,7 +10537,7 @@
         </a:solidFill>
       </a:ln>
     </cs:spPr>
-    <cs:defRPr sz="1197" kern="1200"/>
+    <cs:defRPr sz="900" kern="1200"/>
     <cs:bodyPr rot="0" spcFirstLastPara="1" vertOverflow="clip" horzOverflow="clip" vert="horz" wrap="square" lIns="36576" tIns="18288" rIns="36576" bIns="18288" anchor="ctr" anchorCtr="1">
       <a:spAutoFit/>
     </cs:bodyPr>
@@ -10370,7 +10572,7 @@
       <a:schemeClr val="tx1"/>
     </cs:fontRef>
     <cs:spPr>
-      <a:ln w="28575" cap="rnd">
+      <a:ln w="19050" cap="rnd">
         <a:solidFill>
           <a:schemeClr val="phClr"/>
         </a:solidFill>
@@ -10402,10 +10604,10 @@
     <cs:lnRef idx="0">
       <cs:styleClr val="auto"/>
     </cs:lnRef>
-    <cs:fillRef idx="1"/>
+    <cs:fillRef idx="0"/>
     <cs:effectRef idx="0"/>
     <cs:fontRef idx="minor">
-      <a:schemeClr val="tx1"/>
+      <a:schemeClr val="dk1"/>
     </cs:fontRef>
     <cs:spPr>
       <a:ln w="9525" cap="rnd">
@@ -10438,7 +10640,7 @@
         <a:round/>
       </a:ln>
     </cs:spPr>
-    <cs:defRPr sz="1197" kern="1200"/>
+    <cs:defRPr sz="900" kern="1200"/>
   </cs:dataTable>
   <cs:downBar>
     <cs:lnRef idx="0"/>
@@ -10566,8 +10768,8 @@
       <a:ln w="9525" cap="flat" cmpd="sng" algn="ctr">
         <a:solidFill>
           <a:schemeClr val="tx1">
-            <a:lumMod val="75000"/>
-            <a:lumOff val="25000"/>
+            <a:lumMod val="50000"/>
+            <a:lumOff val="50000"/>
           </a:schemeClr>
         </a:solidFill>
         <a:round/>
@@ -10603,7 +10805,7 @@
         <a:lumOff val="35000"/>
       </a:schemeClr>
     </cs:fontRef>
-    <cs:defRPr sz="1197" kern="1200"/>
+    <cs:defRPr sz="900" kern="1200"/>
   </cs:legend>
   <cs:plotArea mods="allowNoFillOverride allowNoLineOverride">
     <cs:lnRef idx="0"/>
@@ -10631,18 +10833,7 @@
         <a:lumOff val="35000"/>
       </a:schemeClr>
     </cs:fontRef>
-    <cs:spPr>
-      <a:ln w="9525" cap="flat" cmpd="sng" algn="ctr">
-        <a:solidFill>
-          <a:schemeClr val="tx1">
-            <a:lumMod val="15000"/>
-            <a:lumOff val="85000"/>
-          </a:schemeClr>
-        </a:solidFill>
-        <a:round/>
-      </a:ln>
-    </cs:spPr>
-    <cs:defRPr sz="1197" kern="1200"/>
+    <cs:defRPr sz="900" kern="1200"/>
   </cs:seriesAxis>
   <cs:seriesLine>
     <cs:lnRef idx="0"/>
@@ -10673,7 +10864,7 @@
         <a:lumOff val="35000"/>
       </a:schemeClr>
     </cs:fontRef>
-    <cs:defRPr sz="1862" b="0" kern="1200" spc="0" baseline="0"/>
+    <cs:defRPr sz="1400" b="0" kern="1200" spc="0" baseline="0"/>
   </cs:title>
   <cs:trendline>
     <cs:lnRef idx="0">
@@ -10703,7 +10894,7 @@
         <a:lumOff val="35000"/>
       </a:schemeClr>
     </cs:fontRef>
-    <cs:defRPr sz="1197" kern="1200"/>
+    <cs:defRPr sz="900" kern="1200"/>
   </cs:trendlineLabel>
   <cs:upBar>
     <cs:lnRef idx="0"/>
@@ -10737,7 +10928,18 @@
         <a:lumOff val="35000"/>
       </a:schemeClr>
     </cs:fontRef>
-    <cs:defRPr sz="1197" kern="1200"/>
+    <cs:spPr>
+      <a:ln w="9525" cap="flat" cmpd="sng" algn="ctr">
+        <a:solidFill>
+          <a:schemeClr val="tx1">
+            <a:lumMod val="25000"/>
+            <a:lumOff val="75000"/>
+          </a:schemeClr>
+        </a:solidFill>
+        <a:round/>
+      </a:ln>
+    </cs:spPr>
+    <cs:defRPr sz="900" kern="1200"/>
   </cs:valueAxis>
   <cs:wall>
     <cs:lnRef idx="0"/>
@@ -10757,7 +10959,7 @@
 </file>
 
 <file path=ppt/charts/style4.xml><?xml version="1.0" encoding="utf-8"?>
-<cs:chartStyle xmlns:cs="http://schemas.microsoft.com/office/drawing/2012/chartStyle" xmlns:a="http://schemas.openxmlformats.org/drawingml/2006/main" id="322">
+<cs:chartStyle xmlns:cs="http://schemas.microsoft.com/office/drawing/2012/chartStyle" xmlns:a="http://schemas.openxmlformats.org/drawingml/2006/main" id="240">
   <cs:axisTitle>
     <cs:lnRef idx="0"/>
     <cs:fillRef idx="0"/>
@@ -10768,7 +10970,7 @@
         <a:lumOff val="35000"/>
       </a:schemeClr>
     </cs:fontRef>
-    <cs:defRPr sz="1330" kern="1200"/>
+    <cs:defRPr sz="1000" kern="1200"/>
   </cs:axisTitle>
   <cs:categoryAxis>
     <cs:lnRef idx="0"/>
@@ -10784,14 +10986,14 @@
       <a:ln w="9525" cap="flat" cmpd="sng" algn="ctr">
         <a:solidFill>
           <a:schemeClr val="tx1">
-            <a:lumMod val="15000"/>
-            <a:lumOff val="85000"/>
+            <a:lumMod val="25000"/>
+            <a:lumOff val="75000"/>
           </a:schemeClr>
         </a:solidFill>
         <a:round/>
       </a:ln>
     </cs:spPr>
-    <cs:defRPr sz="1197" kern="1200"/>
+    <cs:defRPr sz="900" kern="1200"/>
   </cs:categoryAxis>
   <cs:chartArea mods="allowNoFillOverride allowNoLineOverride">
     <cs:lnRef idx="0"/>
@@ -10814,7 +11016,7 @@
         <a:round/>
       </a:ln>
     </cs:spPr>
-    <cs:defRPr sz="1330" kern="1200"/>
+    <cs:defRPr sz="1000" kern="1200"/>
   </cs:chartArea>
   <cs:dataLabel>
     <cs:lnRef idx="0"/>
@@ -10826,7 +11028,7 @@
         <a:lumOff val="25000"/>
       </a:schemeClr>
     </cs:fontRef>
-    <cs:defRPr sz="1197" kern="1200"/>
+    <cs:defRPr sz="900" kern="1200"/>
   </cs:dataLabel>
   <cs:dataLabelCallout>
     <cs:lnRef idx="0"/>
@@ -10851,7 +11053,7 @@
         </a:solidFill>
       </a:ln>
     </cs:spPr>
-    <cs:defRPr sz="1197" kern="1200"/>
+    <cs:defRPr sz="900" kern="1200"/>
     <cs:bodyPr rot="0" spcFirstLastPara="1" vertOverflow="clip" horzOverflow="clip" vert="horz" wrap="square" lIns="36576" tIns="18288" rIns="36576" bIns="18288" anchor="ctr" anchorCtr="1">
       <a:spAutoFit/>
     </cs:bodyPr>
@@ -10886,7 +11088,7 @@
       <a:schemeClr val="tx1"/>
     </cs:fontRef>
     <cs:spPr>
-      <a:ln w="28575" cap="rnd">
+      <a:ln w="19050" cap="rnd">
         <a:solidFill>
           <a:schemeClr val="phClr"/>
         </a:solidFill>
@@ -10918,10 +11120,10 @@
     <cs:lnRef idx="0">
       <cs:styleClr val="auto"/>
     </cs:lnRef>
-    <cs:fillRef idx="1"/>
+    <cs:fillRef idx="0"/>
     <cs:effectRef idx="0"/>
     <cs:fontRef idx="minor">
-      <a:schemeClr val="tx1"/>
+      <a:schemeClr val="dk1"/>
     </cs:fontRef>
     <cs:spPr>
       <a:ln w="9525" cap="rnd">
@@ -10954,7 +11156,7 @@
         <a:round/>
       </a:ln>
     </cs:spPr>
-    <cs:defRPr sz="1197" kern="1200"/>
+    <cs:defRPr sz="900" kern="1200"/>
   </cs:dataTable>
   <cs:downBar>
     <cs:lnRef idx="0"/>
@@ -11082,8 +11284,8 @@
       <a:ln w="9525" cap="flat" cmpd="sng" algn="ctr">
         <a:solidFill>
           <a:schemeClr val="tx1">
-            <a:lumMod val="75000"/>
-            <a:lumOff val="25000"/>
+            <a:lumMod val="50000"/>
+            <a:lumOff val="50000"/>
           </a:schemeClr>
         </a:solidFill>
         <a:round/>
@@ -11119,7 +11321,7 @@
         <a:lumOff val="35000"/>
       </a:schemeClr>
     </cs:fontRef>
-    <cs:defRPr sz="1197" kern="1200"/>
+    <cs:defRPr sz="900" kern="1200"/>
   </cs:legend>
   <cs:plotArea mods="allowNoFillOverride allowNoLineOverride">
     <cs:lnRef idx="0"/>
@@ -11147,18 +11349,7 @@
         <a:lumOff val="35000"/>
       </a:schemeClr>
     </cs:fontRef>
-    <cs:spPr>
-      <a:ln w="9525" cap="flat" cmpd="sng" algn="ctr">
-        <a:solidFill>
-          <a:schemeClr val="tx1">
-            <a:lumMod val="15000"/>
-            <a:lumOff val="85000"/>
-          </a:schemeClr>
-        </a:solidFill>
-        <a:round/>
-      </a:ln>
-    </cs:spPr>
-    <cs:defRPr sz="1197" kern="1200"/>
+    <cs:defRPr sz="900" kern="1200"/>
   </cs:seriesAxis>
   <cs:seriesLine>
     <cs:lnRef idx="0"/>
@@ -11189,7 +11380,7 @@
         <a:lumOff val="35000"/>
       </a:schemeClr>
     </cs:fontRef>
-    <cs:defRPr sz="1862" b="0" kern="1200" spc="0" baseline="0"/>
+    <cs:defRPr sz="1400" b="0" kern="1200" spc="0" baseline="0"/>
   </cs:title>
   <cs:trendline>
     <cs:lnRef idx="0">
@@ -11219,7 +11410,7 @@
         <a:lumOff val="35000"/>
       </a:schemeClr>
     </cs:fontRef>
-    <cs:defRPr sz="1197" kern="1200"/>
+    <cs:defRPr sz="900" kern="1200"/>
   </cs:trendlineLabel>
   <cs:upBar>
     <cs:lnRef idx="0"/>
@@ -11253,7 +11444,18 @@
         <a:lumOff val="35000"/>
       </a:schemeClr>
     </cs:fontRef>
-    <cs:defRPr sz="1197" kern="1200"/>
+    <cs:spPr>
+      <a:ln w="9525" cap="flat" cmpd="sng" algn="ctr">
+        <a:solidFill>
+          <a:schemeClr val="tx1">
+            <a:lumMod val="25000"/>
+            <a:lumOff val="75000"/>
+          </a:schemeClr>
+        </a:solidFill>
+        <a:round/>
+      </a:ln>
+    </cs:spPr>
+    <cs:defRPr sz="900" kern="1200"/>
   </cs:valueAxis>
   <cs:wall>
     <cs:lnRef idx="0"/>
@@ -14270,7 +14472,7 @@
           <a:p>
             <a:fld id="{6E9009BC-67F8-4A2F-A82F-2BB8E34074D1}" type="datetimeFigureOut">
               <a:rPr lang="fr-FR" smtClean="0"/>
-              <a:t>20/11/2016</a:t>
+              <a:t>21/11/2016</a:t>
             </a:fld>
             <a:endParaRPr lang="fr-FR"/>
           </a:p>
@@ -20963,7 +21165,7 @@
           <a:graphicData uri="http://schemas.openxmlformats.org/presentationml/2006/ole">
             <mc:AlternateContent xmlns:mc="http://schemas.openxmlformats.org/markup-compatibility/2006">
               <mc:Choice xmlns:v="urn:schemas-microsoft-com:vml" Requires="v">
-                <p:oleObj spid="_x0000_s1032" name="Visio" r:id="rId3" imgW="5360536" imgH="2350402" progId="Visio.Drawing.15">
+                <p:oleObj spid="_x0000_s1033" name="Visio" r:id="rId3" imgW="5360536" imgH="2350402" progId="Visio.Drawing.15">
                   <p:embed/>
                 </p:oleObj>
               </mc:Choice>
@@ -21122,7 +21324,7 @@
       </p:sp>
       <p:graphicFrame>
         <p:nvGraphicFramePr>
-          <p:cNvPr id="14" name="Espace réservé du contenu 13">
+          <p:cNvPr id="10" name="Espace réservé du contenu 9">
             <a:extLst>
               <a:ext uri="{FF2B5EF4-FFF2-40B4-BE49-F238E27FC236}">
                 <a16:creationId xmlns:a16="http://schemas.microsoft.com/office/drawing/2014/main" id="{23F6D844-E994-4E18-8B74-8E38B5648E60}"/>
@@ -21136,7 +21338,7 @@
             <p:ph sz="half" idx="1"/>
             <p:extLst>
               <p:ext uri="{D42A27DB-BD31-4B8C-83A1-F6EECF244321}">
-                <p14:modId xmlns:p14="http://schemas.microsoft.com/office/powerpoint/2010/main" val="1599193991"/>
+                <p14:modId xmlns:p14="http://schemas.microsoft.com/office/powerpoint/2010/main" val="1976318584"/>
               </p:ext>
             </p:extLst>
           </p:nvPr>
@@ -21153,7 +21355,7 @@
       </p:graphicFrame>
       <p:graphicFrame>
         <p:nvGraphicFramePr>
-          <p:cNvPr id="15" name="Espace réservé du contenu 14">
+          <p:cNvPr id="12" name="Espace réservé du contenu 11">
             <a:extLst>
               <a:ext uri="{FF2B5EF4-FFF2-40B4-BE49-F238E27FC236}">
                 <a16:creationId xmlns:a16="http://schemas.microsoft.com/office/drawing/2014/main" id="{04153505-FD7A-4204-8A28-8D940B1B8A48}"/>
@@ -21167,7 +21369,7 @@
             <p:ph sz="half" idx="2"/>
             <p:extLst>
               <p:ext uri="{D42A27DB-BD31-4B8C-83A1-F6EECF244321}">
-                <p14:modId xmlns:p14="http://schemas.microsoft.com/office/powerpoint/2010/main" val="3485862293"/>
+                <p14:modId xmlns:p14="http://schemas.microsoft.com/office/powerpoint/2010/main" val="167700867"/>
               </p:ext>
             </p:extLst>
           </p:nvPr>
@@ -21306,7 +21508,7 @@
       </p:sp>
       <p:graphicFrame>
         <p:nvGraphicFramePr>
-          <p:cNvPr id="11" name="Espace réservé du contenu 10">
+          <p:cNvPr id="9" name="Espace réservé du contenu 8">
             <a:extLst>
               <a:ext uri="{FF2B5EF4-FFF2-40B4-BE49-F238E27FC236}">
                 <a16:creationId xmlns:a16="http://schemas.microsoft.com/office/drawing/2014/main" id="{53277FF8-F311-4B55-A82D-FE111B8B5F0C}"/>
@@ -21320,7 +21522,7 @@
             <p:ph sz="half" idx="1"/>
             <p:extLst>
               <p:ext uri="{D42A27DB-BD31-4B8C-83A1-F6EECF244321}">
-                <p14:modId xmlns:p14="http://schemas.microsoft.com/office/powerpoint/2010/main" val="3651014898"/>
+                <p14:modId xmlns:p14="http://schemas.microsoft.com/office/powerpoint/2010/main" val="2952342911"/>
               </p:ext>
             </p:extLst>
           </p:nvPr>
@@ -21337,7 +21539,7 @@
       </p:graphicFrame>
       <p:graphicFrame>
         <p:nvGraphicFramePr>
-          <p:cNvPr id="12" name="Espace réservé du contenu 11">
+          <p:cNvPr id="13" name="Espace réservé du contenu 12">
             <a:extLst>
               <a:ext uri="{FF2B5EF4-FFF2-40B4-BE49-F238E27FC236}">
                 <a16:creationId xmlns:a16="http://schemas.microsoft.com/office/drawing/2014/main" id="{962C72E9-60F6-4556-8006-3B0F0D341774}"/>
@@ -21351,7 +21553,7 @@
             <p:ph sz="half" idx="2"/>
             <p:extLst>
               <p:ext uri="{D42A27DB-BD31-4B8C-83A1-F6EECF244321}">
-                <p14:modId xmlns:p14="http://schemas.microsoft.com/office/powerpoint/2010/main" val="536634961"/>
+                <p14:modId xmlns:p14="http://schemas.microsoft.com/office/powerpoint/2010/main" val="1627051805"/>
               </p:ext>
             </p:extLst>
           </p:nvPr>

--- a/Présentation.pptx
+++ b/Présentation.pptx
@@ -594,361 +594,361 @@
                 <c:formatCode>General</c:formatCode>
                 <c:ptCount val="119"/>
                 <c:pt idx="0">
-                  <c:v>16.882772496000001</c:v>
+                  <c:v>17.642979053000001</c:v>
                 </c:pt>
                 <c:pt idx="1">
-                  <c:v>8.4881204769999989</c:v>
+                  <c:v>8.8426374719999998</c:v>
                 </c:pt>
                 <c:pt idx="2">
-                  <c:v>5.6811768374999998</c:v>
+                  <c:v>5.9631110569999999</c:v>
                 </c:pt>
                 <c:pt idx="3">
-                  <c:v>4.3296190445000002</c:v>
+                  <c:v>4.5183972360000002</c:v>
                 </c:pt>
                 <c:pt idx="4">
-                  <c:v>3.5314448155</c:v>
+                  <c:v>3.6495831129999998</c:v>
                 </c:pt>
                 <c:pt idx="5">
-                  <c:v>2.9317557399999998</c:v>
+                  <c:v>2.9654176090000002</c:v>
                 </c:pt>
                 <c:pt idx="6">
-                  <c:v>2.5892002290000002</c:v>
+                  <c:v>2.671653509</c:v>
                 </c:pt>
                 <c:pt idx="7">
-                  <c:v>2.3453123979999999</c:v>
+                  <c:v>2.5486903810000001</c:v>
                 </c:pt>
                 <c:pt idx="8">
-                  <c:v>2.0171404420000001</c:v>
+                  <c:v>2.106742874</c:v>
                 </c:pt>
                 <c:pt idx="9">
-                  <c:v>2.0019120739999998</c:v>
+                  <c:v>1.990096211</c:v>
                 </c:pt>
                 <c:pt idx="10">
-                  <c:v>1.96082884</c:v>
+                  <c:v>1.85466928</c:v>
                 </c:pt>
                 <c:pt idx="11">
-                  <c:v>1.953848907</c:v>
+                  <c:v>1.843786999</c:v>
                 </c:pt>
                 <c:pt idx="12">
-                  <c:v>1.9416186470000001</c:v>
+                  <c:v>1.8429666309999999</c:v>
                 </c:pt>
                 <c:pt idx="13">
-                  <c:v>1.8009017105</c:v>
+                  <c:v>1.7879173900000001</c:v>
                 </c:pt>
                 <c:pt idx="14">
-                  <c:v>1.72175027</c:v>
+                  <c:v>1.776446118</c:v>
                 </c:pt>
                 <c:pt idx="15">
-                  <c:v>1.596190094</c:v>
+                  <c:v>1.683630153</c:v>
                 </c:pt>
                 <c:pt idx="16">
-                  <c:v>1.5919876259999999</c:v>
+                  <c:v>1.676001208</c:v>
                 </c:pt>
                 <c:pt idx="17">
-                  <c:v>1.5342329619999999</c:v>
+                  <c:v>1.5345559310000001</c:v>
                 </c:pt>
                 <c:pt idx="18">
-                  <c:v>1.5342329619999999</c:v>
+                  <c:v>1.5345559310000001</c:v>
                 </c:pt>
                 <c:pt idx="19">
-                  <c:v>1.4803467344999999</c:v>
+                  <c:v>1.520500596</c:v>
                 </c:pt>
                 <c:pt idx="20">
-                  <c:v>1.4773475810000001</c:v>
+                  <c:v>1.5104301499999999</c:v>
                 </c:pt>
                 <c:pt idx="21">
-                  <c:v>1.4593401515</c:v>
+                  <c:v>1.498448311</c:v>
                 </c:pt>
                 <c:pt idx="22">
-                  <c:v>1.4593401515</c:v>
+                  <c:v>1.498448311</c:v>
                 </c:pt>
                 <c:pt idx="23">
-                  <c:v>1.4593401515</c:v>
+                  <c:v>1.4878684950000001</c:v>
                 </c:pt>
                 <c:pt idx="24">
-                  <c:v>1.4593401515</c:v>
+                  <c:v>1.4878684950000001</c:v>
                 </c:pt>
                 <c:pt idx="25">
-                  <c:v>1.4593401515</c:v>
+                  <c:v>1.4878684950000001</c:v>
                 </c:pt>
                 <c:pt idx="26">
-                  <c:v>1.4372095069999999</c:v>
+                  <c:v>1.4794891649999999</c:v>
                 </c:pt>
                 <c:pt idx="27">
-                  <c:v>1.2796211740000001</c:v>
+                  <c:v>1.4794891649999999</c:v>
                 </c:pt>
                 <c:pt idx="28">
-                  <c:v>1.2796211740000001</c:v>
+                  <c:v>1.4794891649999999</c:v>
                 </c:pt>
                 <c:pt idx="29">
-                  <c:v>1.2926718364999998</c:v>
+                  <c:v>1.4878684950000001</c:v>
                 </c:pt>
                 <c:pt idx="30">
-                  <c:v>1.2926718364999998</c:v>
+                  <c:v>1.4939238669999999</c:v>
                 </c:pt>
                 <c:pt idx="31">
-                  <c:v>1.4773475810000001</c:v>
+                  <c:v>1.492329214</c:v>
                 </c:pt>
                 <c:pt idx="32">
-                  <c:v>1.4908635855000001</c:v>
+                  <c:v>1.4939238669999999</c:v>
                 </c:pt>
                 <c:pt idx="33">
-                  <c:v>1.4908635855000001</c:v>
+                  <c:v>1.498448311</c:v>
                 </c:pt>
                 <c:pt idx="34">
-                  <c:v>1.4908635855000001</c:v>
+                  <c:v>1.498448311</c:v>
                 </c:pt>
                 <c:pt idx="35">
-                  <c:v>1.4908635855000001</c:v>
+                  <c:v>1.498448311</c:v>
                 </c:pt>
                 <c:pt idx="36">
-                  <c:v>1.4943856874999999</c:v>
+                  <c:v>1.5039142029999999</c:v>
                 </c:pt>
                 <c:pt idx="37">
-                  <c:v>1.4908635855000001</c:v>
+                  <c:v>1.5039142029999999</c:v>
                 </c:pt>
                 <c:pt idx="38">
-                  <c:v>1.4943856874999999</c:v>
+                  <c:v>1.5227740679999999</c:v>
                 </c:pt>
                 <c:pt idx="39">
-                  <c:v>1.5032016925</c:v>
+                  <c:v>1.531981163</c:v>
                 </c:pt>
                 <c:pt idx="40">
-                  <c:v>1.5032016925</c:v>
+                  <c:v>1.531981163</c:v>
                 </c:pt>
                 <c:pt idx="41">
-                  <c:v>1.4943856874999999</c:v>
+                  <c:v>1.532654873</c:v>
                 </c:pt>
                 <c:pt idx="42">
-                  <c:v>1.4943856874999999</c:v>
+                  <c:v>1.533461709</c:v>
                 </c:pt>
                 <c:pt idx="43">
-                  <c:v>1.4908635855000001</c:v>
+                  <c:v>1.533461709</c:v>
                 </c:pt>
                 <c:pt idx="44">
-                  <c:v>1.4800460690000001</c:v>
+                  <c:v>1.532654873</c:v>
                 </c:pt>
                 <c:pt idx="45">
-                  <c:v>1.481954215</c:v>
+                  <c:v>1.532654873</c:v>
                 </c:pt>
                 <c:pt idx="46">
-                  <c:v>1.4908635855000001</c:v>
+                  <c:v>1.532654873</c:v>
                 </c:pt>
                 <c:pt idx="47">
-                  <c:v>1.5032016925</c:v>
+                  <c:v>1.532654873</c:v>
                 </c:pt>
                 <c:pt idx="48">
-                  <c:v>1.5059942385</c:v>
+                  <c:v>1.533461709</c:v>
                 </c:pt>
                 <c:pt idx="49">
-                  <c:v>1.5072766774999999</c:v>
+                  <c:v>1.533461709</c:v>
                 </c:pt>
                 <c:pt idx="50">
-                  <c:v>1.5032016925</c:v>
+                  <c:v>1.535270591</c:v>
                 </c:pt>
                 <c:pt idx="51">
-                  <c:v>1.481954215</c:v>
+                  <c:v>1.535270591</c:v>
                 </c:pt>
                 <c:pt idx="52">
-                  <c:v>1.5032016925</c:v>
+                  <c:v>1.535270591</c:v>
                 </c:pt>
                 <c:pt idx="53">
-                  <c:v>1.5032016925</c:v>
+                  <c:v>1.5390925790000001</c:v>
                 </c:pt>
                 <c:pt idx="54">
-                  <c:v>1.481954215</c:v>
+                  <c:v>1.5390925790000001</c:v>
                 </c:pt>
                 <c:pt idx="55">
-                  <c:v>1.481954215</c:v>
+                  <c:v>1.5390925790000001</c:v>
                 </c:pt>
                 <c:pt idx="56">
-                  <c:v>1.5032016925</c:v>
+                  <c:v>1.5447263229999999</c:v>
                 </c:pt>
                 <c:pt idx="57">
-                  <c:v>1.481954215</c:v>
+                  <c:v>1.5447263229999999</c:v>
                 </c:pt>
                 <c:pt idx="58">
-                  <c:v>1.481954215</c:v>
+                  <c:v>1.5447263229999999</c:v>
                 </c:pt>
                 <c:pt idx="59">
-                  <c:v>1.481954215</c:v>
+                  <c:v>1.5504804700000001</c:v>
                 </c:pt>
                 <c:pt idx="60">
-                  <c:v>1.481954215</c:v>
+                  <c:v>1.5550991679999999</c:v>
                 </c:pt>
                 <c:pt idx="61">
-                  <c:v>1.4800460690000001</c:v>
+                  <c:v>1.5447263229999999</c:v>
                 </c:pt>
                 <c:pt idx="62">
-                  <c:v>1.3493183040000001</c:v>
+                  <c:v>1.5447263229999999</c:v>
                 </c:pt>
                 <c:pt idx="63">
-                  <c:v>1.481954215</c:v>
+                  <c:v>1.550760337</c:v>
                 </c:pt>
                 <c:pt idx="64">
-                  <c:v>1.5086553985</c:v>
+                  <c:v>1.5550991679999999</c:v>
                 </c:pt>
                 <c:pt idx="65">
-                  <c:v>1.378284732</c:v>
+                  <c:v>1.5636272920000001</c:v>
                 </c:pt>
                 <c:pt idx="66">
-                  <c:v>1.3493183040000001</c:v>
+                  <c:v>1.5636272920000001</c:v>
                 </c:pt>
                 <c:pt idx="67">
-                  <c:v>1.3493183040000001</c:v>
+                  <c:v>1.5738986880000001</c:v>
                 </c:pt>
                 <c:pt idx="68">
-                  <c:v>1.3493183040000001</c:v>
+                  <c:v>1.5772695919999999</c:v>
                 </c:pt>
                 <c:pt idx="69">
-                  <c:v>1.378284732</c:v>
+                  <c:v>1.5802388190000001</c:v>
                 </c:pt>
                 <c:pt idx="70">
-                  <c:v>1.378284732</c:v>
+                  <c:v>1.5858822699999999</c:v>
                 </c:pt>
                 <c:pt idx="71">
-                  <c:v>1.3493183040000001</c:v>
+                  <c:v>1.5858822699999999</c:v>
                 </c:pt>
                 <c:pt idx="72">
-                  <c:v>1.378284732</c:v>
+                  <c:v>1.5858822699999999</c:v>
                 </c:pt>
                 <c:pt idx="73">
-                  <c:v>1.540000477</c:v>
+                  <c:v>1.5865535239999999</c:v>
                 </c:pt>
                 <c:pt idx="74">
-                  <c:v>1.540000477</c:v>
+                  <c:v>1.5858822699999999</c:v>
                 </c:pt>
                 <c:pt idx="75">
-                  <c:v>1.540000477</c:v>
+                  <c:v>1.5858822699999999</c:v>
                 </c:pt>
                 <c:pt idx="76">
-                  <c:v>1.540000477</c:v>
+                  <c:v>1.5858822699999999</c:v>
                 </c:pt>
                 <c:pt idx="77">
-                  <c:v>1.540000477</c:v>
+                  <c:v>1.5865535239999999</c:v>
                 </c:pt>
                 <c:pt idx="78">
-                  <c:v>1.540000477</c:v>
+                  <c:v>1.5865535239999999</c:v>
                 </c:pt>
                 <c:pt idx="79">
-                  <c:v>1.540000477</c:v>
+                  <c:v>1.5858822699999999</c:v>
                 </c:pt>
                 <c:pt idx="80">
-                  <c:v>1.5412242935</c:v>
+                  <c:v>1.595376683</c:v>
                 </c:pt>
                 <c:pt idx="81">
-                  <c:v>1.5495571635000001</c:v>
+                  <c:v>1.595376683</c:v>
                 </c:pt>
                 <c:pt idx="82">
-                  <c:v>1.5665390299999999</c:v>
+                  <c:v>1.5956817240000001</c:v>
                 </c:pt>
                 <c:pt idx="83">
-                  <c:v>1.5495571635000001</c:v>
+                  <c:v>1.5956817240000001</c:v>
                 </c:pt>
                 <c:pt idx="84">
-                  <c:v>1.5495571635000001</c:v>
+                  <c:v>1.595376683</c:v>
                 </c:pt>
                 <c:pt idx="85">
-                  <c:v>1.5665390299999999</c:v>
+                  <c:v>1.5956817240000001</c:v>
                 </c:pt>
                 <c:pt idx="86">
-                  <c:v>1.5665390299999999</c:v>
+                  <c:v>1.5959691789999999</c:v>
                 </c:pt>
                 <c:pt idx="87">
-                  <c:v>1.5495571635000001</c:v>
+                  <c:v>1.5959691789999999</c:v>
                 </c:pt>
                 <c:pt idx="88">
-                  <c:v>1.5438461640000001</c:v>
+                  <c:v>1.5959691789999999</c:v>
                 </c:pt>
                 <c:pt idx="89">
-                  <c:v>1.5438461640000001</c:v>
+                  <c:v>1.582039639</c:v>
                 </c:pt>
                 <c:pt idx="90">
-                  <c:v>1.5665390299999999</c:v>
+                  <c:v>1.5959691789999999</c:v>
                 </c:pt>
                 <c:pt idx="91">
-                  <c:v>1.5665390299999999</c:v>
+                  <c:v>1.5959691789999999</c:v>
                 </c:pt>
                 <c:pt idx="92">
-                  <c:v>1.5438461640000001</c:v>
+                  <c:v>1.5959691789999999</c:v>
                 </c:pt>
                 <c:pt idx="93">
-                  <c:v>1.5665390299999999</c:v>
+                  <c:v>1.6083857660000001</c:v>
                 </c:pt>
                 <c:pt idx="94">
-                  <c:v>1.5438461640000001</c:v>
+                  <c:v>1.5959691789999999</c:v>
                 </c:pt>
                 <c:pt idx="95">
-                  <c:v>1.5665390299999999</c:v>
+                  <c:v>1.6083857660000001</c:v>
                 </c:pt>
                 <c:pt idx="96">
-                  <c:v>1.5438461640000001</c:v>
+                  <c:v>1.6083857660000001</c:v>
                 </c:pt>
                 <c:pt idx="97">
-                  <c:v>1.5665390299999999</c:v>
+                  <c:v>1.6121932189999999</c:v>
                 </c:pt>
                 <c:pt idx="98">
-                  <c:v>1.5665390299999999</c:v>
+                  <c:v>1.6121932189999999</c:v>
                 </c:pt>
                 <c:pt idx="99">
-                  <c:v>1.5438461640000001</c:v>
+                  <c:v>1.6121932189999999</c:v>
                 </c:pt>
                 <c:pt idx="100">
-                  <c:v>1.5438461640000001</c:v>
+                  <c:v>1.6121932189999999</c:v>
                 </c:pt>
                 <c:pt idx="101">
-                  <c:v>1.5438461640000001</c:v>
+                  <c:v>1.597401842</c:v>
                 </c:pt>
                 <c:pt idx="102">
-                  <c:v>1.5963046715</c:v>
+                  <c:v>1.597401842</c:v>
                 </c:pt>
                 <c:pt idx="103">
-                  <c:v>1.5963046715</c:v>
+                  <c:v>1.597401842</c:v>
                 </c:pt>
                 <c:pt idx="104">
-                  <c:v>1.5963046715</c:v>
+                  <c:v>1.597401842</c:v>
                 </c:pt>
                 <c:pt idx="105">
-                  <c:v>1.5967641340000001</c:v>
+                  <c:v>1.597401842</c:v>
                 </c:pt>
                 <c:pt idx="106">
-                  <c:v>1.5967641340000001</c:v>
+                  <c:v>1.597401842</c:v>
                 </c:pt>
                 <c:pt idx="107">
-                  <c:v>1.5967641340000001</c:v>
+                  <c:v>1.597401842</c:v>
                 </c:pt>
                 <c:pt idx="108">
-                  <c:v>1.5967641340000001</c:v>
+                  <c:v>1.597401842</c:v>
                 </c:pt>
                 <c:pt idx="109">
-                  <c:v>1.5736308290000001</c:v>
+                  <c:v>1.5893873650000001</c:v>
                 </c:pt>
                 <c:pt idx="110">
-                  <c:v>1.5708591090000001</c:v>
+                  <c:v>1.5881091765000002</c:v>
                 </c:pt>
                 <c:pt idx="111">
-                  <c:v>1.5736308290000001</c:v>
+                  <c:v>1.586830988</c:v>
                 </c:pt>
                 <c:pt idx="112">
-                  <c:v>1.5708591090000001</c:v>
+                  <c:v>1.5836545905000001</c:v>
                 </c:pt>
                 <c:pt idx="113">
-                  <c:v>1.5736308290000001</c:v>
+                  <c:v>1.586830988</c:v>
                 </c:pt>
                 <c:pt idx="114">
-                  <c:v>1.5708591090000001</c:v>
+                  <c:v>1.5836545905000001</c:v>
                 </c:pt>
                 <c:pt idx="115">
-                  <c:v>1.5736308290000001</c:v>
+                  <c:v>1.586830988</c:v>
                 </c:pt>
                 <c:pt idx="116">
-                  <c:v>1.5708591090000001</c:v>
+                  <c:v>1.5836545905000001</c:v>
                 </c:pt>
                 <c:pt idx="117">
-                  <c:v>1.5736308290000001</c:v>
+                  <c:v>1.586830988</c:v>
                 </c:pt>
                 <c:pt idx="118">
-                  <c:v>1.5865502679999999</c:v>
+                  <c:v>1.5881091765000002</c:v>
                 </c:pt>
               </c:numCache>
             </c:numRef>
@@ -956,7 +956,7 @@
           <c:smooth val="1"/>
           <c:extLst>
             <c:ext xmlns:c16="http://schemas.microsoft.com/office/drawing/2014/chart" uri="{C3380CC4-5D6E-409C-BE32-E72D297353CC}">
-              <c16:uniqueId val="{00000000-4F27-4046-BCC7-21545A147DBF}"/>
+              <c16:uniqueId val="{00000000-1D74-4092-8677-96B134C0F8A3}"/>
             </c:ext>
           </c:extLst>
         </c:ser>
@@ -1376,358 +1376,358 @@
                   <c:v>1</c:v>
                 </c:pt>
                 <c:pt idx="1">
-                  <c:v>1.9889883210007133</c:v>
+                  <c:v>1.9952168240376327</c:v>
                 </c:pt>
                 <c:pt idx="2">
-                  <c:v>2.9717033950714447</c:v>
+                  <c:v>2.9586869814019634</c:v>
                 </c:pt>
                 <c:pt idx="3">
-                  <c:v>3.8993667393085119</c:v>
+                  <c:v>3.9046985316897005</c:v>
                 </c:pt>
                 <c:pt idx="4">
-                  <c:v>4.7806983764546391</c:v>
+                  <c:v>4.8342450375098505</c:v>
                 </c:pt>
                 <c:pt idx="5">
-                  <c:v>5.7585876837065566</c:v>
+                  <c:v>5.9495765451226204</c:v>
                 </c:pt>
                 <c:pt idx="6">
-                  <c:v>6.5204584438494582</c:v>
+                  <c:v>6.6037676643195278</c:v>
                 </c:pt>
                 <c:pt idx="7">
-                  <c:v>7.1985175665284666</c:v>
+                  <c:v>6.9223704787859051</c:v>
                 </c:pt>
                 <c:pt idx="8">
-                  <c:v>8.3696564425929054</c:v>
+                  <c:v>8.3745288856735929</c:v>
                 </c:pt>
                 <c:pt idx="9">
-                  <c:v>8.4333236785303498</c:v>
+                  <c:v>8.8653900024937045</c:v>
                 </c:pt>
                 <c:pt idx="10">
-                  <c:v>8.6100184532169575</c:v>
+                  <c:v>9.5127359056704712</c:v>
                 </c:pt>
                 <c:pt idx="11">
-                  <c:v>8.6407768970848071</c:v>
+                  <c:v>9.5688813635028787</c:v>
                 </c:pt>
                 <c:pt idx="12">
-                  <c:v>8.695205169195102</c:v>
+                  <c:v>9.5731408025694211</c:v>
                 </c:pt>
                 <c:pt idx="13">
-                  <c:v>9.3746218339215694</c:v>
+                  <c:v>9.8678938700853518</c:v>
                 </c:pt>
                 <c:pt idx="14">
-                  <c:v>9.8055872504669335</c:v>
+                  <c:v>9.9316150792477913</c:v>
                 </c:pt>
                 <c:pt idx="15">
-                  <c:v>10.576918475726364</c:v>
+                  <c:v>10.479129885837819</c:v>
                 </c:pt>
                 <c:pt idx="16">
-                  <c:v>10.604839020275151</c:v>
+                  <c:v>10.526829556437887</c:v>
                 </c:pt>
                 <c:pt idx="17">
-                  <c:v>11.004047569146152</c:v>
+                  <c:v>11.497123497807523</c:v>
                 </c:pt>
                 <c:pt idx="18">
-                  <c:v>11.004047569146152</c:v>
+                  <c:v>11.497123497807523</c:v>
                 </c:pt>
                 <c:pt idx="19">
-                  <c:v>11.404606841452118</c:v>
+                  <c:v>11.603401603007331</c:v>
                 </c:pt>
                 <c:pt idx="20">
-                  <c:v>11.42775925796165</c:v>
+                  <c:v>11.680764617284687</c:v>
                 </c:pt>
                 <c:pt idx="21">
-                  <c:v>11.42775925796165</c:v>
+                  <c:v>11.774165931173052</c:v>
                 </c:pt>
                 <c:pt idx="22">
-                  <c:v>11.42775925796165</c:v>
+                  <c:v>11.774165931173052</c:v>
                 </c:pt>
                 <c:pt idx="23">
-                  <c:v>11.42775925796165</c:v>
+                  <c:v>11.774165931173052</c:v>
                 </c:pt>
                 <c:pt idx="24">
-                  <c:v>11.42775925796165</c:v>
+                  <c:v>11.774165931173052</c:v>
                 </c:pt>
                 <c:pt idx="25">
-                  <c:v>11.42775925796165</c:v>
+                  <c:v>11.774165931173052</c:v>
                 </c:pt>
                 <c:pt idx="26">
-                  <c:v>11.42775925796165</c:v>
+                  <c:v>11.774165931173052</c:v>
                 </c:pt>
                 <c:pt idx="27">
-                  <c:v>11.42775925796165</c:v>
+                  <c:v>11.774165931173052</c:v>
                 </c:pt>
                 <c:pt idx="28">
-                  <c:v>11.42775925796165</c:v>
+                  <c:v>11.774165931173052</c:v>
                 </c:pt>
                 <c:pt idx="29">
-                  <c:v>11.42775925796165</c:v>
+                  <c:v>11.774165931173052</c:v>
                 </c:pt>
                 <c:pt idx="30">
-                  <c:v>11.42775925796165</c:v>
+                  <c:v>11.774165931173052</c:v>
                 </c:pt>
                 <c:pt idx="31">
-                  <c:v>11.42775925796165</c:v>
+                  <c:v>11.774165931173052</c:v>
                 </c:pt>
                 <c:pt idx="32">
-                  <c:v>11.324156455493492</c:v>
+                  <c:v>11.774165931173052</c:v>
                 </c:pt>
                 <c:pt idx="33">
-                  <c:v>11.324156455493492</c:v>
+                  <c:v>11.774165931173052</c:v>
                 </c:pt>
                 <c:pt idx="34">
-                  <c:v>11.324156455493492</c:v>
+                  <c:v>11.774165931173052</c:v>
                 </c:pt>
                 <c:pt idx="35">
-                  <c:v>11.324156455493492</c:v>
+                  <c:v>11.774165931173052</c:v>
                 </c:pt>
                 <c:pt idx="36">
-                  <c:v>11.324156455493492</c:v>
+                  <c:v>11.731373384070636</c:v>
                 </c:pt>
                 <c:pt idx="37">
-                  <c:v>11.324156455493492</c:v>
+                  <c:v>11.731373384070636</c:v>
                 </c:pt>
                 <c:pt idx="38">
-                  <c:v>11.324156455493492</c:v>
+                  <c:v>11.586077950599828</c:v>
                 </c:pt>
                 <c:pt idx="39">
-                  <c:v>11.324156455493492</c:v>
+                  <c:v>11.516446467560124</c:v>
                 </c:pt>
                 <c:pt idx="40">
-                  <c:v>11.324156455493492</c:v>
+                  <c:v>11.516446467560124</c:v>
                 </c:pt>
                 <c:pt idx="41">
-                  <c:v>11.324156455493492</c:v>
+                  <c:v>11.511384176442704</c:v>
                 </c:pt>
                 <c:pt idx="42">
-                  <c:v>11.297466669560833</c:v>
+                  <c:v>11.511384176442704</c:v>
                 </c:pt>
                 <c:pt idx="43">
-                  <c:v>11.297466669560833</c:v>
+                  <c:v>11.511384176442704</c:v>
                 </c:pt>
                 <c:pt idx="44">
-                  <c:v>11.297466669560833</c:v>
+                  <c:v>11.511384176442704</c:v>
                 </c:pt>
                 <c:pt idx="45">
-                  <c:v>11.297466669560833</c:v>
+                  <c:v>11.511384176442704</c:v>
                 </c:pt>
                 <c:pt idx="46">
-                  <c:v>11.297466669560833</c:v>
+                  <c:v>11.505327423209888</c:v>
                 </c:pt>
                 <c:pt idx="47">
-                  <c:v>11.297466669560833</c:v>
+                  <c:v>11.505327423209888</c:v>
                 </c:pt>
                 <c:pt idx="48">
-                  <c:v>11.297466669560833</c:v>
+                  <c:v>11.505327423209888</c:v>
                 </c:pt>
                 <c:pt idx="49">
-                  <c:v>11.297466669560833</c:v>
+                  <c:v>11.505327423209888</c:v>
                 </c:pt>
                 <c:pt idx="50">
-                  <c:v>11.324156455493492</c:v>
+                  <c:v>11.491771650174208</c:v>
                 </c:pt>
                 <c:pt idx="51">
-                  <c:v>11.324156455493492</c:v>
+                  <c:v>11.491771650174208</c:v>
                 </c:pt>
                 <c:pt idx="52">
-                  <c:v>11.392236227756875</c:v>
+                  <c:v>11.491771650174208</c:v>
                 </c:pt>
                 <c:pt idx="53">
-                  <c:v>11.392236227756875</c:v>
+                  <c:v>11.463234436789524</c:v>
                 </c:pt>
                 <c:pt idx="54">
-                  <c:v>11.392236227756875</c:v>
+                  <c:v>11.463234436789524</c:v>
                 </c:pt>
                 <c:pt idx="55">
-                  <c:v>11.392236227756875</c:v>
+                  <c:v>11.463234436789524</c:v>
                 </c:pt>
                 <c:pt idx="56">
-                  <c:v>11.392236227756875</c:v>
+                  <c:v>11.42142707760409</c:v>
                 </c:pt>
                 <c:pt idx="57">
-                  <c:v>11.392236227756875</c:v>
+                  <c:v>11.42142707760409</c:v>
                 </c:pt>
                 <c:pt idx="58">
-                  <c:v>11.392236227756875</c:v>
+                  <c:v>11.42142707760409</c:v>
                 </c:pt>
                 <c:pt idx="59">
-                  <c:v>11.392236227756875</c:v>
+                  <c:v>11.42142707760409</c:v>
                 </c:pt>
                 <c:pt idx="60">
-                  <c:v>11.392236227756875</c:v>
+                  <c:v>11.42142707760409</c:v>
                 </c:pt>
                 <c:pt idx="61">
-                  <c:v>11.392236227756875</c:v>
+                  <c:v>11.379039848854077</c:v>
                 </c:pt>
                 <c:pt idx="62">
-                  <c:v>11.392236227756875</c:v>
+                  <c:v>11.376986264125739</c:v>
                 </c:pt>
                 <c:pt idx="63">
-                  <c:v>11.392236227756875</c:v>
+                  <c:v>11.345243709242343</c:v>
                 </c:pt>
                 <c:pt idx="64">
-                  <c:v>11.392236227756875</c:v>
+                  <c:v>11.345243709242343</c:v>
                 </c:pt>
                 <c:pt idx="65">
-                  <c:v>11.392236227756875</c:v>
+                  <c:v>11.283366019042344</c:v>
                 </c:pt>
                 <c:pt idx="66">
-                  <c:v>11.392236227756875</c:v>
+                  <c:v>11.283366019042344</c:v>
                 </c:pt>
                 <c:pt idx="67">
-                  <c:v>11.392236227756875</c:v>
+                  <c:v>11.209729817755589</c:v>
                 </c:pt>
                 <c:pt idx="68">
-                  <c:v>11.392236227756875</c:v>
+                  <c:v>11.18577264310818</c:v>
                 </c:pt>
                 <c:pt idx="69">
-                  <c:v>11.392236227756875</c:v>
+                  <c:v>11.164754871776125</c:v>
                 </c:pt>
                 <c:pt idx="70">
-                  <c:v>11.392236227756875</c:v>
+                  <c:v>11.12502446540373</c:v>
                 </c:pt>
                 <c:pt idx="71">
-                  <c:v>11.392236227756875</c:v>
+                  <c:v>11.12502446540373</c:v>
                 </c:pt>
                 <c:pt idx="72">
-                  <c:v>11.190608877803317</c:v>
+                  <c:v>11.12502446540373</c:v>
                 </c:pt>
                 <c:pt idx="73">
-                  <c:v>10.962835887485248</c:v>
+                  <c:v>11.12502446540373</c:v>
                 </c:pt>
                 <c:pt idx="74">
-                  <c:v>10.962835887485248</c:v>
+                  <c:v>11.12502446540373</c:v>
                 </c:pt>
                 <c:pt idx="75">
-                  <c:v>10.962835887485248</c:v>
+                  <c:v>11.12502446540373</c:v>
                 </c:pt>
                 <c:pt idx="76">
-                  <c:v>10.962835887485248</c:v>
+                  <c:v>11.12502446540373</c:v>
                 </c:pt>
                 <c:pt idx="77">
-                  <c:v>10.962835887485248</c:v>
+                  <c:v>11.120317585327177</c:v>
                 </c:pt>
                 <c:pt idx="78">
-                  <c:v>10.962835887485248</c:v>
+                  <c:v>11.120317585327177</c:v>
                 </c:pt>
                 <c:pt idx="79">
-                  <c:v>10.962835887485248</c:v>
+                  <c:v>11.120317585327177</c:v>
                 </c:pt>
                 <c:pt idx="80">
-                  <c:v>10.954130795369533</c:v>
+                  <c:v>11.120317585327177</c:v>
                 </c:pt>
                 <c:pt idx="81">
-                  <c:v>10.935527703264093</c:v>
+                  <c:v>11.058817169010863</c:v>
                 </c:pt>
                 <c:pt idx="82">
-                  <c:v>10.935527703264093</c:v>
+                  <c:v>11.058817169010863</c:v>
                 </c:pt>
                 <c:pt idx="83">
-                  <c:v>10.935527703264093</c:v>
+                  <c:v>11.058817169010863</c:v>
                 </c:pt>
                 <c:pt idx="84">
-                  <c:v>10.935527703264093</c:v>
+                  <c:v>11.056703092878189</c:v>
                 </c:pt>
                 <c:pt idx="85">
-                  <c:v>10.935527703264093</c:v>
+                  <c:v>11.056703092878189</c:v>
                 </c:pt>
                 <c:pt idx="86">
-                  <c:v>10.895224063800729</c:v>
+                  <c:v>11.056703092878189</c:v>
                 </c:pt>
                 <c:pt idx="87">
-                  <c:v>10.895224063800729</c:v>
+                  <c:v>11.054711635505839</c:v>
                 </c:pt>
                 <c:pt idx="88">
-                  <c:v>10.895224063800729</c:v>
+                  <c:v>11.054711635505839</c:v>
                 </c:pt>
                 <c:pt idx="89">
-                  <c:v>10.895224063800729</c:v>
+                  <c:v>11.054711635505839</c:v>
                 </c:pt>
                 <c:pt idx="90">
-                  <c:v>10.895224063800729</c:v>
+                  <c:v>11.054711635505839</c:v>
                 </c:pt>
                 <c:pt idx="91">
-                  <c:v>10.895224063800729</c:v>
+                  <c:v>11.054711635505839</c:v>
                 </c:pt>
                 <c:pt idx="92">
-                  <c:v>10.895224063800729</c:v>
+                  <c:v>11.054711635505839</c:v>
                 </c:pt>
                 <c:pt idx="93">
-                  <c:v>10.777115777319638</c:v>
+                  <c:v>11.054711635505839</c:v>
                 </c:pt>
                 <c:pt idx="94">
-                  <c:v>10.777115777319638</c:v>
+                  <c:v>11.044796987907819</c:v>
                 </c:pt>
                 <c:pt idx="95">
-                  <c:v>10.777115777319638</c:v>
+                  <c:v>11.044796987907819</c:v>
                 </c:pt>
                 <c:pt idx="96">
-                  <c:v>10.777115777319638</c:v>
+                  <c:v>11.044796987907819</c:v>
                 </c:pt>
                 <c:pt idx="97">
-                  <c:v>10.777115777319638</c:v>
+                  <c:v>11.044796987907819</c:v>
                 </c:pt>
                 <c:pt idx="98">
-                  <c:v>10.777115777319638</c:v>
+                  <c:v>11.044796987907819</c:v>
                 </c:pt>
                 <c:pt idx="99">
-                  <c:v>10.777115777319638</c:v>
+                  <c:v>11.044796987907819</c:v>
                 </c:pt>
                 <c:pt idx="100">
-                  <c:v>10.777115777319638</c:v>
+                  <c:v>11.044796987907819</c:v>
                 </c:pt>
                 <c:pt idx="101">
-                  <c:v>10.777115777319638</c:v>
+                  <c:v>11.044796987907819</c:v>
                 </c:pt>
                 <c:pt idx="102">
-                  <c:v>10.747477223942431</c:v>
+                  <c:v>11.044796987907819</c:v>
                 </c:pt>
                 <c:pt idx="103">
-                  <c:v>10.747477223942431</c:v>
+                  <c:v>11.044796987907819</c:v>
                 </c:pt>
                 <c:pt idx="104">
-                  <c:v>10.747477223942431</c:v>
+                  <c:v>11.044796987907819</c:v>
                 </c:pt>
                 <c:pt idx="105">
-                  <c:v>10.747477223942431</c:v>
+                  <c:v>11.044796987907819</c:v>
                 </c:pt>
                 <c:pt idx="106">
-                  <c:v>10.728547118467771</c:v>
+                  <c:v>11.044796987907819</c:v>
                 </c:pt>
                 <c:pt idx="107">
-                  <c:v>10.728547118467771</c:v>
+                  <c:v>11.044796987907819</c:v>
                 </c:pt>
                 <c:pt idx="108">
-                  <c:v>10.728547118467771</c:v>
+                  <c:v>11.044796987907819</c:v>
                 </c:pt>
                 <c:pt idx="109">
-                  <c:v>10.728547118467771</c:v>
+                  <c:v>11.100490315650648</c:v>
                 </c:pt>
                 <c:pt idx="110">
-                  <c:v>10.728547118467771</c:v>
+                  <c:v>11.109424537098253</c:v>
                 </c:pt>
                 <c:pt idx="111">
-                  <c:v>10.728547118467771</c:v>
+                  <c:v>11.109424537098253</c:v>
                 </c:pt>
                 <c:pt idx="112">
-                  <c:v>10.728547118467771</c:v>
+                  <c:v>11.118373151533136</c:v>
                 </c:pt>
                 <c:pt idx="113">
-                  <c:v>10.728547118467771</c:v>
+                  <c:v>11.118373151533136</c:v>
                 </c:pt>
                 <c:pt idx="114">
-                  <c:v>10.728547118467771</c:v>
+                  <c:v>11.118373151533136</c:v>
                 </c:pt>
                 <c:pt idx="115">
-                  <c:v>10.728547118467771</c:v>
+                  <c:v>11.118373151533136</c:v>
                 </c:pt>
                 <c:pt idx="116">
-                  <c:v>10.728547118467771</c:v>
+                  <c:v>11.118373151533136</c:v>
                 </c:pt>
                 <c:pt idx="117">
-                  <c:v>10.728547118467771</c:v>
+                  <c:v>11.118373151533136</c:v>
                 </c:pt>
                 <c:pt idx="118">
-                  <c:v>10.728547118467771</c:v>
+                  <c:v>11.118373151533136</c:v>
                 </c:pt>
               </c:numCache>
             </c:numRef>
@@ -1735,7 +1735,7 @@
           <c:smooth val="1"/>
           <c:extLst>
             <c:ext xmlns:c16="http://schemas.microsoft.com/office/drawing/2014/chart" uri="{C3380CC4-5D6E-409C-BE32-E72D297353CC}">
-              <c16:uniqueId val="{00000001-4F27-4046-BCC7-21545A147DBF}"/>
+              <c16:uniqueId val="{00000001-1D74-4092-8677-96B134C0F8A3}"/>
             </c:ext>
           </c:extLst>
         </c:ser>
@@ -2676,361 +2676,361 @@
                 <c:formatCode>General</c:formatCode>
                 <c:ptCount val="119"/>
                 <c:pt idx="0">
-                  <c:v>300.50826065850003</c:v>
+                  <c:v>323.81729331299999</c:v>
                 </c:pt>
                 <c:pt idx="1">
-                  <c:v>151.164007731</c:v>
+                  <c:v>162.934595395</c:v>
                 </c:pt>
                 <c:pt idx="2">
-                  <c:v>103.11944396999999</c:v>
+                  <c:v>111.367189169</c:v>
                 </c:pt>
                 <c:pt idx="3">
-                  <c:v>76.616317589499999</c:v>
+                  <c:v>82.585906559999998</c:v>
                 </c:pt>
                 <c:pt idx="4">
-                  <c:v>63.169826529999995</c:v>
+                  <c:v>68.682507201999996</c:v>
                 </c:pt>
                 <c:pt idx="5">
-                  <c:v>54.431947010999998</c:v>
+                  <c:v>59.989342114999999</c:v>
                 </c:pt>
                 <c:pt idx="6">
-                  <c:v>47.942036490500001</c:v>
+                  <c:v>52.737536695999999</c:v>
                 </c:pt>
                 <c:pt idx="7">
-                  <c:v>43.915567938999999</c:v>
+                  <c:v>47.708707240000003</c:v>
                 </c:pt>
                 <c:pt idx="8">
-                  <c:v>40.515100193500004</c:v>
+                  <c:v>41.907269556000003</c:v>
                 </c:pt>
                 <c:pt idx="9">
-                  <c:v>35.175210186500003</c:v>
+                  <c:v>36.676929379000001</c:v>
                 </c:pt>
                 <c:pt idx="10">
-                  <c:v>32.502404115499999</c:v>
+                  <c:v>35.392892207999999</c:v>
                 </c:pt>
                 <c:pt idx="11">
-                  <c:v>32.022716532499999</c:v>
+                  <c:v>33.793015439999998</c:v>
                 </c:pt>
                 <c:pt idx="12">
-                  <c:v>31.961212771</c:v>
+                  <c:v>32.325583504000001</c:v>
                 </c:pt>
                 <c:pt idx="13">
-                  <c:v>28.506106183</c:v>
+                  <c:v>29.470759049000002</c:v>
                 </c:pt>
                 <c:pt idx="14">
-                  <c:v>26.020204775</c:v>
+                  <c:v>28.781763632000001</c:v>
                 </c:pt>
                 <c:pt idx="15">
-                  <c:v>26.010249202499999</c:v>
+                  <c:v>27.650841572000001</c:v>
                 </c:pt>
                 <c:pt idx="16">
-                  <c:v>26.0077036725</c:v>
+                  <c:v>27.561464427000001</c:v>
                 </c:pt>
                 <c:pt idx="17">
-                  <c:v>25.855403992500001</c:v>
+                  <c:v>27.335991570000001</c:v>
                 </c:pt>
                 <c:pt idx="18">
-                  <c:v>25.772394832499998</c:v>
+                  <c:v>27.219548612000001</c:v>
                 </c:pt>
                 <c:pt idx="19">
-                  <c:v>25.752937422999999</c:v>
+                  <c:v>27.211449420000001</c:v>
                 </c:pt>
                 <c:pt idx="20">
-                  <c:v>25.752937422999999</c:v>
+                  <c:v>27.184788944000001</c:v>
                 </c:pt>
                 <c:pt idx="21">
-                  <c:v>25.645633959999998</c:v>
+                  <c:v>27.184788944000001</c:v>
                 </c:pt>
                 <c:pt idx="22">
-                  <c:v>25.595673571500001</c:v>
+                  <c:v>27.060963343000001</c:v>
                 </c:pt>
                 <c:pt idx="23">
-                  <c:v>25.595673571500001</c:v>
+                  <c:v>26.490182777000001</c:v>
                 </c:pt>
                 <c:pt idx="24">
-                  <c:v>25.645633959999998</c:v>
+                  <c:v>26.490182777000001</c:v>
                 </c:pt>
                 <c:pt idx="25">
-                  <c:v>25.645633959999998</c:v>
+                  <c:v>26.490182777000001</c:v>
                 </c:pt>
                 <c:pt idx="26">
-                  <c:v>25.752937422999999</c:v>
+                  <c:v>26.868720308</c:v>
                 </c:pt>
                 <c:pt idx="27">
-                  <c:v>25.752937422999999</c:v>
+                  <c:v>26.868720308</c:v>
                 </c:pt>
                 <c:pt idx="28">
-                  <c:v>25.703174675500001</c:v>
+                  <c:v>26.837558058999999</c:v>
                 </c:pt>
                 <c:pt idx="29">
-                  <c:v>25.4094279535</c:v>
+                  <c:v>26.490182777000001</c:v>
                 </c:pt>
                 <c:pt idx="30">
-                  <c:v>25.344972677500003</c:v>
+                  <c:v>25.990474836000001</c:v>
                 </c:pt>
                 <c:pt idx="31">
-                  <c:v>25.4094279535</c:v>
+                  <c:v>26.490182777000001</c:v>
                 </c:pt>
                 <c:pt idx="32">
-                  <c:v>25.660000526000001</c:v>
+                  <c:v>26.837558058999999</c:v>
                 </c:pt>
                 <c:pt idx="33">
-                  <c:v>25.4094279535</c:v>
+                  <c:v>26.490182777000001</c:v>
                 </c:pt>
                 <c:pt idx="34">
-                  <c:v>25.4094279535</c:v>
+                  <c:v>26.490182777000001</c:v>
                 </c:pt>
                 <c:pt idx="35">
-                  <c:v>25.4094279535</c:v>
+                  <c:v>26.490182777000001</c:v>
                 </c:pt>
                 <c:pt idx="36">
-                  <c:v>25.660000526000001</c:v>
+                  <c:v>26.837558058999999</c:v>
                 </c:pt>
                 <c:pt idx="37">
-                  <c:v>25.703174675500001</c:v>
+                  <c:v>26.868720308</c:v>
                 </c:pt>
                 <c:pt idx="38">
-                  <c:v>25.703174675500001</c:v>
+                  <c:v>26.868720308</c:v>
                 </c:pt>
                 <c:pt idx="39">
-                  <c:v>25.703174675500001</c:v>
+                  <c:v>26.837558058999999</c:v>
                 </c:pt>
                 <c:pt idx="40">
-                  <c:v>25.703174675500001</c:v>
+                  <c:v>26.786893713000001</c:v>
                 </c:pt>
                 <c:pt idx="41">
-                  <c:v>25.758147024499998</c:v>
+                  <c:v>26.786893713000001</c:v>
                 </c:pt>
                 <c:pt idx="42">
-                  <c:v>25.758147024499998</c:v>
+                  <c:v>26.786893713000001</c:v>
                 </c:pt>
                 <c:pt idx="43">
-                  <c:v>25.703174675500001</c:v>
+                  <c:v>26.677815362</c:v>
                 </c:pt>
                 <c:pt idx="44">
-                  <c:v>25.660000526000001</c:v>
+                  <c:v>25.913150312999999</c:v>
                 </c:pt>
                 <c:pt idx="45">
-                  <c:v>25.641455299</c:v>
+                  <c:v>25.913150312999999</c:v>
                 </c:pt>
                 <c:pt idx="46">
-                  <c:v>25.660000526000001</c:v>
+                  <c:v>26.677815362</c:v>
                 </c:pt>
                 <c:pt idx="47">
-                  <c:v>25.660000526000001</c:v>
+                  <c:v>26.677815362</c:v>
                 </c:pt>
                 <c:pt idx="48">
-                  <c:v>25.660000526000001</c:v>
+                  <c:v>26.677815362</c:v>
                 </c:pt>
                 <c:pt idx="49">
-                  <c:v>25.660000526000001</c:v>
+                  <c:v>26.677815362</c:v>
                 </c:pt>
                 <c:pt idx="50">
-                  <c:v>25.645591656000001</c:v>
+                  <c:v>26.379415546000001</c:v>
                 </c:pt>
                 <c:pt idx="51">
-                  <c:v>25.645591656000001</c:v>
+                  <c:v>26.379415546000001</c:v>
                 </c:pt>
                 <c:pt idx="52">
-                  <c:v>25.758147024499998</c:v>
+                  <c:v>26.677815362</c:v>
                 </c:pt>
                 <c:pt idx="53">
-                  <c:v>25.758147024499998</c:v>
+                  <c:v>26.677815362</c:v>
                 </c:pt>
                 <c:pt idx="54">
-                  <c:v>25.758147024499998</c:v>
+                  <c:v>26.379415546000001</c:v>
                 </c:pt>
                 <c:pt idx="55">
-                  <c:v>25.645591656000001</c:v>
+                  <c:v>26.064098649999998</c:v>
                 </c:pt>
                 <c:pt idx="56">
-                  <c:v>25.641455299</c:v>
+                  <c:v>25.913150312999999</c:v>
                 </c:pt>
                 <c:pt idx="57">
-                  <c:v>25.630700910000002</c:v>
+                  <c:v>25.858293249999999</c:v>
                 </c:pt>
                 <c:pt idx="58">
-                  <c:v>25.415092520999998</c:v>
+                  <c:v>25.858293249999999</c:v>
                 </c:pt>
                 <c:pt idx="59">
-                  <c:v>25.630700910000002</c:v>
+                  <c:v>26.064098649999998</c:v>
                 </c:pt>
                 <c:pt idx="60">
-                  <c:v>25.415092520999998</c:v>
+                  <c:v>26.064098649999998</c:v>
                 </c:pt>
                 <c:pt idx="61">
-                  <c:v>25.415092520999998</c:v>
+                  <c:v>26.379415546000001</c:v>
                 </c:pt>
                 <c:pt idx="62">
-                  <c:v>25.630700910000002</c:v>
+                  <c:v>26.815124948000001</c:v>
                 </c:pt>
                 <c:pt idx="63">
-                  <c:v>25.630700910000002</c:v>
+                  <c:v>26.815124948000001</c:v>
                 </c:pt>
                 <c:pt idx="64">
-                  <c:v>25.645591656000001</c:v>
+                  <c:v>26.815124948000001</c:v>
                 </c:pt>
                 <c:pt idx="65">
-                  <c:v>25.645591656000001</c:v>
+                  <c:v>26.815124948000001</c:v>
                 </c:pt>
                 <c:pt idx="66">
-                  <c:v>25.630700910000002</c:v>
+                  <c:v>26.379415546000001</c:v>
                 </c:pt>
                 <c:pt idx="67">
-                  <c:v>25.630700910000002</c:v>
+                  <c:v>26.379415546000001</c:v>
                 </c:pt>
                 <c:pt idx="68">
-                  <c:v>25.645591656000001</c:v>
+                  <c:v>26.698825500000002</c:v>
                 </c:pt>
                 <c:pt idx="69">
-                  <c:v>25.630700910000002</c:v>
+                  <c:v>26.698825500000002</c:v>
                 </c:pt>
                 <c:pt idx="70">
-                  <c:v>24.410560435000001</c:v>
+                  <c:v>25.854151341000001</c:v>
                 </c:pt>
                 <c:pt idx="71">
-                  <c:v>24.410560435000001</c:v>
+                  <c:v>25.854151341000001</c:v>
                 </c:pt>
                 <c:pt idx="72">
-                  <c:v>24.410560435000001</c:v>
+                  <c:v>25.854151341000001</c:v>
                 </c:pt>
                 <c:pt idx="73">
-                  <c:v>24.284436863499998</c:v>
+                  <c:v>25.818305160000001</c:v>
                 </c:pt>
                 <c:pt idx="74">
-                  <c:v>24.410560435000001</c:v>
+                  <c:v>26.677811287000001</c:v>
                 </c:pt>
                 <c:pt idx="75">
-                  <c:v>24.410560435000001</c:v>
+                  <c:v>26.677811287000001</c:v>
                 </c:pt>
                 <c:pt idx="76">
-                  <c:v>24.410560435000001</c:v>
+                  <c:v>26.677811287000001</c:v>
                 </c:pt>
                 <c:pt idx="77">
-                  <c:v>24.575614462499999</c:v>
+                  <c:v>26.307680804</c:v>
                 </c:pt>
                 <c:pt idx="78">
-                  <c:v>24.410560435000001</c:v>
+                  <c:v>25.229765326999999</c:v>
                 </c:pt>
                 <c:pt idx="79">
-                  <c:v>24.575614462499999</c:v>
+                  <c:v>25.229765326999999</c:v>
                 </c:pt>
                 <c:pt idx="80">
-                  <c:v>24.575614462499999</c:v>
+                  <c:v>25.229765326999999</c:v>
                 </c:pt>
                 <c:pt idx="81">
-                  <c:v>24.575614462499999</c:v>
+                  <c:v>25.229765326999999</c:v>
                 </c:pt>
                 <c:pt idx="82">
-                  <c:v>24.575614462499999</c:v>
+                  <c:v>25.229765326999999</c:v>
                 </c:pt>
                 <c:pt idx="83">
-                  <c:v>24.575614462499999</c:v>
+                  <c:v>25.229765326999999</c:v>
                 </c:pt>
                 <c:pt idx="84">
-                  <c:v>24.575614462499999</c:v>
+                  <c:v>25.114602950999998</c:v>
                 </c:pt>
                 <c:pt idx="85">
-                  <c:v>24.931816794</c:v>
+                  <c:v>25.229765326999999</c:v>
                 </c:pt>
                 <c:pt idx="86">
-                  <c:v>24.931816794</c:v>
+                  <c:v>25.229765326999999</c:v>
                 </c:pt>
                 <c:pt idx="87">
-                  <c:v>24.575614462499999</c:v>
+                  <c:v>25.098296050999998</c:v>
                 </c:pt>
                 <c:pt idx="88">
-                  <c:v>24.931816794</c:v>
+                  <c:v>25.150818268999998</c:v>
                 </c:pt>
                 <c:pt idx="89">
-                  <c:v>24.931816794</c:v>
+                  <c:v>25.229765326999999</c:v>
                 </c:pt>
                 <c:pt idx="90">
-                  <c:v>24.575614462499999</c:v>
+                  <c:v>25.150818268999998</c:v>
                 </c:pt>
                 <c:pt idx="91">
-                  <c:v>24.931816794</c:v>
+                  <c:v>25.229765326999999</c:v>
                 </c:pt>
                 <c:pt idx="92">
-                  <c:v>25.001336575499998</c:v>
+                  <c:v>26.307680804</c:v>
                 </c:pt>
                 <c:pt idx="93">
-                  <c:v>24.931816794</c:v>
+                  <c:v>25.229765326999999</c:v>
                 </c:pt>
                 <c:pt idx="94">
-                  <c:v>25.001336575499998</c:v>
+                  <c:v>26.307680804</c:v>
                 </c:pt>
                 <c:pt idx="95">
-                  <c:v>25.601473281000001</c:v>
+                  <c:v>26.358944753999999</c:v>
                 </c:pt>
                 <c:pt idx="96">
-                  <c:v>25.633842663499998</c:v>
+                  <c:v>26.377840857999999</c:v>
                 </c:pt>
                 <c:pt idx="97">
-                  <c:v>25.6847106775</c:v>
+                  <c:v>26.410768965999999</c:v>
                 </c:pt>
                 <c:pt idx="98">
-                  <c:v>25.633842663499998</c:v>
+                  <c:v>26.377840857999999</c:v>
                 </c:pt>
                 <c:pt idx="99">
-                  <c:v>25.633842663499998</c:v>
+                  <c:v>26.377840857999999</c:v>
                 </c:pt>
                 <c:pt idx="100">
-                  <c:v>25.633842663499998</c:v>
+                  <c:v>26.377840857999999</c:v>
                 </c:pt>
                 <c:pt idx="101">
-                  <c:v>25.633842663499998</c:v>
+                  <c:v>26.377840857999999</c:v>
                 </c:pt>
                 <c:pt idx="102">
-                  <c:v>25.485130754499998</c:v>
+                  <c:v>26.358944753999999</c:v>
                 </c:pt>
                 <c:pt idx="103">
-                  <c:v>25.633842663499998</c:v>
+                  <c:v>26.377840857999999</c:v>
                 </c:pt>
                 <c:pt idx="104">
-                  <c:v>25.485130754499998</c:v>
+                  <c:v>26.358944753999999</c:v>
                 </c:pt>
                 <c:pt idx="105">
-                  <c:v>25.485130754499998</c:v>
+                  <c:v>26.358944753999999</c:v>
                 </c:pt>
                 <c:pt idx="106">
-                  <c:v>25.485130754499998</c:v>
+                  <c:v>26.358944753999999</c:v>
                 </c:pt>
                 <c:pt idx="107">
-                  <c:v>25.485130754499998</c:v>
+                  <c:v>26.358944753999999</c:v>
                 </c:pt>
                 <c:pt idx="108">
-                  <c:v>25.485130754499998</c:v>
+                  <c:v>25.993446990999999</c:v>
                 </c:pt>
                 <c:pt idx="109">
-                  <c:v>25.633842663499998</c:v>
+                  <c:v>26.358944753999999</c:v>
                 </c:pt>
                 <c:pt idx="110">
-                  <c:v>25.584920715999999</c:v>
+                  <c:v>26.176195872499999</c:v>
                 </c:pt>
                 <c:pt idx="111">
-                  <c:v>25.485130754499998</c:v>
+                  <c:v>25.993446990999999</c:v>
                 </c:pt>
                 <c:pt idx="112">
-                  <c:v>25.584920715999999</c:v>
+                  <c:v>26.176195872499999</c:v>
                 </c:pt>
                 <c:pt idx="113">
-                  <c:v>25.485130754499998</c:v>
+                  <c:v>25.993446990999999</c:v>
                 </c:pt>
                 <c:pt idx="114">
-                  <c:v>25.179172133750001</c:v>
+                  <c:v>25.462384727</c:v>
                 </c:pt>
                 <c:pt idx="115">
-                  <c:v>24.873213513</c:v>
+                  <c:v>24.931322463000001</c:v>
                 </c:pt>
                 <c:pt idx="116">
-                  <c:v>24.786447620750003</c:v>
+                  <c:v>24.929182951000001</c:v>
                 </c:pt>
                 <c:pt idx="117">
-                  <c:v>24.873213513</c:v>
+                  <c:v>24.931322463000001</c:v>
                 </c:pt>
                 <c:pt idx="118">
-                  <c:v>24.786447620750003</c:v>
+                  <c:v>24.929182951000001</c:v>
                 </c:pt>
               </c:numCache>
             </c:numRef>
@@ -3038,7 +3038,7 @@
           <c:smooth val="1"/>
           <c:extLst>
             <c:ext xmlns:c16="http://schemas.microsoft.com/office/drawing/2014/chart" uri="{C3380CC4-5D6E-409C-BE32-E72D297353CC}">
-              <c16:uniqueId val="{00000000-D753-4DAA-BC73-3A85D1BC982D}"/>
+              <c16:uniqueId val="{00000000-E112-4F2D-B4AE-80D1C201FBD7}"/>
             </c:ext>
           </c:extLst>
         </c:ser>
@@ -3458,358 +3458,358 @@
                   <c:v>1</c:v>
                 </c:pt>
                 <c:pt idx="1">
-                  <c:v>1.9879617189910825</c:v>
+                  <c:v>1.9874066187599655</c:v>
                 </c:pt>
                 <c:pt idx="2">
-                  <c:v>2.9141765033753027</c:v>
+                  <c:v>2.9076543614799006</c:v>
                 </c:pt>
                 <c:pt idx="3">
-                  <c:v>3.9222488121731871</c:v>
+                  <c:v>3.9209752220585177</c:v>
                 </c:pt>
                 <c:pt idx="4">
-                  <c:v>4.7571487396088639</c:v>
+                  <c:v>4.7146982034396467</c:v>
                 </c:pt>
                 <c:pt idx="5">
-                  <c:v>5.5208067533900849</c:v>
+                  <c:v>5.3979137276124805</c:v>
                 </c:pt>
                 <c:pt idx="6">
-                  <c:v>6.2681580228250739</c:v>
+                  <c:v>6.1401672053742447</c:v>
                 </c:pt>
                 <c:pt idx="7">
-                  <c:v>6.8428640402855487</c:v>
+                  <c:v>6.7873835206648536</c:v>
                 </c:pt>
                 <c:pt idx="8">
-                  <c:v>7.4171915958068331</c:v>
+                  <c:v>7.7269957394930779</c:v>
                 </c:pt>
                 <c:pt idx="9">
-                  <c:v>8.5431830844846797</c:v>
+                  <c:v>8.8289095841923757</c:v>
                 </c:pt>
                 <c:pt idx="10">
-                  <c:v>9.245724088304943</c:v>
+                  <c:v>9.1492181935842538</c:v>
                 </c:pt>
                 <c:pt idx="11">
-                  <c:v>9.384221365277142</c:v>
+                  <c:v>9.5823734312181283</c:v>
                 </c:pt>
                 <c:pt idx="12">
-                  <c:v>9.4022796572715208</c:v>
+                  <c:v>10.017368851916642</c:v>
                 </c:pt>
                 <c:pt idx="13">
-                  <c:v>10.541890875215786</c:v>
+                  <c:v>10.987748662143391</c:v>
                 </c:pt>
                 <c:pt idx="14">
-                  <c:v>11.549035192345062</c:v>
+                  <c:v>11.250780093023035</c:v>
                 </c:pt>
                 <c:pt idx="15">
-                  <c:v>11.553455651997998</c:v>
+                  <c:v>11.710938072890565</c:v>
                 </c:pt>
                 <c:pt idx="16">
-                  <c:v>11.554586458021326</c:v>
+                  <c:v>11.74891465475903</c:v>
                 </c:pt>
                 <c:pt idx="17">
-                  <c:v>11.622648044705466</c:v>
+                  <c:v>11.845822109060594</c:v>
                 </c:pt>
                 <c:pt idx="18">
-                  <c:v>11.660082914745173</c:v>
+                  <c:v>11.896497547730899</c:v>
                 </c:pt>
                 <c:pt idx="19">
-                  <c:v>11.668892589709612</c:v>
+                  <c:v>11.900038410853602</c:v>
                 </c:pt>
                 <c:pt idx="20">
-                  <c:v>11.668892589709612</c:v>
+                  <c:v>11.911708933258804</c:v>
                 </c:pt>
                 <c:pt idx="21">
-                  <c:v>11.668892589709612</c:v>
+                  <c:v>11.911708933258804</c:v>
                 </c:pt>
                 <c:pt idx="22">
-                  <c:v>11.668892589709612</c:v>
+                  <c:v>11.966214550775167</c:v>
                 </c:pt>
                 <c:pt idx="23">
-                  <c:v>11.691484201947294</c:v>
+                  <c:v>12.05183163176496</c:v>
                 </c:pt>
                 <c:pt idx="24">
-                  <c:v>11.711155670242874</c:v>
+                  <c:v>12.05183163176496</c:v>
                 </c:pt>
                 <c:pt idx="25">
-                  <c:v>11.711155670242874</c:v>
+                  <c:v>12.065825534540672</c:v>
                 </c:pt>
                 <c:pt idx="26">
-                  <c:v>11.711155670242874</c:v>
+                  <c:v>12.065825534540672</c:v>
                 </c:pt>
                 <c:pt idx="27">
-                  <c:v>11.711155670242874</c:v>
+                  <c:v>12.065825534540672</c:v>
                 </c:pt>
                 <c:pt idx="28">
-                  <c:v>11.711155670242874</c:v>
+                  <c:v>12.065825534540672</c:v>
                 </c:pt>
                 <c:pt idx="29">
-                  <c:v>11.711155670242874</c:v>
+                  <c:v>12.065825534540672</c:v>
                 </c:pt>
                 <c:pt idx="30">
-                  <c:v>11.711155670242874</c:v>
+                  <c:v>12.065825534540672</c:v>
                 </c:pt>
                 <c:pt idx="31">
-                  <c:v>11.711155670242874</c:v>
+                  <c:v>12.088646663642361</c:v>
                 </c:pt>
                 <c:pt idx="32">
-                  <c:v>11.711155670242874</c:v>
+                  <c:v>12.088646663642361</c:v>
                 </c:pt>
                 <c:pt idx="33">
-                  <c:v>11.711155670242874</c:v>
+                  <c:v>12.088646663642361</c:v>
                 </c:pt>
                 <c:pt idx="34">
-                  <c:v>11.711155670242874</c:v>
+                  <c:v>12.138073860959649</c:v>
                 </c:pt>
                 <c:pt idx="35">
-                  <c:v>11.711155670242874</c:v>
+                  <c:v>12.138073860959649</c:v>
                 </c:pt>
                 <c:pt idx="36">
-                  <c:v>11.711155670242874</c:v>
+                  <c:v>12.138073860959649</c:v>
                 </c:pt>
                 <c:pt idx="37">
-                  <c:v>11.711155670242874</c:v>
+                  <c:v>12.138073860959649</c:v>
                 </c:pt>
                 <c:pt idx="38">
-                  <c:v>11.711155670242874</c:v>
+                  <c:v>12.138073860959649</c:v>
                 </c:pt>
                 <c:pt idx="39">
-                  <c:v>11.711155670242874</c:v>
+                  <c:v>12.138073860959649</c:v>
                 </c:pt>
                 <c:pt idx="40">
-                  <c:v>11.711155670242874</c:v>
+                  <c:v>12.138073860959649</c:v>
                 </c:pt>
                 <c:pt idx="41">
-                  <c:v>11.711155670242874</c:v>
+                  <c:v>12.138073860959649</c:v>
                 </c:pt>
                 <c:pt idx="42">
-                  <c:v>11.711155670242874</c:v>
+                  <c:v>12.138073860959649</c:v>
                 </c:pt>
                 <c:pt idx="43">
-                  <c:v>11.711155670242874</c:v>
+                  <c:v>12.138073860959649</c:v>
                 </c:pt>
                 <c:pt idx="44">
-                  <c:v>11.711155670242874</c:v>
+                  <c:v>12.138073860959649</c:v>
                 </c:pt>
                 <c:pt idx="45">
-                  <c:v>11.711155670242874</c:v>
+                  <c:v>12.138073860959649</c:v>
                 </c:pt>
                 <c:pt idx="46">
-                  <c:v>11.711155670242874</c:v>
+                  <c:v>12.138073860959649</c:v>
                 </c:pt>
                 <c:pt idx="47">
-                  <c:v>11.711155670242874</c:v>
+                  <c:v>12.138073860959649</c:v>
                 </c:pt>
                 <c:pt idx="48">
-                  <c:v>11.711155670242874</c:v>
+                  <c:v>12.138073860959649</c:v>
                 </c:pt>
                 <c:pt idx="49">
-                  <c:v>11.711155670242874</c:v>
+                  <c:v>12.138073860959649</c:v>
                 </c:pt>
                 <c:pt idx="50">
-                  <c:v>11.711155670242874</c:v>
+                  <c:v>12.275377850897895</c:v>
                 </c:pt>
                 <c:pt idx="51">
-                  <c:v>11.711155670242874</c:v>
+                  <c:v>12.275377850897895</c:v>
                 </c:pt>
                 <c:pt idx="52">
-                  <c:v>11.717735534800719</c:v>
+                  <c:v>12.275377850897895</c:v>
                 </c:pt>
                 <c:pt idx="53">
-                  <c:v>11.717735534800719</c:v>
+                  <c:v>12.275377850897895</c:v>
                 </c:pt>
                 <c:pt idx="54">
-                  <c:v>11.717735534800719</c:v>
+                  <c:v>12.275377850897895</c:v>
                 </c:pt>
                 <c:pt idx="55">
-                  <c:v>11.717735534800719</c:v>
+                  <c:v>12.275377850897895</c:v>
                 </c:pt>
                 <c:pt idx="56">
-                  <c:v>11.717735534800719</c:v>
+                  <c:v>12.275377850897895</c:v>
                 </c:pt>
                 <c:pt idx="57">
-                  <c:v>11.717735534800719</c:v>
+                  <c:v>12.275377850897895</c:v>
                 </c:pt>
                 <c:pt idx="58">
-                  <c:v>11.717735534800719</c:v>
+                  <c:v>12.275377850897895</c:v>
                 </c:pt>
                 <c:pt idx="59">
-                  <c:v>11.719625783885194</c:v>
+                  <c:v>12.275377850897895</c:v>
                 </c:pt>
                 <c:pt idx="60">
-                  <c:v>11.724543223133418</c:v>
+                  <c:v>12.275377850897895</c:v>
                 </c:pt>
                 <c:pt idx="61">
-                  <c:v>11.724543223133418</c:v>
+                  <c:v>12.275377850897895</c:v>
                 </c:pt>
                 <c:pt idx="62">
-                  <c:v>11.724543223133418</c:v>
+                  <c:v>12.275377850897895</c:v>
                 </c:pt>
                 <c:pt idx="63">
-                  <c:v>11.724543223133418</c:v>
+                  <c:v>12.275377850897895</c:v>
                 </c:pt>
                 <c:pt idx="64">
-                  <c:v>11.724543223133418</c:v>
+                  <c:v>12.275377850897895</c:v>
                 </c:pt>
                 <c:pt idx="65">
-                  <c:v>11.724543223133418</c:v>
+                  <c:v>12.275377850897895</c:v>
                 </c:pt>
                 <c:pt idx="66">
-                  <c:v>11.724543223133418</c:v>
+                  <c:v>12.275377850897895</c:v>
                 </c:pt>
                 <c:pt idx="67">
-                  <c:v>11.824008132576967</c:v>
+                  <c:v>12.275377850897895</c:v>
                 </c:pt>
                 <c:pt idx="68">
-                  <c:v>11.824008132576967</c:v>
+                  <c:v>12.275377850897895</c:v>
                 </c:pt>
                 <c:pt idx="69">
-                  <c:v>11.824008132576967</c:v>
+                  <c:v>12.275377850897895</c:v>
                 </c:pt>
                 <c:pt idx="70">
-                  <c:v>12.22790425513252</c:v>
+                  <c:v>12.275377850897895</c:v>
                 </c:pt>
                 <c:pt idx="71">
-                  <c:v>12.22790425513252</c:v>
+                  <c:v>12.275377850897895</c:v>
                 </c:pt>
                 <c:pt idx="72">
-                  <c:v>12.22790425513252</c:v>
+                  <c:v>12.275377850897895</c:v>
                 </c:pt>
                 <c:pt idx="73">
-                  <c:v>12.22790425513252</c:v>
+                  <c:v>12.308849865008419</c:v>
                 </c:pt>
                 <c:pt idx="74">
-                  <c:v>12.22790425513252</c:v>
+                  <c:v>12.524769776507203</c:v>
                 </c:pt>
                 <c:pt idx="75">
-                  <c:v>12.22790425513252</c:v>
+                  <c:v>12.524769776507203</c:v>
                 </c:pt>
                 <c:pt idx="76">
-                  <c:v>12.22790425513252</c:v>
+                  <c:v>12.524769776507203</c:v>
                 </c:pt>
                 <c:pt idx="77">
-                  <c:v>12.22790425513252</c:v>
+                  <c:v>12.54215918923626</c:v>
                 </c:pt>
                 <c:pt idx="78">
-                  <c:v>12.22790425513252</c:v>
+                  <c:v>12.834732670559651</c:v>
                 </c:pt>
                 <c:pt idx="79">
-                  <c:v>12.22790425513252</c:v>
+                  <c:v>12.834732670559651</c:v>
                 </c:pt>
                 <c:pt idx="80">
-                  <c:v>12.22790425513252</c:v>
+                  <c:v>12.834732670559651</c:v>
                 </c:pt>
                 <c:pt idx="81">
-                  <c:v>12.22790425513252</c:v>
+                  <c:v>12.834732670559651</c:v>
                 </c:pt>
                 <c:pt idx="82">
-                  <c:v>12.22790425513252</c:v>
+                  <c:v>12.834732670559651</c:v>
                 </c:pt>
                 <c:pt idx="83">
-                  <c:v>12.22790425513252</c:v>
+                  <c:v>12.834732670559651</c:v>
                 </c:pt>
                 <c:pt idx="84">
-                  <c:v>12.22790425513252</c:v>
+                  <c:v>12.834732670559651</c:v>
                 </c:pt>
                 <c:pt idx="85">
-                  <c:v>12.22790425513252</c:v>
+                  <c:v>12.834732670559651</c:v>
                 </c:pt>
                 <c:pt idx="86">
-                  <c:v>12.22790425513252</c:v>
+                  <c:v>12.834732670559651</c:v>
                 </c:pt>
                 <c:pt idx="87">
-                  <c:v>12.053203468542224</c:v>
+                  <c:v>12.834732670559651</c:v>
                 </c:pt>
                 <c:pt idx="88">
-                  <c:v>12.053203468542224</c:v>
+                  <c:v>12.834732670559651</c:v>
                 </c:pt>
                 <c:pt idx="89">
-                  <c:v>12.053203468542224</c:v>
+                  <c:v>12.834732670559651</c:v>
                 </c:pt>
                 <c:pt idx="90">
-                  <c:v>12.053203468542224</c:v>
+                  <c:v>12.834732670559651</c:v>
                 </c:pt>
                 <c:pt idx="91">
-                  <c:v>12.053203468542224</c:v>
+                  <c:v>12.834732670559651</c:v>
                 </c:pt>
                 <c:pt idx="92">
-                  <c:v>12.053203468542224</c:v>
+                  <c:v>12.834732670559651</c:v>
                 </c:pt>
                 <c:pt idx="93">
-                  <c:v>12.019687817529819</c:v>
+                  <c:v>12.308849865008419</c:v>
                 </c:pt>
                 <c:pt idx="94">
-                  <c:v>12.019687817529819</c:v>
+                  <c:v>12.308849865008419</c:v>
                 </c:pt>
                 <c:pt idx="95">
-                  <c:v>11.791513394744433</c:v>
+                  <c:v>12.284911112151422</c:v>
                 </c:pt>
                 <c:pt idx="96">
-                  <c:v>11.791513394744433</c:v>
+                  <c:v>12.284911112151422</c:v>
                 </c:pt>
                 <c:pt idx="97">
-                  <c:v>11.791513394744433</c:v>
+                  <c:v>12.284911112151422</c:v>
                 </c:pt>
                 <c:pt idx="98">
-                  <c:v>11.791513394744433</c:v>
+                  <c:v>12.284911112151422</c:v>
                 </c:pt>
                 <c:pt idx="99">
-                  <c:v>11.791513394744433</c:v>
+                  <c:v>12.284911112151422</c:v>
                 </c:pt>
                 <c:pt idx="100">
-                  <c:v>11.791513394744433</c:v>
+                  <c:v>12.284911112151422</c:v>
                 </c:pt>
                 <c:pt idx="101">
-                  <c:v>11.791513394744433</c:v>
+                  <c:v>12.284911112151422</c:v>
                 </c:pt>
                 <c:pt idx="102">
-                  <c:v>11.791513394744433</c:v>
+                  <c:v>12.284911112151422</c:v>
                 </c:pt>
                 <c:pt idx="103">
-                  <c:v>11.791513394744433</c:v>
+                  <c:v>12.284911112151422</c:v>
                 </c:pt>
                 <c:pt idx="104">
-                  <c:v>11.791513394744433</c:v>
+                  <c:v>12.284911112151422</c:v>
                 </c:pt>
                 <c:pt idx="105">
-                  <c:v>11.791513394744433</c:v>
+                  <c:v>12.284911112151422</c:v>
                 </c:pt>
                 <c:pt idx="106">
-                  <c:v>11.791513394744433</c:v>
+                  <c:v>12.284911112151422</c:v>
                 </c:pt>
                 <c:pt idx="107">
-                  <c:v>11.791513394744433</c:v>
+                  <c:v>12.284911112151422</c:v>
                 </c:pt>
                 <c:pt idx="108">
-                  <c:v>11.791513394744433</c:v>
+                  <c:v>12.284911112151422</c:v>
                 </c:pt>
                 <c:pt idx="109">
-                  <c:v>11.791513394744433</c:v>
+                  <c:v>12.37067811114577</c:v>
                 </c:pt>
                 <c:pt idx="110">
-                  <c:v>11.791513394744433</c:v>
+                  <c:v>12.37067811114577</c:v>
                 </c:pt>
                 <c:pt idx="111">
-                  <c:v>11.791513394744433</c:v>
+                  <c:v>12.457651092797306</c:v>
                 </c:pt>
                 <c:pt idx="112">
-                  <c:v>11.791513394744433</c:v>
+                  <c:v>12.457651092797306</c:v>
                 </c:pt>
                 <c:pt idx="113">
-                  <c:v>11.791513394744433</c:v>
+                  <c:v>12.457651092797306</c:v>
                 </c:pt>
                 <c:pt idx="114">
-                  <c:v>11.934795118053174</c:v>
+                  <c:v>12.717477046430302</c:v>
                 </c:pt>
                 <c:pt idx="115">
-                  <c:v>12.008198449137534</c:v>
+                  <c:v>12.852924577596538</c:v>
                 </c:pt>
                 <c:pt idx="116">
-                  <c:v>12.081601780221893</c:v>
+                  <c:v>12.988372108762773</c:v>
                 </c:pt>
                 <c:pt idx="117">
-                  <c:v>12.081601780221893</c:v>
+                  <c:v>12.988372108762773</c:v>
                 </c:pt>
                 <c:pt idx="118">
-                  <c:v>12.081601780221893</c:v>
+                  <c:v>12.988372108762773</c:v>
                 </c:pt>
               </c:numCache>
             </c:numRef>
@@ -3817,7 +3817,7 @@
           <c:smooth val="1"/>
           <c:extLst>
             <c:ext xmlns:c16="http://schemas.microsoft.com/office/drawing/2014/chart" uri="{C3380CC4-5D6E-409C-BE32-E72D297353CC}">
-              <c16:uniqueId val="{00000001-D753-4DAA-BC73-3A85D1BC982D}"/>
+              <c16:uniqueId val="{00000001-E112-4F2D-B4AE-80D1C201FBD7}"/>
             </c:ext>
           </c:extLst>
         </c:ser>
@@ -4758,361 +4758,361 @@
                 <c:formatCode>General</c:formatCode>
                 <c:ptCount val="119"/>
                 <c:pt idx="0">
-                  <c:v>58.395824638000001</c:v>
+                  <c:v>58.426114087000002</c:v>
                 </c:pt>
                 <c:pt idx="1">
-                  <c:v>29.9106564995</c:v>
+                  <c:v>29.947787744999999</c:v>
                 </c:pt>
                 <c:pt idx="2">
-                  <c:v>20.420020286</c:v>
+                  <c:v>20.456971683999999</c:v>
                 </c:pt>
                 <c:pt idx="3">
-                  <c:v>15.738564095000001</c:v>
+                  <c:v>15.767535938</c:v>
                 </c:pt>
                 <c:pt idx="4">
-                  <c:v>12.738766917500001</c:v>
+                  <c:v>12.763211282</c:v>
                 </c:pt>
                 <c:pt idx="5">
-                  <c:v>10.954375807</c:v>
+                  <c:v>11.003124568</c:v>
                 </c:pt>
                 <c:pt idx="6">
-                  <c:v>9.7448415369999992</c:v>
+                  <c:v>9.7713136889999994</c:v>
                 </c:pt>
                 <c:pt idx="7">
-                  <c:v>8.7411766689999997</c:v>
+                  <c:v>8.7785107819999997</c:v>
                 </c:pt>
                 <c:pt idx="8">
-                  <c:v>7.8986933524999996</c:v>
+                  <c:v>8.0655357829999996</c:v>
                 </c:pt>
                 <c:pt idx="9">
-                  <c:v>7.8209074414999993</c:v>
+                  <c:v>7.8304772619999996</c:v>
                 </c:pt>
                 <c:pt idx="10">
-                  <c:v>6.8640385804999999</c:v>
+                  <c:v>6.8803695129999998</c:v>
                 </c:pt>
                 <c:pt idx="11">
-                  <c:v>6.3083203855000001</c:v>
+                  <c:v>6.3221373869999997</c:v>
                 </c:pt>
                 <c:pt idx="12">
-                  <c:v>5.9568710839999994</c:v>
+                  <c:v>6.1467649739999999</c:v>
                 </c:pt>
                 <c:pt idx="13">
-                  <c:v>5.794273585</c:v>
+                  <c:v>5.8289912619999997</c:v>
                 </c:pt>
                 <c:pt idx="14">
-                  <c:v>5.651991701</c:v>
+                  <c:v>5.7995366840000004</c:v>
                 </c:pt>
                 <c:pt idx="15">
-                  <c:v>5.622892491</c:v>
+                  <c:v>5.5688220389999996</c:v>
                 </c:pt>
                 <c:pt idx="16">
-                  <c:v>5.0502243140000003</c:v>
+                  <c:v>5.2375744610000003</c:v>
                 </c:pt>
                 <c:pt idx="17">
-                  <c:v>4.8666401424999997</c:v>
+                  <c:v>4.9206222310000003</c:v>
                 </c:pt>
                 <c:pt idx="18">
-                  <c:v>4.7877627739999999</c:v>
+                  <c:v>4.8164351549999997</c:v>
                 </c:pt>
                 <c:pt idx="19">
-                  <c:v>4.6517179844999994</c:v>
+                  <c:v>4.807521629</c:v>
                 </c:pt>
                 <c:pt idx="20">
-                  <c:v>4.61852734</c:v>
+                  <c:v>4.7706409609999998</c:v>
                 </c:pt>
                 <c:pt idx="21">
-                  <c:v>4.5080201049999999</c:v>
+                  <c:v>4.712945682</c:v>
                 </c:pt>
                 <c:pt idx="22">
-                  <c:v>4.4793351539999993</c:v>
+                  <c:v>4.4716616289999997</c:v>
                 </c:pt>
                 <c:pt idx="23">
-                  <c:v>4.4793351539999993</c:v>
+                  <c:v>4.4332086659999996</c:v>
                 </c:pt>
                 <c:pt idx="24">
-                  <c:v>4.2865983820000002</c:v>
+                  <c:v>4.4293411899999997</c:v>
                 </c:pt>
                 <c:pt idx="25">
-                  <c:v>4.2617025934999999</c:v>
+                  <c:v>4.3955831090000004</c:v>
                 </c:pt>
                 <c:pt idx="26">
-                  <c:v>4.2422321355000001</c:v>
+                  <c:v>4.3911956679999999</c:v>
                 </c:pt>
                 <c:pt idx="27">
-                  <c:v>4.205140578</c:v>
+                  <c:v>4.2770088780000002</c:v>
                 </c:pt>
                 <c:pt idx="28">
-                  <c:v>4.2001336145000003</c:v>
+                  <c:v>4.2568810069999996</c:v>
                 </c:pt>
                 <c:pt idx="29">
-                  <c:v>4.2001336145000003</c:v>
+                  <c:v>4.2568810069999996</c:v>
                 </c:pt>
                 <c:pt idx="30">
-                  <c:v>4.1978706480000003</c:v>
+                  <c:v>4.1005389279999997</c:v>
                 </c:pt>
                 <c:pt idx="31">
-                  <c:v>4.1634811750000003</c:v>
+                  <c:v>4.1005389279999997</c:v>
                 </c:pt>
                 <c:pt idx="32">
-                  <c:v>4.1634811750000003</c:v>
+                  <c:v>4.1005389279999997</c:v>
                 </c:pt>
                 <c:pt idx="33">
-                  <c:v>4.1154720395000002</c:v>
+                  <c:v>4.1005389279999997</c:v>
                 </c:pt>
                 <c:pt idx="34">
-                  <c:v>4.0994339659999994</c:v>
+                  <c:v>4.1005389279999997</c:v>
                 </c:pt>
                 <c:pt idx="35">
-                  <c:v>4.069987255</c:v>
+                  <c:v>4.0939399300000003</c:v>
                 </c:pt>
                 <c:pt idx="36">
-                  <c:v>4.0182504354999997</c:v>
+                  <c:v>4.0939399300000003</c:v>
                 </c:pt>
                 <c:pt idx="37">
-                  <c:v>4.0182504354999997</c:v>
+                  <c:v>4.0939399300000003</c:v>
                 </c:pt>
                 <c:pt idx="38">
-                  <c:v>4.069987255</c:v>
+                  <c:v>4.0939399300000003</c:v>
                 </c:pt>
                 <c:pt idx="39">
-                  <c:v>4.0182504354999997</c:v>
+                  <c:v>4.1005389279999997</c:v>
                 </c:pt>
                 <c:pt idx="40">
-                  <c:v>4.0124961445</c:v>
+                  <c:v>4.0939399300000003</c:v>
                 </c:pt>
                 <c:pt idx="41">
-                  <c:v>4.0124961445</c:v>
+                  <c:v>4.1005389279999997</c:v>
                 </c:pt>
                 <c:pt idx="42">
-                  <c:v>4.0124961445</c:v>
+                  <c:v>4.1005389279999997</c:v>
                 </c:pt>
                 <c:pt idx="43">
-                  <c:v>4.0124961445</c:v>
+                  <c:v>4.0939399300000003</c:v>
                 </c:pt>
                 <c:pt idx="44">
-                  <c:v>4.0124961445</c:v>
+                  <c:v>4.0787968899999996</c:v>
                 </c:pt>
                 <c:pt idx="45">
-                  <c:v>4.0182504354999997</c:v>
+                  <c:v>4.0768100120000001</c:v>
                 </c:pt>
                 <c:pt idx="46">
-                  <c:v>4.0182504354999997</c:v>
+                  <c:v>4.0768100120000001</c:v>
                 </c:pt>
                 <c:pt idx="47">
-                  <c:v>4.0498217079999996</c:v>
+                  <c:v>4.0768100120000001</c:v>
                 </c:pt>
                 <c:pt idx="48">
-                  <c:v>4.0498217079999996</c:v>
+                  <c:v>4.0768100120000001</c:v>
                 </c:pt>
                 <c:pt idx="49">
-                  <c:v>4.0560999884999998</c:v>
+                  <c:v>4.0787968899999996</c:v>
                 </c:pt>
                 <c:pt idx="50">
-                  <c:v>4.0560999884999998</c:v>
+                  <c:v>4.0787968899999996</c:v>
                 </c:pt>
                 <c:pt idx="51">
-                  <c:v>4.0498217079999996</c:v>
+                  <c:v>4.0787968899999996</c:v>
                 </c:pt>
                 <c:pt idx="52">
-                  <c:v>4.0560999884999998</c:v>
+                  <c:v>4.0939399300000003</c:v>
                 </c:pt>
                 <c:pt idx="53">
-                  <c:v>4.069987255</c:v>
+                  <c:v>4.1021319260000002</c:v>
                 </c:pt>
                 <c:pt idx="54">
-                  <c:v>4.0743842499999996</c:v>
+                  <c:v>4.1096960539999996</c:v>
                 </c:pt>
                 <c:pt idx="55">
-                  <c:v>4.0841778610000006</c:v>
+                  <c:v>4.1108773200000002</c:v>
                 </c:pt>
                 <c:pt idx="56">
-                  <c:v>4.1362505094999999</c:v>
+                  <c:v>4.1156051659999999</c:v>
                 </c:pt>
                 <c:pt idx="57">
-                  <c:v>4.1411549115000001</c:v>
+                  <c:v>4.1643119119999996</c:v>
                 </c:pt>
                 <c:pt idx="58">
-                  <c:v>4.1825563275000004</c:v>
+                  <c:v>4.202500476</c:v>
                 </c:pt>
                 <c:pt idx="59">
-                  <c:v>4.2033893105000004</c:v>
+                  <c:v>4.2406336629999997</c:v>
                 </c:pt>
                 <c:pt idx="60">
-                  <c:v>4.2746523679999999</c:v>
+                  <c:v>4.2508513839999997</c:v>
                 </c:pt>
                 <c:pt idx="61">
-                  <c:v>4.3617733044999998</c:v>
+                  <c:v>4.3785863699999998</c:v>
                 </c:pt>
                 <c:pt idx="62">
-                  <c:v>4.3786978990000005</c:v>
+                  <c:v>4.380235184</c:v>
                 </c:pt>
                 <c:pt idx="63">
-                  <c:v>4.4255286915000003</c:v>
+                  <c:v>4.435519566</c:v>
                 </c:pt>
                 <c:pt idx="64">
-                  <c:v>4.4255286915000003</c:v>
+                  <c:v>4.4629376900000004</c:v>
                 </c:pt>
                 <c:pt idx="65">
-                  <c:v>4.4773717610000006</c:v>
+                  <c:v>4.5141790610000001</c:v>
                 </c:pt>
                 <c:pt idx="66">
-                  <c:v>4.4873364030000005</c:v>
+                  <c:v>4.5337441820000004</c:v>
                 </c:pt>
                 <c:pt idx="67">
-                  <c:v>4.5017010544999998</c:v>
+                  <c:v>4.5415456670000003</c:v>
                 </c:pt>
                 <c:pt idx="68">
-                  <c:v>4.5020828125000003</c:v>
+                  <c:v>4.546345852</c:v>
                 </c:pt>
                 <c:pt idx="69">
-                  <c:v>4.5055147880000002</c:v>
+                  <c:v>4.5717747270000002</c:v>
                 </c:pt>
                 <c:pt idx="70">
-                  <c:v>4.5686603945000002</c:v>
+                  <c:v>4.5855059330000003</c:v>
                 </c:pt>
                 <c:pt idx="71">
-                  <c:v>4.5745747234999996</c:v>
+                  <c:v>4.6030408009999997</c:v>
                 </c:pt>
                 <c:pt idx="72">
-                  <c:v>4.642413125</c:v>
+                  <c:v>4.7247658980000002</c:v>
                 </c:pt>
                 <c:pt idx="73">
-                  <c:v>4.6890733880000006</c:v>
+                  <c:v>4.7483782540000004</c:v>
                 </c:pt>
                 <c:pt idx="74">
-                  <c:v>4.7564321745000004</c:v>
+                  <c:v>4.7723832809999998</c:v>
                 </c:pt>
                 <c:pt idx="75">
-                  <c:v>4.8324414415000003</c:v>
+                  <c:v>4.9019358930000001</c:v>
                 </c:pt>
                 <c:pt idx="76">
-                  <c:v>4.8439164335000005</c:v>
+                  <c:v>4.9359122810000002</c:v>
                 </c:pt>
                 <c:pt idx="77">
-                  <c:v>4.9044235164999996</c:v>
+                  <c:v>4.967755167</c:v>
                 </c:pt>
                 <c:pt idx="78">
-                  <c:v>4.9377212065</c:v>
+                  <c:v>4.9680756500000003</c:v>
                 </c:pt>
                 <c:pt idx="79">
-                  <c:v>4.9377212065</c:v>
+                  <c:v>5.0226399170000002</c:v>
                 </c:pt>
                 <c:pt idx="80">
-                  <c:v>5.0005092025</c:v>
+                  <c:v>5.0476164929999996</c:v>
                 </c:pt>
                 <c:pt idx="81">
-                  <c:v>5.144337063</c:v>
+                  <c:v>5.0593199010000003</c:v>
                 </c:pt>
                 <c:pt idx="82">
-                  <c:v>5.1685590994999995</c:v>
+                  <c:v>5.0843188479999997</c:v>
                 </c:pt>
                 <c:pt idx="83">
-                  <c:v>5.1795905790000001</c:v>
+                  <c:v>5.1580561840000003</c:v>
                 </c:pt>
                 <c:pt idx="84">
-                  <c:v>5.1815809975000002</c:v>
+                  <c:v>5.172222198</c:v>
                 </c:pt>
                 <c:pt idx="85">
-                  <c:v>5.2756734825000002</c:v>
+                  <c:v>5.2782862220000002</c:v>
                 </c:pt>
                 <c:pt idx="86">
-                  <c:v>5.2925098595</c:v>
+                  <c:v>5.2782862220000002</c:v>
                 </c:pt>
                 <c:pt idx="87">
-                  <c:v>5.2925098595</c:v>
+                  <c:v>5.2782862220000002</c:v>
                 </c:pt>
                 <c:pt idx="88">
-                  <c:v>5.2925098595</c:v>
+                  <c:v>5.2782862220000002</c:v>
                 </c:pt>
                 <c:pt idx="89">
-                  <c:v>5.3555401400000004</c:v>
+                  <c:v>5.3601933859999997</c:v>
                 </c:pt>
                 <c:pt idx="90">
-                  <c:v>5.4291345290000006</c:v>
+                  <c:v>5.3601933859999997</c:v>
                 </c:pt>
                 <c:pt idx="91">
-                  <c:v>5.4391113349999998</c:v>
+                  <c:v>5.3840974590000004</c:v>
                 </c:pt>
                 <c:pt idx="92">
-                  <c:v>5.4391113349999998</c:v>
+                  <c:v>5.3901465919999998</c:v>
                 </c:pt>
                 <c:pt idx="93">
-                  <c:v>5.4530926609999995</c:v>
+                  <c:v>5.3938913800000003</c:v>
                 </c:pt>
                 <c:pt idx="94">
-                  <c:v>5.4530926609999995</c:v>
+                  <c:v>5.3938913800000003</c:v>
                 </c:pt>
                 <c:pt idx="95">
-                  <c:v>5.4892531049999995</c:v>
+                  <c:v>5.394606316</c:v>
                 </c:pt>
                 <c:pt idx="96">
-                  <c:v>5.4892531049999995</c:v>
+                  <c:v>5.4259179570000002</c:v>
                 </c:pt>
                 <c:pt idx="97">
-                  <c:v>5.4892531049999995</c:v>
+                  <c:v>5.5044322230000002</c:v>
                 </c:pt>
                 <c:pt idx="98">
-                  <c:v>5.4892531049999995</c:v>
+                  <c:v>5.5044322230000002</c:v>
                 </c:pt>
                 <c:pt idx="99">
-                  <c:v>5.4892531049999995</c:v>
+                  <c:v>5.5679168089999997</c:v>
                 </c:pt>
                 <c:pt idx="100">
-                  <c:v>5.4892531049999995</c:v>
+                  <c:v>5.5885025830000004</c:v>
                 </c:pt>
                 <c:pt idx="101">
-                  <c:v>5.4892531049999995</c:v>
+                  <c:v>5.5885025830000004</c:v>
                 </c:pt>
                 <c:pt idx="102">
-                  <c:v>5.5124629514999999</c:v>
+                  <c:v>5.7019213569999998</c:v>
                 </c:pt>
                 <c:pt idx="103">
-                  <c:v>5.5352364850000004</c:v>
+                  <c:v>5.7248849640000001</c:v>
                 </c:pt>
                 <c:pt idx="104">
-                  <c:v>5.5380508349999999</c:v>
+                  <c:v>5.8370422990000002</c:v>
                 </c:pt>
                 <c:pt idx="105">
-                  <c:v>5.8754055570000006</c:v>
+                  <c:v>6.0106231709999998</c:v>
                 </c:pt>
                 <c:pt idx="106">
-                  <c:v>5.9581332919999994</c:v>
+                  <c:v>6.1958521119999999</c:v>
                 </c:pt>
                 <c:pt idx="107">
-                  <c:v>5.9581332919999994</c:v>
+                  <c:v>6.3031488329999998</c:v>
                 </c:pt>
                 <c:pt idx="108">
-                  <c:v>5.9581332919999994</c:v>
+                  <c:v>6.3031488329999998</c:v>
                 </c:pt>
                 <c:pt idx="109">
-                  <c:v>5.892245795</c:v>
+                  <c:v>6.1958521119999999</c:v>
                 </c:pt>
                 <c:pt idx="110">
-                  <c:v>6.1263840490000003</c:v>
+                  <c:v>6.2495004724999994</c:v>
                 </c:pt>
                 <c:pt idx="111">
-                  <c:v>6.3605223029999998</c:v>
+                  <c:v>6.3031488329999998</c:v>
                 </c:pt>
                 <c:pt idx="112">
-                  <c:v>6.1432547712499996</c:v>
+                  <c:v>6.2495004724999994</c:v>
                 </c:pt>
                 <c:pt idx="113">
-                  <c:v>6.3942637475000002</c:v>
+                  <c:v>6.3031488329999998</c:v>
                 </c:pt>
                 <c:pt idx="114">
-                  <c:v>6.1432547712499996</c:v>
+                  <c:v>6.3162978174999997</c:v>
                 </c:pt>
                 <c:pt idx="115">
-                  <c:v>6.3942637475000002</c:v>
+                  <c:v>6.4367435229999996</c:v>
                 </c:pt>
                 <c:pt idx="116">
-                  <c:v>6.5425793627499997</c:v>
+                  <c:v>6.4539651300000003</c:v>
                 </c:pt>
                 <c:pt idx="117">
-                  <c:v>6.6908949779999993</c:v>
+                  <c:v>6.471186737</c:v>
                 </c:pt>
                 <c:pt idx="118">
-                  <c:v>6.563496819</c:v>
+                  <c:v>6.4539651300000003</c:v>
                 </c:pt>
               </c:numCache>
             </c:numRef>
@@ -5120,7 +5120,7 @@
           <c:smooth val="1"/>
           <c:extLst>
             <c:ext xmlns:c16="http://schemas.microsoft.com/office/drawing/2014/chart" uri="{C3380CC4-5D6E-409C-BE32-E72D297353CC}">
-              <c16:uniqueId val="{00000000-C404-4FE1-B257-E0AB7B4E154F}"/>
+              <c16:uniqueId val="{00000000-0CE1-4DB0-8DDB-08098DADFD76}"/>
             </c:ext>
           </c:extLst>
         </c:ser>
@@ -5157,361 +5157,361 @@
                 <c:formatCode>General</c:formatCode>
                 <c:ptCount val="119"/>
                 <c:pt idx="0">
-                  <c:v>58.385511790500004</c:v>
+                  <c:v>58.410256431000001</c:v>
                 </c:pt>
                 <c:pt idx="1">
-                  <c:v>29.912851028999999</c:v>
+                  <c:v>29.960310413999999</c:v>
                 </c:pt>
                 <c:pt idx="2">
-                  <c:v>20.423686566999997</c:v>
+                  <c:v>20.463868264999999</c:v>
                 </c:pt>
                 <c:pt idx="3">
-                  <c:v>15.728909888499999</c:v>
+                  <c:v>15.759631175999999</c:v>
                 </c:pt>
                 <c:pt idx="4">
-                  <c:v>12.968024492000001</c:v>
+                  <c:v>12.874470179999999</c:v>
                 </c:pt>
                 <c:pt idx="5">
-                  <c:v>10.9609962645</c:v>
+                  <c:v>11.026797211</c:v>
                 </c:pt>
                 <c:pt idx="6">
-                  <c:v>9.7156545694999998</c:v>
+                  <c:v>9.7478866350000004</c:v>
                 </c:pt>
                 <c:pt idx="7">
-                  <c:v>9.2301731159999996</c:v>
+                  <c:v>8.9011661009999994</c:v>
                 </c:pt>
                 <c:pt idx="8">
-                  <c:v>8.3437654845000004</c:v>
+                  <c:v>8.5297834350000006</c:v>
                 </c:pt>
                 <c:pt idx="9">
-                  <c:v>7.2731343724999995</c:v>
+                  <c:v>7.301539988</c:v>
                 </c:pt>
                 <c:pt idx="10">
-                  <c:v>7.2451590709999998</c:v>
+                  <c:v>7.1889438349999999</c:v>
                 </c:pt>
                 <c:pt idx="11">
-                  <c:v>6.6735044119999998</c:v>
+                  <c:v>6.733228295</c:v>
                 </c:pt>
                 <c:pt idx="12">
-                  <c:v>6.3390523099999996</c:v>
+                  <c:v>6.1850444309999997</c:v>
                 </c:pt>
                 <c:pt idx="13">
-                  <c:v>5.9408278125000002</c:v>
+                  <c:v>5.8866061829999996</c:v>
                 </c:pt>
                 <c:pt idx="14">
-                  <c:v>5.5318352834999995</c:v>
+                  <c:v>5.6448420009999998</c:v>
                 </c:pt>
                 <c:pt idx="15">
-                  <c:v>5.3504200864999998</c:v>
+                  <c:v>5.3998015700000002</c:v>
                 </c:pt>
                 <c:pt idx="16">
-                  <c:v>5.2394008334999995</c:v>
+                  <c:v>5.3250444180000001</c:v>
                 </c:pt>
                 <c:pt idx="17">
-                  <c:v>5.0555137779999999</c:v>
+                  <c:v>5.3112718069999998</c:v>
                 </c:pt>
                 <c:pt idx="18">
-                  <c:v>4.8839899600000001</c:v>
+                  <c:v>5.0008181739999999</c:v>
                 </c:pt>
                 <c:pt idx="19">
-                  <c:v>4.8104173525</c:v>
+                  <c:v>4.9908284649999999</c:v>
                 </c:pt>
                 <c:pt idx="20">
-                  <c:v>4.7942024100000005</c:v>
+                  <c:v>4.7802984369999999</c:v>
                 </c:pt>
                 <c:pt idx="21">
-                  <c:v>4.6757459565000001</c:v>
+                  <c:v>4.6144211459999998</c:v>
                 </c:pt>
                 <c:pt idx="22">
-                  <c:v>4.6302906984999996</c:v>
+                  <c:v>4.5783727320000001</c:v>
                 </c:pt>
                 <c:pt idx="23">
-                  <c:v>4.5351338495000002</c:v>
+                  <c:v>4.5374515869999996</c:v>
                 </c:pt>
                 <c:pt idx="24">
-                  <c:v>4.50563132</c:v>
+                  <c:v>4.5348332060000001</c:v>
                 </c:pt>
                 <c:pt idx="25">
-                  <c:v>4.4744571835000002</c:v>
+                  <c:v>4.5137048200000001</c:v>
                 </c:pt>
                 <c:pt idx="26">
-                  <c:v>4.4488375799999993</c:v>
+                  <c:v>4.464067666</c:v>
                 </c:pt>
                 <c:pt idx="27">
-                  <c:v>4.3765657835000003</c:v>
+                  <c:v>4.4348729779999996</c:v>
                 </c:pt>
                 <c:pt idx="28">
-                  <c:v>4.3716971344999997</c:v>
+                  <c:v>4.430624602</c:v>
                 </c:pt>
                 <c:pt idx="29">
-                  <c:v>4.3521008395000003</c:v>
+                  <c:v>4.3956937040000001</c:v>
                 </c:pt>
                 <c:pt idx="30">
-                  <c:v>4.3072295340000002</c:v>
+                  <c:v>4.3951751650000004</c:v>
                 </c:pt>
                 <c:pt idx="31">
-                  <c:v>4.2205148115000002</c:v>
+                  <c:v>4.3896213380000004</c:v>
                 </c:pt>
                 <c:pt idx="32">
-                  <c:v>4.2205148115000002</c:v>
+                  <c:v>4.365160296</c:v>
                 </c:pt>
                 <c:pt idx="33">
-                  <c:v>4.2205148115000002</c:v>
+                  <c:v>4.365160296</c:v>
                 </c:pt>
                 <c:pt idx="34">
-                  <c:v>4.2205148115000002</c:v>
+                  <c:v>4.365160296</c:v>
                 </c:pt>
                 <c:pt idx="35">
-                  <c:v>4.1817677194999998</c:v>
+                  <c:v>4.3598534320000004</c:v>
                 </c:pt>
                 <c:pt idx="36">
-                  <c:v>4.1715387425000001</c:v>
+                  <c:v>4.3287750770000004</c:v>
                 </c:pt>
                 <c:pt idx="37">
-                  <c:v>4.1403961119999995</c:v>
+                  <c:v>4.2756316999999999</c:v>
                 </c:pt>
                 <c:pt idx="38">
-                  <c:v>4.1403961119999995</c:v>
+                  <c:v>4.2640295740000003</c:v>
                 </c:pt>
                 <c:pt idx="39">
-                  <c:v>4.1403834034999996</c:v>
+                  <c:v>4.2587474360000002</c:v>
                 </c:pt>
                 <c:pt idx="40">
-                  <c:v>4.1403834034999996</c:v>
+                  <c:v>4.2536475969999996</c:v>
                 </c:pt>
                 <c:pt idx="41">
-                  <c:v>4.1403834034999996</c:v>
+                  <c:v>4.1912906689999998</c:v>
                 </c:pt>
                 <c:pt idx="42">
-                  <c:v>4.1403834034999996</c:v>
+                  <c:v>4.1723159130000003</c:v>
                 </c:pt>
                 <c:pt idx="43">
-                  <c:v>4.1228711365000006</c:v>
+                  <c:v>4.0791236389999996</c:v>
                 </c:pt>
                 <c:pt idx="44">
-                  <c:v>4.1228711365000006</c:v>
+                  <c:v>4.0791236389999996</c:v>
                 </c:pt>
                 <c:pt idx="45">
-                  <c:v>4.1403834034999996</c:v>
+                  <c:v>4.0791236389999996</c:v>
                 </c:pt>
                 <c:pt idx="46">
-                  <c:v>4.1403834034999996</c:v>
+                  <c:v>4.0791236389999996</c:v>
                 </c:pt>
                 <c:pt idx="47">
-                  <c:v>4.1403834034999996</c:v>
+                  <c:v>4.1586949410000003</c:v>
                 </c:pt>
                 <c:pt idx="48">
-                  <c:v>4.1228711365000006</c:v>
+                  <c:v>4.0791236389999996</c:v>
                 </c:pt>
                 <c:pt idx="49">
-                  <c:v>4.1228711365000006</c:v>
+                  <c:v>4.1586949410000003</c:v>
                 </c:pt>
                 <c:pt idx="50">
-                  <c:v>4.1403834034999996</c:v>
+                  <c:v>4.1723159130000003</c:v>
                 </c:pt>
                 <c:pt idx="51">
-                  <c:v>4.1403834034999996</c:v>
+                  <c:v>4.1723159130000003</c:v>
                 </c:pt>
                 <c:pt idx="52">
-                  <c:v>4.1403834034999996</c:v>
+                  <c:v>4.1723159130000003</c:v>
                 </c:pt>
                 <c:pt idx="53">
-                  <c:v>4.1536575200000003</c:v>
+                  <c:v>4.1723159130000003</c:v>
                 </c:pt>
                 <c:pt idx="54">
-                  <c:v>4.1709042414999997</c:v>
+                  <c:v>4.1742093540000003</c:v>
                 </c:pt>
                 <c:pt idx="55">
-                  <c:v>4.2005254389999997</c:v>
+                  <c:v>4.1742093540000003</c:v>
                 </c:pt>
                 <c:pt idx="56">
-                  <c:v>4.2410001194999998</c:v>
+                  <c:v>4.1969720009999998</c:v>
                 </c:pt>
                 <c:pt idx="57">
-                  <c:v>4.2410001194999998</c:v>
+                  <c:v>4.3274012300000004</c:v>
                 </c:pt>
                 <c:pt idx="58">
-                  <c:v>4.2506184544999996</c:v>
+                  <c:v>4.3439182760000001</c:v>
                 </c:pt>
                 <c:pt idx="59">
-                  <c:v>4.2511140335000004</c:v>
+                  <c:v>4.3876540359999998</c:v>
                 </c:pt>
                 <c:pt idx="60">
-                  <c:v>4.2826976504999994</c:v>
+                  <c:v>4.4003584240000002</c:v>
                 </c:pt>
                 <c:pt idx="61">
-                  <c:v>4.2826976504999994</c:v>
+                  <c:v>4.4076681459999998</c:v>
                 </c:pt>
                 <c:pt idx="62">
-                  <c:v>4.3109515135000001</c:v>
+                  <c:v>4.4338196989999998</c:v>
                 </c:pt>
                 <c:pt idx="63">
-                  <c:v>4.4582867069999992</c:v>
+                  <c:v>4.4338196989999998</c:v>
                 </c:pt>
                 <c:pt idx="64">
-                  <c:v>4.499753353</c:v>
+                  <c:v>4.4817208959999997</c:v>
                 </c:pt>
                 <c:pt idx="65">
-                  <c:v>4.5275711379999999</c:v>
+                  <c:v>4.4867796799999997</c:v>
                 </c:pt>
                 <c:pt idx="66">
-                  <c:v>4.5275711379999999</c:v>
+                  <c:v>4.4867796799999997</c:v>
                 </c:pt>
                 <c:pt idx="67">
-                  <c:v>4.5351129080000003</c:v>
+                  <c:v>4.5370069949999996</c:v>
                 </c:pt>
                 <c:pt idx="68">
-                  <c:v>4.5530028554999999</c:v>
+                  <c:v>4.5602675479999997</c:v>
                 </c:pt>
                 <c:pt idx="69">
-                  <c:v>4.5530028554999999</c:v>
+                  <c:v>4.6292029179999998</c:v>
                 </c:pt>
                 <c:pt idx="70">
-                  <c:v>4.6741753885000001</c:v>
+                  <c:v>4.6299989579999998</c:v>
                 </c:pt>
                 <c:pt idx="71">
-                  <c:v>4.6801288175</c:v>
+                  <c:v>4.6317161069999999</c:v>
                 </c:pt>
                 <c:pt idx="72">
-                  <c:v>4.7014335174999999</c:v>
+                  <c:v>4.6776860779999998</c:v>
                 </c:pt>
                 <c:pt idx="73">
-                  <c:v>4.7547376860000004</c:v>
+                  <c:v>4.7281639279999998</c:v>
                 </c:pt>
                 <c:pt idx="74">
-                  <c:v>4.773357259</c:v>
+                  <c:v>4.7716025120000003</c:v>
                 </c:pt>
                 <c:pt idx="75">
-                  <c:v>4.7966696774999997</c:v>
+                  <c:v>4.8453996960000003</c:v>
                 </c:pt>
                 <c:pt idx="76">
-                  <c:v>4.8198930784999998</c:v>
+                  <c:v>4.900659332</c:v>
                 </c:pt>
                 <c:pt idx="77">
-                  <c:v>4.8501709794999996</c:v>
+                  <c:v>4.9073816060000004</c:v>
                 </c:pt>
                 <c:pt idx="78">
-                  <c:v>4.8711710339999996</c:v>
+                  <c:v>4.9424655560000001</c:v>
                 </c:pt>
                 <c:pt idx="79">
-                  <c:v>4.8920933079999998</c:v>
+                  <c:v>4.9459142089999997</c:v>
                 </c:pt>
                 <c:pt idx="80">
-                  <c:v>4.9316050209999993</c:v>
+                  <c:v>4.97349058</c:v>
                 </c:pt>
                 <c:pt idx="81">
-                  <c:v>4.9316050209999993</c:v>
+                  <c:v>5.0392913149999998</c:v>
                 </c:pt>
                 <c:pt idx="82">
-                  <c:v>5.0850965200000005</c:v>
+                  <c:v>5.0417248539999999</c:v>
                 </c:pt>
                 <c:pt idx="83">
-                  <c:v>5.1353840999999996</c:v>
+                  <c:v>5.0954682330000001</c:v>
                 </c:pt>
                 <c:pt idx="84">
-                  <c:v>5.1928946304999997</c:v>
+                  <c:v>5.1667868769999998</c:v>
                 </c:pt>
                 <c:pt idx="85">
-                  <c:v>5.1928946304999997</c:v>
+                  <c:v>5.1667868769999998</c:v>
                 </c:pt>
                 <c:pt idx="86">
-                  <c:v>5.2003920655</c:v>
+                  <c:v>5.1667868769999998</c:v>
                 </c:pt>
                 <c:pt idx="87">
-                  <c:v>5.2664546625000002</c:v>
+                  <c:v>5.2286474820000004</c:v>
                 </c:pt>
                 <c:pt idx="88">
-                  <c:v>5.2893011120000004</c:v>
+                  <c:v>5.3528940670000003</c:v>
                 </c:pt>
                 <c:pt idx="89">
-                  <c:v>5.2893011120000004</c:v>
+                  <c:v>5.3528940670000003</c:v>
                 </c:pt>
                 <c:pt idx="90">
-                  <c:v>5.2902855019999997</c:v>
+                  <c:v>5.4044732010000001</c:v>
                 </c:pt>
                 <c:pt idx="91">
-                  <c:v>5.2902855019999997</c:v>
+                  <c:v>5.4044732010000001</c:v>
                 </c:pt>
                 <c:pt idx="92">
-                  <c:v>5.3158122599999995</c:v>
+                  <c:v>5.4246195559999997</c:v>
                 </c:pt>
                 <c:pt idx="93">
-                  <c:v>5.3158122599999995</c:v>
+                  <c:v>5.5487673910000002</c:v>
                 </c:pt>
                 <c:pt idx="94">
-                  <c:v>5.3158122599999995</c:v>
+                  <c:v>5.5487673910000002</c:v>
                 </c:pt>
                 <c:pt idx="95">
-                  <c:v>5.3158122599999995</c:v>
+                  <c:v>5.5487673910000002</c:v>
                 </c:pt>
                 <c:pt idx="96">
-                  <c:v>5.4720118785</c:v>
+                  <c:v>5.6062051009999996</c:v>
                 </c:pt>
                 <c:pt idx="97">
-                  <c:v>5.6566074494999992</c:v>
+                  <c:v>5.6774721059999997</c:v>
                 </c:pt>
                 <c:pt idx="98">
-                  <c:v>5.6566074494999992</c:v>
+                  <c:v>5.6774721059999997</c:v>
                 </c:pt>
                 <c:pt idx="99">
-                  <c:v>5.6681710914999996</c:v>
+                  <c:v>5.6998448450000003</c:v>
                 </c:pt>
                 <c:pt idx="100">
-                  <c:v>5.7184565984999995</c:v>
+                  <c:v>5.7255686849999998</c:v>
                 </c:pt>
                 <c:pt idx="101">
-                  <c:v>5.7184565984999995</c:v>
+                  <c:v>5.7392778489999996</c:v>
                 </c:pt>
                 <c:pt idx="102">
-                  <c:v>5.7184565984999995</c:v>
+                  <c:v>5.7392778489999996</c:v>
                 </c:pt>
                 <c:pt idx="103">
-                  <c:v>5.7184565984999995</c:v>
+                  <c:v>5.7255686849999998</c:v>
                 </c:pt>
                 <c:pt idx="104">
-                  <c:v>5.9063686275</c:v>
+                  <c:v>5.7392778489999996</c:v>
                 </c:pt>
                 <c:pt idx="105">
-                  <c:v>5.9063686275</c:v>
+                  <c:v>5.7789444620000001</c:v>
                 </c:pt>
                 <c:pt idx="106">
-                  <c:v>5.7184565984999995</c:v>
+                  <c:v>5.7789444620000001</c:v>
                 </c:pt>
                 <c:pt idx="107">
-                  <c:v>5.9063686275</c:v>
+                  <c:v>5.8539806370000003</c:v>
                 </c:pt>
                 <c:pt idx="108">
-                  <c:v>5.9327874415000004</c:v>
+                  <c:v>5.8726216039999999</c:v>
                 </c:pt>
                 <c:pt idx="109">
-                  <c:v>5.9536722370000001</c:v>
+                  <c:v>5.8803264300000002</c:v>
                 </c:pt>
                 <c:pt idx="110">
-                  <c:v>5.9714631960000002</c:v>
+                  <c:v>5.9537503825</c:v>
                 </c:pt>
                 <c:pt idx="111">
-                  <c:v>5.9892541549999994</c:v>
+                  <c:v>6.0271743349999998</c:v>
                 </c:pt>
                 <c:pt idx="112">
-                  <c:v>5.9714631960000002</c:v>
+                  <c:v>6.0541012729999997</c:v>
                 </c:pt>
                 <c:pt idx="113">
-                  <c:v>5.9892541549999994</c:v>
+                  <c:v>6.0810282109999996</c:v>
                 </c:pt>
                 <c:pt idx="114">
-                  <c:v>5.9935899787499993</c:v>
+                  <c:v>6.1294995060000002</c:v>
                 </c:pt>
                 <c:pt idx="115">
-                  <c:v>5.9979258024999993</c:v>
+                  <c:v>6.1779708009999998</c:v>
                 </c:pt>
                 <c:pt idx="116">
-                  <c:v>6.1490857112499997</c:v>
+                  <c:v>6.2987763374999997</c:v>
                 </c:pt>
                 <c:pt idx="117">
-                  <c:v>5.9979258024999993</c:v>
+                  <c:v>6.4195818740000004</c:v>
                 </c:pt>
                 <c:pt idx="118">
-                  <c:v>5.9935899787499993</c:v>
+                  <c:v>6.2987763374999997</c:v>
                 </c:pt>
               </c:numCache>
             </c:numRef>
@@ -5519,7 +5519,7 @@
           <c:smooth val="1"/>
           <c:extLst>
             <c:ext xmlns:c16="http://schemas.microsoft.com/office/drawing/2014/chart" uri="{C3380CC4-5D6E-409C-BE32-E72D297353CC}">
-              <c16:uniqueId val="{00000001-C404-4FE1-B257-E0AB7B4E154F}"/>
+              <c16:uniqueId val="{00000001-0CE1-4DB0-8DDB-08098DADFD76}"/>
             </c:ext>
           </c:extLst>
         </c:ser>
@@ -5939,358 +5939,358 @@
                   <c:v>1</c:v>
                 </c:pt>
                 <c:pt idx="1">
-                  <c:v>1.9523417895884756</c:v>
+                  <c:v>1.9509325558364379</c:v>
                 </c:pt>
                 <c:pt idx="2">
-                  <c:v>2.8597339189734439</c:v>
+                  <c:v>2.856049027662134</c:v>
                 </c:pt>
                 <c:pt idx="3">
-                  <c:v>3.7103654619007984</c:v>
+                  <c:v>3.7054689024803289</c:v>
                 </c:pt>
                 <c:pt idx="4">
-                  <c:v>4.5841033921248835</c:v>
+                  <c:v>4.5776970071316256</c:v>
                 </c:pt>
                 <c:pt idx="5">
-                  <c:v>5.3308217343323427</c:v>
+                  <c:v>5.3099566151344515</c:v>
                 </c:pt>
                 <c:pt idx="6">
-                  <c:v>5.9924858107007726</c:v>
+                  <c:v>5.9793509804902554</c:v>
                 </c:pt>
                 <c:pt idx="7">
-                  <c:v>6.680545062668382</c:v>
+                  <c:v>6.6555837929595656</c:v>
                 </c:pt>
                 <c:pt idx="8">
-                  <c:v>7.3930993433891512</c:v>
+                  <c:v>7.2439222463245008</c:v>
                 </c:pt>
                 <c:pt idx="9">
-                  <c:v>7.4666303206882167</c:v>
+                  <c:v>7.4613733150764885</c:v>
                 </c:pt>
                 <c:pt idx="10">
-                  <c:v>8.5075023913613048</c:v>
+                  <c:v>8.4917116699339701</c:v>
                 </c:pt>
                 <c:pt idx="11">
-                  <c:v>9.256952892282678</c:v>
+                  <c:v>9.2415128793530599</c:v>
                 </c:pt>
                 <c:pt idx="12">
-                  <c:v>9.8031036452760691</c:v>
+                  <c:v>9.5051810723420704</c:v>
                 </c:pt>
                 <c:pt idx="13">
-                  <c:v>10.078195960434616</c:v>
+                  <c:v>10.023366215675759</c:v>
                 </c:pt>
                 <c:pt idx="14">
-                  <c:v>10.331902049266651</c:v>
+                  <c:v>10.074272699781064</c:v>
                 </c:pt>
                 <c:pt idx="15">
-                  <c:v>10.385371004597427</c:v>
+                  <c:v>10.491646829046751</c:v>
                 </c:pt>
                 <c:pt idx="16">
-                  <c:v>11.563016018143545</c:v>
+                  <c:v>11.155185386298989</c:v>
                 </c:pt>
                 <c:pt idx="17">
-                  <c:v>11.999207446639353</c:v>
+                  <c:v>11.873724773853708</c:v>
                 </c:pt>
                 <c:pt idx="18">
-                  <c:v>12.196891824949889</c:v>
+                  <c:v>12.130572136188141</c:v>
                 </c:pt>
                 <c:pt idx="19">
-                  <c:v>12.553603815317452</c:v>
+                  <c:v>12.153063178033598</c:v>
                 </c:pt>
                 <c:pt idx="20">
-                  <c:v>12.643819195839166</c:v>
+                  <c:v>12.247015561354043</c:v>
                 </c:pt>
                 <c:pt idx="21">
-                  <c:v>12.953763132784431</c:v>
+                  <c:v>12.396941961403238</c:v>
                 </c:pt>
                 <c:pt idx="22">
-                  <c:v>13.03671697480666</c:v>
+                  <c:v>13.065862074198551</c:v>
                 </c:pt>
                 <c:pt idx="23">
-                  <c:v>13.03671697480666</c:v>
+                  <c:v>13.179193331252955</c:v>
                 </c:pt>
                 <c:pt idx="24">
-                  <c:v>13.62288216297843</c:v>
+                  <c:v>13.190700734210093</c:v>
                 </c:pt>
                 <c:pt idx="25">
-                  <c:v>13.702463594495311</c:v>
+                  <c:v>13.292005324019913</c:v>
                 </c:pt>
                 <c:pt idx="26">
-                  <c:v>13.765353420745166</c:v>
+                  <c:v>13.305285964086991</c:v>
                 </c:pt>
                 <c:pt idx="27">
-                  <c:v>13.88677109714452</c:v>
+                  <c:v>13.6605080217465</c:v>
                 </c:pt>
                 <c:pt idx="28">
-                  <c:v>13.903325464790401</c:v>
+                  <c:v>13.725099196083779</c:v>
                 </c:pt>
                 <c:pt idx="29">
-                  <c:v>13.903325464790401</c:v>
+                  <c:v>13.725099196083779</c:v>
                 </c:pt>
                 <c:pt idx="30">
-                  <c:v>13.910820397913318</c:v>
+                  <c:v>14.248398835588375</c:v>
                 </c:pt>
                 <c:pt idx="31">
-                  <c:v>14.025720829156864</c:v>
+                  <c:v>14.248398835588375</c:v>
                 </c:pt>
                 <c:pt idx="32">
-                  <c:v>14.025720829156864</c:v>
+                  <c:v>14.248398835588375</c:v>
                 </c:pt>
                 <c:pt idx="33">
-                  <c:v>14.189338204104205</c:v>
+                  <c:v>14.248398835588375</c:v>
                 </c:pt>
                 <c:pt idx="34">
-                  <c:v>14.244850660438717</c:v>
+                  <c:v>14.248398835588375</c:v>
                 </c:pt>
                 <c:pt idx="35">
-                  <c:v>14.347913391193162</c:v>
+                  <c:v>14.248398835588375</c:v>
                 </c:pt>
                 <c:pt idx="36">
-                  <c:v>14.347913391193162</c:v>
+                  <c:v>14.248398835588375</c:v>
                 </c:pt>
                 <c:pt idx="37">
-                  <c:v>14.419356912094463</c:v>
+                  <c:v>14.248398835588375</c:v>
                 </c:pt>
                 <c:pt idx="38">
-                  <c:v>14.419356912094463</c:v>
+                  <c:v>14.271365746932197</c:v>
                 </c:pt>
                 <c:pt idx="39">
-                  <c:v>14.419356912094463</c:v>
+                  <c:v>14.271365746932197</c:v>
                 </c:pt>
                 <c:pt idx="40">
-                  <c:v>14.419356912094463</c:v>
+                  <c:v>14.271365746932197</c:v>
                 </c:pt>
                 <c:pt idx="41">
-                  <c:v>14.419356912094463</c:v>
+                  <c:v>14.271365746932197</c:v>
                 </c:pt>
                 <c:pt idx="42">
-                  <c:v>14.419356912094463</c:v>
+                  <c:v>14.271365746932197</c:v>
                 </c:pt>
                 <c:pt idx="43">
-                  <c:v>14.419356912094463</c:v>
+                  <c:v>14.271365746932197</c:v>
                 </c:pt>
                 <c:pt idx="44">
-                  <c:v>14.419356912094463</c:v>
+                  <c:v>14.271365746932197</c:v>
                 </c:pt>
                 <c:pt idx="45">
-                  <c:v>14.419356912094463</c:v>
+                  <c:v>14.271365746932197</c:v>
                 </c:pt>
                 <c:pt idx="46">
-                  <c:v>14.419356912094463</c:v>
+                  <c:v>14.271365746932197</c:v>
                 </c:pt>
                 <c:pt idx="47">
-                  <c:v>14.419356912094463</c:v>
+                  <c:v>14.271365746932197</c:v>
                 </c:pt>
                 <c:pt idx="48">
-                  <c:v>14.419356912094463</c:v>
+                  <c:v>14.271365746932197</c:v>
                 </c:pt>
                 <c:pt idx="49">
-                  <c:v>14.397037746496865</c:v>
+                  <c:v>14.271365746932197</c:v>
                 </c:pt>
                 <c:pt idx="50">
-                  <c:v>14.397037746496865</c:v>
+                  <c:v>14.248398835588375</c:v>
                 </c:pt>
                 <c:pt idx="51">
-                  <c:v>14.397037746496865</c:v>
+                  <c:v>14.248398835588375</c:v>
                 </c:pt>
                 <c:pt idx="52">
-                  <c:v>14.397037746496865</c:v>
+                  <c:v>14.248398835588375</c:v>
                 </c:pt>
                 <c:pt idx="53">
-                  <c:v>14.347913391193162</c:v>
+                  <c:v>14.242865695441312</c:v>
                 </c:pt>
                 <c:pt idx="54">
-                  <c:v>14.332429406480257</c:v>
+                  <c:v>14.216650895662564</c:v>
                 </c:pt>
                 <c:pt idx="55">
-                  <c:v>14.298061109342072</c:v>
+                  <c:v>14.212565722345614</c:v>
                 </c:pt>
                 <c:pt idx="56">
-                  <c:v>14.11805801023861</c:v>
+                  <c:v>14.196238883572244</c:v>
                 </c:pt>
                 <c:pt idx="57">
-                  <c:v>14.101337884229979</c:v>
+                  <c:v>14.030196421799637</c:v>
                 </c:pt>
                 <c:pt idx="58">
-                  <c:v>13.961754502635564</c:v>
+                  <c:v>13.902702550699248</c:v>
                 </c:pt>
                 <c:pt idx="59">
-                  <c:v>13.892556773679789</c:v>
+                  <c:v>13.77768482969287</c:v>
                 </c:pt>
                 <c:pt idx="60">
-                  <c:v>13.660952894123156</c:v>
+                  <c:v>13.744567572254605</c:v>
                 </c:pt>
                 <c:pt idx="61">
-                  <c:v>13.388092539736897</c:v>
+                  <c:v>13.343602055519121</c:v>
                 </c:pt>
                 <c:pt idx="62">
-                  <c:v>13.336344727352929</c:v>
+                  <c:v>13.338579238945266</c:v>
                 </c:pt>
                 <c:pt idx="63">
-                  <c:v>13.195219985842453</c:v>
+                  <c:v>13.17232698844553</c:v>
                 </c:pt>
                 <c:pt idx="64">
-                  <c:v>13.195219985842453</c:v>
+                  <c:v>13.091402601903679</c:v>
                 </c:pt>
                 <c:pt idx="65">
-                  <c:v>13.042433765865704</c:v>
+                  <c:v>12.942799409923539</c:v>
                 </c:pt>
                 <c:pt idx="66">
-                  <c:v>13.013471554965118</c:v>
+                  <c:v>12.886945478521929</c:v>
                 </c:pt>
                 <c:pt idx="67">
-                  <c:v>12.97194636672425</c:v>
+                  <c:v>12.864808232919174</c:v>
                 </c:pt>
                 <c:pt idx="68">
-                  <c:v>12.970846399329753</c:v>
+                  <c:v>12.851225135302355</c:v>
                 </c:pt>
                 <c:pt idx="69">
-                  <c:v>12.960966146095357</c:v>
+                  <c:v>12.779744754689441</c:v>
                 </c:pt>
                 <c:pt idx="70">
-                  <c:v>12.78182653022318</c:v>
+                  <c:v>12.741476064076439</c:v>
                 </c:pt>
                 <c:pt idx="71">
-                  <c:v>12.765301294132419</c:v>
+                  <c:v>12.692938562331898</c:v>
                 </c:pt>
                 <c:pt idx="72">
-                  <c:v>12.578765195094523</c:v>
+                  <c:v>12.365927825489058</c:v>
                 </c:pt>
                 <c:pt idx="73">
-                  <c:v>12.453595797294012</c:v>
+                  <c:v>12.30443552759982</c:v>
                 </c:pt>
                 <c:pt idx="74">
-                  <c:v>12.277232702080655</c:v>
+                  <c:v>12.242544373920751</c:v>
                 </c:pt>
                 <c:pt idx="75">
-                  <c:v>12.084124628290128</c:v>
+                  <c:v>11.918987796317964</c:v>
                 </c:pt>
                 <c:pt idx="76">
-                  <c:v>12.055497950819468</c:v>
+                  <c:v>11.836943357340836</c:v>
                 </c:pt>
                 <c:pt idx="77">
-                  <c:v>11.906766298126245</c:v>
+                  <c:v>11.761069562186821</c:v>
                 </c:pt>
                 <c:pt idx="78">
-                  <c:v>11.826472616786855</c:v>
+                  <c:v>11.7603108734868</c:v>
                 </c:pt>
                 <c:pt idx="79">
-                  <c:v>11.826472616786855</c:v>
+                  <c:v>11.632550820385637</c:v>
                 </c:pt>
                 <c:pt idx="80">
-                  <c:v>11.677975636722168</c:v>
+                  <c:v>11.574990724438939</c:v>
                 </c:pt>
                 <c:pt idx="81">
-                  <c:v>11.351477153004739</c:v>
+                  <c:v>11.54821502302153</c:v>
                 </c:pt>
                 <c:pt idx="82">
-                  <c:v>11.29827936835416</c:v>
+                  <c:v>11.491433923343118</c:v>
                 </c:pt>
                 <c:pt idx="83">
-                  <c:v>11.274216320254837</c:v>
+                  <c:v>11.327157363705055</c:v>
                 </c:pt>
                 <c:pt idx="84">
-                  <c:v>11.269885516828689</c:v>
+                  <c:v>11.296133818379317</c:v>
                 </c:pt>
                 <c:pt idx="85">
-                  <c:v>11.068885296200664</c:v>
+                  <c:v>11.069144724186955</c:v>
                 </c:pt>
                 <c:pt idx="86">
-                  <c:v>11.033673283230659</c:v>
+                  <c:v>11.069144724186955</c:v>
                 </c:pt>
                 <c:pt idx="87">
-                  <c:v>11.033673283230659</c:v>
+                  <c:v>11.069144724186955</c:v>
                 </c:pt>
                 <c:pt idx="88">
-                  <c:v>11.033673283230659</c:v>
+                  <c:v>11.069144724186955</c:v>
                 </c:pt>
                 <c:pt idx="89">
-                  <c:v>10.903816069241524</c:v>
+                  <c:v>10.900001152868853</c:v>
                 </c:pt>
                 <c:pt idx="90">
-                  <c:v>10.756009880778549</c:v>
+                  <c:v>10.900001152868853</c:v>
                 </c:pt>
                 <c:pt idx="91">
-                  <c:v>10.736280440194372</c:v>
+                  <c:v>10.851607819493596</c:v>
                 </c:pt>
                 <c:pt idx="92">
-                  <c:v>10.736280440194372</c:v>
+                  <c:v>10.839429520101632</c:v>
                 </c:pt>
                 <c:pt idx="93">
-                  <c:v>10.708753411736682</c:v>
+                  <c:v>10.831904087582869</c:v>
                 </c:pt>
                 <c:pt idx="94">
-                  <c:v>10.708753411736682</c:v>
+                  <c:v>10.831904087582869</c:v>
                 </c:pt>
                 <c:pt idx="95">
-                  <c:v>10.638209519763073</c:v>
+                  <c:v>10.830468557772697</c:v>
                 </c:pt>
                 <c:pt idx="96">
-                  <c:v>10.638209519763073</c:v>
+                  <c:v>10.767968581541897</c:v>
                 </c:pt>
                 <c:pt idx="97">
-                  <c:v>10.638209519763073</c:v>
+                  <c:v>10.61437614634791</c:v>
                 </c:pt>
                 <c:pt idx="98">
-                  <c:v>10.638209519763073</c:v>
+                  <c:v>10.61437614634791</c:v>
                 </c:pt>
                 <c:pt idx="99">
-                  <c:v>10.638209519763073</c:v>
+                  <c:v>10.493352557380138</c:v>
                 </c:pt>
                 <c:pt idx="100">
-                  <c:v>10.638209519763073</c:v>
+                  <c:v>10.454699307955925</c:v>
                 </c:pt>
                 <c:pt idx="101">
-                  <c:v>10.638209519763073</c:v>
+                  <c:v>10.454699307955925</c:v>
                 </c:pt>
                 <c:pt idx="102">
-                  <c:v>10.593418069523691</c:v>
+                  <c:v>10.246741480443747</c:v>
                 </c:pt>
                 <c:pt idx="103">
-                  <c:v>10.549833741746626</c:v>
+                  <c:v>10.20563984331616</c:v>
                 </c:pt>
                 <c:pt idx="104">
-                  <c:v>10.544472482799087</c:v>
+                  <c:v>10.009540978829216</c:v>
                 </c:pt>
                 <c:pt idx="105">
-                  <c:v>9.9390287311191301</c:v>
+                  <c:v>9.7204753026098505</c:v>
                 </c:pt>
                 <c:pt idx="106">
-                  <c:v>9.9106226504592048</c:v>
+                  <c:v>9.429875508784578</c:v>
                 </c:pt>
                 <c:pt idx="107">
-                  <c:v>9.8010268948511481</c:v>
+                  <c:v>9.429875508784578</c:v>
                 </c:pt>
                 <c:pt idx="108">
-                  <c:v>9.8010268948511481</c:v>
+                  <c:v>9.3489254611781298</c:v>
                 </c:pt>
                 <c:pt idx="109">
-                  <c:v>9.8010268948511481</c:v>
+                  <c:v>9.3489254611781298</c:v>
                 </c:pt>
                 <c:pt idx="110">
-                  <c:v>9.5318582986210032</c:v>
+                  <c:v>9.2693534033515661</c:v>
                 </c:pt>
                 <c:pt idx="111">
-                  <c:v>9.5056817293803846</c:v>
+                  <c:v>9.2693534033515661</c:v>
                 </c:pt>
                 <c:pt idx="112">
-                  <c:v>9.5056817293803846</c:v>
+                  <c:v>9.2693534033515661</c:v>
                 </c:pt>
                 <c:pt idx="113">
-                  <c:v>9.180979463032001</c:v>
+                  <c:v>9.2693534033515661</c:v>
                 </c:pt>
                 <c:pt idx="114">
-                  <c:v>9.1325329926891641</c:v>
+                  <c:v>9.2500568806499288</c:v>
                 </c:pt>
                 <c:pt idx="115">
-                  <c:v>9.1325329926891641</c:v>
+                  <c:v>9.1635123707650799</c:v>
                 </c:pt>
                 <c:pt idx="116">
-                  <c:v>9.1325329926891641</c:v>
+                  <c:v>9.0769678608802327</c:v>
                 </c:pt>
                 <c:pt idx="117">
-                  <c:v>9.0290189828084877</c:v>
+                  <c:v>9.0648574783399631</c:v>
                 </c:pt>
                 <c:pt idx="118">
-                  <c:v>8.9255049729278131</c:v>
+                  <c:v>9.0527470957996954</c:v>
                 </c:pt>
               </c:numCache>
             </c:numRef>
@@ -6298,7 +6298,7 @@
           <c:smooth val="1"/>
           <c:extLst>
             <c:ext xmlns:c16="http://schemas.microsoft.com/office/drawing/2014/chart" uri="{C3380CC4-5D6E-409C-BE32-E72D297353CC}">
-              <c16:uniqueId val="{00000002-C404-4FE1-B257-E0AB7B4E154F}"/>
+              <c16:uniqueId val="{00000002-0CE1-4DB0-8DDB-08098DADFD76}"/>
             </c:ext>
           </c:extLst>
         </c:ser>
@@ -6338,358 +6338,358 @@
                   <c:v>1</c:v>
                 </c:pt>
                 <c:pt idx="1">
-                  <c:v>1.9518537946749457</c:v>
+                  <c:v>1.9495878254888097</c:v>
                 </c:pt>
                 <c:pt idx="2">
-                  <c:v>2.858715619188831</c:v>
+                  <c:v>2.8543115932240881</c:v>
                 </c:pt>
                 <c:pt idx="3">
-                  <c:v>3.7119871754868314</c:v>
+                  <c:v>3.7063212824391294</c:v>
                 </c:pt>
                 <c:pt idx="4">
-                  <c:v>4.5022672363487697</c:v>
+                  <c:v>4.5369056446096021</c:v>
                 </c:pt>
                 <c:pt idx="5">
-                  <c:v>5.3266610426277099</c:v>
+                  <c:v>5.2971189469895839</c:v>
                 </c:pt>
                 <c:pt idx="6">
-                  <c:v>6.0094264748550765</c:v>
+                  <c:v>5.9920943501001229</c:v>
                 </c:pt>
                 <c:pt idx="7">
-                  <c:v>6.3255056060965877</c:v>
+                  <c:v>6.5620903787468832</c:v>
                 </c:pt>
                 <c:pt idx="8">
-                  <c:v>6.9975015356029928</c:v>
+                  <c:v>6.8478006359841412</c:v>
                 </c:pt>
                 <c:pt idx="9">
-                  <c:v>8.0275585188220724</c:v>
+                  <c:v>7.9997173920839453</c:v>
                 </c:pt>
                 <c:pt idx="10">
-                  <c:v>8.0585548527427218</c:v>
+                  <c:v>8.1250122092517358</c:v>
                 </c:pt>
                 <c:pt idx="11">
-                  <c:v>8.748853403844878</c:v>
+                  <c:v>8.6749258857559646</c:v>
                 </c:pt>
                 <c:pt idx="12">
-                  <c:v>9.2104480189247742</c:v>
+                  <c:v>9.4437893021822994</c:v>
                 </c:pt>
                 <c:pt idx="13">
-                  <c:v>9.8278411078759067</c:v>
+                  <c:v>9.9225690686908319</c:v>
                 </c:pt>
                 <c:pt idx="14">
-                  <c:v>10.554455944241242</c:v>
+                  <c:v>10.347544965944566</c:v>
                 </c:pt>
                 <c:pt idx="15">
-                  <c:v>10.912322929150248</c:v>
+                  <c:v>10.81711164267838</c:v>
                 </c:pt>
                 <c:pt idx="16">
-                  <c:v>11.143547448630226</c:v>
+                  <c:v>10.968970743898122</c:v>
                 </c:pt>
                 <c:pt idx="17">
-                  <c:v>11.548877988341228</c:v>
+                  <c:v>10.997414282962906</c:v>
                 </c:pt>
                 <c:pt idx="18">
-                  <c:v>11.954470068259518</c:v>
+                  <c:v>11.680140008825685</c:v>
                 </c:pt>
                 <c:pt idx="19">
-                  <c:v>12.13730691374559</c:v>
+                  <c:v>11.703519133270794</c:v>
                 </c:pt>
                 <c:pt idx="20">
-                  <c:v>12.178357690679981</c:v>
+                  <c:v>12.21895603397868</c:v>
                 </c:pt>
                 <c:pt idx="21">
-                  <c:v>12.486887083618226</c:v>
+                  <c:v>12.658197980397345</c:v>
                 </c:pt>
                 <c:pt idx="22">
-                  <c:v>12.609470029476597</c:v>
+                  <c:v>12.757863950819983</c:v>
                 </c:pt>
                 <c:pt idx="23">
-                  <c:v>12.874043794084937</c:v>
+                  <c:v>12.872921134486146</c:v>
                 </c:pt>
                 <c:pt idx="24">
-                  <c:v>12.958342048834126</c:v>
+                  <c:v>12.880353869182636</c:v>
                 </c:pt>
                 <c:pt idx="25">
-                  <c:v>13.048624536134195</c:v>
+                  <c:v>12.940646045835138</c:v>
                 </c:pt>
                 <c:pt idx="26">
-                  <c:v>13.123767892308628</c:v>
+                  <c:v>13.084536526153991</c:v>
                 </c:pt>
                 <c:pt idx="27">
-                  <c:v>13.340485366544245</c:v>
+                  <c:v>13.17067179167358</c:v>
                 </c:pt>
                 <c:pt idx="28">
-                  <c:v>13.355342329124472</c:v>
+                  <c:v>13.183300703163477</c:v>
                 </c:pt>
                 <c:pt idx="29">
-                  <c:v>13.415477706901603</c:v>
+                  <c:v>13.28806335569918</c:v>
                 </c:pt>
                 <c:pt idx="30">
-                  <c:v>13.555235756446686</c:v>
+                  <c:v>13.289631070028125</c:v>
                 </c:pt>
                 <c:pt idx="31">
-                  <c:v>13.83374171117987</c:v>
+                  <c:v>13.306445347655632</c:v>
                 </c:pt>
                 <c:pt idx="32">
-                  <c:v>13.83374171117987</c:v>
+                  <c:v>13.381010654871952</c:v>
                 </c:pt>
                 <c:pt idx="33">
-                  <c:v>13.83374171117987</c:v>
+                  <c:v>13.381010654871952</c:v>
                 </c:pt>
                 <c:pt idx="34">
-                  <c:v>13.83374171117987</c:v>
+                  <c:v>13.381010654871952</c:v>
                 </c:pt>
                 <c:pt idx="35">
-                  <c:v>13.961921299034028</c:v>
+                  <c:v>13.397298175733718</c:v>
                 </c:pt>
                 <c:pt idx="36">
-                  <c:v>13.996157148359506</c:v>
+                  <c:v>13.493483812857388</c:v>
                 </c:pt>
                 <c:pt idx="37">
-                  <c:v>14.10143141166683</c:v>
+                  <c:v>13.661199216714573</c:v>
                 </c:pt>
                 <c:pt idx="38">
-                  <c:v>14.10143141166683</c:v>
+                  <c:v>13.698370383535243</c:v>
                 </c:pt>
                 <c:pt idx="39">
-                  <c:v>14.101474694624862</c:v>
+                  <c:v>13.715360515922363</c:v>
                 </c:pt>
                 <c:pt idx="40">
-                  <c:v>14.101474694624862</c:v>
+                  <c:v>13.731804315946487</c:v>
                 </c:pt>
                 <c:pt idx="41">
-                  <c:v>14.101474694624862</c:v>
+                  <c:v>13.936102514440046</c:v>
                 </c:pt>
                 <c:pt idx="42">
-                  <c:v>14.101474694624862</c:v>
+                  <c:v>13.999480779728771</c:v>
                 </c:pt>
                 <c:pt idx="43">
-                  <c:v>14.101474694624862</c:v>
+                  <c:v>13.999480779728771</c:v>
                 </c:pt>
                 <c:pt idx="44">
-                  <c:v>14.101474694624862</c:v>
+                  <c:v>13.999480779728771</c:v>
                 </c:pt>
                 <c:pt idx="45">
-                  <c:v>14.101474694624862</c:v>
+                  <c:v>13.999480779728771</c:v>
                 </c:pt>
                 <c:pt idx="46">
-                  <c:v>14.101474694624862</c:v>
+                  <c:v>13.999480779728771</c:v>
                 </c:pt>
                 <c:pt idx="47">
-                  <c:v>14.101474694624862</c:v>
+                  <c:v>13.999480779728771</c:v>
                 </c:pt>
                 <c:pt idx="48">
-                  <c:v>14.101474694624862</c:v>
+                  <c:v>13.999480779728771</c:v>
                 </c:pt>
                 <c:pt idx="49">
-                  <c:v>14.101474694624862</c:v>
+                  <c:v>13.999480779728771</c:v>
                 </c:pt>
                 <c:pt idx="50">
-                  <c:v>14.101474694624862</c:v>
+                  <c:v>13.999480779728771</c:v>
                 </c:pt>
                 <c:pt idx="51">
-                  <c:v>14.101474694624862</c:v>
+                  <c:v>13.999480779728771</c:v>
                 </c:pt>
                 <c:pt idx="52">
-                  <c:v>14.101474694624862</c:v>
+                  <c:v>13.999480779728771</c:v>
                 </c:pt>
                 <c:pt idx="53">
-                  <c:v>14.056409684566386</c:v>
+                  <c:v>13.999480779728771</c:v>
                 </c:pt>
                 <c:pt idx="54">
-                  <c:v>13.998286321122198</c:v>
+                  <c:v>13.993130549388347</c:v>
                 </c:pt>
                 <c:pt idx="55">
-                  <c:v>13.899573431556121</c:v>
+                  <c:v>13.993130549388347</c:v>
                 </c:pt>
                 <c:pt idx="56">
-                  <c:v>13.76692057188234</c:v>
+                  <c:v>13.91723757439477</c:v>
                 </c:pt>
                 <c:pt idx="57">
-                  <c:v>13.76692057188234</c:v>
+                  <c:v>13.497767673139936</c:v>
                 </c:pt>
                 <c:pt idx="58">
-                  <c:v>13.735768668836661</c:v>
+                  <c:v>13.446444596739923</c:v>
                 </c:pt>
                 <c:pt idx="59">
-                  <c:v>13.734167404215787</c:v>
+                  <c:v>13.312411587548423</c:v>
                 </c:pt>
                 <c:pt idx="60">
-                  <c:v>13.632882018576206</c:v>
+                  <c:v>13.273976981607804</c:v>
                 </c:pt>
                 <c:pt idx="61">
-                  <c:v>13.632882018576206</c:v>
+                  <c:v>13.251963282219387</c:v>
                 </c:pt>
                 <c:pt idx="62">
-                  <c:v>13.54353246786987</c:v>
+                  <c:v>13.173800559407908</c:v>
                 </c:pt>
                 <c:pt idx="63">
-                  <c:v>13.095952689365703</c:v>
+                  <c:v>13.173800559407908</c:v>
                 </c:pt>
                 <c:pt idx="64">
-                  <c:v>12.975269355946853</c:v>
+                  <c:v>13.032997320991585</c:v>
                 </c:pt>
                 <c:pt idx="65">
-                  <c:v>12.895548189286123</c:v>
+                  <c:v>13.018302791056593</c:v>
                 </c:pt>
                 <c:pt idx="66">
-                  <c:v>12.895548189286123</c:v>
+                  <c:v>13.018302791056593</c:v>
                 </c:pt>
                 <c:pt idx="67">
-                  <c:v>12.874103241731243</c:v>
+                  <c:v>12.874182582343584</c:v>
                 </c:pt>
                 <c:pt idx="68">
-                  <c:v>12.823517498999733</c:v>
+                  <c:v>12.808515249640788</c:v>
                 </c:pt>
                 <c:pt idx="69">
-                  <c:v>12.823517498999733</c:v>
+                  <c:v>12.617778366094083</c:v>
                 </c:pt>
                 <c:pt idx="70">
-                  <c:v>12.491082798079733</c:v>
+                  <c:v>12.615608979797962</c:v>
                 </c:pt>
                 <c:pt idx="71">
-                  <c:v>12.475193326342669</c:v>
+                  <c:v>12.610931905503335</c:v>
                 </c:pt>
                 <c:pt idx="72">
-                  <c:v>12.418661579106336</c:v>
+                  <c:v>12.486997942361707</c:v>
                 </c:pt>
                 <c:pt idx="73">
-                  <c:v>12.27943908712612</c:v>
+                  <c:v>12.353686826528321</c:v>
                 </c:pt>
                 <c:pt idx="74">
-                  <c:v>12.231540323200436</c:v>
+                  <c:v>12.241224260425152</c:v>
                 </c:pt>
                 <c:pt idx="75">
-                  <c:v>12.17209349736383</c:v>
+                  <c:v>12.05478600232281</c:v>
                 </c:pt>
                 <c:pt idx="76">
-                  <c:v>12.113445431173377</c:v>
+                  <c:v>11.918856723950711</c:v>
                 </c:pt>
                 <c:pt idx="77">
-                  <c:v>12.037825478168797</c:v>
+                  <c:v>11.902529927484101</c:v>
                 </c:pt>
                 <c:pt idx="78">
-                  <c:v>11.985929334646313</c:v>
+                  <c:v>11.818040160156858</c:v>
                 </c:pt>
                 <c:pt idx="79">
-                  <c:v>11.93466847719823</c:v>
+                  <c:v>11.809799758497995</c:v>
                 </c:pt>
                 <c:pt idx="80">
-                  <c:v>11.83904865492674</c:v>
+                  <c:v>11.744318299482936</c:v>
                 </c:pt>
                 <c:pt idx="81">
-                  <c:v>11.83904865492674</c:v>
+                  <c:v>11.590966423619033</c:v>
                 </c:pt>
                 <c:pt idx="82">
-                  <c:v>11.48169195232896</c:v>
+                  <c:v>11.58537169767575</c:v>
                 </c:pt>
                 <c:pt idx="83">
-                  <c:v>11.369258979187167</c:v>
+                  <c:v>11.463177427486476</c:v>
                 </c:pt>
                 <c:pt idx="84">
-                  <c:v>11.243346138313292</c:v>
+                  <c:v>11.304947895376488</c:v>
                 </c:pt>
                 <c:pt idx="85">
-                  <c:v>11.243346138313292</c:v>
+                  <c:v>11.304947895376488</c:v>
                 </c:pt>
                 <c:pt idx="86">
-                  <c:v>11.2271365418458</c:v>
+                  <c:v>11.304947895376488</c:v>
                 </c:pt>
                 <c:pt idx="87">
-                  <c:v>11.086302936629524</c:v>
+                  <c:v>11.171198026273823</c:v>
                 </c:pt>
                 <c:pt idx="88">
-                  <c:v>11.038417090310665</c:v>
+                  <c:v>10.911902178504292</c:v>
                 </c:pt>
                 <c:pt idx="89">
-                  <c:v>11.038417090310665</c:v>
+                  <c:v>10.911902178504292</c:v>
                 </c:pt>
                 <c:pt idx="90">
-                  <c:v>11.036363116589319</c:v>
+                  <c:v>10.807761322637743</c:v>
                 </c:pt>
                 <c:pt idx="91">
-                  <c:v>11.036363116589319</c:v>
+                  <c:v>10.807761322637743</c:v>
                 </c:pt>
                 <c:pt idx="92">
-                  <c:v>10.98336602852487</c:v>
+                  <c:v>10.767622655932483</c:v>
                 </c:pt>
                 <c:pt idx="93">
-                  <c:v>10.98336602852487</c:v>
+                  <c:v>10.526708422800418</c:v>
                 </c:pt>
                 <c:pt idx="94">
-                  <c:v>10.98336602852487</c:v>
+                  <c:v>10.526708422800418</c:v>
                 </c:pt>
                 <c:pt idx="95">
-                  <c:v>10.98336602852487</c:v>
+                  <c:v>10.526708422800418</c:v>
                 </c:pt>
                 <c:pt idx="96">
-                  <c:v>10.669843758910986</c:v>
+                  <c:v>10.418858279120245</c:v>
                 </c:pt>
                 <c:pt idx="97">
-                  <c:v>10.321648145419891</c:v>
+                  <c:v>10.288074576231129</c:v>
                 </c:pt>
                 <c:pt idx="98">
-                  <c:v>10.321648145419891</c:v>
+                  <c:v>10.288074576231129</c:v>
                 </c:pt>
                 <c:pt idx="99">
-                  <c:v>10.300590939828021</c:v>
+                  <c:v>10.247692352931056</c:v>
                 </c:pt>
                 <c:pt idx="100">
-                  <c:v>10.21001222704305</c:v>
+                  <c:v>10.201651511757213</c:v>
                 </c:pt>
                 <c:pt idx="101">
-                  <c:v>10.21001222704305</c:v>
+                  <c:v>10.201651511757213</c:v>
                 </c:pt>
                 <c:pt idx="102">
-                  <c:v>10.21001222704305</c:v>
+                  <c:v>10.17728326938855</c:v>
                 </c:pt>
                 <c:pt idx="103">
-                  <c:v>10.21001222704305</c:v>
+                  <c:v>10.17728326938855</c:v>
                 </c:pt>
                 <c:pt idx="104">
-                  <c:v>10.21001222704305</c:v>
+                  <c:v>10.17728326938855</c:v>
                 </c:pt>
                 <c:pt idx="105">
-                  <c:v>9.8851791130437707</c:v>
+                  <c:v>10.107426505840678</c:v>
                 </c:pt>
                 <c:pt idx="106">
-                  <c:v>9.8851791130437707</c:v>
+                  <c:v>10.107426505840678</c:v>
                 </c:pt>
                 <c:pt idx="107">
-                  <c:v>9.8851791130437707</c:v>
+                  <c:v>9.9778697698142036</c:v>
                 </c:pt>
                 <c:pt idx="108">
-                  <c:v>9.8411602246343524</c:v>
+                  <c:v>9.9461978601201224</c:v>
                 </c:pt>
                 <c:pt idx="109">
-                  <c:v>9.806638569663674</c:v>
+                  <c:v>9.9331656373709176</c:v>
                 </c:pt>
                 <c:pt idx="110">
-                  <c:v>9.7774213579026465</c:v>
+                  <c:v>9.8106659967953398</c:v>
                 </c:pt>
                 <c:pt idx="111">
-                  <c:v>9.7774213579026465</c:v>
+                  <c:v>9.6911509746465629</c:v>
                 </c:pt>
                 <c:pt idx="112">
-                  <c:v>9.7483777244213492</c:v>
+                  <c:v>9.6480474635429854</c:v>
                 </c:pt>
                 <c:pt idx="113">
-                  <c:v>9.7483777244213492</c:v>
+                  <c:v>9.6053256791904733</c:v>
                 </c:pt>
                 <c:pt idx="114">
-                  <c:v>9.7413256491523743</c:v>
+                  <c:v>9.5293679971462257</c:v>
                 </c:pt>
                 <c:pt idx="115">
-                  <c:v>9.7413256491523743</c:v>
+                  <c:v>9.4919851070167951</c:v>
                 </c:pt>
                 <c:pt idx="116">
-                  <c:v>9.7413256491523743</c:v>
+                  <c:v>9.4546022168873645</c:v>
                 </c:pt>
                 <c:pt idx="117">
-                  <c:v>9.7378047093727869</c:v>
+                  <c:v>9.3639363294192517</c:v>
                 </c:pt>
                 <c:pt idx="118">
-                  <c:v>9.7342837695931994</c:v>
+                  <c:v>9.2732704419511389</c:v>
                 </c:pt>
               </c:numCache>
             </c:numRef>
@@ -6697,7 +6697,7 @@
           <c:smooth val="1"/>
           <c:extLst>
             <c:ext xmlns:c16="http://schemas.microsoft.com/office/drawing/2014/chart" uri="{C3380CC4-5D6E-409C-BE32-E72D297353CC}">
-              <c16:uniqueId val="{00000003-C404-4FE1-B257-E0AB7B4E154F}"/>
+              <c16:uniqueId val="{00000003-0CE1-4DB0-8DDB-08098DADFD76}"/>
             </c:ext>
           </c:extLst>
         </c:ser>
@@ -7640,361 +7640,361 @@
                 <c:formatCode>General</c:formatCode>
                 <c:ptCount val="119"/>
                 <c:pt idx="0">
-                  <c:v>172.42328950000001</c:v>
+                  <c:v>172.62020940900001</c:v>
                 </c:pt>
                 <c:pt idx="1">
-                  <c:v>88.746237129999997</c:v>
+                  <c:v>86.999366358000003</c:v>
                 </c:pt>
                 <c:pt idx="2">
-                  <c:v>60.536512606499997</c:v>
+                  <c:v>59.058870167999999</c:v>
                 </c:pt>
                 <c:pt idx="3">
-                  <c:v>47.586912783499997</c:v>
+                  <c:v>45.108170885</c:v>
                 </c:pt>
                 <c:pt idx="4">
-                  <c:v>38.474424579000001</c:v>
+                  <c:v>36.464754378999999</c:v>
                 </c:pt>
                 <c:pt idx="5">
-                  <c:v>33.859953722500002</c:v>
+                  <c:v>30.858441368000001</c:v>
                 </c:pt>
                 <c:pt idx="6">
-                  <c:v>29.9732270075</c:v>
+                  <c:v>27.377795718000002</c:v>
                 </c:pt>
                 <c:pt idx="7">
-                  <c:v>29.0365275815</c:v>
+                  <c:v>24.978018412000001</c:v>
                 </c:pt>
                 <c:pt idx="8">
-                  <c:v>25.640838585499999</c:v>
+                  <c:v>22.599915278000001</c:v>
                 </c:pt>
                 <c:pt idx="9">
-                  <c:v>23.788562444</c:v>
+                  <c:v>21.110930285999999</c:v>
                 </c:pt>
                 <c:pt idx="10">
-                  <c:v>22.088809265999998</c:v>
+                  <c:v>20.73103158</c:v>
                 </c:pt>
                 <c:pt idx="11">
-                  <c:v>20.196432791500001</c:v>
+                  <c:v>19.341325607999998</c:v>
                 </c:pt>
                 <c:pt idx="12">
-                  <c:v>18.808883113500002</c:v>
+                  <c:v>18.825838405999999</c:v>
                 </c:pt>
                 <c:pt idx="13">
-                  <c:v>18.587197940499998</c:v>
+                  <c:v>17.626434088</c:v>
                 </c:pt>
                 <c:pt idx="14">
-                  <c:v>18.572797612999999</c:v>
+                  <c:v>17.315047428</c:v>
                 </c:pt>
                 <c:pt idx="15">
-                  <c:v>17.7790183585</c:v>
+                  <c:v>16.628727842</c:v>
                 </c:pt>
                 <c:pt idx="16">
-                  <c:v>17.7179892825</c:v>
+                  <c:v>16.346726078</c:v>
                 </c:pt>
                 <c:pt idx="17">
-                  <c:v>17.140087043499999</c:v>
+                  <c:v>16.061609551</c:v>
                 </c:pt>
                 <c:pt idx="18">
-                  <c:v>17.139068164499999</c:v>
+                  <c:v>15.893990658</c:v>
                 </c:pt>
                 <c:pt idx="19">
-                  <c:v>16.876145019500001</c:v>
+                  <c:v>15.598638936</c:v>
                 </c:pt>
                 <c:pt idx="20">
-                  <c:v>16.569548848499998</c:v>
+                  <c:v>15.447923923999999</c:v>
                 </c:pt>
                 <c:pt idx="21">
-                  <c:v>15.81292749</c:v>
+                  <c:v>14.787620162</c:v>
                 </c:pt>
                 <c:pt idx="22">
-                  <c:v>15.797331517499998</c:v>
+                  <c:v>14.558466772999999</c:v>
                 </c:pt>
                 <c:pt idx="23">
-                  <c:v>14.6638682215</c:v>
+                  <c:v>13.820466825</c:v>
                 </c:pt>
                 <c:pt idx="24">
-                  <c:v>14.6630553265</c:v>
+                  <c:v>13.797942957</c:v>
                 </c:pt>
                 <c:pt idx="25">
-                  <c:v>14.446120474499999</c:v>
+                  <c:v>13.704342551</c:v>
                 </c:pt>
                 <c:pt idx="26">
-                  <c:v>14.276512160999999</c:v>
+                  <c:v>13.626842010000001</c:v>
                 </c:pt>
                 <c:pt idx="27">
-                  <c:v>14.042060076</c:v>
+                  <c:v>13.571720019000001</c:v>
                 </c:pt>
                 <c:pt idx="28">
-                  <c:v>13.9776269095</c:v>
+                  <c:v>13.524291982999999</c:v>
                 </c:pt>
                 <c:pt idx="29">
-                  <c:v>13.9776269095</c:v>
+                  <c:v>13.524291982999999</c:v>
                 </c:pt>
                 <c:pt idx="30">
-                  <c:v>13.824295096</c:v>
+                  <c:v>13.185352757</c:v>
                 </c:pt>
                 <c:pt idx="31">
-                  <c:v>13.824295096</c:v>
+                  <c:v>13.185352757</c:v>
                 </c:pt>
                 <c:pt idx="32">
-                  <c:v>13.824295096</c:v>
+                  <c:v>13.183188267</c:v>
                 </c:pt>
                 <c:pt idx="33">
-                  <c:v>13.717033449000001</c:v>
+                  <c:v>13.185352757</c:v>
                 </c:pt>
                 <c:pt idx="34">
-                  <c:v>13.588566978499999</c:v>
+                  <c:v>13.185352757</c:v>
                 </c:pt>
                 <c:pt idx="35">
-                  <c:v>13.717033449000001</c:v>
+                  <c:v>13.436435793999999</c:v>
                 </c:pt>
                 <c:pt idx="36">
-                  <c:v>13.717033449000001</c:v>
+                  <c:v>13.571720019000001</c:v>
                 </c:pt>
                 <c:pt idx="37">
-                  <c:v>13.717033449000001</c:v>
+                  <c:v>13.571720019000001</c:v>
                 </c:pt>
                 <c:pt idx="38">
-                  <c:v>13.588566978499999</c:v>
+                  <c:v>13.436435793999999</c:v>
                 </c:pt>
                 <c:pt idx="39">
-                  <c:v>13.588566978499999</c:v>
+                  <c:v>13.436435793999999</c:v>
                 </c:pt>
                 <c:pt idx="40">
-                  <c:v>13.717033449000001</c:v>
+                  <c:v>13.571720019000001</c:v>
                 </c:pt>
                 <c:pt idx="41">
-                  <c:v>13.717033449000001</c:v>
+                  <c:v>13.571720019000001</c:v>
                 </c:pt>
                 <c:pt idx="42">
-                  <c:v>13.717033449000001</c:v>
+                  <c:v>13.976932400000001</c:v>
                 </c:pt>
                 <c:pt idx="43">
-                  <c:v>13.8615072625</c:v>
+                  <c:v>14.212325774</c:v>
                 </c:pt>
                 <c:pt idx="44">
-                  <c:v>13.987771301999999</c:v>
+                  <c:v>14.250605349000001</c:v>
                 </c:pt>
                 <c:pt idx="45">
-                  <c:v>14.282021</c:v>
+                  <c:v>14.468956054</c:v>
                 </c:pt>
                 <c:pt idx="46">
-                  <c:v>14.470954429500001</c:v>
+                  <c:v>14.534014430999999</c:v>
                 </c:pt>
                 <c:pt idx="47">
-                  <c:v>15.299066462500001</c:v>
+                  <c:v>14.86969375</c:v>
                 </c:pt>
                 <c:pt idx="48">
-                  <c:v>15.938139463999999</c:v>
+                  <c:v>15.692638319</c:v>
                 </c:pt>
                 <c:pt idx="49">
-                  <c:v>16.2238068805</c:v>
+                  <c:v>15.714577727</c:v>
                 </c:pt>
                 <c:pt idx="50">
-                  <c:v>16.387623793500001</c:v>
+                  <c:v>16.048378687</c:v>
                 </c:pt>
                 <c:pt idx="51">
-                  <c:v>16.423539123499999</c:v>
+                  <c:v>16.399345962000002</c:v>
                 </c:pt>
                 <c:pt idx="52">
-                  <c:v>16.993648851</c:v>
+                  <c:v>16.628455256999999</c:v>
                 </c:pt>
                 <c:pt idx="53">
-                  <c:v>17.263029412000002</c:v>
+                  <c:v>17.196291663</c:v>
                 </c:pt>
                 <c:pt idx="54">
-                  <c:v>17.381563174500002</c:v>
+                  <c:v>18.095992999</c:v>
                 </c:pt>
                 <c:pt idx="55">
-                  <c:v>17.708185223000001</c:v>
+                  <c:v>18.597315034000001</c:v>
                 </c:pt>
                 <c:pt idx="56">
-                  <c:v>18.297382559500001</c:v>
+                  <c:v>18.602798811</c:v>
                 </c:pt>
                 <c:pt idx="57">
-                  <c:v>18.7062045785</c:v>
+                  <c:v>18.834648081000001</c:v>
                 </c:pt>
                 <c:pt idx="58">
-                  <c:v>18.719339005000002</c:v>
+                  <c:v>19.300937175000001</c:v>
                 </c:pt>
                 <c:pt idx="59">
-                  <c:v>19.314287350499999</c:v>
+                  <c:v>19.348154362999999</c:v>
                 </c:pt>
                 <c:pt idx="60">
-                  <c:v>19.648626026999999</c:v>
+                  <c:v>19.788143083000001</c:v>
                 </c:pt>
                 <c:pt idx="61">
-                  <c:v>19.921079106000001</c:v>
+                  <c:v>19.985693063999999</c:v>
                 </c:pt>
                 <c:pt idx="62">
-                  <c:v>20.014435853000002</c:v>
+                  <c:v>19.985693063999999</c:v>
                 </c:pt>
                 <c:pt idx="63">
-                  <c:v>20.198717621</c:v>
+                  <c:v>20.158153905999999</c:v>
                 </c:pt>
                 <c:pt idx="64">
-                  <c:v>20.473673980999997</c:v>
+                  <c:v>20.301638966999999</c:v>
                 </c:pt>
                 <c:pt idx="65">
-                  <c:v>20.7904243845</c:v>
+                  <c:v>20.708758328999998</c:v>
                 </c:pt>
                 <c:pt idx="66">
-                  <c:v>21.638141859500003</c:v>
+                  <c:v>20.804847625000001</c:v>
                 </c:pt>
                 <c:pt idx="67">
-                  <c:v>21.681473910499999</c:v>
+                  <c:v>21.047049589</c:v>
                 </c:pt>
                 <c:pt idx="68">
-                  <c:v>21.703107584000001</c:v>
+                  <c:v>21.731054079</c:v>
                 </c:pt>
                 <c:pt idx="69">
-                  <c:v>21.840671564499999</c:v>
+                  <c:v>21.925986293000001</c:v>
                 </c:pt>
                 <c:pt idx="70">
-                  <c:v>22.110292744500001</c:v>
+                  <c:v>22.064448626000001</c:v>
                 </c:pt>
                 <c:pt idx="71">
-                  <c:v>22.216278185</c:v>
+                  <c:v>22.976339283000002</c:v>
                 </c:pt>
                 <c:pt idx="72">
-                  <c:v>23.668896070500001</c:v>
+                  <c:v>23.508578744000001</c:v>
                 </c:pt>
                 <c:pt idx="73">
-                  <c:v>24.067621965000001</c:v>
+                  <c:v>24.154300017000001</c:v>
                 </c:pt>
                 <c:pt idx="74">
-                  <c:v>24.451814259500001</c:v>
+                  <c:v>24.358601959000001</c:v>
                 </c:pt>
                 <c:pt idx="75">
-                  <c:v>24.990561663999998</c:v>
+                  <c:v>24.699814868000001</c:v>
                 </c:pt>
                 <c:pt idx="76">
-                  <c:v>24.998720953999999</c:v>
+                  <c:v>24.941333008000001</c:v>
                 </c:pt>
                 <c:pt idx="77">
-                  <c:v>25.185000246999998</c:v>
+                  <c:v>25.023676305999999</c:v>
                 </c:pt>
                 <c:pt idx="78">
-                  <c:v>25.295901420500002</c:v>
+                  <c:v>25.048875403</c:v>
                 </c:pt>
                 <c:pt idx="79">
-                  <c:v>25.5543168395</c:v>
+                  <c:v>25.078664691</c:v>
                 </c:pt>
                 <c:pt idx="80">
-                  <c:v>25.634605665000002</c:v>
+                  <c:v>25.211938236000002</c:v>
                 </c:pt>
                 <c:pt idx="81">
-                  <c:v>26.441905021</c:v>
+                  <c:v>25.599921354999999</c:v>
                 </c:pt>
                 <c:pt idx="82">
-                  <c:v>26.802706055500003</c:v>
+                  <c:v>26.912501528</c:v>
                 </c:pt>
                 <c:pt idx="83">
-                  <c:v>26.927870879</c:v>
+                  <c:v>27.243647374999998</c:v>
                 </c:pt>
                 <c:pt idx="84">
-                  <c:v>26.927870879</c:v>
+                  <c:v>27.384345831000001</c:v>
                 </c:pt>
                 <c:pt idx="85">
-                  <c:v>27.7550370065</c:v>
+                  <c:v>27.729822285000001</c:v>
                 </c:pt>
                 <c:pt idx="86">
-                  <c:v>27.868704612999998</c:v>
+                  <c:v>27.821584282</c:v>
                 </c:pt>
                 <c:pt idx="87">
-                  <c:v>27.868704612999998</c:v>
+                  <c:v>28.283929177000001</c:v>
                 </c:pt>
                 <c:pt idx="88">
-                  <c:v>28.096129202</c:v>
+                  <c:v>28.309961532999999</c:v>
                 </c:pt>
                 <c:pt idx="89">
-                  <c:v>28.412550694</c:v>
+                  <c:v>28.386895376999998</c:v>
                 </c:pt>
                 <c:pt idx="90">
-                  <c:v>28.696838268999997</c:v>
+                  <c:v>28.856808614999998</c:v>
                 </c:pt>
                 <c:pt idx="91">
-                  <c:v>29.113060818499999</c:v>
+                  <c:v>28.957209157000001</c:v>
                 </c:pt>
                 <c:pt idx="92">
-                  <c:v>29.3349227205</c:v>
+                  <c:v>29.156556641000002</c:v>
                 </c:pt>
                 <c:pt idx="93">
-                  <c:v>29.392430216000001</c:v>
+                  <c:v>30.379665183</c:v>
                 </c:pt>
                 <c:pt idx="94">
-                  <c:v>30.007936823999998</c:v>
+                  <c:v>30.721228826000001</c:v>
                 </c:pt>
                 <c:pt idx="95">
-                  <c:v>31.975692688999999</c:v>
+                  <c:v>31.544967114999999</c:v>
                 </c:pt>
                 <c:pt idx="96">
-                  <c:v>32.156335537499999</c:v>
+                  <c:v>31.714553460000001</c:v>
                 </c:pt>
                 <c:pt idx="97">
-                  <c:v>32.166789640499999</c:v>
+                  <c:v>32.034437547000003</c:v>
                 </c:pt>
                 <c:pt idx="98">
-                  <c:v>32.312558699</c:v>
+                  <c:v>32.216212247000001</c:v>
                 </c:pt>
                 <c:pt idx="99">
-                  <c:v>32.420021882</c:v>
+                  <c:v>33.110784682999999</c:v>
                 </c:pt>
                 <c:pt idx="100">
-                  <c:v>32.7680882935</c:v>
+                  <c:v>33.354588653999997</c:v>
                 </c:pt>
                 <c:pt idx="101">
-                  <c:v>33.626565720000002</c:v>
+                  <c:v>33.524955454999997</c:v>
                 </c:pt>
                 <c:pt idx="102">
-                  <c:v>34.078661772000004</c:v>
+                  <c:v>33.901209664</c:v>
                 </c:pt>
                 <c:pt idx="103">
-                  <c:v>34.100527337999999</c:v>
+                  <c:v>34.659219966999999</c:v>
                 </c:pt>
                 <c:pt idx="104">
-                  <c:v>34.223034910999999</c:v>
+                  <c:v>34.903188946999997</c:v>
                 </c:pt>
                 <c:pt idx="105">
-                  <c:v>34.701247218999995</c:v>
+                  <c:v>35.330775058</c:v>
                 </c:pt>
                 <c:pt idx="106">
-                  <c:v>34.766076290500003</c:v>
+                  <c:v>35.396970609</c:v>
                 </c:pt>
                 <c:pt idx="107">
-                  <c:v>34.855226764999998</c:v>
+                  <c:v>35.474777090000003</c:v>
                 </c:pt>
                 <c:pt idx="108">
-                  <c:v>35.480263608499996</c:v>
+                  <c:v>35.945442888000002</c:v>
                 </c:pt>
                 <c:pt idx="109">
-                  <c:v>35.577072205500002</c:v>
+                  <c:v>36.568873355999997</c:v>
                 </c:pt>
                 <c:pt idx="110">
-                  <c:v>35.641224859499999</c:v>
+                  <c:v>36.257158122</c:v>
                 </c:pt>
                 <c:pt idx="111">
-                  <c:v>35.705377513499997</c:v>
+                  <c:v>35.945442888000002</c:v>
                 </c:pt>
                 <c:pt idx="112">
-                  <c:v>35.783062255749996</c:v>
+                  <c:v>36.257158122</c:v>
                 </c:pt>
                 <c:pt idx="113">
-                  <c:v>35.860746997999996</c:v>
+                  <c:v>36.568873355999997</c:v>
                 </c:pt>
                 <c:pt idx="114">
-                  <c:v>36.18652499425</c:v>
+                  <c:v>36.744002254500003</c:v>
                 </c:pt>
                 <c:pt idx="115">
-                  <c:v>36.512302990500004</c:v>
+                  <c:v>36.919131153000002</c:v>
                 </c:pt>
                 <c:pt idx="116">
-                  <c:v>36.5211217895</c:v>
+                  <c:v>37.078142096999997</c:v>
                 </c:pt>
                 <c:pt idx="117">
-                  <c:v>36.529940588499997</c:v>
+                  <c:v>37.237153040999999</c:v>
                 </c:pt>
                 <c:pt idx="118">
-                  <c:v>36.863268902499996</c:v>
+                  <c:v>37.280433826999996</c:v>
                 </c:pt>
               </c:numCache>
             </c:numRef>
@@ -8002,7 +8002,7 @@
           <c:smooth val="1"/>
           <c:extLst>
             <c:ext xmlns:c16="http://schemas.microsoft.com/office/drawing/2014/chart" uri="{C3380CC4-5D6E-409C-BE32-E72D297353CC}">
-              <c16:uniqueId val="{00000000-2C13-4061-B083-C154BF7FF2ED}"/>
+              <c16:uniqueId val="{00000000-2306-4CDE-B78D-A36319827E0B}"/>
             </c:ext>
           </c:extLst>
         </c:ser>
@@ -8422,358 +8422,358 @@
                   <c:v>1</c:v>
                 </c:pt>
                 <c:pt idx="1">
-                  <c:v>1.9428800034352511</c:v>
+                  <c:v>1.9841547891127458</c:v>
                 </c:pt>
                 <c:pt idx="2">
-                  <c:v>2.8482527664054169</c:v>
+                  <c:v>2.9228498431812402</c:v>
                 </c:pt>
                 <c:pt idx="3">
-                  <c:v>3.6233342197349905</c:v>
+                  <c:v>3.8268057875608097</c:v>
                 </c:pt>
                 <c:pt idx="4">
-                  <c:v>4.4815040481232202</c:v>
+                  <c:v>4.7338920102095008</c:v>
                 </c:pt>
                 <c:pt idx="5">
-                  <c:v>5.0922482326201299</c:v>
+                  <c:v>5.5939380524904285</c:v>
                 </c:pt>
                 <c:pt idx="6">
-                  <c:v>5.7525767731601167</c:v>
+                  <c:v>6.3051171535883688</c:v>
                 </c:pt>
                 <c:pt idx="7">
-                  <c:v>5.938151144830961</c:v>
+                  <c:v>6.9108848653129904</c:v>
                 </c:pt>
                 <c:pt idx="8">
-                  <c:v>6.724557347258763</c:v>
+                  <c:v>7.638090996608204</c:v>
                 </c:pt>
                 <c:pt idx="9">
-                  <c:v>7.2481592742687555</c:v>
+                  <c:v>8.1768167991855609</c:v>
                 </c:pt>
                 <c:pt idx="10">
-                  <c:v>7.8059114651055914</c:v>
+                  <c:v>8.3266579737176798</c:v>
                 </c:pt>
                 <c:pt idx="11">
-                  <c:v>8.5373140534286414</c:v>
+                  <c:v>8.9249420079873172</c:v>
                 </c:pt>
                 <c:pt idx="12">
-                  <c:v>9.1671200495814595</c:v>
+                  <c:v>9.1693238668182815</c:v>
                 </c:pt>
                 <c:pt idx="13">
-                  <c:v>9.2764541515051953</c:v>
+                  <c:v>9.7932575895494995</c:v>
                 </c:pt>
                 <c:pt idx="14">
-                  <c:v>9.283646604715738</c:v>
+                  <c:v>9.9693754883892201</c:v>
                 </c:pt>
                 <c:pt idx="15">
-                  <c:v>9.6981332727836396</c:v>
+                  <c:v>10.380842782994176</c:v>
                 </c:pt>
                 <c:pt idx="16">
-                  <c:v>9.7315381983158744</c:v>
+                  <c:v>10.55992549121615</c:v>
                 </c:pt>
                 <c:pt idx="17">
-                  <c:v>10.059650751037916</c:v>
+                  <c:v>10.747379262388597</c:v>
                 </c:pt>
                 <c:pt idx="18">
-                  <c:v>10.06024877461768</c:v>
+                  <c:v>10.860721710699776</c:v>
                 </c:pt>
                 <c:pt idx="19">
-                  <c:v>10.216983161780657</c:v>
+                  <c:v>11.066363553720763</c:v>
                 </c:pt>
                 <c:pt idx="20">
-                  <c:v>10.406034049358507</c:v>
+                  <c:v>11.174330625801185</c:v>
                 </c:pt>
                 <c:pt idx="21">
-                  <c:v>10.903944864670976</c:v>
+                  <c:v>11.673292086077861</c:v>
                 </c:pt>
                 <c:pt idx="22">
-                  <c:v>10.914709823554226</c:v>
+                  <c:v>11.857032206793912</c:v>
                 </c:pt>
                 <c:pt idx="23">
-                  <c:v>11.758376909524795</c:v>
+                  <c:v>12.490186590278221</c:v>
                 </c:pt>
                 <c:pt idx="24">
-                  <c:v>11.759028774063598</c:v>
+                  <c:v>12.510575666746469</c:v>
                 </c:pt>
                 <c:pt idx="25">
-                  <c:v>11.935612042302854</c:v>
+                  <c:v>12.596022667019804</c:v>
                 </c:pt>
                 <c:pt idx="26">
-                  <c:v>12.077409913257314</c:v>
+                  <c:v>12.667660583598416</c:v>
                 </c:pt>
                 <c:pt idx="27">
-                  <c:v>12.279059380660067</c:v>
+                  <c:v>12.719110707215954</c:v>
                 </c:pt>
                 <c:pt idx="28">
-                  <c:v>12.335662599694317</c:v>
+                  <c:v>12.719110707215954</c:v>
                 </c:pt>
                 <c:pt idx="29">
-                  <c:v>12.335662599694317</c:v>
+                  <c:v>12.719110707215954</c:v>
                 </c:pt>
                 <c:pt idx="30">
-                  <c:v>12.472483284148783</c:v>
+                  <c:v>12.719110707215954</c:v>
                 </c:pt>
                 <c:pt idx="31">
-                  <c:v>12.472483284148783</c:v>
+                  <c:v>12.719110707215954</c:v>
                 </c:pt>
                 <c:pt idx="32">
-                  <c:v>12.472483284148783</c:v>
+                  <c:v>12.719110707215954</c:v>
                 </c:pt>
                 <c:pt idx="33">
-                  <c:v>12.472483284148783</c:v>
+                  <c:v>12.719110707215954</c:v>
                 </c:pt>
                 <c:pt idx="34">
-                  <c:v>12.472483284148783</c:v>
+                  <c:v>12.719110707215954</c:v>
                 </c:pt>
                 <c:pt idx="35">
-                  <c:v>12.472483284148783</c:v>
+                  <c:v>12.719110707215954</c:v>
                 </c:pt>
                 <c:pt idx="36">
-                  <c:v>12.472483284148783</c:v>
+                  <c:v>12.719110707215954</c:v>
                 </c:pt>
                 <c:pt idx="37">
-                  <c:v>12.472483284148783</c:v>
+                  <c:v>12.719110707215954</c:v>
                 </c:pt>
                 <c:pt idx="38">
-                  <c:v>12.472483284148783</c:v>
+                  <c:v>12.719110707215954</c:v>
                 </c:pt>
                 <c:pt idx="39">
-                  <c:v>12.472483284148783</c:v>
+                  <c:v>12.719110707215954</c:v>
                 </c:pt>
                 <c:pt idx="40">
-                  <c:v>12.472483284148783</c:v>
+                  <c:v>12.719110707215954</c:v>
                 </c:pt>
                 <c:pt idx="41">
-                  <c:v>12.472483284148783</c:v>
+                  <c:v>12.719110707215954</c:v>
                 </c:pt>
                 <c:pt idx="42">
-                  <c:v>12.472483284148783</c:v>
+                  <c:v>12.350364476900525</c:v>
                 </c:pt>
                 <c:pt idx="43">
-                  <c:v>12.439000047741022</c:v>
+                  <c:v>12.145810063317791</c:v>
                 </c:pt>
                 <c:pt idx="44">
-                  <c:v>12.326716370845054</c:v>
+                  <c:v>12.11318433017396</c:v>
                 </c:pt>
                 <c:pt idx="45">
-                  <c:v>12.072751433428085</c:v>
+                  <c:v>11.930384525653354</c:v>
                 </c:pt>
                 <c:pt idx="46">
-                  <c:v>11.915129049712416</c:v>
+                  <c:v>11.876980735674351</c:v>
                 </c:pt>
                 <c:pt idx="47">
-                  <c:v>11.270183701903113</c:v>
+                  <c:v>11.608861104419182</c:v>
                 </c:pt>
                 <c:pt idx="48">
-                  <c:v>10.818282139484234</c:v>
+                  <c:v>11.000075697914898</c:v>
                 </c:pt>
                 <c:pt idx="49">
-                  <c:v>10.627794744477759</c:v>
+                  <c:v>10.984718292010648</c:v>
                 </c:pt>
                 <c:pt idx="50">
-                  <c:v>10.521555270776359</c:v>
+                  <c:v>10.756239790679363</c:v>
                 </c:pt>
                 <c:pt idx="51">
-                  <c:v>10.498546519323851</c:v>
+                  <c:v>10.526042307357233</c:v>
                 </c:pt>
                 <c:pt idx="52">
-                  <c:v>10.146337082271396</c:v>
+                  <c:v>10.381012952861807</c:v>
                 </c:pt>
                 <c:pt idx="53">
-                  <c:v>9.9880087894737581</c:v>
+                  <c:v>10.038222937356561</c:v>
                 </c:pt>
                 <c:pt idx="54">
-                  <c:v>9.9198954529565739</c:v>
+                  <c:v>9.5391399310631453</c:v>
                 </c:pt>
                 <c:pt idx="55">
-                  <c:v>9.7369260219873173</c:v>
+                  <c:v>9.2819963039509812</c:v>
                 </c:pt>
                 <c:pt idx="56">
-                  <c:v>9.4233855000467184</c:v>
+                  <c:v>9.2792601351431134</c:v>
                 </c:pt>
                 <c:pt idx="57">
-                  <c:v>9.2174384587975133</c:v>
+                  <c:v>9.1650350283494628</c:v>
                 </c:pt>
                 <c:pt idx="58">
-                  <c:v>9.2109710419767037</c:v>
+                  <c:v>8.9436180141858834</c:v>
                 </c:pt>
                 <c:pt idx="59">
-                  <c:v>8.9272405639929762</c:v>
+                  <c:v>8.9217920309291276</c:v>
                 </c:pt>
                 <c:pt idx="60">
-                  <c:v>8.7753357035278672</c:v>
+                  <c:v>8.7234162743293524</c:v>
                 </c:pt>
                 <c:pt idx="61">
-                  <c:v>8.6553187496789814</c:v>
+                  <c:v>8.6371890560022067</c:v>
                 </c:pt>
                 <c:pt idx="62">
-                  <c:v>8.6149462701020951</c:v>
+                  <c:v>8.6371890560022067</c:v>
                 </c:pt>
                 <c:pt idx="63">
-                  <c:v>8.5363483333583865</c:v>
+                  <c:v>8.5632945464128163</c:v>
                 </c:pt>
                 <c:pt idx="64">
-                  <c:v>8.4217072939626014</c:v>
+                  <c:v>8.5027721007940045</c:v>
                 </c:pt>
                 <c:pt idx="65">
-                  <c:v>8.2933992260661942</c:v>
+                  <c:v>8.3356136889804358</c:v>
                 </c:pt>
                 <c:pt idx="66">
-                  <c:v>7.968488727894135</c:v>
+                  <c:v>8.2971148128752521</c:v>
                 </c:pt>
                 <c:pt idx="67">
-                  <c:v>7.9525631057996522</c:v>
+                  <c:v>8.2016345654080656</c:v>
                 </c:pt>
                 <c:pt idx="68">
-                  <c:v>7.9446359850841901</c:v>
+                  <c:v>7.9434807341358145</c:v>
                 </c:pt>
                 <c:pt idx="69">
-                  <c:v>7.894596509580694</c:v>
+                  <c:v>7.8728594965924072</c:v>
                 </c:pt>
                 <c:pt idx="70">
-                  <c:v>7.798326846798119</c:v>
+                  <c:v>7.8234544780597961</c:v>
                 </c:pt>
                 <c:pt idx="71">
-                  <c:v>7.7611239859436436</c:v>
+                  <c:v>7.5129552746777311</c:v>
                 </c:pt>
                 <c:pt idx="72">
-                  <c:v>7.284804875834566</c:v>
+                  <c:v>7.3428602932049714</c:v>
                 </c:pt>
                 <c:pt idx="73">
-                  <c:v>7.164118239464794</c:v>
+                  <c:v>7.1465622803189683</c:v>
                 </c:pt>
                 <c:pt idx="74">
-                  <c:v>7.0515540348099215</c:v>
+                  <c:v>7.0866222002211581</c:v>
                 </c:pt>
                 <c:pt idx="75">
-                  <c:v>6.8995363857061021</c:v>
+                  <c:v>6.98872482775728</c:v>
                 </c:pt>
                 <c:pt idx="76">
-                  <c:v>6.8972844577638632</c:v>
+                  <c:v>6.9210498634387987</c:v>
                 </c:pt>
                 <c:pt idx="77">
-                  <c:v>6.8462691208644646</c:v>
+                  <c:v>6.8982753492383679</c:v>
                 </c:pt>
                 <c:pt idx="78">
-                  <c:v>6.8162540102353022</c:v>
+                  <c:v>6.8913357039704071</c:v>
                 </c:pt>
                 <c:pt idx="79">
-                  <c:v>6.74732533774805</c:v>
+                  <c:v>6.8831499418287754</c:v>
                 </c:pt>
                 <c:pt idx="80">
-                  <c:v>6.7261923882611825</c:v>
+                  <c:v>6.8467647268196332</c:v>
                 </c:pt>
                 <c:pt idx="81">
-                  <c:v>6.5208346132043999</c:v>
+                  <c:v>6.742997645001946</c:v>
                 </c:pt>
                 <c:pt idx="82">
-                  <c:v>6.4330552722163734</c:v>
+                  <c:v>6.4141272497246105</c:v>
                 </c:pt>
                 <c:pt idx="83">
-                  <c:v>6.4031534566836559</c:v>
+                  <c:v>6.3361636947116011</c:v>
                 </c:pt>
                 <c:pt idx="84">
-                  <c:v>6.4031534566836559</c:v>
+                  <c:v>6.3036090208000557</c:v>
                 </c:pt>
                 <c:pt idx="85">
-                  <c:v>6.2123242516167387</c:v>
+                  <c:v>6.2250744932604967</c:v>
                 </c:pt>
                 <c:pt idx="86">
-                  <c:v>6.1869861514685978</c:v>
+                  <c:v>6.2045427628893792</c:v>
                 </c:pt>
                 <c:pt idx="87">
-                  <c:v>6.1869861514685978</c:v>
+                  <c:v>6.1031198433834204</c:v>
                 </c:pt>
                 <c:pt idx="88">
-                  <c:v>6.1369054883092646</c:v>
+                  <c:v>6.0975077344341235</c:v>
                 </c:pt>
                 <c:pt idx="89">
-                  <c:v>6.068560734197348</c:v>
+                  <c:v>6.0809823376762298</c:v>
                 </c:pt>
                 <c:pt idx="90">
-                  <c:v>6.00844204102658</c:v>
+                  <c:v>5.9819577317801755</c:v>
                 </c:pt>
                 <c:pt idx="91">
-                  <c:v>5.9225407652922915</c:v>
+                  <c:v>5.9612170659502759</c:v>
                 </c:pt>
                 <c:pt idx="92">
-                  <c:v>5.8777482096281837</c:v>
+                  <c:v>5.9204593853260841</c:v>
                 </c:pt>
                 <c:pt idx="93">
-                  <c:v>5.8662481541298357</c:v>
+                  <c:v>5.6820971649679555</c:v>
                 </c:pt>
                 <c:pt idx="94">
-                  <c:v>5.7459228373907356</c:v>
+                  <c:v>5.6189226800364187</c:v>
                 </c:pt>
                 <c:pt idx="95">
-                  <c:v>5.3923238247569092</c:v>
+                  <c:v>5.4721949393606151</c:v>
                 </c:pt>
                 <c:pt idx="96">
-                  <c:v>5.362031668655896</c:v>
+                  <c:v>5.4429336243601014</c:v>
                 </c:pt>
                 <c:pt idx="97">
-                  <c:v>5.3602890256386759</c:v>
+                  <c:v>5.3885824951893291</c:v>
                 </c:pt>
                 <c:pt idx="98">
-                  <c:v>5.3361075830041313</c:v>
+                  <c:v>5.358178301208409</c:v>
                 </c:pt>
                 <c:pt idx="99">
-                  <c:v>5.3184198988999318</c:v>
+                  <c:v>5.2134134259170262</c:v>
                 </c:pt>
                 <c:pt idx="100">
-                  <c:v>5.2619270296034495</c:v>
+                  <c:v>5.1753061984860906</c:v>
                 </c:pt>
                 <c:pt idx="101">
-                  <c:v>5.1275914089986347</c:v>
+                  <c:v>5.1490063764799121</c:v>
                 </c:pt>
                 <c:pt idx="102">
-                  <c:v>5.0595674986764854</c:v>
+                  <c:v>5.0918598811035043</c:v>
                 </c:pt>
                 <c:pt idx="103">
-                  <c:v>5.0563232583168807</c:v>
+                  <c:v>4.9804989717990331</c:v>
                 </c:pt>
                 <c:pt idx="104">
-                  <c:v>5.0382232303009324</c:v>
+                  <c:v>4.9456858991057056</c:v>
                 </c:pt>
                 <c:pt idx="105">
-                  <c:v>4.9687922861052956</c:v>
+                  <c:v>4.8858313786103418</c:v>
                 </c:pt>
                 <c:pt idx="106">
-                  <c:v>4.9595268692174939</c:v>
+                  <c:v>4.8766944300343535</c:v>
                 </c:pt>
                 <c:pt idx="107">
-                  <c:v>4.9468417079168017</c:v>
+                  <c:v>4.8659984239241343</c:v>
                 </c:pt>
                 <c:pt idx="108">
-                  <c:v>4.8596958411180635</c:v>
+                  <c:v>4.8022835591942981</c:v>
                 </c:pt>
                 <c:pt idx="109">
-                  <c:v>4.8464721465569163</c:v>
+                  <c:v>4.8022835591942981</c:v>
                 </c:pt>
                 <c:pt idx="110">
-                  <c:v>4.8377487075627652</c:v>
+                  <c:v>4.7609966790049683</c:v>
                 </c:pt>
                 <c:pt idx="111">
-                  <c:v>4.8290566157662882</c:v>
+                  <c:v>4.7609966790049683</c:v>
                 </c:pt>
                 <c:pt idx="112">
-                  <c:v>4.8185727724376983</c:v>
+                  <c:v>4.720413662420845</c:v>
                 </c:pt>
                 <c:pt idx="113">
-                  <c:v>4.8081343511783592</c:v>
+                  <c:v>4.720413662420845</c:v>
                 </c:pt>
                 <c:pt idx="114">
-                  <c:v>4.7648479517554634</c:v>
+                  <c:v>4.6979152737195191</c:v>
                 </c:pt>
                 <c:pt idx="115">
-                  <c:v>4.7435909713540534</c:v>
+                  <c:v>4.6867728023037749</c:v>
                 </c:pt>
                 <c:pt idx="116">
-                  <c:v>4.7223339909526434</c:v>
+                  <c:v>4.6756303308880307</c:v>
                 </c:pt>
                 <c:pt idx="117">
-                  <c:v>4.7217638371315598</c:v>
+                  <c:v>4.6656045265911956</c:v>
                 </c:pt>
                 <c:pt idx="118">
-                  <c:v>4.7211936833104762</c:v>
+                  <c:v>4.6555787222943614</c:v>
                 </c:pt>
               </c:numCache>
             </c:numRef>
@@ -8781,7 +8781,7 @@
           <c:smooth val="1"/>
           <c:extLst>
             <c:ext xmlns:c16="http://schemas.microsoft.com/office/drawing/2014/chart" uri="{C3380CC4-5D6E-409C-BE32-E72D297353CC}">
-              <c16:uniqueId val="{00000001-2C13-4061-B083-C154BF7FF2ED}"/>
+              <c16:uniqueId val="{00000001-2306-4CDE-B78D-A36319827E0B}"/>
             </c:ext>
           </c:extLst>
         </c:ser>
@@ -21165,7 +21165,7 @@
           <a:graphicData uri="http://schemas.openxmlformats.org/presentationml/2006/ole">
             <mc:AlternateContent xmlns:mc="http://schemas.openxmlformats.org/markup-compatibility/2006">
               <mc:Choice xmlns:v="urn:schemas-microsoft-com:vml" Requires="v">
-                <p:oleObj spid="_x0000_s1033" name="Visio" r:id="rId3" imgW="5360536" imgH="2350402" progId="Visio.Drawing.15">
+                <p:oleObj spid="_x0000_s1034" name="Visio" r:id="rId3" imgW="5360536" imgH="2350402" progId="Visio.Drawing.15">
                   <p:embed/>
                 </p:oleObj>
               </mc:Choice>
@@ -21324,7 +21324,7 @@
       </p:sp>
       <p:graphicFrame>
         <p:nvGraphicFramePr>
-          <p:cNvPr id="10" name="Espace réservé du contenu 9">
+          <p:cNvPr id="9" name="Espace réservé du contenu 8">
             <a:extLst>
               <a:ext uri="{FF2B5EF4-FFF2-40B4-BE49-F238E27FC236}">
                 <a16:creationId xmlns:a16="http://schemas.microsoft.com/office/drawing/2014/main" id="{23F6D844-E994-4E18-8B74-8E38B5648E60}"/>
@@ -21338,7 +21338,7 @@
             <p:ph sz="half" idx="1"/>
             <p:extLst>
               <p:ext uri="{D42A27DB-BD31-4B8C-83A1-F6EECF244321}">
-                <p14:modId xmlns:p14="http://schemas.microsoft.com/office/powerpoint/2010/main" val="1976318584"/>
+                <p14:modId xmlns:p14="http://schemas.microsoft.com/office/powerpoint/2010/main" val="3864296297"/>
               </p:ext>
             </p:extLst>
           </p:nvPr>
@@ -21355,7 +21355,7 @@
       </p:graphicFrame>
       <p:graphicFrame>
         <p:nvGraphicFramePr>
-          <p:cNvPr id="12" name="Espace réservé du contenu 11">
+          <p:cNvPr id="11" name="Espace réservé du contenu 10">
             <a:extLst>
               <a:ext uri="{FF2B5EF4-FFF2-40B4-BE49-F238E27FC236}">
                 <a16:creationId xmlns:a16="http://schemas.microsoft.com/office/drawing/2014/main" id="{04153505-FD7A-4204-8A28-8D940B1B8A48}"/>
@@ -21369,7 +21369,7 @@
             <p:ph sz="half" idx="2"/>
             <p:extLst>
               <p:ext uri="{D42A27DB-BD31-4B8C-83A1-F6EECF244321}">
-                <p14:modId xmlns:p14="http://schemas.microsoft.com/office/powerpoint/2010/main" val="167700867"/>
+                <p14:modId xmlns:p14="http://schemas.microsoft.com/office/powerpoint/2010/main" val="2189265793"/>
               </p:ext>
             </p:extLst>
           </p:nvPr>
@@ -21508,7 +21508,7 @@
       </p:sp>
       <p:graphicFrame>
         <p:nvGraphicFramePr>
-          <p:cNvPr id="9" name="Espace réservé du contenu 8">
+          <p:cNvPr id="10" name="Espace réservé du contenu 9">
             <a:extLst>
               <a:ext uri="{FF2B5EF4-FFF2-40B4-BE49-F238E27FC236}">
                 <a16:creationId xmlns:a16="http://schemas.microsoft.com/office/drawing/2014/main" id="{53277FF8-F311-4B55-A82D-FE111B8B5F0C}"/>
@@ -21522,7 +21522,7 @@
             <p:ph sz="half" idx="1"/>
             <p:extLst>
               <p:ext uri="{D42A27DB-BD31-4B8C-83A1-F6EECF244321}">
-                <p14:modId xmlns:p14="http://schemas.microsoft.com/office/powerpoint/2010/main" val="2952342911"/>
+                <p14:modId xmlns:p14="http://schemas.microsoft.com/office/powerpoint/2010/main" val="2051203391"/>
               </p:ext>
             </p:extLst>
           </p:nvPr>
@@ -21539,7 +21539,7 @@
       </p:graphicFrame>
       <p:graphicFrame>
         <p:nvGraphicFramePr>
-          <p:cNvPr id="13" name="Espace réservé du contenu 12">
+          <p:cNvPr id="11" name="Espace réservé du contenu 10">
             <a:extLst>
               <a:ext uri="{FF2B5EF4-FFF2-40B4-BE49-F238E27FC236}">
                 <a16:creationId xmlns:a16="http://schemas.microsoft.com/office/drawing/2014/main" id="{962C72E9-60F6-4556-8006-3B0F0D341774}"/>
@@ -21553,7 +21553,7 @@
             <p:ph sz="half" idx="2"/>
             <p:extLst>
               <p:ext uri="{D42A27DB-BD31-4B8C-83A1-F6EECF244321}">
-                <p14:modId xmlns:p14="http://schemas.microsoft.com/office/powerpoint/2010/main" val="1627051805"/>
+                <p14:modId xmlns:p14="http://schemas.microsoft.com/office/powerpoint/2010/main" val="169118575"/>
               </p:ext>
             </p:extLst>
           </p:nvPr>
